--- a/presentation.pptx
+++ b/presentation.pptx
@@ -8,6 +8,10 @@
     <p:sldId id="256" r:id="rId2"/>
     <p:sldId id="257" r:id="rId3"/>
     <p:sldId id="258" r:id="rId4"/>
+    <p:sldId id="259" r:id="rId5"/>
+    <p:sldId id="260" r:id="rId6"/>
+    <p:sldId id="262" r:id="rId7"/>
+    <p:sldId id="261" r:id="rId8"/>
   </p:sldIdLst>
   <p:sldSz cx="12192000" cy="6858000"/>
   <p:notesSz cx="6858000" cy="9144000"/>
@@ -122,6 +126,7 @@
     <p1510:client id="{77FF1562-20CC-146D-753C-23897E5603EA}" v="5" dt="2021-05-07T09:04:37.846"/>
     <p1510:client id="{B590C84C-54FA-2107-3CA3-CC44412A6526}" v="491" dt="2021-05-07T09:24:45.559"/>
     <p1510:client id="{D6D85BDA-282E-ABA8-1DBA-D9350B41E0C6}" v="446" dt="2021-05-07T08:07:12.102"/>
+    <p1510:client id="{EA52EB06-EC76-35C8-B8E7-572C0DD8D95A}" v="1292" dt="2021-05-07T13:29:05.099"/>
   </p1510:revLst>
 </p1510:revInfo>
 </file>
@@ -869,6 +874,753 @@
     <dgm:txLinClrLst/>
     <dgm:txFillClrLst meth="repeat">
       <a:schemeClr val="bg1"/>
+    </dgm:txFillClrLst>
+    <dgm:txEffectClrLst/>
+  </dgm:styleLbl>
+</dgm:colorsDef>
+</file>
+
+<file path=ppt/diagrams/colors2.xml><?xml version="1.0" encoding="utf-8"?>
+<dgm:colorsDef xmlns:dgm="http://schemas.openxmlformats.org/drawingml/2006/diagram" xmlns:a="http://schemas.openxmlformats.org/drawingml/2006/main" uniqueId="urn:microsoft.com/office/officeart/2005/8/colors/accent1_2">
+  <dgm:title val=""/>
+  <dgm:desc val=""/>
+  <dgm:catLst>
+    <dgm:cat type="accent1" pri="11200"/>
+  </dgm:catLst>
+  <dgm:styleLbl name="node0">
+    <dgm:fillClrLst meth="repeat">
+      <a:schemeClr val="accent1"/>
+    </dgm:fillClrLst>
+    <dgm:linClrLst meth="repeat">
+      <a:schemeClr val="lt1"/>
+    </dgm:linClrLst>
+    <dgm:effectClrLst/>
+    <dgm:txLinClrLst/>
+    <dgm:txFillClrLst/>
+    <dgm:txEffectClrLst/>
+  </dgm:styleLbl>
+  <dgm:styleLbl name="alignNode1">
+    <dgm:fillClrLst meth="repeat">
+      <a:schemeClr val="accent1"/>
+    </dgm:fillClrLst>
+    <dgm:linClrLst meth="repeat">
+      <a:schemeClr val="accent1"/>
+    </dgm:linClrLst>
+    <dgm:effectClrLst/>
+    <dgm:txLinClrLst/>
+    <dgm:txFillClrLst/>
+    <dgm:txEffectClrLst/>
+  </dgm:styleLbl>
+  <dgm:styleLbl name="node1">
+    <dgm:fillClrLst meth="repeat">
+      <a:schemeClr val="accent1"/>
+    </dgm:fillClrLst>
+    <dgm:linClrLst meth="repeat">
+      <a:schemeClr val="lt1"/>
+    </dgm:linClrLst>
+    <dgm:effectClrLst/>
+    <dgm:txLinClrLst/>
+    <dgm:txFillClrLst/>
+    <dgm:txEffectClrLst/>
+  </dgm:styleLbl>
+  <dgm:styleLbl name="lnNode1">
+    <dgm:fillClrLst meth="repeat">
+      <a:schemeClr val="accent1"/>
+    </dgm:fillClrLst>
+    <dgm:linClrLst meth="repeat">
+      <a:schemeClr val="lt1"/>
+    </dgm:linClrLst>
+    <dgm:effectClrLst/>
+    <dgm:txLinClrLst/>
+    <dgm:txFillClrLst/>
+    <dgm:txEffectClrLst/>
+  </dgm:styleLbl>
+  <dgm:styleLbl name="vennNode1">
+    <dgm:fillClrLst meth="repeat">
+      <a:schemeClr val="accent1">
+        <a:alpha val="50000"/>
+      </a:schemeClr>
+    </dgm:fillClrLst>
+    <dgm:linClrLst meth="repeat">
+      <a:schemeClr val="lt1"/>
+    </dgm:linClrLst>
+    <dgm:effectClrLst/>
+    <dgm:txLinClrLst/>
+    <dgm:txFillClrLst/>
+    <dgm:txEffectClrLst/>
+  </dgm:styleLbl>
+  <dgm:styleLbl name="node2">
+    <dgm:fillClrLst meth="repeat">
+      <a:schemeClr val="accent1"/>
+    </dgm:fillClrLst>
+    <dgm:linClrLst meth="repeat">
+      <a:schemeClr val="lt1"/>
+    </dgm:linClrLst>
+    <dgm:effectClrLst/>
+    <dgm:txLinClrLst/>
+    <dgm:txFillClrLst/>
+    <dgm:txEffectClrLst/>
+  </dgm:styleLbl>
+  <dgm:styleLbl name="node3">
+    <dgm:fillClrLst meth="repeat">
+      <a:schemeClr val="accent1"/>
+    </dgm:fillClrLst>
+    <dgm:linClrLst meth="repeat">
+      <a:schemeClr val="lt1"/>
+    </dgm:linClrLst>
+    <dgm:effectClrLst/>
+    <dgm:txLinClrLst/>
+    <dgm:txFillClrLst/>
+    <dgm:txEffectClrLst/>
+  </dgm:styleLbl>
+  <dgm:styleLbl name="node4">
+    <dgm:fillClrLst meth="repeat">
+      <a:schemeClr val="accent1"/>
+    </dgm:fillClrLst>
+    <dgm:linClrLst meth="repeat">
+      <a:schemeClr val="lt1"/>
+    </dgm:linClrLst>
+    <dgm:effectClrLst/>
+    <dgm:txLinClrLst/>
+    <dgm:txFillClrLst/>
+    <dgm:txEffectClrLst/>
+  </dgm:styleLbl>
+  <dgm:styleLbl name="fgImgPlace1">
+    <dgm:fillClrLst meth="repeat">
+      <a:schemeClr val="accent1">
+        <a:tint val="50000"/>
+      </a:schemeClr>
+    </dgm:fillClrLst>
+    <dgm:linClrLst meth="repeat">
+      <a:schemeClr val="lt1"/>
+    </dgm:linClrLst>
+    <dgm:effectClrLst/>
+    <dgm:txLinClrLst/>
+    <dgm:txFillClrLst meth="repeat">
+      <a:schemeClr val="lt1"/>
+    </dgm:txFillClrLst>
+    <dgm:txEffectClrLst/>
+  </dgm:styleLbl>
+  <dgm:styleLbl name="alignImgPlace1">
+    <dgm:fillClrLst meth="repeat">
+      <a:schemeClr val="accent1">
+        <a:tint val="50000"/>
+      </a:schemeClr>
+    </dgm:fillClrLst>
+    <dgm:linClrLst meth="repeat">
+      <a:schemeClr val="lt1"/>
+    </dgm:linClrLst>
+    <dgm:effectClrLst/>
+    <dgm:txLinClrLst/>
+    <dgm:txFillClrLst meth="repeat">
+      <a:schemeClr val="lt1"/>
+    </dgm:txFillClrLst>
+    <dgm:txEffectClrLst/>
+  </dgm:styleLbl>
+  <dgm:styleLbl name="bgImgPlace1">
+    <dgm:fillClrLst meth="repeat">
+      <a:schemeClr val="accent1">
+        <a:tint val="50000"/>
+      </a:schemeClr>
+    </dgm:fillClrLst>
+    <dgm:linClrLst meth="repeat">
+      <a:schemeClr val="lt1"/>
+    </dgm:linClrLst>
+    <dgm:effectClrLst/>
+    <dgm:txLinClrLst/>
+    <dgm:txFillClrLst meth="repeat">
+      <a:schemeClr val="lt1"/>
+    </dgm:txFillClrLst>
+    <dgm:txEffectClrLst/>
+  </dgm:styleLbl>
+  <dgm:styleLbl name="sibTrans2D1">
+    <dgm:fillClrLst meth="repeat">
+      <a:schemeClr val="accent1">
+        <a:tint val="60000"/>
+      </a:schemeClr>
+    </dgm:fillClrLst>
+    <dgm:linClrLst meth="repeat">
+      <a:schemeClr val="accent1">
+        <a:tint val="60000"/>
+      </a:schemeClr>
+    </dgm:linClrLst>
+    <dgm:effectClrLst/>
+    <dgm:txLinClrLst/>
+    <dgm:txFillClrLst/>
+    <dgm:txEffectClrLst/>
+  </dgm:styleLbl>
+  <dgm:styleLbl name="fgSibTrans2D1">
+    <dgm:fillClrLst meth="repeat">
+      <a:schemeClr val="accent1">
+        <a:tint val="60000"/>
+      </a:schemeClr>
+    </dgm:fillClrLst>
+    <dgm:linClrLst meth="repeat">
+      <a:schemeClr val="accent1">
+        <a:tint val="60000"/>
+      </a:schemeClr>
+    </dgm:linClrLst>
+    <dgm:effectClrLst/>
+    <dgm:txLinClrLst/>
+    <dgm:txFillClrLst/>
+    <dgm:txEffectClrLst/>
+  </dgm:styleLbl>
+  <dgm:styleLbl name="bgSibTrans2D1">
+    <dgm:fillClrLst meth="repeat">
+      <a:schemeClr val="accent1">
+        <a:tint val="60000"/>
+      </a:schemeClr>
+    </dgm:fillClrLst>
+    <dgm:linClrLst meth="repeat">
+      <a:schemeClr val="accent1">
+        <a:tint val="60000"/>
+      </a:schemeClr>
+    </dgm:linClrLst>
+    <dgm:effectClrLst/>
+    <dgm:txLinClrLst/>
+    <dgm:txFillClrLst/>
+    <dgm:txEffectClrLst/>
+  </dgm:styleLbl>
+  <dgm:styleLbl name="sibTrans1D1">
+    <dgm:fillClrLst meth="repeat">
+      <a:schemeClr val="accent1"/>
+    </dgm:fillClrLst>
+    <dgm:linClrLst meth="repeat">
+      <a:schemeClr val="accent1"/>
+    </dgm:linClrLst>
+    <dgm:effectClrLst/>
+    <dgm:txLinClrLst/>
+    <dgm:txFillClrLst meth="repeat">
+      <a:schemeClr val="tx1"/>
+    </dgm:txFillClrLst>
+    <dgm:txEffectClrLst/>
+  </dgm:styleLbl>
+  <dgm:styleLbl name="callout">
+    <dgm:fillClrLst meth="repeat">
+      <a:schemeClr val="accent1"/>
+    </dgm:fillClrLst>
+    <dgm:linClrLst meth="repeat">
+      <a:schemeClr val="accent1">
+        <a:tint val="50000"/>
+      </a:schemeClr>
+    </dgm:linClrLst>
+    <dgm:effectClrLst/>
+    <dgm:txLinClrLst/>
+    <dgm:txFillClrLst meth="repeat">
+      <a:schemeClr val="tx1"/>
+    </dgm:txFillClrLst>
+    <dgm:txEffectClrLst/>
+  </dgm:styleLbl>
+  <dgm:styleLbl name="asst0">
+    <dgm:fillClrLst meth="repeat">
+      <a:schemeClr val="accent1"/>
+    </dgm:fillClrLst>
+    <dgm:linClrLst meth="repeat">
+      <a:schemeClr val="lt1"/>
+    </dgm:linClrLst>
+    <dgm:effectClrLst/>
+    <dgm:txLinClrLst/>
+    <dgm:txFillClrLst/>
+    <dgm:txEffectClrLst/>
+  </dgm:styleLbl>
+  <dgm:styleLbl name="asst1">
+    <dgm:fillClrLst meth="repeat">
+      <a:schemeClr val="accent1"/>
+    </dgm:fillClrLst>
+    <dgm:linClrLst meth="repeat">
+      <a:schemeClr val="lt1"/>
+    </dgm:linClrLst>
+    <dgm:effectClrLst/>
+    <dgm:txLinClrLst/>
+    <dgm:txFillClrLst/>
+    <dgm:txEffectClrLst/>
+  </dgm:styleLbl>
+  <dgm:styleLbl name="asst2">
+    <dgm:fillClrLst meth="repeat">
+      <a:schemeClr val="accent1"/>
+    </dgm:fillClrLst>
+    <dgm:linClrLst meth="repeat">
+      <a:schemeClr val="lt1"/>
+    </dgm:linClrLst>
+    <dgm:effectClrLst/>
+    <dgm:txLinClrLst/>
+    <dgm:txFillClrLst/>
+    <dgm:txEffectClrLst/>
+  </dgm:styleLbl>
+  <dgm:styleLbl name="asst3">
+    <dgm:fillClrLst meth="repeat">
+      <a:schemeClr val="accent1"/>
+    </dgm:fillClrLst>
+    <dgm:linClrLst meth="repeat">
+      <a:schemeClr val="lt1"/>
+    </dgm:linClrLst>
+    <dgm:effectClrLst/>
+    <dgm:txLinClrLst/>
+    <dgm:txFillClrLst/>
+    <dgm:txEffectClrLst/>
+  </dgm:styleLbl>
+  <dgm:styleLbl name="asst4">
+    <dgm:fillClrLst meth="repeat">
+      <a:schemeClr val="accent1"/>
+    </dgm:fillClrLst>
+    <dgm:linClrLst meth="repeat">
+      <a:schemeClr val="lt1"/>
+    </dgm:linClrLst>
+    <dgm:effectClrLst/>
+    <dgm:txLinClrLst/>
+    <dgm:txFillClrLst/>
+    <dgm:txEffectClrLst/>
+  </dgm:styleLbl>
+  <dgm:styleLbl name="parChTrans2D1">
+    <dgm:fillClrLst meth="repeat">
+      <a:schemeClr val="accent1">
+        <a:tint val="60000"/>
+      </a:schemeClr>
+    </dgm:fillClrLst>
+    <dgm:linClrLst meth="repeat">
+      <a:schemeClr val="accent1">
+        <a:tint val="60000"/>
+      </a:schemeClr>
+    </dgm:linClrLst>
+    <dgm:effectClrLst/>
+    <dgm:txLinClrLst/>
+    <dgm:txFillClrLst meth="repeat">
+      <a:schemeClr val="lt1"/>
+    </dgm:txFillClrLst>
+    <dgm:txEffectClrLst/>
+  </dgm:styleLbl>
+  <dgm:styleLbl name="parChTrans2D2">
+    <dgm:fillClrLst meth="repeat">
+      <a:schemeClr val="accent1"/>
+    </dgm:fillClrLst>
+    <dgm:linClrLst meth="repeat">
+      <a:schemeClr val="accent1"/>
+    </dgm:linClrLst>
+    <dgm:effectClrLst/>
+    <dgm:txLinClrLst/>
+    <dgm:txFillClrLst meth="repeat">
+      <a:schemeClr val="lt1"/>
+    </dgm:txFillClrLst>
+    <dgm:txEffectClrLst/>
+  </dgm:styleLbl>
+  <dgm:styleLbl name="parChTrans2D3">
+    <dgm:fillClrLst meth="repeat">
+      <a:schemeClr val="accent1"/>
+    </dgm:fillClrLst>
+    <dgm:linClrLst meth="repeat">
+      <a:schemeClr val="accent1"/>
+    </dgm:linClrLst>
+    <dgm:effectClrLst/>
+    <dgm:txLinClrLst/>
+    <dgm:txFillClrLst meth="repeat">
+      <a:schemeClr val="lt1"/>
+    </dgm:txFillClrLst>
+    <dgm:txEffectClrLst/>
+  </dgm:styleLbl>
+  <dgm:styleLbl name="parChTrans2D4">
+    <dgm:fillClrLst meth="repeat">
+      <a:schemeClr val="accent1"/>
+    </dgm:fillClrLst>
+    <dgm:linClrLst meth="repeat">
+      <a:schemeClr val="accent1"/>
+    </dgm:linClrLst>
+    <dgm:effectClrLst/>
+    <dgm:txLinClrLst/>
+    <dgm:txFillClrLst meth="repeat">
+      <a:schemeClr val="lt1"/>
+    </dgm:txFillClrLst>
+    <dgm:txEffectClrLst/>
+  </dgm:styleLbl>
+  <dgm:styleLbl name="parChTrans1D1">
+    <dgm:fillClrLst meth="repeat">
+      <a:schemeClr val="accent1"/>
+    </dgm:fillClrLst>
+    <dgm:linClrLst meth="repeat">
+      <a:schemeClr val="accent1">
+        <a:shade val="60000"/>
+      </a:schemeClr>
+    </dgm:linClrLst>
+    <dgm:effectClrLst/>
+    <dgm:txLinClrLst/>
+    <dgm:txFillClrLst meth="repeat">
+      <a:schemeClr val="tx1"/>
+    </dgm:txFillClrLst>
+    <dgm:txEffectClrLst/>
+  </dgm:styleLbl>
+  <dgm:styleLbl name="parChTrans1D2">
+    <dgm:fillClrLst meth="repeat">
+      <a:schemeClr val="accent1"/>
+    </dgm:fillClrLst>
+    <dgm:linClrLst meth="repeat">
+      <a:schemeClr val="accent1">
+        <a:shade val="60000"/>
+      </a:schemeClr>
+    </dgm:linClrLst>
+    <dgm:effectClrLst/>
+    <dgm:txLinClrLst/>
+    <dgm:txFillClrLst meth="repeat">
+      <a:schemeClr val="tx1"/>
+    </dgm:txFillClrLst>
+    <dgm:txEffectClrLst/>
+  </dgm:styleLbl>
+  <dgm:styleLbl name="parChTrans1D3">
+    <dgm:fillClrLst meth="repeat">
+      <a:schemeClr val="accent1"/>
+    </dgm:fillClrLst>
+    <dgm:linClrLst meth="repeat">
+      <a:schemeClr val="accent1">
+        <a:shade val="80000"/>
+      </a:schemeClr>
+    </dgm:linClrLst>
+    <dgm:effectClrLst/>
+    <dgm:txLinClrLst/>
+    <dgm:txFillClrLst meth="repeat">
+      <a:schemeClr val="tx1"/>
+    </dgm:txFillClrLst>
+    <dgm:txEffectClrLst/>
+  </dgm:styleLbl>
+  <dgm:styleLbl name="parChTrans1D4">
+    <dgm:fillClrLst meth="repeat">
+      <a:schemeClr val="accent1"/>
+    </dgm:fillClrLst>
+    <dgm:linClrLst meth="repeat">
+      <a:schemeClr val="accent1">
+        <a:shade val="80000"/>
+      </a:schemeClr>
+    </dgm:linClrLst>
+    <dgm:effectClrLst/>
+    <dgm:txLinClrLst/>
+    <dgm:txFillClrLst meth="repeat">
+      <a:schemeClr val="tx1"/>
+    </dgm:txFillClrLst>
+    <dgm:txEffectClrLst/>
+  </dgm:styleLbl>
+  <dgm:styleLbl name="fgAcc1">
+    <dgm:fillClrLst meth="repeat">
+      <a:schemeClr val="lt1">
+        <a:alpha val="90000"/>
+      </a:schemeClr>
+    </dgm:fillClrLst>
+    <dgm:linClrLst meth="repeat">
+      <a:schemeClr val="accent1"/>
+    </dgm:linClrLst>
+    <dgm:effectClrLst/>
+    <dgm:txLinClrLst/>
+    <dgm:txFillClrLst meth="repeat">
+      <a:schemeClr val="dk1"/>
+    </dgm:txFillClrLst>
+    <dgm:txEffectClrLst/>
+  </dgm:styleLbl>
+  <dgm:styleLbl name="conFgAcc1">
+    <dgm:fillClrLst meth="repeat">
+      <a:schemeClr val="lt1">
+        <a:alpha val="90000"/>
+      </a:schemeClr>
+    </dgm:fillClrLst>
+    <dgm:linClrLst meth="repeat">
+      <a:schemeClr val="accent1"/>
+    </dgm:linClrLst>
+    <dgm:effectClrLst/>
+    <dgm:txLinClrLst/>
+    <dgm:txFillClrLst meth="repeat">
+      <a:schemeClr val="dk1"/>
+    </dgm:txFillClrLst>
+    <dgm:txEffectClrLst/>
+  </dgm:styleLbl>
+  <dgm:styleLbl name="alignAcc1">
+    <dgm:fillClrLst meth="repeat">
+      <a:schemeClr val="lt1">
+        <a:alpha val="90000"/>
+      </a:schemeClr>
+    </dgm:fillClrLst>
+    <dgm:linClrLst meth="repeat">
+      <a:schemeClr val="accent1"/>
+    </dgm:linClrLst>
+    <dgm:effectClrLst/>
+    <dgm:txLinClrLst/>
+    <dgm:txFillClrLst meth="repeat">
+      <a:schemeClr val="dk1"/>
+    </dgm:txFillClrLst>
+    <dgm:txEffectClrLst/>
+  </dgm:styleLbl>
+  <dgm:styleLbl name="trAlignAcc1">
+    <dgm:fillClrLst meth="repeat">
+      <a:schemeClr val="lt1">
+        <a:alpha val="40000"/>
+      </a:schemeClr>
+    </dgm:fillClrLst>
+    <dgm:linClrLst meth="repeat">
+      <a:schemeClr val="accent1"/>
+    </dgm:linClrLst>
+    <dgm:effectClrLst/>
+    <dgm:txLinClrLst/>
+    <dgm:txFillClrLst meth="repeat">
+      <a:schemeClr val="dk1"/>
+    </dgm:txFillClrLst>
+    <dgm:txEffectClrLst/>
+  </dgm:styleLbl>
+  <dgm:styleLbl name="bgAcc1">
+    <dgm:fillClrLst meth="repeat">
+      <a:schemeClr val="lt1">
+        <a:alpha val="90000"/>
+      </a:schemeClr>
+    </dgm:fillClrLst>
+    <dgm:linClrLst meth="repeat">
+      <a:schemeClr val="accent1"/>
+    </dgm:linClrLst>
+    <dgm:effectClrLst/>
+    <dgm:txLinClrLst/>
+    <dgm:txFillClrLst meth="repeat">
+      <a:schemeClr val="dk1"/>
+    </dgm:txFillClrLst>
+    <dgm:txEffectClrLst/>
+  </dgm:styleLbl>
+  <dgm:styleLbl name="solidFgAcc1">
+    <dgm:fillClrLst meth="repeat">
+      <a:schemeClr val="lt1"/>
+    </dgm:fillClrLst>
+    <dgm:linClrLst meth="repeat">
+      <a:schemeClr val="accent1"/>
+    </dgm:linClrLst>
+    <dgm:effectClrLst/>
+    <dgm:txLinClrLst/>
+    <dgm:txFillClrLst meth="repeat">
+      <a:schemeClr val="dk1"/>
+    </dgm:txFillClrLst>
+    <dgm:txEffectClrLst/>
+  </dgm:styleLbl>
+  <dgm:styleLbl name="solidAlignAcc1">
+    <dgm:fillClrLst meth="repeat">
+      <a:schemeClr val="lt1"/>
+    </dgm:fillClrLst>
+    <dgm:linClrLst meth="repeat">
+      <a:schemeClr val="accent1"/>
+    </dgm:linClrLst>
+    <dgm:effectClrLst/>
+    <dgm:txLinClrLst/>
+    <dgm:txFillClrLst meth="repeat">
+      <a:schemeClr val="dk1"/>
+    </dgm:txFillClrLst>
+    <dgm:txEffectClrLst/>
+  </dgm:styleLbl>
+  <dgm:styleLbl name="solidBgAcc1">
+    <dgm:fillClrLst meth="repeat">
+      <a:schemeClr val="lt1"/>
+    </dgm:fillClrLst>
+    <dgm:linClrLst meth="repeat">
+      <a:schemeClr val="accent1"/>
+    </dgm:linClrLst>
+    <dgm:effectClrLst/>
+    <dgm:txLinClrLst/>
+    <dgm:txFillClrLst meth="repeat">
+      <a:schemeClr val="dk1"/>
+    </dgm:txFillClrLst>
+    <dgm:txEffectClrLst/>
+  </dgm:styleLbl>
+  <dgm:styleLbl name="fgAccFollowNode1">
+    <dgm:fillClrLst meth="repeat">
+      <a:schemeClr val="accent1">
+        <a:alpha val="90000"/>
+        <a:tint val="40000"/>
+      </a:schemeClr>
+    </dgm:fillClrLst>
+    <dgm:linClrLst meth="repeat">
+      <a:schemeClr val="accent1">
+        <a:alpha val="90000"/>
+        <a:tint val="40000"/>
+      </a:schemeClr>
+    </dgm:linClrLst>
+    <dgm:effectClrLst/>
+    <dgm:txLinClrLst/>
+    <dgm:txFillClrLst meth="repeat">
+      <a:schemeClr val="dk1"/>
+    </dgm:txFillClrLst>
+    <dgm:txEffectClrLst/>
+  </dgm:styleLbl>
+  <dgm:styleLbl name="alignAccFollowNode1">
+    <dgm:fillClrLst meth="repeat">
+      <a:schemeClr val="accent1">
+        <a:alpha val="90000"/>
+        <a:tint val="40000"/>
+      </a:schemeClr>
+    </dgm:fillClrLst>
+    <dgm:linClrLst meth="repeat">
+      <a:schemeClr val="accent1">
+        <a:alpha val="90000"/>
+        <a:tint val="40000"/>
+      </a:schemeClr>
+    </dgm:linClrLst>
+    <dgm:effectClrLst/>
+    <dgm:txLinClrLst/>
+    <dgm:txFillClrLst meth="repeat">
+      <a:schemeClr val="dk1"/>
+    </dgm:txFillClrLst>
+    <dgm:txEffectClrLst/>
+  </dgm:styleLbl>
+  <dgm:styleLbl name="bgAccFollowNode1">
+    <dgm:fillClrLst meth="repeat">
+      <a:schemeClr val="accent1">
+        <a:alpha val="90000"/>
+        <a:tint val="40000"/>
+      </a:schemeClr>
+    </dgm:fillClrLst>
+    <dgm:linClrLst meth="repeat">
+      <a:schemeClr val="accent1">
+        <a:alpha val="90000"/>
+        <a:tint val="40000"/>
+      </a:schemeClr>
+    </dgm:linClrLst>
+    <dgm:effectClrLst/>
+    <dgm:txLinClrLst/>
+    <dgm:txFillClrLst meth="repeat">
+      <a:schemeClr val="dk1"/>
+    </dgm:txFillClrLst>
+    <dgm:txEffectClrLst/>
+  </dgm:styleLbl>
+  <dgm:styleLbl name="fgAcc0">
+    <dgm:fillClrLst meth="repeat">
+      <a:schemeClr val="lt1">
+        <a:alpha val="90000"/>
+      </a:schemeClr>
+    </dgm:fillClrLst>
+    <dgm:linClrLst meth="repeat">
+      <a:schemeClr val="accent1"/>
+    </dgm:linClrLst>
+    <dgm:effectClrLst/>
+    <dgm:txLinClrLst/>
+    <dgm:txFillClrLst meth="repeat">
+      <a:schemeClr val="dk1"/>
+    </dgm:txFillClrLst>
+    <dgm:txEffectClrLst/>
+  </dgm:styleLbl>
+  <dgm:styleLbl name="fgAcc2">
+    <dgm:fillClrLst meth="repeat">
+      <a:schemeClr val="lt1">
+        <a:alpha val="90000"/>
+      </a:schemeClr>
+    </dgm:fillClrLst>
+    <dgm:linClrLst meth="repeat">
+      <a:schemeClr val="accent1"/>
+    </dgm:linClrLst>
+    <dgm:effectClrLst/>
+    <dgm:txLinClrLst/>
+    <dgm:txFillClrLst meth="repeat">
+      <a:schemeClr val="dk1"/>
+    </dgm:txFillClrLst>
+    <dgm:txEffectClrLst/>
+  </dgm:styleLbl>
+  <dgm:styleLbl name="fgAcc3">
+    <dgm:fillClrLst meth="repeat">
+      <a:schemeClr val="lt1">
+        <a:alpha val="90000"/>
+      </a:schemeClr>
+    </dgm:fillClrLst>
+    <dgm:linClrLst meth="repeat">
+      <a:schemeClr val="accent1"/>
+    </dgm:linClrLst>
+    <dgm:effectClrLst/>
+    <dgm:txLinClrLst/>
+    <dgm:txFillClrLst meth="repeat">
+      <a:schemeClr val="dk1"/>
+    </dgm:txFillClrLst>
+    <dgm:txEffectClrLst/>
+  </dgm:styleLbl>
+  <dgm:styleLbl name="fgAcc4">
+    <dgm:fillClrLst meth="repeat">
+      <a:schemeClr val="lt1">
+        <a:alpha val="90000"/>
+      </a:schemeClr>
+    </dgm:fillClrLst>
+    <dgm:linClrLst meth="repeat">
+      <a:schemeClr val="accent1"/>
+    </dgm:linClrLst>
+    <dgm:effectClrLst/>
+    <dgm:txLinClrLst/>
+    <dgm:txFillClrLst meth="repeat">
+      <a:schemeClr val="dk1"/>
+    </dgm:txFillClrLst>
+    <dgm:txEffectClrLst/>
+  </dgm:styleLbl>
+  <dgm:styleLbl name="bgShp">
+    <dgm:fillClrLst meth="repeat">
+      <a:schemeClr val="accent1">
+        <a:tint val="40000"/>
+      </a:schemeClr>
+    </dgm:fillClrLst>
+    <dgm:linClrLst meth="repeat">
+      <a:schemeClr val="accent1"/>
+    </dgm:linClrLst>
+    <dgm:effectClrLst/>
+    <dgm:txLinClrLst/>
+    <dgm:txFillClrLst meth="repeat">
+      <a:schemeClr val="dk1"/>
+    </dgm:txFillClrLst>
+    <dgm:txEffectClrLst/>
+  </dgm:styleLbl>
+  <dgm:styleLbl name="dkBgShp">
+    <dgm:fillClrLst meth="repeat">
+      <a:schemeClr val="accent1">
+        <a:shade val="80000"/>
+      </a:schemeClr>
+    </dgm:fillClrLst>
+    <dgm:linClrLst meth="repeat">
+      <a:schemeClr val="accent1"/>
+    </dgm:linClrLst>
+    <dgm:effectClrLst/>
+    <dgm:txLinClrLst/>
+    <dgm:txFillClrLst meth="repeat">
+      <a:schemeClr val="lt1"/>
+    </dgm:txFillClrLst>
+    <dgm:txEffectClrLst/>
+  </dgm:styleLbl>
+  <dgm:styleLbl name="trBgShp">
+    <dgm:fillClrLst meth="repeat">
+      <a:schemeClr val="accent1">
+        <a:tint val="50000"/>
+        <a:alpha val="40000"/>
+      </a:schemeClr>
+    </dgm:fillClrLst>
+    <dgm:linClrLst meth="repeat">
+      <a:schemeClr val="accent1"/>
+    </dgm:linClrLst>
+    <dgm:effectClrLst/>
+    <dgm:txLinClrLst/>
+    <dgm:txFillClrLst meth="repeat">
+      <a:schemeClr val="lt1"/>
+    </dgm:txFillClrLst>
+    <dgm:txEffectClrLst/>
+  </dgm:styleLbl>
+  <dgm:styleLbl name="fgShp">
+    <dgm:fillClrLst meth="repeat">
+      <a:schemeClr val="accent1">
+        <a:tint val="60000"/>
+      </a:schemeClr>
+    </dgm:fillClrLst>
+    <dgm:linClrLst meth="repeat">
+      <a:schemeClr val="lt1"/>
+    </dgm:linClrLst>
+    <dgm:effectClrLst/>
+    <dgm:txLinClrLst/>
+    <dgm:txFillClrLst meth="repeat">
+      <a:schemeClr val="dk1"/>
+    </dgm:txFillClrLst>
+    <dgm:txEffectClrLst/>
+  </dgm:styleLbl>
+  <dgm:styleLbl name="revTx">
+    <dgm:fillClrLst meth="repeat">
+      <a:schemeClr val="lt1">
+        <a:alpha val="0"/>
+      </a:schemeClr>
+    </dgm:fillClrLst>
+    <dgm:linClrLst meth="repeat">
+      <a:schemeClr val="dk1">
+        <a:alpha val="0"/>
+      </a:schemeClr>
+    </dgm:linClrLst>
+    <dgm:effectClrLst/>
+    <dgm:txLinClrLst/>
+    <dgm:txFillClrLst meth="repeat">
+      <a:schemeClr val="tx1"/>
     </dgm:txFillClrLst>
     <dgm:txEffectClrLst/>
   </dgm:styleLbl>
@@ -896,8 +1648,13 @@
         <a:bodyPr/>
         <a:lstStyle/>
         <a:p>
+          <a:pPr>
+            <a:lnSpc>
+              <a:spcPct val="100000"/>
+            </a:lnSpc>
+          </a:pPr>
           <a:r>
-            <a:rPr lang="en-US"/>
+            <a:rPr lang="en-US" dirty="0"/>
             <a:t>Reduce file size </a:t>
           </a:r>
         </a:p>
@@ -932,16 +1689,28 @@
         <a:bodyPr/>
         <a:lstStyle/>
         <a:p>
+          <a:pPr>
+            <a:lnSpc>
+              <a:spcPct val="100000"/>
+            </a:lnSpc>
+          </a:pPr>
           <a:r>
-            <a:rPr lang="en-US">
+            <a:rPr lang="en-US" dirty="0">
               <a:latin typeface="Corbel" panose="020B0503020204020204"/>
             </a:rPr>
             <a:t>Limit</a:t>
           </a:r>
           <a:r>
-            <a:rPr lang="en-US"/>
-            <a:t> the BITRATE</a:t>
+            <a:rPr lang="en-US" dirty="0"/>
+            <a:t> the </a:t>
           </a:r>
+          <a:r>
+            <a:rPr lang="en-US" dirty="0">
+              <a:latin typeface="Corbel" panose="020B0503020204020204"/>
+            </a:rPr>
+            <a:t>bitrate</a:t>
+          </a:r>
+          <a:endParaRPr lang="en-US" dirty="0"/>
         </a:p>
       </dgm:t>
     </dgm:pt>
@@ -1077,28 +1846,302 @@
     </dgm:pt>
   </dgm:ptLst>
   <dgm:cxnLst>
+    <dgm:cxn modelId="{3D6B060C-E05F-46B0-85FE-560443CB7339}" type="presOf" srcId="{AB925960-E69A-4534-B7E5-823B311D366F}" destId="{75A2F333-4B06-440C-9765-C27658B8A266}" srcOrd="0" destOrd="0" presId="urn:microsoft.com/office/officeart/2018/2/layout/IconVerticalSolidList"/>
     <dgm:cxn modelId="{5574B72A-D223-49F7-BFCA-276AF150A6BB}" srcId="{AB925960-E69A-4534-B7E5-823B311D366F}" destId="{8DB2D9A1-78FE-4FD2-B831-1F10C7BAE745}" srcOrd="1" destOrd="0" parTransId="{1A791976-D6B0-48A3-9863-F0B3A7D06530}" sibTransId="{E6F8E471-2E2C-44C2-92F5-48EE6539ADF9}"/>
-    <dgm:cxn modelId="{D131CE39-E00D-4ED3-9606-F251CFCD2624}" type="presOf" srcId="{AB925960-E69A-4534-B7E5-823B311D366F}" destId="{75A2F333-4B06-440C-9765-C27658B8A266}" srcOrd="0" destOrd="0" presId="urn:microsoft.com/office/officeart/2018/2/layout/IconVerticalSolidList"/>
-    <dgm:cxn modelId="{F3B11285-1137-4347-96E8-6CC573107339}" type="presOf" srcId="{90B5F401-EDC8-4E65-BBD0-66131EBA79AA}" destId="{5EF7BCFB-9103-40D7-9509-AE8B1B33F680}" srcOrd="0" destOrd="0" presId="urn:microsoft.com/office/officeart/2018/2/layout/IconVerticalSolidList"/>
     <dgm:cxn modelId="{D289FC92-7C7E-4DCD-95E4-B18C5F58CB39}" srcId="{AB925960-E69A-4534-B7E5-823B311D366F}" destId="{90B5F401-EDC8-4E65-BBD0-66131EBA79AA}" srcOrd="0" destOrd="0" parTransId="{F31F2ACB-8F45-4D81-9C82-4C26EF2EECF1}" sibTransId="{47A3A905-06BF-4B94-9357-F093712CC02B}"/>
-    <dgm:cxn modelId="{E9CB579C-BA24-465A-BF51-4B7CC9499D88}" type="presOf" srcId="{8DB2D9A1-78FE-4FD2-B831-1F10C7BAE745}" destId="{876F26D4-6F81-4049-BF5B-05AFEA3DBDE7}" srcOrd="0" destOrd="0" presId="urn:microsoft.com/office/officeart/2018/2/layout/IconVerticalSolidList"/>
-    <dgm:cxn modelId="{3A1ABB8C-E16E-4FBD-B35B-0E64F630C5B3}" type="presParOf" srcId="{75A2F333-4B06-440C-9765-C27658B8A266}" destId="{D6F1B69F-FD8B-4E78-A80A-079D0B818E04}" srcOrd="0" destOrd="0" presId="urn:microsoft.com/office/officeart/2018/2/layout/IconVerticalSolidList"/>
-    <dgm:cxn modelId="{62D651BB-3AA4-4160-9B64-EA63F72E36F1}" type="presParOf" srcId="{D6F1B69F-FD8B-4E78-A80A-079D0B818E04}" destId="{84EC0737-E6B2-4D5D-8F50-E267F770D557}" srcOrd="0" destOrd="0" presId="urn:microsoft.com/office/officeart/2018/2/layout/IconVerticalSolidList"/>
-    <dgm:cxn modelId="{BF180835-FB16-4650-8DB5-71D60252D2F3}" type="presParOf" srcId="{D6F1B69F-FD8B-4E78-A80A-079D0B818E04}" destId="{D0F628D9-1513-4A9C-8BD3-16D92750FC4D}" srcOrd="1" destOrd="0" presId="urn:microsoft.com/office/officeart/2018/2/layout/IconVerticalSolidList"/>
-    <dgm:cxn modelId="{E2451711-E3BF-4F0E-B67C-2A91D9739487}" type="presParOf" srcId="{D6F1B69F-FD8B-4E78-A80A-079D0B818E04}" destId="{A3D40F99-483F-416D-817C-092169FC3FB3}" srcOrd="2" destOrd="0" presId="urn:microsoft.com/office/officeart/2018/2/layout/IconVerticalSolidList"/>
-    <dgm:cxn modelId="{D30DFCDB-BA6A-485E-A16B-1059412CBB66}" type="presParOf" srcId="{D6F1B69F-FD8B-4E78-A80A-079D0B818E04}" destId="{5EF7BCFB-9103-40D7-9509-AE8B1B33F680}" srcOrd="3" destOrd="0" presId="urn:microsoft.com/office/officeart/2018/2/layout/IconVerticalSolidList"/>
-    <dgm:cxn modelId="{C2E52E25-32F1-4B03-892C-060335DDFA0A}" type="presParOf" srcId="{75A2F333-4B06-440C-9765-C27658B8A266}" destId="{1CC99278-E1E5-449A-8C0B-755F89535C6B}" srcOrd="1" destOrd="0" presId="urn:microsoft.com/office/officeart/2018/2/layout/IconVerticalSolidList"/>
-    <dgm:cxn modelId="{27C4852B-686E-44E6-B832-8BF238D4F532}" type="presParOf" srcId="{75A2F333-4B06-440C-9765-C27658B8A266}" destId="{6D1C2470-41AE-482C-90BD-55D27D61E47C}" srcOrd="2" destOrd="0" presId="urn:microsoft.com/office/officeart/2018/2/layout/IconVerticalSolidList"/>
-    <dgm:cxn modelId="{D2F1D255-A796-44DD-9A8D-4DED9CDAD0F1}" type="presParOf" srcId="{6D1C2470-41AE-482C-90BD-55D27D61E47C}" destId="{A6CFCB19-1F5E-4F94-98D5-9FBDA3693303}" srcOrd="0" destOrd="0" presId="urn:microsoft.com/office/officeart/2018/2/layout/IconVerticalSolidList"/>
-    <dgm:cxn modelId="{BC95393A-D3F5-4884-B0CA-E53DB9DF10EB}" type="presParOf" srcId="{6D1C2470-41AE-482C-90BD-55D27D61E47C}" destId="{8FF7B3A6-86E2-4639-B209-1FBB1006E674}" srcOrd="1" destOrd="0" presId="urn:microsoft.com/office/officeart/2018/2/layout/IconVerticalSolidList"/>
-    <dgm:cxn modelId="{71A4EC5D-6817-4432-8FFB-58C4F8465931}" type="presParOf" srcId="{6D1C2470-41AE-482C-90BD-55D27D61E47C}" destId="{2C54DA59-B23F-49AA-9650-A4EBAC25819D}" srcOrd="2" destOrd="0" presId="urn:microsoft.com/office/officeart/2018/2/layout/IconVerticalSolidList"/>
-    <dgm:cxn modelId="{D145BA05-FEC2-446A-B762-A18D6BE67D06}" type="presParOf" srcId="{6D1C2470-41AE-482C-90BD-55D27D61E47C}" destId="{876F26D4-6F81-4049-BF5B-05AFEA3DBDE7}" srcOrd="3" destOrd="0" presId="urn:microsoft.com/office/officeart/2018/2/layout/IconVerticalSolidList"/>
+    <dgm:cxn modelId="{BF1DDAA5-2CA1-4CE8-8B74-B1E5918BB8C0}" type="presOf" srcId="{8DB2D9A1-78FE-4FD2-B831-1F10C7BAE745}" destId="{876F26D4-6F81-4049-BF5B-05AFEA3DBDE7}" srcOrd="0" destOrd="0" presId="urn:microsoft.com/office/officeart/2018/2/layout/IconVerticalSolidList"/>
+    <dgm:cxn modelId="{F5CBD1DF-3B5F-4745-A47B-F87A481DEFAF}" type="presOf" srcId="{90B5F401-EDC8-4E65-BBD0-66131EBA79AA}" destId="{5EF7BCFB-9103-40D7-9509-AE8B1B33F680}" srcOrd="0" destOrd="0" presId="urn:microsoft.com/office/officeart/2018/2/layout/IconVerticalSolidList"/>
+    <dgm:cxn modelId="{FA574AD0-BC36-4A75-8B02-0FAAD6FA3D36}" type="presParOf" srcId="{75A2F333-4B06-440C-9765-C27658B8A266}" destId="{D6F1B69F-FD8B-4E78-A80A-079D0B818E04}" srcOrd="0" destOrd="0" presId="urn:microsoft.com/office/officeart/2018/2/layout/IconVerticalSolidList"/>
+    <dgm:cxn modelId="{AF98BBBE-0C7B-4FA2-8702-23323C11A511}" type="presParOf" srcId="{D6F1B69F-FD8B-4E78-A80A-079D0B818E04}" destId="{84EC0737-E6B2-4D5D-8F50-E267F770D557}" srcOrd="0" destOrd="0" presId="urn:microsoft.com/office/officeart/2018/2/layout/IconVerticalSolidList"/>
+    <dgm:cxn modelId="{7C500D3E-3B28-4E3A-B10E-4A6001D5283E}" type="presParOf" srcId="{D6F1B69F-FD8B-4E78-A80A-079D0B818E04}" destId="{D0F628D9-1513-4A9C-8BD3-16D92750FC4D}" srcOrd="1" destOrd="0" presId="urn:microsoft.com/office/officeart/2018/2/layout/IconVerticalSolidList"/>
+    <dgm:cxn modelId="{4B8516A1-2C4B-421C-8E67-06BEA5BF1521}" type="presParOf" srcId="{D6F1B69F-FD8B-4E78-A80A-079D0B818E04}" destId="{A3D40F99-483F-416D-817C-092169FC3FB3}" srcOrd="2" destOrd="0" presId="urn:microsoft.com/office/officeart/2018/2/layout/IconVerticalSolidList"/>
+    <dgm:cxn modelId="{8E5B2FB6-6B00-45F7-B2DD-7E0490298540}" type="presParOf" srcId="{D6F1B69F-FD8B-4E78-A80A-079D0B818E04}" destId="{5EF7BCFB-9103-40D7-9509-AE8B1B33F680}" srcOrd="3" destOrd="0" presId="urn:microsoft.com/office/officeart/2018/2/layout/IconVerticalSolidList"/>
+    <dgm:cxn modelId="{EBE793F1-2AC8-4480-9854-98E319A523FC}" type="presParOf" srcId="{75A2F333-4B06-440C-9765-C27658B8A266}" destId="{1CC99278-E1E5-449A-8C0B-755F89535C6B}" srcOrd="1" destOrd="0" presId="urn:microsoft.com/office/officeart/2018/2/layout/IconVerticalSolidList"/>
+    <dgm:cxn modelId="{36440C78-C211-4C18-AA68-90E721E55A8A}" type="presParOf" srcId="{75A2F333-4B06-440C-9765-C27658B8A266}" destId="{6D1C2470-41AE-482C-90BD-55D27D61E47C}" srcOrd="2" destOrd="0" presId="urn:microsoft.com/office/officeart/2018/2/layout/IconVerticalSolidList"/>
+    <dgm:cxn modelId="{2B9B190A-3376-409F-A2EE-84DC7815118F}" type="presParOf" srcId="{6D1C2470-41AE-482C-90BD-55D27D61E47C}" destId="{A6CFCB19-1F5E-4F94-98D5-9FBDA3693303}" srcOrd="0" destOrd="0" presId="urn:microsoft.com/office/officeart/2018/2/layout/IconVerticalSolidList"/>
+    <dgm:cxn modelId="{5DB43FC2-3ED5-4F99-92BD-FD28718922F5}" type="presParOf" srcId="{6D1C2470-41AE-482C-90BD-55D27D61E47C}" destId="{8FF7B3A6-86E2-4639-B209-1FBB1006E674}" srcOrd="1" destOrd="0" presId="urn:microsoft.com/office/officeart/2018/2/layout/IconVerticalSolidList"/>
+    <dgm:cxn modelId="{DA1B65BD-2B71-4916-BFDB-950D5F00DDA4}" type="presParOf" srcId="{6D1C2470-41AE-482C-90BD-55D27D61E47C}" destId="{2C54DA59-B23F-49AA-9650-A4EBAC25819D}" srcOrd="2" destOrd="0" presId="urn:microsoft.com/office/officeart/2018/2/layout/IconVerticalSolidList"/>
+    <dgm:cxn modelId="{C6744D74-890A-4A16-BA83-D30BDD6AD66E}" type="presParOf" srcId="{6D1C2470-41AE-482C-90BD-55D27D61E47C}" destId="{876F26D4-6F81-4049-BF5B-05AFEA3DBDE7}" srcOrd="3" destOrd="0" presId="urn:microsoft.com/office/officeart/2018/2/layout/IconVerticalSolidList"/>
   </dgm:cxnLst>
   <dgm:bg/>
   <dgm:whole/>
   <dgm:extLst>
     <a:ext uri="http://schemas.microsoft.com/office/drawing/2008/diagram">
       <dsp:dataModelExt xmlns:dsp="http://schemas.microsoft.com/office/drawing/2008/diagram" relId="rId6" minVer="http://schemas.openxmlformats.org/drawingml/2006/diagram"/>
+    </a:ext>
+  </dgm:extLst>
+</dgm:dataModel>
+</file>
+
+<file path=ppt/diagrams/data2.xml><?xml version="1.0" encoding="utf-8"?>
+<dgm:dataModel xmlns:dgm="http://schemas.openxmlformats.org/drawingml/2006/diagram" xmlns:a="http://schemas.openxmlformats.org/drawingml/2006/main">
+  <dgm:ptLst>
+    <dgm:pt modelId="{674FE57E-A96D-4C91-9C45-A2F4548A34DC}" type="doc">
+      <dgm:prSet loTypeId="urn:microsoft.com/office/officeart/2008/layout/LinedList" loCatId="list" qsTypeId="urn:microsoft.com/office/officeart/2005/8/quickstyle/simple1" qsCatId="simple" csTypeId="urn:microsoft.com/office/officeart/2005/8/colors/accent1_2" csCatId="accent1"/>
+      <dgm:spPr/>
+      <dgm:t>
+        <a:bodyPr/>
+        <a:lstStyle/>
+        <a:p>
+          <a:endParaRPr lang="en-US"/>
+        </a:p>
+      </dgm:t>
+    </dgm:pt>
+    <dgm:pt modelId="{4131ACC3-0C29-4D2A-BABF-D9A21B3EE3D1}">
+      <dgm:prSet/>
+      <dgm:spPr/>
+      <dgm:t>
+        <a:bodyPr/>
+        <a:lstStyle/>
+        <a:p>
+          <a:r>
+            <a:rPr lang="en-US" b="1"/>
+            <a:t>H264</a:t>
+          </a:r>
+          <a:r>
+            <a:rPr lang="en-US"/>
+            <a:t>, H265</a:t>
+          </a:r>
+        </a:p>
+      </dgm:t>
+    </dgm:pt>
+    <dgm:pt modelId="{7974B68B-08BB-4B9C-B1DB-9253244A0443}" type="parTrans" cxnId="{0BC121D3-62DE-4DA4-933E-29576E03D4BA}">
+      <dgm:prSet/>
+      <dgm:spPr/>
+      <dgm:t>
+        <a:bodyPr/>
+        <a:lstStyle/>
+        <a:p>
+          <a:endParaRPr lang="en-US"/>
+        </a:p>
+      </dgm:t>
+    </dgm:pt>
+    <dgm:pt modelId="{DA4A75D9-C100-48A8-9B33-860D43BA3AA4}" type="sibTrans" cxnId="{0BC121D3-62DE-4DA4-933E-29576E03D4BA}">
+      <dgm:prSet/>
+      <dgm:spPr/>
+      <dgm:t>
+        <a:bodyPr/>
+        <a:lstStyle/>
+        <a:p>
+          <a:endParaRPr lang="en-US"/>
+        </a:p>
+      </dgm:t>
+    </dgm:pt>
+    <dgm:pt modelId="{14385FD2-B0FD-42DF-91CF-B758B158C429}">
+      <dgm:prSet/>
+      <dgm:spPr/>
+      <dgm:t>
+        <a:bodyPr/>
+        <a:lstStyle/>
+        <a:p>
+          <a:r>
+            <a:rPr lang="en-US"/>
+            <a:t>MPEG-2, MPEG-4</a:t>
+          </a:r>
+        </a:p>
+      </dgm:t>
+    </dgm:pt>
+    <dgm:pt modelId="{5CBFC64B-E018-4B72-85B1-0E0F5DC8941B}" type="parTrans" cxnId="{B730239A-B07C-4567-8254-99CA4AF32CB3}">
+      <dgm:prSet/>
+      <dgm:spPr/>
+      <dgm:t>
+        <a:bodyPr/>
+        <a:lstStyle/>
+        <a:p>
+          <a:endParaRPr lang="en-US"/>
+        </a:p>
+      </dgm:t>
+    </dgm:pt>
+    <dgm:pt modelId="{9912D8CC-5EA1-4A03-B6FF-CC8BCFCF18A4}" type="sibTrans" cxnId="{B730239A-B07C-4567-8254-99CA4AF32CB3}">
+      <dgm:prSet/>
+      <dgm:spPr/>
+      <dgm:t>
+        <a:bodyPr/>
+        <a:lstStyle/>
+        <a:p>
+          <a:endParaRPr lang="en-US"/>
+        </a:p>
+      </dgm:t>
+    </dgm:pt>
+    <dgm:pt modelId="{14906F96-0251-4FD5-B111-29BAB721E17A}">
+      <dgm:prSet/>
+      <dgm:spPr/>
+      <dgm:t>
+        <a:bodyPr/>
+        <a:lstStyle/>
+        <a:p>
+          <a:r>
+            <a:rPr lang="en-US"/>
+            <a:t>VP8, VP9</a:t>
+          </a:r>
+        </a:p>
+      </dgm:t>
+    </dgm:pt>
+    <dgm:pt modelId="{5180D263-5432-4802-B78D-6D44098427E3}" type="parTrans" cxnId="{8F74468A-945B-4679-9645-20FC30871CF6}">
+      <dgm:prSet/>
+      <dgm:spPr/>
+      <dgm:t>
+        <a:bodyPr/>
+        <a:lstStyle/>
+        <a:p>
+          <a:endParaRPr lang="en-US"/>
+        </a:p>
+      </dgm:t>
+    </dgm:pt>
+    <dgm:pt modelId="{F8FC6F94-69A7-4811-8F2D-66546AADAD43}" type="sibTrans" cxnId="{8F74468A-945B-4679-9645-20FC30871CF6}">
+      <dgm:prSet/>
+      <dgm:spPr/>
+      <dgm:t>
+        <a:bodyPr/>
+        <a:lstStyle/>
+        <a:p>
+          <a:endParaRPr lang="en-US"/>
+        </a:p>
+      </dgm:t>
+    </dgm:pt>
+    <dgm:pt modelId="{7C95A03B-B425-4B23-B83A-8CE9C295CBB9}">
+      <dgm:prSet/>
+      <dgm:spPr/>
+      <dgm:t>
+        <a:bodyPr/>
+        <a:lstStyle/>
+        <a:p>
+          <a:r>
+            <a:rPr lang="en-US"/>
+            <a:t>Theora</a:t>
+          </a:r>
+        </a:p>
+      </dgm:t>
+    </dgm:pt>
+    <dgm:pt modelId="{04F02663-1E0B-4704-9135-8B88B3BE648D}" type="parTrans" cxnId="{1239710D-5E53-4215-80CF-15B86EE5AEFB}">
+      <dgm:prSet/>
+      <dgm:spPr/>
+      <dgm:t>
+        <a:bodyPr/>
+        <a:lstStyle/>
+        <a:p>
+          <a:endParaRPr lang="en-US"/>
+        </a:p>
+      </dgm:t>
+    </dgm:pt>
+    <dgm:pt modelId="{2FA8193C-CB73-46AC-BA89-CB7D4EDF5E60}" type="sibTrans" cxnId="{1239710D-5E53-4215-80CF-15B86EE5AEFB}">
+      <dgm:prSet/>
+      <dgm:spPr/>
+      <dgm:t>
+        <a:bodyPr/>
+        <a:lstStyle/>
+        <a:p>
+          <a:endParaRPr lang="en-US"/>
+        </a:p>
+      </dgm:t>
+    </dgm:pt>
+    <dgm:pt modelId="{FA8A4590-95DD-4DAD-B407-64D4B38DFA94}" type="pres">
+      <dgm:prSet presAssocID="{674FE57E-A96D-4C91-9C45-A2F4548A34DC}" presName="vert0" presStyleCnt="0">
+        <dgm:presLayoutVars>
+          <dgm:dir/>
+          <dgm:animOne val="branch"/>
+          <dgm:animLvl val="lvl"/>
+        </dgm:presLayoutVars>
+      </dgm:prSet>
+      <dgm:spPr/>
+    </dgm:pt>
+    <dgm:pt modelId="{FED0121A-E314-4D7A-91D8-BFD97983EE20}" type="pres">
+      <dgm:prSet presAssocID="{4131ACC3-0C29-4D2A-BABF-D9A21B3EE3D1}" presName="thickLine" presStyleLbl="alignNode1" presStyleIdx="0" presStyleCnt="4"/>
+      <dgm:spPr/>
+    </dgm:pt>
+    <dgm:pt modelId="{9BF0B8C1-4423-4C4D-AA35-9AC10FC4F2E6}" type="pres">
+      <dgm:prSet presAssocID="{4131ACC3-0C29-4D2A-BABF-D9A21B3EE3D1}" presName="horz1" presStyleCnt="0"/>
+      <dgm:spPr/>
+    </dgm:pt>
+    <dgm:pt modelId="{B1A83056-4188-48AE-A1C9-C99990A526AB}" type="pres">
+      <dgm:prSet presAssocID="{4131ACC3-0C29-4D2A-BABF-D9A21B3EE3D1}" presName="tx1" presStyleLbl="revTx" presStyleIdx="0" presStyleCnt="4"/>
+      <dgm:spPr/>
+    </dgm:pt>
+    <dgm:pt modelId="{F4AC33B2-BFF7-47E7-933A-F0322E6BE8D9}" type="pres">
+      <dgm:prSet presAssocID="{4131ACC3-0C29-4D2A-BABF-D9A21B3EE3D1}" presName="vert1" presStyleCnt="0"/>
+      <dgm:spPr/>
+    </dgm:pt>
+    <dgm:pt modelId="{2017A39E-1D06-4349-8E4D-F6C52FA73628}" type="pres">
+      <dgm:prSet presAssocID="{14385FD2-B0FD-42DF-91CF-B758B158C429}" presName="thickLine" presStyleLbl="alignNode1" presStyleIdx="1" presStyleCnt="4"/>
+      <dgm:spPr/>
+    </dgm:pt>
+    <dgm:pt modelId="{1397AEAE-02CB-44BF-BE88-8FE7BED94FAE}" type="pres">
+      <dgm:prSet presAssocID="{14385FD2-B0FD-42DF-91CF-B758B158C429}" presName="horz1" presStyleCnt="0"/>
+      <dgm:spPr/>
+    </dgm:pt>
+    <dgm:pt modelId="{22BECFE3-A7D6-4131-96C0-EC2BF3846031}" type="pres">
+      <dgm:prSet presAssocID="{14385FD2-B0FD-42DF-91CF-B758B158C429}" presName="tx1" presStyleLbl="revTx" presStyleIdx="1" presStyleCnt="4"/>
+      <dgm:spPr/>
+    </dgm:pt>
+    <dgm:pt modelId="{E2C97AA4-E5B1-4F33-9612-61392B29AB2F}" type="pres">
+      <dgm:prSet presAssocID="{14385FD2-B0FD-42DF-91CF-B758B158C429}" presName="vert1" presStyleCnt="0"/>
+      <dgm:spPr/>
+    </dgm:pt>
+    <dgm:pt modelId="{5E1AA349-A4B0-48E5-BE10-5131795E1E98}" type="pres">
+      <dgm:prSet presAssocID="{14906F96-0251-4FD5-B111-29BAB721E17A}" presName="thickLine" presStyleLbl="alignNode1" presStyleIdx="2" presStyleCnt="4"/>
+      <dgm:spPr/>
+    </dgm:pt>
+    <dgm:pt modelId="{A53B7C00-441C-41F8-8DB5-D00FE3D869D7}" type="pres">
+      <dgm:prSet presAssocID="{14906F96-0251-4FD5-B111-29BAB721E17A}" presName="horz1" presStyleCnt="0"/>
+      <dgm:spPr/>
+    </dgm:pt>
+    <dgm:pt modelId="{3F061D9B-9584-48C1-8FEB-2E93F4DB2835}" type="pres">
+      <dgm:prSet presAssocID="{14906F96-0251-4FD5-B111-29BAB721E17A}" presName="tx1" presStyleLbl="revTx" presStyleIdx="2" presStyleCnt="4"/>
+      <dgm:spPr/>
+    </dgm:pt>
+    <dgm:pt modelId="{CE7E2BAE-FDF5-4C65-8B24-8383598BD83E}" type="pres">
+      <dgm:prSet presAssocID="{14906F96-0251-4FD5-B111-29BAB721E17A}" presName="vert1" presStyleCnt="0"/>
+      <dgm:spPr/>
+    </dgm:pt>
+    <dgm:pt modelId="{7692956D-8217-4B23-8F27-CC7296EDE8DE}" type="pres">
+      <dgm:prSet presAssocID="{7C95A03B-B425-4B23-B83A-8CE9C295CBB9}" presName="thickLine" presStyleLbl="alignNode1" presStyleIdx="3" presStyleCnt="4"/>
+      <dgm:spPr/>
+    </dgm:pt>
+    <dgm:pt modelId="{92C76A58-C548-4750-8CB7-338AC353BD95}" type="pres">
+      <dgm:prSet presAssocID="{7C95A03B-B425-4B23-B83A-8CE9C295CBB9}" presName="horz1" presStyleCnt="0"/>
+      <dgm:spPr/>
+    </dgm:pt>
+    <dgm:pt modelId="{51CE2335-CC38-4D91-AFCD-418AEE952FE1}" type="pres">
+      <dgm:prSet presAssocID="{7C95A03B-B425-4B23-B83A-8CE9C295CBB9}" presName="tx1" presStyleLbl="revTx" presStyleIdx="3" presStyleCnt="4"/>
+      <dgm:spPr/>
+    </dgm:pt>
+    <dgm:pt modelId="{D59058D0-07F2-4170-8E68-068F7C446371}" type="pres">
+      <dgm:prSet presAssocID="{7C95A03B-B425-4B23-B83A-8CE9C295CBB9}" presName="vert1" presStyleCnt="0"/>
+      <dgm:spPr/>
+    </dgm:pt>
+  </dgm:ptLst>
+  <dgm:cxnLst>
+    <dgm:cxn modelId="{1239710D-5E53-4215-80CF-15B86EE5AEFB}" srcId="{674FE57E-A96D-4C91-9C45-A2F4548A34DC}" destId="{7C95A03B-B425-4B23-B83A-8CE9C295CBB9}" srcOrd="3" destOrd="0" parTransId="{04F02663-1E0B-4704-9135-8B88B3BE648D}" sibTransId="{2FA8193C-CB73-46AC-BA89-CB7D4EDF5E60}"/>
+    <dgm:cxn modelId="{5DE21D16-2FEE-4DDE-94C9-786FB300EBA6}" type="presOf" srcId="{4131ACC3-0C29-4D2A-BABF-D9A21B3EE3D1}" destId="{B1A83056-4188-48AE-A1C9-C99990A526AB}" srcOrd="0" destOrd="0" presId="urn:microsoft.com/office/officeart/2008/layout/LinedList"/>
+    <dgm:cxn modelId="{0EBBD950-99C6-4EB6-BC29-F0A51EC34C89}" type="presOf" srcId="{14906F96-0251-4FD5-B111-29BAB721E17A}" destId="{3F061D9B-9584-48C1-8FEB-2E93F4DB2835}" srcOrd="0" destOrd="0" presId="urn:microsoft.com/office/officeart/2008/layout/LinedList"/>
+    <dgm:cxn modelId="{8F74468A-945B-4679-9645-20FC30871CF6}" srcId="{674FE57E-A96D-4C91-9C45-A2F4548A34DC}" destId="{14906F96-0251-4FD5-B111-29BAB721E17A}" srcOrd="2" destOrd="0" parTransId="{5180D263-5432-4802-B78D-6D44098427E3}" sibTransId="{F8FC6F94-69A7-4811-8F2D-66546AADAD43}"/>
+    <dgm:cxn modelId="{9B17C492-D1F6-4971-8AD6-F0D9818DF356}" type="presOf" srcId="{674FE57E-A96D-4C91-9C45-A2F4548A34DC}" destId="{FA8A4590-95DD-4DAD-B407-64D4B38DFA94}" srcOrd="0" destOrd="0" presId="urn:microsoft.com/office/officeart/2008/layout/LinedList"/>
+    <dgm:cxn modelId="{B730239A-B07C-4567-8254-99CA4AF32CB3}" srcId="{674FE57E-A96D-4C91-9C45-A2F4548A34DC}" destId="{14385FD2-B0FD-42DF-91CF-B758B158C429}" srcOrd="1" destOrd="0" parTransId="{5CBFC64B-E018-4B72-85B1-0E0F5DC8941B}" sibTransId="{9912D8CC-5EA1-4A03-B6FF-CC8BCFCF18A4}"/>
+    <dgm:cxn modelId="{CDFD09B9-E30C-46C7-91FD-A2BFE62FF793}" type="presOf" srcId="{7C95A03B-B425-4B23-B83A-8CE9C295CBB9}" destId="{51CE2335-CC38-4D91-AFCD-418AEE952FE1}" srcOrd="0" destOrd="0" presId="urn:microsoft.com/office/officeart/2008/layout/LinedList"/>
+    <dgm:cxn modelId="{0BC121D3-62DE-4DA4-933E-29576E03D4BA}" srcId="{674FE57E-A96D-4C91-9C45-A2F4548A34DC}" destId="{4131ACC3-0C29-4D2A-BABF-D9A21B3EE3D1}" srcOrd="0" destOrd="0" parTransId="{7974B68B-08BB-4B9C-B1DB-9253244A0443}" sibTransId="{DA4A75D9-C100-48A8-9B33-860D43BA3AA4}"/>
+    <dgm:cxn modelId="{D524B4D5-447E-41C1-BD91-5F0F521B7507}" type="presOf" srcId="{14385FD2-B0FD-42DF-91CF-B758B158C429}" destId="{22BECFE3-A7D6-4131-96C0-EC2BF3846031}" srcOrd="0" destOrd="0" presId="urn:microsoft.com/office/officeart/2008/layout/LinedList"/>
+    <dgm:cxn modelId="{45EE0605-EB2B-42D3-A184-7985AB2ED476}" type="presParOf" srcId="{FA8A4590-95DD-4DAD-B407-64D4B38DFA94}" destId="{FED0121A-E314-4D7A-91D8-BFD97983EE20}" srcOrd="0" destOrd="0" presId="urn:microsoft.com/office/officeart/2008/layout/LinedList"/>
+    <dgm:cxn modelId="{3836550B-6F85-46E3-89E1-C52C5652BA29}" type="presParOf" srcId="{FA8A4590-95DD-4DAD-B407-64D4B38DFA94}" destId="{9BF0B8C1-4423-4C4D-AA35-9AC10FC4F2E6}" srcOrd="1" destOrd="0" presId="urn:microsoft.com/office/officeart/2008/layout/LinedList"/>
+    <dgm:cxn modelId="{B4496288-1F24-4952-B027-2CD9D7157495}" type="presParOf" srcId="{9BF0B8C1-4423-4C4D-AA35-9AC10FC4F2E6}" destId="{B1A83056-4188-48AE-A1C9-C99990A526AB}" srcOrd="0" destOrd="0" presId="urn:microsoft.com/office/officeart/2008/layout/LinedList"/>
+    <dgm:cxn modelId="{B60969DF-9350-4DEF-8E5D-118E9C429D3F}" type="presParOf" srcId="{9BF0B8C1-4423-4C4D-AA35-9AC10FC4F2E6}" destId="{F4AC33B2-BFF7-47E7-933A-F0322E6BE8D9}" srcOrd="1" destOrd="0" presId="urn:microsoft.com/office/officeart/2008/layout/LinedList"/>
+    <dgm:cxn modelId="{8301A616-AC87-48AE-80F2-7739D562A555}" type="presParOf" srcId="{FA8A4590-95DD-4DAD-B407-64D4B38DFA94}" destId="{2017A39E-1D06-4349-8E4D-F6C52FA73628}" srcOrd="2" destOrd="0" presId="urn:microsoft.com/office/officeart/2008/layout/LinedList"/>
+    <dgm:cxn modelId="{57598152-D94A-40A9-A49F-966D18B96B36}" type="presParOf" srcId="{FA8A4590-95DD-4DAD-B407-64D4B38DFA94}" destId="{1397AEAE-02CB-44BF-BE88-8FE7BED94FAE}" srcOrd="3" destOrd="0" presId="urn:microsoft.com/office/officeart/2008/layout/LinedList"/>
+    <dgm:cxn modelId="{740C8645-35A6-4AD7-8BED-415A359893EE}" type="presParOf" srcId="{1397AEAE-02CB-44BF-BE88-8FE7BED94FAE}" destId="{22BECFE3-A7D6-4131-96C0-EC2BF3846031}" srcOrd="0" destOrd="0" presId="urn:microsoft.com/office/officeart/2008/layout/LinedList"/>
+    <dgm:cxn modelId="{33A33E27-78CE-466A-9006-91401423BB1B}" type="presParOf" srcId="{1397AEAE-02CB-44BF-BE88-8FE7BED94FAE}" destId="{E2C97AA4-E5B1-4F33-9612-61392B29AB2F}" srcOrd="1" destOrd="0" presId="urn:microsoft.com/office/officeart/2008/layout/LinedList"/>
+    <dgm:cxn modelId="{4CA06A97-902B-4A59-9B0C-F1CFE6EAD6F1}" type="presParOf" srcId="{FA8A4590-95DD-4DAD-B407-64D4B38DFA94}" destId="{5E1AA349-A4B0-48E5-BE10-5131795E1E98}" srcOrd="4" destOrd="0" presId="urn:microsoft.com/office/officeart/2008/layout/LinedList"/>
+    <dgm:cxn modelId="{5C7B04EC-3863-4DDE-8DE3-32BE8803FCCA}" type="presParOf" srcId="{FA8A4590-95DD-4DAD-B407-64D4B38DFA94}" destId="{A53B7C00-441C-41F8-8DB5-D00FE3D869D7}" srcOrd="5" destOrd="0" presId="urn:microsoft.com/office/officeart/2008/layout/LinedList"/>
+    <dgm:cxn modelId="{EC4E5C20-728E-478A-99E1-D3026BC8DCEB}" type="presParOf" srcId="{A53B7C00-441C-41F8-8DB5-D00FE3D869D7}" destId="{3F061D9B-9584-48C1-8FEB-2E93F4DB2835}" srcOrd="0" destOrd="0" presId="urn:microsoft.com/office/officeart/2008/layout/LinedList"/>
+    <dgm:cxn modelId="{D7C909AA-AA72-4F08-A041-01C1A2F07DD4}" type="presParOf" srcId="{A53B7C00-441C-41F8-8DB5-D00FE3D869D7}" destId="{CE7E2BAE-FDF5-4C65-8B24-8383598BD83E}" srcOrd="1" destOrd="0" presId="urn:microsoft.com/office/officeart/2008/layout/LinedList"/>
+    <dgm:cxn modelId="{05183DB0-2DAB-4616-B72F-D47DAED19C88}" type="presParOf" srcId="{FA8A4590-95DD-4DAD-B407-64D4B38DFA94}" destId="{7692956D-8217-4B23-8F27-CC7296EDE8DE}" srcOrd="6" destOrd="0" presId="urn:microsoft.com/office/officeart/2008/layout/LinedList"/>
+    <dgm:cxn modelId="{1AF028F0-609E-48D0-A1D7-279728A5B2B6}" type="presParOf" srcId="{FA8A4590-95DD-4DAD-B407-64D4B38DFA94}" destId="{92C76A58-C548-4750-8CB7-338AC353BD95}" srcOrd="7" destOrd="0" presId="urn:microsoft.com/office/officeart/2008/layout/LinedList"/>
+    <dgm:cxn modelId="{2AF222F0-1C98-4D41-A047-C9D28E3611F2}" type="presParOf" srcId="{92C76A58-C548-4750-8CB7-338AC353BD95}" destId="{51CE2335-CC38-4D91-AFCD-418AEE952FE1}" srcOrd="0" destOrd="0" presId="urn:microsoft.com/office/officeart/2008/layout/LinedList"/>
+    <dgm:cxn modelId="{39AEDE73-368B-4FA3-9A8C-04C2DCFE7B62}" type="presParOf" srcId="{92C76A58-C548-4750-8CB7-338AC353BD95}" destId="{D59058D0-07F2-4170-8E68-068F7C446371}" srcOrd="1" destOrd="0" presId="urn:microsoft.com/office/officeart/2008/layout/LinedList"/>
+  </dgm:cxnLst>
+  <dgm:bg/>
+  <dgm:whole/>
+  <dgm:extLst>
+    <a:ext uri="http://schemas.microsoft.com/office/drawing/2008/diagram">
+      <dsp:dataModelExt xmlns:dsp="http://schemas.microsoft.com/office/drawing/2008/diagram" relId="rId7" minVer="http://schemas.openxmlformats.org/drawingml/2006/diagram"/>
     </a:ext>
   </dgm:extLst>
 </dgm:dataModel>
@@ -1241,7 +2284,7 @@
         <a:p>
           <a:pPr marL="0" lvl="0" indent="0" algn="l" defTabSz="1111250">
             <a:lnSpc>
-              <a:spcPct val="90000"/>
+              <a:spcPct val="100000"/>
             </a:lnSpc>
             <a:spcBef>
               <a:spcPct val="0"/>
@@ -1252,7 +2295,7 @@
             <a:buNone/>
           </a:pPr>
           <a:r>
-            <a:rPr lang="en-US" sz="2500" kern="1200"/>
+            <a:rPr lang="en-US" sz="2500" kern="1200" dirty="0"/>
             <a:t>Reduce file size </a:t>
           </a:r>
         </a:p>
@@ -1388,6 +2431,140 @@
         <a:p>
           <a:pPr marL="0" lvl="0" indent="0" algn="l" defTabSz="1111250">
             <a:lnSpc>
+              <a:spcPct val="100000"/>
+            </a:lnSpc>
+            <a:spcBef>
+              <a:spcPct val="0"/>
+            </a:spcBef>
+            <a:spcAft>
+              <a:spcPct val="35000"/>
+            </a:spcAft>
+            <a:buNone/>
+          </a:pPr>
+          <a:r>
+            <a:rPr lang="en-US" sz="2500" kern="1200" dirty="0">
+              <a:latin typeface="Corbel" panose="020B0503020204020204"/>
+            </a:rPr>
+            <a:t>Limit</a:t>
+          </a:r>
+          <a:r>
+            <a:rPr lang="en-US" sz="2500" kern="1200" dirty="0"/>
+            <a:t> the </a:t>
+          </a:r>
+          <a:r>
+            <a:rPr lang="en-US" sz="2500" kern="1200" dirty="0">
+              <a:latin typeface="Corbel" panose="020B0503020204020204"/>
+            </a:rPr>
+            <a:t>bitrate</a:t>
+          </a:r>
+          <a:endParaRPr lang="en-US" sz="2500" kern="1200" dirty="0"/>
+        </a:p>
+      </dsp:txBody>
+      <dsp:txXfrm>
+        <a:off x="1082535" y="1679258"/>
+        <a:ext cx="9151085" cy="937260"/>
+      </dsp:txXfrm>
+    </dsp:sp>
+  </dsp:spTree>
+</dsp:drawing>
+</file>
+
+<file path=ppt/diagrams/drawing2.xml><?xml version="1.0" encoding="utf-8"?>
+<dsp:drawing xmlns:dgm="http://schemas.openxmlformats.org/drawingml/2006/diagram" xmlns:dsp="http://schemas.microsoft.com/office/drawing/2008/diagram" xmlns:a="http://schemas.openxmlformats.org/drawingml/2006/main">
+  <dsp:spTree>
+    <dsp:nvGrpSpPr>
+      <dsp:cNvPr id="0" name=""/>
+      <dsp:cNvGrpSpPr/>
+    </dsp:nvGrpSpPr>
+    <dsp:grpSpPr/>
+    <dsp:sp modelId="{FED0121A-E314-4D7A-91D8-BFD97983EE20}">
+      <dsp:nvSpPr>
+        <dsp:cNvPr id="0" name=""/>
+        <dsp:cNvSpPr/>
+      </dsp:nvSpPr>
+      <dsp:spPr>
+        <a:xfrm>
+          <a:off x="0" y="0"/>
+          <a:ext cx="5455535" cy="0"/>
+        </a:xfrm>
+        <a:prstGeom prst="line">
+          <a:avLst/>
+        </a:prstGeom>
+        <a:solidFill>
+          <a:schemeClr val="accent1">
+            <a:hueOff val="0"/>
+            <a:satOff val="0"/>
+            <a:lumOff val="0"/>
+            <a:alphaOff val="0"/>
+          </a:schemeClr>
+        </a:solidFill>
+        <a:ln w="15875" cap="rnd" cmpd="sng" algn="ctr">
+          <a:solidFill>
+            <a:schemeClr val="accent1">
+              <a:hueOff val="0"/>
+              <a:satOff val="0"/>
+              <a:lumOff val="0"/>
+              <a:alphaOff val="0"/>
+            </a:schemeClr>
+          </a:solidFill>
+          <a:prstDash val="solid"/>
+        </a:ln>
+        <a:effectLst/>
+      </dsp:spPr>
+      <dsp:style>
+        <a:lnRef idx="2">
+          <a:scrgbClr r="0" g="0" b="0"/>
+        </a:lnRef>
+        <a:fillRef idx="1">
+          <a:scrgbClr r="0" g="0" b="0"/>
+        </a:fillRef>
+        <a:effectRef idx="0">
+          <a:scrgbClr r="0" g="0" b="0"/>
+        </a:effectRef>
+        <a:fontRef idx="minor">
+          <a:schemeClr val="lt1"/>
+        </a:fontRef>
+      </dsp:style>
+    </dsp:sp>
+    <dsp:sp modelId="{B1A83056-4188-48AE-A1C9-C99990A526AB}">
+      <dsp:nvSpPr>
+        <dsp:cNvPr id="0" name=""/>
+        <dsp:cNvSpPr/>
+      </dsp:nvSpPr>
+      <dsp:spPr>
+        <a:xfrm>
+          <a:off x="0" y="0"/>
+          <a:ext cx="5455535" cy="1083307"/>
+        </a:xfrm>
+        <a:prstGeom prst="rect">
+          <a:avLst/>
+        </a:prstGeom>
+        <a:noFill/>
+        <a:ln>
+          <a:noFill/>
+        </a:ln>
+        <a:effectLst/>
+      </dsp:spPr>
+      <dsp:style>
+        <a:lnRef idx="0">
+          <a:scrgbClr r="0" g="0" b="0"/>
+        </a:lnRef>
+        <a:fillRef idx="0">
+          <a:scrgbClr r="0" g="0" b="0"/>
+        </a:fillRef>
+        <a:effectRef idx="0">
+          <a:scrgbClr r="0" g="0" b="0"/>
+        </a:effectRef>
+        <a:fontRef idx="minor"/>
+      </dsp:style>
+      <dsp:txBody>
+        <a:bodyPr spcFirstLastPara="0" vert="horz" wrap="square" lIns="190500" tIns="190500" rIns="190500" bIns="190500" numCol="1" spcCol="1270" anchor="t" anchorCtr="0">
+          <a:noAutofit/>
+        </a:bodyPr>
+        <a:lstStyle/>
+        <a:p>
+          <a:pPr marL="0" lvl="0" indent="0" algn="l" defTabSz="2222500">
+            <a:lnSpc>
               <a:spcPct val="90000"/>
             </a:lnSpc>
             <a:spcBef>
@@ -1399,20 +2576,345 @@
             <a:buNone/>
           </a:pPr>
           <a:r>
-            <a:rPr lang="en-US" sz="2500" kern="1200">
-              <a:latin typeface="Corbel" panose="020B0503020204020204"/>
-            </a:rPr>
-            <a:t>Limit</a:t>
+            <a:rPr lang="en-US" sz="5000" b="1" kern="1200"/>
+            <a:t>H264</a:t>
           </a:r>
           <a:r>
-            <a:rPr lang="en-US" sz="2500" kern="1200"/>
-            <a:t> the BITRATE</a:t>
+            <a:rPr lang="en-US" sz="5000" kern="1200"/>
+            <a:t>, H265</a:t>
           </a:r>
         </a:p>
       </dsp:txBody>
       <dsp:txXfrm>
-        <a:off x="1082535" y="1679258"/>
-        <a:ext cx="9151085" cy="937260"/>
+        <a:off x="0" y="0"/>
+        <a:ext cx="5455535" cy="1083307"/>
+      </dsp:txXfrm>
+    </dsp:sp>
+    <dsp:sp modelId="{2017A39E-1D06-4349-8E4D-F6C52FA73628}">
+      <dsp:nvSpPr>
+        <dsp:cNvPr id="0" name=""/>
+        <dsp:cNvSpPr/>
+      </dsp:nvSpPr>
+      <dsp:spPr>
+        <a:xfrm>
+          <a:off x="0" y="1083307"/>
+          <a:ext cx="5455535" cy="0"/>
+        </a:xfrm>
+        <a:prstGeom prst="line">
+          <a:avLst/>
+        </a:prstGeom>
+        <a:solidFill>
+          <a:schemeClr val="accent1">
+            <a:hueOff val="0"/>
+            <a:satOff val="0"/>
+            <a:lumOff val="0"/>
+            <a:alphaOff val="0"/>
+          </a:schemeClr>
+        </a:solidFill>
+        <a:ln w="15875" cap="rnd" cmpd="sng" algn="ctr">
+          <a:solidFill>
+            <a:schemeClr val="accent1">
+              <a:hueOff val="0"/>
+              <a:satOff val="0"/>
+              <a:lumOff val="0"/>
+              <a:alphaOff val="0"/>
+            </a:schemeClr>
+          </a:solidFill>
+          <a:prstDash val="solid"/>
+        </a:ln>
+        <a:effectLst/>
+      </dsp:spPr>
+      <dsp:style>
+        <a:lnRef idx="2">
+          <a:scrgbClr r="0" g="0" b="0"/>
+        </a:lnRef>
+        <a:fillRef idx="1">
+          <a:scrgbClr r="0" g="0" b="0"/>
+        </a:fillRef>
+        <a:effectRef idx="0">
+          <a:scrgbClr r="0" g="0" b="0"/>
+        </a:effectRef>
+        <a:fontRef idx="minor">
+          <a:schemeClr val="lt1"/>
+        </a:fontRef>
+      </dsp:style>
+    </dsp:sp>
+    <dsp:sp modelId="{22BECFE3-A7D6-4131-96C0-EC2BF3846031}">
+      <dsp:nvSpPr>
+        <dsp:cNvPr id="0" name=""/>
+        <dsp:cNvSpPr/>
+      </dsp:nvSpPr>
+      <dsp:spPr>
+        <a:xfrm>
+          <a:off x="0" y="1083307"/>
+          <a:ext cx="5455535" cy="1083307"/>
+        </a:xfrm>
+        <a:prstGeom prst="rect">
+          <a:avLst/>
+        </a:prstGeom>
+        <a:noFill/>
+        <a:ln>
+          <a:noFill/>
+        </a:ln>
+        <a:effectLst/>
+      </dsp:spPr>
+      <dsp:style>
+        <a:lnRef idx="0">
+          <a:scrgbClr r="0" g="0" b="0"/>
+        </a:lnRef>
+        <a:fillRef idx="0">
+          <a:scrgbClr r="0" g="0" b="0"/>
+        </a:fillRef>
+        <a:effectRef idx="0">
+          <a:scrgbClr r="0" g="0" b="0"/>
+        </a:effectRef>
+        <a:fontRef idx="minor"/>
+      </dsp:style>
+      <dsp:txBody>
+        <a:bodyPr spcFirstLastPara="0" vert="horz" wrap="square" lIns="190500" tIns="190500" rIns="190500" bIns="190500" numCol="1" spcCol="1270" anchor="t" anchorCtr="0">
+          <a:noAutofit/>
+        </a:bodyPr>
+        <a:lstStyle/>
+        <a:p>
+          <a:pPr marL="0" lvl="0" indent="0" algn="l" defTabSz="2222500">
+            <a:lnSpc>
+              <a:spcPct val="90000"/>
+            </a:lnSpc>
+            <a:spcBef>
+              <a:spcPct val="0"/>
+            </a:spcBef>
+            <a:spcAft>
+              <a:spcPct val="35000"/>
+            </a:spcAft>
+            <a:buNone/>
+          </a:pPr>
+          <a:r>
+            <a:rPr lang="en-US" sz="5000" kern="1200"/>
+            <a:t>MPEG-2, MPEG-4</a:t>
+          </a:r>
+        </a:p>
+      </dsp:txBody>
+      <dsp:txXfrm>
+        <a:off x="0" y="1083307"/>
+        <a:ext cx="5455535" cy="1083307"/>
+      </dsp:txXfrm>
+    </dsp:sp>
+    <dsp:sp modelId="{5E1AA349-A4B0-48E5-BE10-5131795E1E98}">
+      <dsp:nvSpPr>
+        <dsp:cNvPr id="0" name=""/>
+        <dsp:cNvSpPr/>
+      </dsp:nvSpPr>
+      <dsp:spPr>
+        <a:xfrm>
+          <a:off x="0" y="2166615"/>
+          <a:ext cx="5455535" cy="0"/>
+        </a:xfrm>
+        <a:prstGeom prst="line">
+          <a:avLst/>
+        </a:prstGeom>
+        <a:solidFill>
+          <a:schemeClr val="accent1">
+            <a:hueOff val="0"/>
+            <a:satOff val="0"/>
+            <a:lumOff val="0"/>
+            <a:alphaOff val="0"/>
+          </a:schemeClr>
+        </a:solidFill>
+        <a:ln w="15875" cap="rnd" cmpd="sng" algn="ctr">
+          <a:solidFill>
+            <a:schemeClr val="accent1">
+              <a:hueOff val="0"/>
+              <a:satOff val="0"/>
+              <a:lumOff val="0"/>
+              <a:alphaOff val="0"/>
+            </a:schemeClr>
+          </a:solidFill>
+          <a:prstDash val="solid"/>
+        </a:ln>
+        <a:effectLst/>
+      </dsp:spPr>
+      <dsp:style>
+        <a:lnRef idx="2">
+          <a:scrgbClr r="0" g="0" b="0"/>
+        </a:lnRef>
+        <a:fillRef idx="1">
+          <a:scrgbClr r="0" g="0" b="0"/>
+        </a:fillRef>
+        <a:effectRef idx="0">
+          <a:scrgbClr r="0" g="0" b="0"/>
+        </a:effectRef>
+        <a:fontRef idx="minor">
+          <a:schemeClr val="lt1"/>
+        </a:fontRef>
+      </dsp:style>
+    </dsp:sp>
+    <dsp:sp modelId="{3F061D9B-9584-48C1-8FEB-2E93F4DB2835}">
+      <dsp:nvSpPr>
+        <dsp:cNvPr id="0" name=""/>
+        <dsp:cNvSpPr/>
+      </dsp:nvSpPr>
+      <dsp:spPr>
+        <a:xfrm>
+          <a:off x="0" y="2166615"/>
+          <a:ext cx="5455535" cy="1083307"/>
+        </a:xfrm>
+        <a:prstGeom prst="rect">
+          <a:avLst/>
+        </a:prstGeom>
+        <a:noFill/>
+        <a:ln>
+          <a:noFill/>
+        </a:ln>
+        <a:effectLst/>
+      </dsp:spPr>
+      <dsp:style>
+        <a:lnRef idx="0">
+          <a:scrgbClr r="0" g="0" b="0"/>
+        </a:lnRef>
+        <a:fillRef idx="0">
+          <a:scrgbClr r="0" g="0" b="0"/>
+        </a:fillRef>
+        <a:effectRef idx="0">
+          <a:scrgbClr r="0" g="0" b="0"/>
+        </a:effectRef>
+        <a:fontRef idx="minor"/>
+      </dsp:style>
+      <dsp:txBody>
+        <a:bodyPr spcFirstLastPara="0" vert="horz" wrap="square" lIns="190500" tIns="190500" rIns="190500" bIns="190500" numCol="1" spcCol="1270" anchor="t" anchorCtr="0">
+          <a:noAutofit/>
+        </a:bodyPr>
+        <a:lstStyle/>
+        <a:p>
+          <a:pPr marL="0" lvl="0" indent="0" algn="l" defTabSz="2222500">
+            <a:lnSpc>
+              <a:spcPct val="90000"/>
+            </a:lnSpc>
+            <a:spcBef>
+              <a:spcPct val="0"/>
+            </a:spcBef>
+            <a:spcAft>
+              <a:spcPct val="35000"/>
+            </a:spcAft>
+            <a:buNone/>
+          </a:pPr>
+          <a:r>
+            <a:rPr lang="en-US" sz="5000" kern="1200"/>
+            <a:t>VP8, VP9</a:t>
+          </a:r>
+        </a:p>
+      </dsp:txBody>
+      <dsp:txXfrm>
+        <a:off x="0" y="2166615"/>
+        <a:ext cx="5455535" cy="1083307"/>
+      </dsp:txXfrm>
+    </dsp:sp>
+    <dsp:sp modelId="{7692956D-8217-4B23-8F27-CC7296EDE8DE}">
+      <dsp:nvSpPr>
+        <dsp:cNvPr id="0" name=""/>
+        <dsp:cNvSpPr/>
+      </dsp:nvSpPr>
+      <dsp:spPr>
+        <a:xfrm>
+          <a:off x="0" y="3249922"/>
+          <a:ext cx="5455535" cy="0"/>
+        </a:xfrm>
+        <a:prstGeom prst="line">
+          <a:avLst/>
+        </a:prstGeom>
+        <a:solidFill>
+          <a:schemeClr val="accent1">
+            <a:hueOff val="0"/>
+            <a:satOff val="0"/>
+            <a:lumOff val="0"/>
+            <a:alphaOff val="0"/>
+          </a:schemeClr>
+        </a:solidFill>
+        <a:ln w="15875" cap="rnd" cmpd="sng" algn="ctr">
+          <a:solidFill>
+            <a:schemeClr val="accent1">
+              <a:hueOff val="0"/>
+              <a:satOff val="0"/>
+              <a:lumOff val="0"/>
+              <a:alphaOff val="0"/>
+            </a:schemeClr>
+          </a:solidFill>
+          <a:prstDash val="solid"/>
+        </a:ln>
+        <a:effectLst/>
+      </dsp:spPr>
+      <dsp:style>
+        <a:lnRef idx="2">
+          <a:scrgbClr r="0" g="0" b="0"/>
+        </a:lnRef>
+        <a:fillRef idx="1">
+          <a:scrgbClr r="0" g="0" b="0"/>
+        </a:fillRef>
+        <a:effectRef idx="0">
+          <a:scrgbClr r="0" g="0" b="0"/>
+        </a:effectRef>
+        <a:fontRef idx="minor">
+          <a:schemeClr val="lt1"/>
+        </a:fontRef>
+      </dsp:style>
+    </dsp:sp>
+    <dsp:sp modelId="{51CE2335-CC38-4D91-AFCD-418AEE952FE1}">
+      <dsp:nvSpPr>
+        <dsp:cNvPr id="0" name=""/>
+        <dsp:cNvSpPr/>
+      </dsp:nvSpPr>
+      <dsp:spPr>
+        <a:xfrm>
+          <a:off x="0" y="3249922"/>
+          <a:ext cx="5455535" cy="1083307"/>
+        </a:xfrm>
+        <a:prstGeom prst="rect">
+          <a:avLst/>
+        </a:prstGeom>
+        <a:noFill/>
+        <a:ln>
+          <a:noFill/>
+        </a:ln>
+        <a:effectLst/>
+      </dsp:spPr>
+      <dsp:style>
+        <a:lnRef idx="0">
+          <a:scrgbClr r="0" g="0" b="0"/>
+        </a:lnRef>
+        <a:fillRef idx="0">
+          <a:scrgbClr r="0" g="0" b="0"/>
+        </a:fillRef>
+        <a:effectRef idx="0">
+          <a:scrgbClr r="0" g="0" b="0"/>
+        </a:effectRef>
+        <a:fontRef idx="minor"/>
+      </dsp:style>
+      <dsp:txBody>
+        <a:bodyPr spcFirstLastPara="0" vert="horz" wrap="square" lIns="190500" tIns="190500" rIns="190500" bIns="190500" numCol="1" spcCol="1270" anchor="t" anchorCtr="0">
+          <a:noAutofit/>
+        </a:bodyPr>
+        <a:lstStyle/>
+        <a:p>
+          <a:pPr marL="0" lvl="0" indent="0" algn="l" defTabSz="2222500">
+            <a:lnSpc>
+              <a:spcPct val="90000"/>
+            </a:lnSpc>
+            <a:spcBef>
+              <a:spcPct val="0"/>
+            </a:spcBef>
+            <a:spcAft>
+              <a:spcPct val="35000"/>
+            </a:spcAft>
+            <a:buNone/>
+          </a:pPr>
+          <a:r>
+            <a:rPr lang="en-US" sz="5000" kern="1200"/>
+            <a:t>Theora</a:t>
+          </a:r>
+        </a:p>
+      </dsp:txBody>
+      <dsp:txXfrm>
+        <a:off x="0" y="3249922"/>
+        <a:ext cx="5455535" cy="1083307"/>
       </dsp:txXfrm>
     </dsp:sp>
   </dsp:spTree>
@@ -1713,7 +3215,1507 @@
 </dgm:layoutDef>
 </file>
 
+<file path=ppt/diagrams/layout2.xml><?xml version="1.0" encoding="utf-8"?>
+<dgm:layoutDef xmlns:dgm="http://schemas.openxmlformats.org/drawingml/2006/diagram" xmlns:a="http://schemas.openxmlformats.org/drawingml/2006/main" uniqueId="urn:microsoft.com/office/officeart/2008/layout/LinedList">
+  <dgm:title val=""/>
+  <dgm:desc val=""/>
+  <dgm:catLst>
+    <dgm:cat type="hierarchy" pri="8000"/>
+    <dgm:cat type="list" pri="2500"/>
+  </dgm:catLst>
+  <dgm:sampData>
+    <dgm:dataModel>
+      <dgm:ptLst>
+        <dgm:pt modelId="0" type="doc"/>
+        <dgm:pt modelId="1">
+          <dgm:prSet phldr="1"/>
+        </dgm:pt>
+        <dgm:pt modelId="11">
+          <dgm:prSet phldr="1"/>
+        </dgm:pt>
+        <dgm:pt modelId="12">
+          <dgm:prSet phldr="1"/>
+        </dgm:pt>
+        <dgm:pt modelId="13">
+          <dgm:prSet phldr="1"/>
+        </dgm:pt>
+      </dgm:ptLst>
+      <dgm:cxnLst>
+        <dgm:cxn modelId="2" srcId="0" destId="1" srcOrd="0" destOrd="0"/>
+        <dgm:cxn modelId="3" srcId="1" destId="11" srcOrd="0" destOrd="0"/>
+        <dgm:cxn modelId="4" srcId="1" destId="12" srcOrd="1" destOrd="0"/>
+        <dgm:cxn modelId="5" srcId="1" destId="13" srcOrd="2" destOrd="0"/>
+      </dgm:cxnLst>
+      <dgm:bg/>
+      <dgm:whole/>
+    </dgm:dataModel>
+  </dgm:sampData>
+  <dgm:styleData>
+    <dgm:dataModel>
+      <dgm:ptLst>
+        <dgm:pt modelId="0" type="doc"/>
+        <dgm:pt modelId="1">
+          <dgm:prSet phldr="1"/>
+        </dgm:pt>
+        <dgm:pt modelId="11">
+          <dgm:prSet phldr="1"/>
+        </dgm:pt>
+        <dgm:pt modelId="12">
+          <dgm:prSet phldr="1"/>
+        </dgm:pt>
+      </dgm:ptLst>
+      <dgm:cxnLst>
+        <dgm:cxn modelId="2" srcId="0" destId="1" srcOrd="0" destOrd="0"/>
+        <dgm:cxn modelId="3" srcId="1" destId="11" srcOrd="0" destOrd="0"/>
+        <dgm:cxn modelId="4" srcId="1" destId="12" srcOrd="1" destOrd="0"/>
+      </dgm:cxnLst>
+      <dgm:bg/>
+      <dgm:whole/>
+    </dgm:dataModel>
+  </dgm:styleData>
+  <dgm:clrData>
+    <dgm:dataModel>
+      <dgm:ptLst>
+        <dgm:pt modelId="0" type="doc"/>
+        <dgm:pt modelId="1">
+          <dgm:prSet phldr="1"/>
+        </dgm:pt>
+        <dgm:pt modelId="11">
+          <dgm:prSet phldr="1"/>
+        </dgm:pt>
+        <dgm:pt modelId="12">
+          <dgm:prSet phldr="1"/>
+        </dgm:pt>
+      </dgm:ptLst>
+      <dgm:cxnLst>
+        <dgm:cxn modelId="2" srcId="0" destId="1" srcOrd="0" destOrd="0"/>
+        <dgm:cxn modelId="3" srcId="1" destId="11" srcOrd="0" destOrd="0"/>
+        <dgm:cxn modelId="4" srcId="1" destId="12" srcOrd="1" destOrd="0"/>
+      </dgm:cxnLst>
+      <dgm:bg/>
+      <dgm:whole/>
+    </dgm:dataModel>
+  </dgm:clrData>
+  <dgm:layoutNode name="vert0">
+    <dgm:varLst>
+      <dgm:dir/>
+      <dgm:animOne val="branch"/>
+      <dgm:animLvl val="lvl"/>
+    </dgm:varLst>
+    <dgm:choose name="Name0">
+      <dgm:if name="Name1" func="var" arg="dir" op="equ" val="norm">
+        <dgm:alg type="lin">
+          <dgm:param type="linDir" val="fromT"/>
+          <dgm:param type="nodeHorzAlign" val="l"/>
+        </dgm:alg>
+      </dgm:if>
+      <dgm:else name="Name2">
+        <dgm:alg type="lin">
+          <dgm:param type="linDir" val="fromT"/>
+          <dgm:param type="nodeHorzAlign" val="r"/>
+        </dgm:alg>
+      </dgm:else>
+    </dgm:choose>
+    <dgm:shape xmlns:r="http://schemas.openxmlformats.org/officeDocument/2006/relationships" r:blip="">
+      <dgm:adjLst/>
+    </dgm:shape>
+    <dgm:presOf/>
+    <dgm:constrLst>
+      <dgm:constr type="w" for="ch" forName="horz1" refType="w"/>
+      <dgm:constr type="h" for="ch" forName="horz1" refType="h"/>
+      <dgm:constr type="h" for="des" forName="vert1" refType="h"/>
+      <dgm:constr type="h" for="des" forName="tx1" refType="h"/>
+      <dgm:constr type="h" for="des" forName="horz2" refType="h"/>
+      <dgm:constr type="h" for="des" forName="vert2" refType="h"/>
+      <dgm:constr type="h" for="des" forName="horz3" refType="h"/>
+      <dgm:constr type="h" for="des" forName="vert3" refType="h"/>
+      <dgm:constr type="h" for="des" forName="horz4" refType="h"/>
+      <dgm:constr type="h" for="des" ptType="node" refType="h"/>
+      <dgm:constr type="primFontSz" for="des" forName="tx1" op="equ" val="65"/>
+      <dgm:constr type="primFontSz" for="des" forName="tx2" op="equ" val="65"/>
+      <dgm:constr type="primFontSz" for="des" forName="tx3" op="equ" val="65"/>
+      <dgm:constr type="primFontSz" for="des" forName="tx4" op="equ" val="65"/>
+      <dgm:constr type="w" for="des" forName="thickLine" refType="w"/>
+      <dgm:constr type="h" for="des" forName="thickLine"/>
+      <dgm:constr type="h" for="des" forName="thinLine1"/>
+      <dgm:constr type="h" for="des" forName="thinLine2b"/>
+      <dgm:constr type="h" for="des" forName="thinLine3"/>
+      <dgm:constr type="h" for="des" forName="vertSpace2a" refType="h" fact="0.05"/>
+      <dgm:constr type="h" for="des" forName="vertSpace2b" refType="h" refFor="des" refForName="vertSpace2a"/>
+    </dgm:constrLst>
+    <dgm:forEach name="Name3" axis="ch" ptType="node">
+      <dgm:layoutNode name="thickLine" styleLbl="alignNode1">
+        <dgm:alg type="sp"/>
+        <dgm:shape xmlns:r="http://schemas.openxmlformats.org/officeDocument/2006/relationships" type="line" r:blip="">
+          <dgm:adjLst/>
+        </dgm:shape>
+        <dgm:presOf/>
+      </dgm:layoutNode>
+      <dgm:layoutNode name="horz1">
+        <dgm:choose name="Name4">
+          <dgm:if name="Name5" func="var" arg="dir" op="equ" val="norm">
+            <dgm:alg type="lin">
+              <dgm:param type="linDir" val="fromL"/>
+              <dgm:param type="nodeVertAlign" val="t"/>
+            </dgm:alg>
+          </dgm:if>
+          <dgm:else name="Name6">
+            <dgm:alg type="lin">
+              <dgm:param type="linDir" val="fromR"/>
+              <dgm:param type="nodeVertAlign" val="t"/>
+            </dgm:alg>
+          </dgm:else>
+        </dgm:choose>
+        <dgm:shape xmlns:r="http://schemas.openxmlformats.org/officeDocument/2006/relationships" r:blip="">
+          <dgm:adjLst/>
+        </dgm:shape>
+        <dgm:presOf/>
+        <dgm:choose name="Name7">
+          <dgm:if name="Name8" axis="root des" func="maxDepth" op="equ" val="1">
+            <dgm:constrLst>
+              <dgm:constr type="w" for="ch" forName="tx1" refType="w"/>
+            </dgm:constrLst>
+          </dgm:if>
+          <dgm:if name="Name9" axis="root des" func="maxDepth" op="equ" val="2">
+            <dgm:constrLst>
+              <dgm:constr type="w" for="ch" forName="tx1" refType="w" fact="0.2"/>
+              <dgm:constr type="w" for="des" forName="tx2" refType="w" fact="0.785"/>
+              <dgm:constr type="w" for="des" forName="horzSpace2" refType="w" fact="0.015"/>
+              <dgm:constr type="w" for="des" forName="thinLine2b" refType="w" fact="0.8"/>
+            </dgm:constrLst>
+          </dgm:if>
+          <dgm:if name="Name10" axis="root des" func="maxDepth" op="equ" val="3">
+            <dgm:constrLst>
+              <dgm:constr type="w" for="ch" forName="tx1" refType="w" fact="0.2"/>
+              <dgm:constr type="w" for="des" forName="tx2" refType="w" fact="0.385"/>
+              <dgm:constr type="w" for="des" forName="tx3" refType="w" fact="0.385"/>
+              <dgm:constr type="w" for="des" forName="horzSpace2" refType="w" fact="0.015"/>
+              <dgm:constr type="w" for="des" forName="horzSpace3" refType="w" fact="0.015"/>
+              <dgm:constr type="w" for="des" forName="thinLine2b" refType="w" fact="0.8"/>
+              <dgm:constr type="w" for="des" forName="thinLine3" refType="w" fact="0.385"/>
+            </dgm:constrLst>
+          </dgm:if>
+          <dgm:if name="Name11" axis="root des" func="maxDepth" op="gte" val="4">
+            <dgm:constrLst>
+              <dgm:constr type="w" for="ch" forName="tx1" refType="w" fact="0.2"/>
+              <dgm:constr type="w" for="des" forName="tx2" refType="w" fact="0.2516"/>
+              <dgm:constr type="w" for="des" forName="tx3" refType="w" fact="0.2516"/>
+              <dgm:constr type="w" for="des" forName="tx4" refType="w" fact="0.2516"/>
+              <dgm:constr type="w" for="des" forName="horzSpace2" refType="w" fact="0.015"/>
+              <dgm:constr type="w" for="des" forName="horzSpace3" refType="w" fact="0.015"/>
+              <dgm:constr type="w" for="des" forName="horzSpace4" refType="w" fact="0.015"/>
+              <dgm:constr type="w" for="des" forName="thinLine2b" refType="w" fact="0.8"/>
+              <dgm:constr type="w" for="des" forName="thinLine3" refType="w" fact="0.5332"/>
+            </dgm:constrLst>
+          </dgm:if>
+          <dgm:else name="Name12"/>
+        </dgm:choose>
+        <dgm:layoutNode name="tx1" styleLbl="revTx">
+          <dgm:alg type="tx">
+            <dgm:param type="parTxLTRAlign" val="l"/>
+            <dgm:param type="parTxRTLAlign" val="r"/>
+            <dgm:param type="txAnchorVert" val="t"/>
+          </dgm:alg>
+          <dgm:shape xmlns:r="http://schemas.openxmlformats.org/officeDocument/2006/relationships" type="rect" r:blip="">
+            <dgm:adjLst/>
+          </dgm:shape>
+          <dgm:presOf axis="self"/>
+          <dgm:constrLst>
+            <dgm:constr type="tMarg" refType="primFontSz" fact="0.3"/>
+            <dgm:constr type="bMarg" refType="primFontSz" fact="0.3"/>
+            <dgm:constr type="lMarg" refType="primFontSz" fact="0.3"/>
+            <dgm:constr type="rMarg" refType="primFontSz" fact="0.3"/>
+          </dgm:constrLst>
+          <dgm:ruleLst>
+            <dgm:rule type="primFontSz" val="5" fact="NaN" max="NaN"/>
+          </dgm:ruleLst>
+        </dgm:layoutNode>
+        <dgm:layoutNode name="vert1">
+          <dgm:choose name="Name13">
+            <dgm:if name="Name14" func="var" arg="dir" op="equ" val="norm">
+              <dgm:alg type="lin">
+                <dgm:param type="linDir" val="fromT"/>
+                <dgm:param type="nodeHorzAlign" val="l"/>
+              </dgm:alg>
+            </dgm:if>
+            <dgm:else name="Name15">
+              <dgm:alg type="lin">
+                <dgm:param type="linDir" val="fromT"/>
+                <dgm:param type="nodeHorzAlign" val="r"/>
+              </dgm:alg>
+            </dgm:else>
+          </dgm:choose>
+          <dgm:shape xmlns:r="http://schemas.openxmlformats.org/officeDocument/2006/relationships" r:blip="">
+            <dgm:adjLst/>
+          </dgm:shape>
+          <dgm:presOf/>
+          <dgm:forEach name="Name16" axis="ch" ptType="node">
+            <dgm:choose name="Name17">
+              <dgm:if name="Name18" axis="self" ptType="node" func="pos" op="equ" val="1">
+                <dgm:layoutNode name="vertSpace2a">
+                  <dgm:alg type="sp"/>
+                  <dgm:shape xmlns:r="http://schemas.openxmlformats.org/officeDocument/2006/relationships" r:blip="">
+                    <dgm:adjLst/>
+                  </dgm:shape>
+                  <dgm:presOf/>
+                </dgm:layoutNode>
+              </dgm:if>
+              <dgm:else name="Name19"/>
+            </dgm:choose>
+            <dgm:layoutNode name="horz2">
+              <dgm:choose name="Name20">
+                <dgm:if name="Name21" func="var" arg="dir" op="equ" val="norm">
+                  <dgm:alg type="lin">
+                    <dgm:param type="linDir" val="fromL"/>
+                    <dgm:param type="nodeVertAlign" val="t"/>
+                  </dgm:alg>
+                </dgm:if>
+                <dgm:else name="Name22">
+                  <dgm:alg type="lin">
+                    <dgm:param type="linDir" val="fromR"/>
+                    <dgm:param type="nodeVertAlign" val="t"/>
+                  </dgm:alg>
+                </dgm:else>
+              </dgm:choose>
+              <dgm:shape xmlns:r="http://schemas.openxmlformats.org/officeDocument/2006/relationships" r:blip="">
+                <dgm:adjLst/>
+              </dgm:shape>
+              <dgm:presOf/>
+              <dgm:layoutNode name="horzSpace2">
+                <dgm:alg type="sp"/>
+                <dgm:shape xmlns:r="http://schemas.openxmlformats.org/officeDocument/2006/relationships" r:blip="">
+                  <dgm:adjLst/>
+                </dgm:shape>
+                <dgm:presOf/>
+              </dgm:layoutNode>
+              <dgm:layoutNode name="tx2" styleLbl="revTx">
+                <dgm:alg type="tx">
+                  <dgm:param type="parTxLTRAlign" val="l"/>
+                  <dgm:param type="parTxRTLAlign" val="r"/>
+                  <dgm:param type="txAnchorVert" val="t"/>
+                </dgm:alg>
+                <dgm:shape xmlns:r="http://schemas.openxmlformats.org/officeDocument/2006/relationships" type="rect" r:blip="">
+                  <dgm:adjLst/>
+                </dgm:shape>
+                <dgm:presOf axis="self"/>
+                <dgm:constrLst>
+                  <dgm:constr type="tMarg" refType="primFontSz" fact="0.3"/>
+                  <dgm:constr type="bMarg" refType="primFontSz" fact="0.3"/>
+                  <dgm:constr type="lMarg" refType="primFontSz" fact="0.3"/>
+                  <dgm:constr type="rMarg" refType="primFontSz" fact="0.3"/>
+                </dgm:constrLst>
+                <dgm:ruleLst>
+                  <dgm:rule type="primFontSz" val="5" fact="NaN" max="NaN"/>
+                </dgm:ruleLst>
+              </dgm:layoutNode>
+              <dgm:layoutNode name="vert2">
+                <dgm:choose name="Name23">
+                  <dgm:if name="Name24" func="var" arg="dir" op="equ" val="norm">
+                    <dgm:alg type="lin">
+                      <dgm:param type="linDir" val="fromT"/>
+                      <dgm:param type="nodeHorzAlign" val="l"/>
+                    </dgm:alg>
+                  </dgm:if>
+                  <dgm:else name="Name25">
+                    <dgm:alg type="lin">
+                      <dgm:param type="linDir" val="fromT"/>
+                      <dgm:param type="nodeHorzAlign" val="r"/>
+                    </dgm:alg>
+                  </dgm:else>
+                </dgm:choose>
+                <dgm:shape xmlns:r="http://schemas.openxmlformats.org/officeDocument/2006/relationships" r:blip="">
+                  <dgm:adjLst/>
+                </dgm:shape>
+                <dgm:presOf/>
+                <dgm:forEach name="Name26" axis="ch" ptType="node">
+                  <dgm:layoutNode name="horz3">
+                    <dgm:choose name="Name27">
+                      <dgm:if name="Name28" func="var" arg="dir" op="equ" val="norm">
+                        <dgm:alg type="lin">
+                          <dgm:param type="linDir" val="fromL"/>
+                          <dgm:param type="nodeVertAlign" val="t"/>
+                        </dgm:alg>
+                      </dgm:if>
+                      <dgm:else name="Name29">
+                        <dgm:alg type="lin">
+                          <dgm:param type="linDir" val="fromR"/>
+                          <dgm:param type="nodeVertAlign" val="t"/>
+                        </dgm:alg>
+                      </dgm:else>
+                    </dgm:choose>
+                    <dgm:shape xmlns:r="http://schemas.openxmlformats.org/officeDocument/2006/relationships" r:blip="">
+                      <dgm:adjLst/>
+                    </dgm:shape>
+                    <dgm:presOf/>
+                    <dgm:layoutNode name="horzSpace3">
+                      <dgm:alg type="sp"/>
+                      <dgm:shape xmlns:r="http://schemas.openxmlformats.org/officeDocument/2006/relationships" r:blip="">
+                        <dgm:adjLst/>
+                      </dgm:shape>
+                      <dgm:presOf/>
+                    </dgm:layoutNode>
+                    <dgm:layoutNode name="tx3" styleLbl="revTx">
+                      <dgm:alg type="tx">
+                        <dgm:param type="parTxLTRAlign" val="l"/>
+                        <dgm:param type="parTxRTLAlign" val="r"/>
+                        <dgm:param type="txAnchorVert" val="t"/>
+                      </dgm:alg>
+                      <dgm:shape xmlns:r="http://schemas.openxmlformats.org/officeDocument/2006/relationships" type="rect" r:blip="">
+                        <dgm:adjLst/>
+                      </dgm:shape>
+                      <dgm:presOf axis="self"/>
+                      <dgm:constrLst>
+                        <dgm:constr type="tMarg" refType="primFontSz" fact="0.3"/>
+                        <dgm:constr type="bMarg" refType="primFontSz" fact="0.3"/>
+                        <dgm:constr type="lMarg" refType="primFontSz" fact="0.3"/>
+                        <dgm:constr type="rMarg" refType="primFontSz" fact="0.3"/>
+                      </dgm:constrLst>
+                      <dgm:ruleLst>
+                        <dgm:rule type="primFontSz" val="5" fact="NaN" max="NaN"/>
+                      </dgm:ruleLst>
+                    </dgm:layoutNode>
+                    <dgm:layoutNode name="vert3">
+                      <dgm:choose name="Name30">
+                        <dgm:if name="Name31" func="var" arg="dir" op="equ" val="norm">
+                          <dgm:alg type="lin">
+                            <dgm:param type="linDir" val="fromT"/>
+                            <dgm:param type="nodeHorzAlign" val="l"/>
+                          </dgm:alg>
+                        </dgm:if>
+                        <dgm:else name="Name32">
+                          <dgm:alg type="lin">
+                            <dgm:param type="linDir" val="fromT"/>
+                            <dgm:param type="nodeHorzAlign" val="r"/>
+                          </dgm:alg>
+                        </dgm:else>
+                      </dgm:choose>
+                      <dgm:shape xmlns:r="http://schemas.openxmlformats.org/officeDocument/2006/relationships" r:blip="">
+                        <dgm:adjLst/>
+                      </dgm:shape>
+                      <dgm:presOf/>
+                      <dgm:forEach name="Name33" axis="ch" ptType="node">
+                        <dgm:layoutNode name="horz4">
+                          <dgm:choose name="Name34">
+                            <dgm:if name="Name35" func="var" arg="dir" op="equ" val="norm">
+                              <dgm:alg type="lin">
+                                <dgm:param type="linDir" val="fromL"/>
+                                <dgm:param type="nodeVertAlign" val="t"/>
+                              </dgm:alg>
+                            </dgm:if>
+                            <dgm:else name="Name36">
+                              <dgm:alg type="lin">
+                                <dgm:param type="linDir" val="fromR"/>
+                                <dgm:param type="nodeVertAlign" val="t"/>
+                              </dgm:alg>
+                            </dgm:else>
+                          </dgm:choose>
+                          <dgm:shape xmlns:r="http://schemas.openxmlformats.org/officeDocument/2006/relationships" r:blip="">
+                            <dgm:adjLst/>
+                          </dgm:shape>
+                          <dgm:presOf/>
+                          <dgm:layoutNode name="horzSpace4">
+                            <dgm:alg type="sp"/>
+                            <dgm:shape xmlns:r="http://schemas.openxmlformats.org/officeDocument/2006/relationships" r:blip="">
+                              <dgm:adjLst/>
+                            </dgm:shape>
+                            <dgm:presOf/>
+                          </dgm:layoutNode>
+                          <dgm:layoutNode name="tx4" styleLbl="revTx">
+                            <dgm:varLst>
+                              <dgm:bulletEnabled val="1"/>
+                            </dgm:varLst>
+                            <dgm:alg type="tx">
+                              <dgm:param type="parTxLTRAlign" val="l"/>
+                              <dgm:param type="parTxRTLAlign" val="r"/>
+                              <dgm:param type="txAnchorVert" val="t"/>
+                            </dgm:alg>
+                            <dgm:shape xmlns:r="http://schemas.openxmlformats.org/officeDocument/2006/relationships" type="rect" r:blip="">
+                              <dgm:adjLst/>
+                            </dgm:shape>
+                            <dgm:presOf axis="desOrSelf" ptType="node"/>
+                            <dgm:constrLst>
+                              <dgm:constr type="tMarg" refType="primFontSz" fact="0.3"/>
+                              <dgm:constr type="bMarg" refType="primFontSz" fact="0.3"/>
+                              <dgm:constr type="lMarg" refType="primFontSz" fact="0.3"/>
+                              <dgm:constr type="rMarg" refType="primFontSz" fact="0.3"/>
+                            </dgm:constrLst>
+                            <dgm:ruleLst>
+                              <dgm:rule type="primFontSz" val="5" fact="NaN" max="NaN"/>
+                            </dgm:ruleLst>
+                          </dgm:layoutNode>
+                        </dgm:layoutNode>
+                      </dgm:forEach>
+                    </dgm:layoutNode>
+                  </dgm:layoutNode>
+                  <dgm:forEach name="Name37" axis="followSib" ptType="sibTrans" cnt="1">
+                    <dgm:layoutNode name="thinLine3" styleLbl="callout">
+                      <dgm:alg type="sp"/>
+                      <dgm:shape xmlns:r="http://schemas.openxmlformats.org/officeDocument/2006/relationships" type="line" r:blip="">
+                        <dgm:adjLst/>
+                      </dgm:shape>
+                      <dgm:presOf/>
+                    </dgm:layoutNode>
+                  </dgm:forEach>
+                </dgm:forEach>
+              </dgm:layoutNode>
+            </dgm:layoutNode>
+            <dgm:layoutNode name="thinLine2b" styleLbl="callout">
+              <dgm:alg type="sp"/>
+              <dgm:shape xmlns:r="http://schemas.openxmlformats.org/officeDocument/2006/relationships" type="line" r:blip="">
+                <dgm:adjLst/>
+              </dgm:shape>
+              <dgm:presOf/>
+            </dgm:layoutNode>
+            <dgm:layoutNode name="vertSpace2b">
+              <dgm:alg type="sp"/>
+              <dgm:shape xmlns:r="http://schemas.openxmlformats.org/officeDocument/2006/relationships" r:blip="">
+                <dgm:adjLst/>
+              </dgm:shape>
+              <dgm:presOf/>
+            </dgm:layoutNode>
+          </dgm:forEach>
+        </dgm:layoutNode>
+      </dgm:layoutNode>
+    </dgm:forEach>
+  </dgm:layoutNode>
+</dgm:layoutDef>
+</file>
+
 <file path=ppt/diagrams/quickStyle1.xml><?xml version="1.0" encoding="utf-8"?>
+<dgm:styleDef xmlns:dgm="http://schemas.openxmlformats.org/drawingml/2006/diagram" xmlns:a="http://schemas.openxmlformats.org/drawingml/2006/main" uniqueId="urn:microsoft.com/office/officeart/2005/8/quickstyle/simple1">
+  <dgm:title val=""/>
+  <dgm:desc val=""/>
+  <dgm:catLst>
+    <dgm:cat type="simple" pri="10100"/>
+  </dgm:catLst>
+  <dgm:scene3d>
+    <a:camera prst="orthographicFront"/>
+    <a:lightRig rig="threePt" dir="t"/>
+  </dgm:scene3d>
+  <dgm:styleLbl name="node0">
+    <dgm:scene3d>
+      <a:camera prst="orthographicFront"/>
+      <a:lightRig rig="threePt" dir="t"/>
+    </dgm:scene3d>
+    <dgm:sp3d/>
+    <dgm:txPr/>
+    <dgm:style>
+      <a:lnRef idx="2">
+        <a:scrgbClr r="0" g="0" b="0"/>
+      </a:lnRef>
+      <a:fillRef idx="1">
+        <a:scrgbClr r="0" g="0" b="0"/>
+      </a:fillRef>
+      <a:effectRef idx="0">
+        <a:scrgbClr r="0" g="0" b="0"/>
+      </a:effectRef>
+      <a:fontRef idx="minor">
+        <a:schemeClr val="lt1"/>
+      </a:fontRef>
+    </dgm:style>
+  </dgm:styleLbl>
+  <dgm:styleLbl name="lnNode1">
+    <dgm:scene3d>
+      <a:camera prst="orthographicFront"/>
+      <a:lightRig rig="threePt" dir="t"/>
+    </dgm:scene3d>
+    <dgm:sp3d/>
+    <dgm:txPr/>
+    <dgm:style>
+      <a:lnRef idx="2">
+        <a:scrgbClr r="0" g="0" b="0"/>
+      </a:lnRef>
+      <a:fillRef idx="1">
+        <a:scrgbClr r="0" g="0" b="0"/>
+      </a:fillRef>
+      <a:effectRef idx="0">
+        <a:scrgbClr r="0" g="0" b="0"/>
+      </a:effectRef>
+      <a:fontRef idx="minor">
+        <a:schemeClr val="lt1"/>
+      </a:fontRef>
+    </dgm:style>
+  </dgm:styleLbl>
+  <dgm:styleLbl name="vennNode1">
+    <dgm:scene3d>
+      <a:camera prst="orthographicFront"/>
+      <a:lightRig rig="threePt" dir="t"/>
+    </dgm:scene3d>
+    <dgm:sp3d/>
+    <dgm:txPr/>
+    <dgm:style>
+      <a:lnRef idx="2">
+        <a:scrgbClr r="0" g="0" b="0"/>
+      </a:lnRef>
+      <a:fillRef idx="1">
+        <a:scrgbClr r="0" g="0" b="0"/>
+      </a:fillRef>
+      <a:effectRef idx="0">
+        <a:scrgbClr r="0" g="0" b="0"/>
+      </a:effectRef>
+      <a:fontRef idx="minor">
+        <a:schemeClr val="tx1"/>
+      </a:fontRef>
+    </dgm:style>
+  </dgm:styleLbl>
+  <dgm:styleLbl name="alignNode1">
+    <dgm:scene3d>
+      <a:camera prst="orthographicFront"/>
+      <a:lightRig rig="threePt" dir="t"/>
+    </dgm:scene3d>
+    <dgm:sp3d/>
+    <dgm:txPr/>
+    <dgm:style>
+      <a:lnRef idx="2">
+        <a:scrgbClr r="0" g="0" b="0"/>
+      </a:lnRef>
+      <a:fillRef idx="1">
+        <a:scrgbClr r="0" g="0" b="0"/>
+      </a:fillRef>
+      <a:effectRef idx="0">
+        <a:scrgbClr r="0" g="0" b="0"/>
+      </a:effectRef>
+      <a:fontRef idx="minor">
+        <a:schemeClr val="lt1"/>
+      </a:fontRef>
+    </dgm:style>
+  </dgm:styleLbl>
+  <dgm:styleLbl name="node1">
+    <dgm:scene3d>
+      <a:camera prst="orthographicFront"/>
+      <a:lightRig rig="threePt" dir="t"/>
+    </dgm:scene3d>
+    <dgm:sp3d/>
+    <dgm:txPr/>
+    <dgm:style>
+      <a:lnRef idx="2">
+        <a:scrgbClr r="0" g="0" b="0"/>
+      </a:lnRef>
+      <a:fillRef idx="1">
+        <a:scrgbClr r="0" g="0" b="0"/>
+      </a:fillRef>
+      <a:effectRef idx="0">
+        <a:scrgbClr r="0" g="0" b="0"/>
+      </a:effectRef>
+      <a:fontRef idx="minor">
+        <a:schemeClr val="lt1"/>
+      </a:fontRef>
+    </dgm:style>
+  </dgm:styleLbl>
+  <dgm:styleLbl name="node2">
+    <dgm:scene3d>
+      <a:camera prst="orthographicFront"/>
+      <a:lightRig rig="threePt" dir="t"/>
+    </dgm:scene3d>
+    <dgm:sp3d/>
+    <dgm:txPr/>
+    <dgm:style>
+      <a:lnRef idx="2">
+        <a:scrgbClr r="0" g="0" b="0"/>
+      </a:lnRef>
+      <a:fillRef idx="1">
+        <a:scrgbClr r="0" g="0" b="0"/>
+      </a:fillRef>
+      <a:effectRef idx="0">
+        <a:scrgbClr r="0" g="0" b="0"/>
+      </a:effectRef>
+      <a:fontRef idx="minor">
+        <a:schemeClr val="lt1"/>
+      </a:fontRef>
+    </dgm:style>
+  </dgm:styleLbl>
+  <dgm:styleLbl name="node3">
+    <dgm:scene3d>
+      <a:camera prst="orthographicFront"/>
+      <a:lightRig rig="threePt" dir="t"/>
+    </dgm:scene3d>
+    <dgm:sp3d/>
+    <dgm:txPr/>
+    <dgm:style>
+      <a:lnRef idx="2">
+        <a:scrgbClr r="0" g="0" b="0"/>
+      </a:lnRef>
+      <a:fillRef idx="1">
+        <a:scrgbClr r="0" g="0" b="0"/>
+      </a:fillRef>
+      <a:effectRef idx="0">
+        <a:scrgbClr r="0" g="0" b="0"/>
+      </a:effectRef>
+      <a:fontRef idx="minor">
+        <a:schemeClr val="lt1"/>
+      </a:fontRef>
+    </dgm:style>
+  </dgm:styleLbl>
+  <dgm:styleLbl name="node4">
+    <dgm:scene3d>
+      <a:camera prst="orthographicFront"/>
+      <a:lightRig rig="threePt" dir="t"/>
+    </dgm:scene3d>
+    <dgm:sp3d/>
+    <dgm:txPr/>
+    <dgm:style>
+      <a:lnRef idx="2">
+        <a:scrgbClr r="0" g="0" b="0"/>
+      </a:lnRef>
+      <a:fillRef idx="1">
+        <a:scrgbClr r="0" g="0" b="0"/>
+      </a:fillRef>
+      <a:effectRef idx="0">
+        <a:scrgbClr r="0" g="0" b="0"/>
+      </a:effectRef>
+      <a:fontRef idx="minor">
+        <a:schemeClr val="lt1"/>
+      </a:fontRef>
+    </dgm:style>
+  </dgm:styleLbl>
+  <dgm:styleLbl name="fgImgPlace1">
+    <dgm:scene3d>
+      <a:camera prst="orthographicFront"/>
+      <a:lightRig rig="threePt" dir="t"/>
+    </dgm:scene3d>
+    <dgm:sp3d/>
+    <dgm:txPr/>
+    <dgm:style>
+      <a:lnRef idx="2">
+        <a:scrgbClr r="0" g="0" b="0"/>
+      </a:lnRef>
+      <a:fillRef idx="1">
+        <a:scrgbClr r="0" g="0" b="0"/>
+      </a:fillRef>
+      <a:effectRef idx="0">
+        <a:scrgbClr r="0" g="0" b="0"/>
+      </a:effectRef>
+      <a:fontRef idx="minor"/>
+    </dgm:style>
+  </dgm:styleLbl>
+  <dgm:styleLbl name="alignImgPlace1">
+    <dgm:scene3d>
+      <a:camera prst="orthographicFront"/>
+      <a:lightRig rig="threePt" dir="t"/>
+    </dgm:scene3d>
+    <dgm:sp3d/>
+    <dgm:txPr/>
+    <dgm:style>
+      <a:lnRef idx="2">
+        <a:scrgbClr r="0" g="0" b="0"/>
+      </a:lnRef>
+      <a:fillRef idx="1">
+        <a:scrgbClr r="0" g="0" b="0"/>
+      </a:fillRef>
+      <a:effectRef idx="0">
+        <a:scrgbClr r="0" g="0" b="0"/>
+      </a:effectRef>
+      <a:fontRef idx="minor"/>
+    </dgm:style>
+  </dgm:styleLbl>
+  <dgm:styleLbl name="bgImgPlace1">
+    <dgm:scene3d>
+      <a:camera prst="orthographicFront"/>
+      <a:lightRig rig="threePt" dir="t"/>
+    </dgm:scene3d>
+    <dgm:sp3d/>
+    <dgm:txPr/>
+    <dgm:style>
+      <a:lnRef idx="2">
+        <a:scrgbClr r="0" g="0" b="0"/>
+      </a:lnRef>
+      <a:fillRef idx="1">
+        <a:scrgbClr r="0" g="0" b="0"/>
+      </a:fillRef>
+      <a:effectRef idx="0">
+        <a:scrgbClr r="0" g="0" b="0"/>
+      </a:effectRef>
+      <a:fontRef idx="minor"/>
+    </dgm:style>
+  </dgm:styleLbl>
+  <dgm:styleLbl name="sibTrans2D1">
+    <dgm:scene3d>
+      <a:camera prst="orthographicFront"/>
+      <a:lightRig rig="threePt" dir="t"/>
+    </dgm:scene3d>
+    <dgm:sp3d/>
+    <dgm:txPr/>
+    <dgm:style>
+      <a:lnRef idx="0">
+        <a:scrgbClr r="0" g="0" b="0"/>
+      </a:lnRef>
+      <a:fillRef idx="1">
+        <a:scrgbClr r="0" g="0" b="0"/>
+      </a:fillRef>
+      <a:effectRef idx="0">
+        <a:scrgbClr r="0" g="0" b="0"/>
+      </a:effectRef>
+      <a:fontRef idx="minor">
+        <a:schemeClr val="lt1"/>
+      </a:fontRef>
+    </dgm:style>
+  </dgm:styleLbl>
+  <dgm:styleLbl name="fgSibTrans2D1">
+    <dgm:scene3d>
+      <a:camera prst="orthographicFront"/>
+      <a:lightRig rig="threePt" dir="t"/>
+    </dgm:scene3d>
+    <dgm:sp3d/>
+    <dgm:txPr/>
+    <dgm:style>
+      <a:lnRef idx="0">
+        <a:scrgbClr r="0" g="0" b="0"/>
+      </a:lnRef>
+      <a:fillRef idx="1">
+        <a:scrgbClr r="0" g="0" b="0"/>
+      </a:fillRef>
+      <a:effectRef idx="0">
+        <a:scrgbClr r="0" g="0" b="0"/>
+      </a:effectRef>
+      <a:fontRef idx="minor">
+        <a:schemeClr val="lt1"/>
+      </a:fontRef>
+    </dgm:style>
+  </dgm:styleLbl>
+  <dgm:styleLbl name="bgSibTrans2D1">
+    <dgm:scene3d>
+      <a:camera prst="orthographicFront"/>
+      <a:lightRig rig="threePt" dir="t"/>
+    </dgm:scene3d>
+    <dgm:sp3d/>
+    <dgm:txPr/>
+    <dgm:style>
+      <a:lnRef idx="0">
+        <a:scrgbClr r="0" g="0" b="0"/>
+      </a:lnRef>
+      <a:fillRef idx="1">
+        <a:scrgbClr r="0" g="0" b="0"/>
+      </a:fillRef>
+      <a:effectRef idx="0">
+        <a:scrgbClr r="0" g="0" b="0"/>
+      </a:effectRef>
+      <a:fontRef idx="minor">
+        <a:schemeClr val="lt1"/>
+      </a:fontRef>
+    </dgm:style>
+  </dgm:styleLbl>
+  <dgm:styleLbl name="sibTrans1D1">
+    <dgm:scene3d>
+      <a:camera prst="orthographicFront"/>
+      <a:lightRig rig="threePt" dir="t"/>
+    </dgm:scene3d>
+    <dgm:sp3d/>
+    <dgm:txPr/>
+    <dgm:style>
+      <a:lnRef idx="1">
+        <a:scrgbClr r="0" g="0" b="0"/>
+      </a:lnRef>
+      <a:fillRef idx="0">
+        <a:scrgbClr r="0" g="0" b="0"/>
+      </a:fillRef>
+      <a:effectRef idx="0">
+        <a:scrgbClr r="0" g="0" b="0"/>
+      </a:effectRef>
+      <a:fontRef idx="minor"/>
+    </dgm:style>
+  </dgm:styleLbl>
+  <dgm:styleLbl name="callout">
+    <dgm:scene3d>
+      <a:camera prst="orthographicFront"/>
+      <a:lightRig rig="threePt" dir="t"/>
+    </dgm:scene3d>
+    <dgm:sp3d/>
+    <dgm:txPr/>
+    <dgm:style>
+      <a:lnRef idx="2">
+        <a:scrgbClr r="0" g="0" b="0"/>
+      </a:lnRef>
+      <a:fillRef idx="1">
+        <a:scrgbClr r="0" g="0" b="0"/>
+      </a:fillRef>
+      <a:effectRef idx="0">
+        <a:scrgbClr r="0" g="0" b="0"/>
+      </a:effectRef>
+      <a:fontRef idx="minor"/>
+    </dgm:style>
+  </dgm:styleLbl>
+  <dgm:styleLbl name="asst0">
+    <dgm:scene3d>
+      <a:camera prst="orthographicFront"/>
+      <a:lightRig rig="threePt" dir="t"/>
+    </dgm:scene3d>
+    <dgm:sp3d/>
+    <dgm:txPr/>
+    <dgm:style>
+      <a:lnRef idx="2">
+        <a:scrgbClr r="0" g="0" b="0"/>
+      </a:lnRef>
+      <a:fillRef idx="1">
+        <a:scrgbClr r="0" g="0" b="0"/>
+      </a:fillRef>
+      <a:effectRef idx="0">
+        <a:scrgbClr r="0" g="0" b="0"/>
+      </a:effectRef>
+      <a:fontRef idx="minor">
+        <a:schemeClr val="lt1"/>
+      </a:fontRef>
+    </dgm:style>
+  </dgm:styleLbl>
+  <dgm:styleLbl name="asst1">
+    <dgm:scene3d>
+      <a:camera prst="orthographicFront"/>
+      <a:lightRig rig="threePt" dir="t"/>
+    </dgm:scene3d>
+    <dgm:sp3d/>
+    <dgm:txPr/>
+    <dgm:style>
+      <a:lnRef idx="2">
+        <a:scrgbClr r="0" g="0" b="0"/>
+      </a:lnRef>
+      <a:fillRef idx="1">
+        <a:scrgbClr r="0" g="0" b="0"/>
+      </a:fillRef>
+      <a:effectRef idx="0">
+        <a:scrgbClr r="0" g="0" b="0"/>
+      </a:effectRef>
+      <a:fontRef idx="minor">
+        <a:schemeClr val="lt1"/>
+      </a:fontRef>
+    </dgm:style>
+  </dgm:styleLbl>
+  <dgm:styleLbl name="asst2">
+    <dgm:scene3d>
+      <a:camera prst="orthographicFront"/>
+      <a:lightRig rig="threePt" dir="t"/>
+    </dgm:scene3d>
+    <dgm:sp3d/>
+    <dgm:txPr/>
+    <dgm:style>
+      <a:lnRef idx="2">
+        <a:scrgbClr r="0" g="0" b="0"/>
+      </a:lnRef>
+      <a:fillRef idx="1">
+        <a:scrgbClr r="0" g="0" b="0"/>
+      </a:fillRef>
+      <a:effectRef idx="0">
+        <a:scrgbClr r="0" g="0" b="0"/>
+      </a:effectRef>
+      <a:fontRef idx="minor">
+        <a:schemeClr val="lt1"/>
+      </a:fontRef>
+    </dgm:style>
+  </dgm:styleLbl>
+  <dgm:styleLbl name="asst3">
+    <dgm:scene3d>
+      <a:camera prst="orthographicFront"/>
+      <a:lightRig rig="threePt" dir="t"/>
+    </dgm:scene3d>
+    <dgm:sp3d/>
+    <dgm:txPr/>
+    <dgm:style>
+      <a:lnRef idx="2">
+        <a:scrgbClr r="0" g="0" b="0"/>
+      </a:lnRef>
+      <a:fillRef idx="1">
+        <a:scrgbClr r="0" g="0" b="0"/>
+      </a:fillRef>
+      <a:effectRef idx="0">
+        <a:scrgbClr r="0" g="0" b="0"/>
+      </a:effectRef>
+      <a:fontRef idx="minor">
+        <a:schemeClr val="lt1"/>
+      </a:fontRef>
+    </dgm:style>
+  </dgm:styleLbl>
+  <dgm:styleLbl name="asst4">
+    <dgm:scene3d>
+      <a:camera prst="orthographicFront"/>
+      <a:lightRig rig="threePt" dir="t"/>
+    </dgm:scene3d>
+    <dgm:sp3d/>
+    <dgm:txPr/>
+    <dgm:style>
+      <a:lnRef idx="2">
+        <a:scrgbClr r="0" g="0" b="0"/>
+      </a:lnRef>
+      <a:fillRef idx="1">
+        <a:scrgbClr r="0" g="0" b="0"/>
+      </a:fillRef>
+      <a:effectRef idx="0">
+        <a:scrgbClr r="0" g="0" b="0"/>
+      </a:effectRef>
+      <a:fontRef idx="minor">
+        <a:schemeClr val="lt1"/>
+      </a:fontRef>
+    </dgm:style>
+  </dgm:styleLbl>
+  <dgm:styleLbl name="parChTrans2D1">
+    <dgm:scene3d>
+      <a:camera prst="orthographicFront"/>
+      <a:lightRig rig="threePt" dir="t"/>
+    </dgm:scene3d>
+    <dgm:sp3d/>
+    <dgm:txPr/>
+    <dgm:style>
+      <a:lnRef idx="2">
+        <a:scrgbClr r="0" g="0" b="0"/>
+      </a:lnRef>
+      <a:fillRef idx="1">
+        <a:scrgbClr r="0" g="0" b="0"/>
+      </a:fillRef>
+      <a:effectRef idx="0">
+        <a:scrgbClr r="0" g="0" b="0"/>
+      </a:effectRef>
+      <a:fontRef idx="minor">
+        <a:schemeClr val="lt1"/>
+      </a:fontRef>
+    </dgm:style>
+  </dgm:styleLbl>
+  <dgm:styleLbl name="parChTrans2D2">
+    <dgm:scene3d>
+      <a:camera prst="orthographicFront"/>
+      <a:lightRig rig="threePt" dir="t"/>
+    </dgm:scene3d>
+    <dgm:sp3d/>
+    <dgm:txPr/>
+    <dgm:style>
+      <a:lnRef idx="2">
+        <a:scrgbClr r="0" g="0" b="0"/>
+      </a:lnRef>
+      <a:fillRef idx="1">
+        <a:scrgbClr r="0" g="0" b="0"/>
+      </a:fillRef>
+      <a:effectRef idx="0">
+        <a:scrgbClr r="0" g="0" b="0"/>
+      </a:effectRef>
+      <a:fontRef idx="minor">
+        <a:schemeClr val="lt1"/>
+      </a:fontRef>
+    </dgm:style>
+  </dgm:styleLbl>
+  <dgm:styleLbl name="parChTrans2D3">
+    <dgm:scene3d>
+      <a:camera prst="orthographicFront"/>
+      <a:lightRig rig="threePt" dir="t"/>
+    </dgm:scene3d>
+    <dgm:sp3d/>
+    <dgm:txPr/>
+    <dgm:style>
+      <a:lnRef idx="2">
+        <a:scrgbClr r="0" g="0" b="0"/>
+      </a:lnRef>
+      <a:fillRef idx="1">
+        <a:scrgbClr r="0" g="0" b="0"/>
+      </a:fillRef>
+      <a:effectRef idx="0">
+        <a:scrgbClr r="0" g="0" b="0"/>
+      </a:effectRef>
+      <a:fontRef idx="minor">
+        <a:schemeClr val="lt1"/>
+      </a:fontRef>
+    </dgm:style>
+  </dgm:styleLbl>
+  <dgm:styleLbl name="parChTrans2D4">
+    <dgm:scene3d>
+      <a:camera prst="orthographicFront"/>
+      <a:lightRig rig="threePt" dir="t"/>
+    </dgm:scene3d>
+    <dgm:sp3d/>
+    <dgm:txPr/>
+    <dgm:style>
+      <a:lnRef idx="2">
+        <a:scrgbClr r="0" g="0" b="0"/>
+      </a:lnRef>
+      <a:fillRef idx="1">
+        <a:scrgbClr r="0" g="0" b="0"/>
+      </a:fillRef>
+      <a:effectRef idx="0">
+        <a:scrgbClr r="0" g="0" b="0"/>
+      </a:effectRef>
+      <a:fontRef idx="minor">
+        <a:schemeClr val="lt1"/>
+      </a:fontRef>
+    </dgm:style>
+  </dgm:styleLbl>
+  <dgm:styleLbl name="parChTrans1D1">
+    <dgm:scene3d>
+      <a:camera prst="orthographicFront"/>
+      <a:lightRig rig="threePt" dir="t"/>
+    </dgm:scene3d>
+    <dgm:sp3d/>
+    <dgm:txPr/>
+    <dgm:style>
+      <a:lnRef idx="2">
+        <a:scrgbClr r="0" g="0" b="0"/>
+      </a:lnRef>
+      <a:fillRef idx="0">
+        <a:scrgbClr r="0" g="0" b="0"/>
+      </a:fillRef>
+      <a:effectRef idx="0">
+        <a:scrgbClr r="0" g="0" b="0"/>
+      </a:effectRef>
+      <a:fontRef idx="minor"/>
+    </dgm:style>
+  </dgm:styleLbl>
+  <dgm:styleLbl name="parChTrans1D2">
+    <dgm:scene3d>
+      <a:camera prst="orthographicFront"/>
+      <a:lightRig rig="threePt" dir="t"/>
+    </dgm:scene3d>
+    <dgm:sp3d/>
+    <dgm:txPr/>
+    <dgm:style>
+      <a:lnRef idx="2">
+        <a:scrgbClr r="0" g="0" b="0"/>
+      </a:lnRef>
+      <a:fillRef idx="0">
+        <a:scrgbClr r="0" g="0" b="0"/>
+      </a:fillRef>
+      <a:effectRef idx="0">
+        <a:scrgbClr r="0" g="0" b="0"/>
+      </a:effectRef>
+      <a:fontRef idx="minor"/>
+    </dgm:style>
+  </dgm:styleLbl>
+  <dgm:styleLbl name="parChTrans1D3">
+    <dgm:scene3d>
+      <a:camera prst="orthographicFront"/>
+      <a:lightRig rig="threePt" dir="t"/>
+    </dgm:scene3d>
+    <dgm:sp3d/>
+    <dgm:txPr/>
+    <dgm:style>
+      <a:lnRef idx="2">
+        <a:scrgbClr r="0" g="0" b="0"/>
+      </a:lnRef>
+      <a:fillRef idx="0">
+        <a:scrgbClr r="0" g="0" b="0"/>
+      </a:fillRef>
+      <a:effectRef idx="0">
+        <a:scrgbClr r="0" g="0" b="0"/>
+      </a:effectRef>
+      <a:fontRef idx="minor"/>
+    </dgm:style>
+  </dgm:styleLbl>
+  <dgm:styleLbl name="parChTrans1D4">
+    <dgm:scene3d>
+      <a:camera prst="orthographicFront"/>
+      <a:lightRig rig="threePt" dir="t"/>
+    </dgm:scene3d>
+    <dgm:sp3d/>
+    <dgm:txPr/>
+    <dgm:style>
+      <a:lnRef idx="2">
+        <a:scrgbClr r="0" g="0" b="0"/>
+      </a:lnRef>
+      <a:fillRef idx="0">
+        <a:scrgbClr r="0" g="0" b="0"/>
+      </a:fillRef>
+      <a:effectRef idx="0">
+        <a:scrgbClr r="0" g="0" b="0"/>
+      </a:effectRef>
+      <a:fontRef idx="minor"/>
+    </dgm:style>
+  </dgm:styleLbl>
+  <dgm:styleLbl name="fgAcc1">
+    <dgm:scene3d>
+      <a:camera prst="orthographicFront"/>
+      <a:lightRig rig="threePt" dir="t"/>
+    </dgm:scene3d>
+    <dgm:sp3d/>
+    <dgm:txPr/>
+    <dgm:style>
+      <a:lnRef idx="2">
+        <a:scrgbClr r="0" g="0" b="0"/>
+      </a:lnRef>
+      <a:fillRef idx="1">
+        <a:scrgbClr r="0" g="0" b="0"/>
+      </a:fillRef>
+      <a:effectRef idx="0">
+        <a:scrgbClr r="0" g="0" b="0"/>
+      </a:effectRef>
+      <a:fontRef idx="minor"/>
+    </dgm:style>
+  </dgm:styleLbl>
+  <dgm:styleLbl name="conFgAcc1">
+    <dgm:scene3d>
+      <a:camera prst="orthographicFront"/>
+      <a:lightRig rig="threePt" dir="t"/>
+    </dgm:scene3d>
+    <dgm:sp3d/>
+    <dgm:txPr/>
+    <dgm:style>
+      <a:lnRef idx="2">
+        <a:scrgbClr r="0" g="0" b="0"/>
+      </a:lnRef>
+      <a:fillRef idx="1">
+        <a:scrgbClr r="0" g="0" b="0"/>
+      </a:fillRef>
+      <a:effectRef idx="0">
+        <a:scrgbClr r="0" g="0" b="0"/>
+      </a:effectRef>
+      <a:fontRef idx="minor"/>
+    </dgm:style>
+  </dgm:styleLbl>
+  <dgm:styleLbl name="alignAcc1">
+    <dgm:scene3d>
+      <a:camera prst="orthographicFront"/>
+      <a:lightRig rig="threePt" dir="t"/>
+    </dgm:scene3d>
+    <dgm:sp3d/>
+    <dgm:txPr/>
+    <dgm:style>
+      <a:lnRef idx="2">
+        <a:scrgbClr r="0" g="0" b="0"/>
+      </a:lnRef>
+      <a:fillRef idx="1">
+        <a:scrgbClr r="0" g="0" b="0"/>
+      </a:fillRef>
+      <a:effectRef idx="0">
+        <a:scrgbClr r="0" g="0" b="0"/>
+      </a:effectRef>
+      <a:fontRef idx="minor"/>
+    </dgm:style>
+  </dgm:styleLbl>
+  <dgm:styleLbl name="trAlignAcc1">
+    <dgm:scene3d>
+      <a:camera prst="orthographicFront"/>
+      <a:lightRig rig="threePt" dir="t"/>
+    </dgm:scene3d>
+    <dgm:sp3d/>
+    <dgm:txPr/>
+    <dgm:style>
+      <a:lnRef idx="1">
+        <a:scrgbClr r="0" g="0" b="0"/>
+      </a:lnRef>
+      <a:fillRef idx="1">
+        <a:scrgbClr r="0" g="0" b="0"/>
+      </a:fillRef>
+      <a:effectRef idx="0">
+        <a:scrgbClr r="0" g="0" b="0"/>
+      </a:effectRef>
+      <a:fontRef idx="minor"/>
+    </dgm:style>
+  </dgm:styleLbl>
+  <dgm:styleLbl name="bgAcc1">
+    <dgm:scene3d>
+      <a:camera prst="orthographicFront"/>
+      <a:lightRig rig="threePt" dir="t"/>
+    </dgm:scene3d>
+    <dgm:sp3d/>
+    <dgm:txPr/>
+    <dgm:style>
+      <a:lnRef idx="2">
+        <a:scrgbClr r="0" g="0" b="0"/>
+      </a:lnRef>
+      <a:fillRef idx="1">
+        <a:scrgbClr r="0" g="0" b="0"/>
+      </a:fillRef>
+      <a:effectRef idx="0">
+        <a:scrgbClr r="0" g="0" b="0"/>
+      </a:effectRef>
+      <a:fontRef idx="minor"/>
+    </dgm:style>
+  </dgm:styleLbl>
+  <dgm:styleLbl name="solidFgAcc1">
+    <dgm:scene3d>
+      <a:camera prst="orthographicFront"/>
+      <a:lightRig rig="threePt" dir="t"/>
+    </dgm:scene3d>
+    <dgm:sp3d/>
+    <dgm:txPr/>
+    <dgm:style>
+      <a:lnRef idx="2">
+        <a:scrgbClr r="0" g="0" b="0"/>
+      </a:lnRef>
+      <a:fillRef idx="1">
+        <a:scrgbClr r="0" g="0" b="0"/>
+      </a:fillRef>
+      <a:effectRef idx="0">
+        <a:scrgbClr r="0" g="0" b="0"/>
+      </a:effectRef>
+      <a:fontRef idx="minor"/>
+    </dgm:style>
+  </dgm:styleLbl>
+  <dgm:styleLbl name="solidAlignAcc1">
+    <dgm:scene3d>
+      <a:camera prst="orthographicFront"/>
+      <a:lightRig rig="threePt" dir="t"/>
+    </dgm:scene3d>
+    <dgm:sp3d/>
+    <dgm:txPr/>
+    <dgm:style>
+      <a:lnRef idx="2">
+        <a:scrgbClr r="0" g="0" b="0"/>
+      </a:lnRef>
+      <a:fillRef idx="1">
+        <a:scrgbClr r="0" g="0" b="0"/>
+      </a:fillRef>
+      <a:effectRef idx="0">
+        <a:scrgbClr r="0" g="0" b="0"/>
+      </a:effectRef>
+      <a:fontRef idx="minor"/>
+    </dgm:style>
+  </dgm:styleLbl>
+  <dgm:styleLbl name="solidBgAcc1">
+    <dgm:scene3d>
+      <a:camera prst="orthographicFront"/>
+      <a:lightRig rig="threePt" dir="t"/>
+    </dgm:scene3d>
+    <dgm:sp3d/>
+    <dgm:txPr/>
+    <dgm:style>
+      <a:lnRef idx="2">
+        <a:scrgbClr r="0" g="0" b="0"/>
+      </a:lnRef>
+      <a:fillRef idx="1">
+        <a:scrgbClr r="0" g="0" b="0"/>
+      </a:fillRef>
+      <a:effectRef idx="0">
+        <a:scrgbClr r="0" g="0" b="0"/>
+      </a:effectRef>
+      <a:fontRef idx="minor"/>
+    </dgm:style>
+  </dgm:styleLbl>
+  <dgm:styleLbl name="fgAccFollowNode1">
+    <dgm:scene3d>
+      <a:camera prst="orthographicFront"/>
+      <a:lightRig rig="threePt" dir="t"/>
+    </dgm:scene3d>
+    <dgm:sp3d/>
+    <dgm:txPr/>
+    <dgm:style>
+      <a:lnRef idx="2">
+        <a:scrgbClr r="0" g="0" b="0"/>
+      </a:lnRef>
+      <a:fillRef idx="1">
+        <a:scrgbClr r="0" g="0" b="0"/>
+      </a:fillRef>
+      <a:effectRef idx="0">
+        <a:scrgbClr r="0" g="0" b="0"/>
+      </a:effectRef>
+      <a:fontRef idx="minor"/>
+    </dgm:style>
+  </dgm:styleLbl>
+  <dgm:styleLbl name="alignAccFollowNode1">
+    <dgm:scene3d>
+      <a:camera prst="orthographicFront"/>
+      <a:lightRig rig="threePt" dir="t"/>
+    </dgm:scene3d>
+    <dgm:sp3d/>
+    <dgm:txPr/>
+    <dgm:style>
+      <a:lnRef idx="2">
+        <a:scrgbClr r="0" g="0" b="0"/>
+      </a:lnRef>
+      <a:fillRef idx="1">
+        <a:scrgbClr r="0" g="0" b="0"/>
+      </a:fillRef>
+      <a:effectRef idx="0">
+        <a:scrgbClr r="0" g="0" b="0"/>
+      </a:effectRef>
+      <a:fontRef idx="minor"/>
+    </dgm:style>
+  </dgm:styleLbl>
+  <dgm:styleLbl name="bgAccFollowNode1">
+    <dgm:scene3d>
+      <a:camera prst="orthographicFront"/>
+      <a:lightRig rig="threePt" dir="t"/>
+    </dgm:scene3d>
+    <dgm:sp3d/>
+    <dgm:txPr/>
+    <dgm:style>
+      <a:lnRef idx="2">
+        <a:scrgbClr r="0" g="0" b="0"/>
+      </a:lnRef>
+      <a:fillRef idx="1">
+        <a:scrgbClr r="0" g="0" b="0"/>
+      </a:fillRef>
+      <a:effectRef idx="0">
+        <a:scrgbClr r="0" g="0" b="0"/>
+      </a:effectRef>
+      <a:fontRef idx="minor"/>
+    </dgm:style>
+  </dgm:styleLbl>
+  <dgm:styleLbl name="fgAcc0">
+    <dgm:scene3d>
+      <a:camera prst="orthographicFront"/>
+      <a:lightRig rig="threePt" dir="t"/>
+    </dgm:scene3d>
+    <dgm:sp3d/>
+    <dgm:txPr/>
+    <dgm:style>
+      <a:lnRef idx="2">
+        <a:scrgbClr r="0" g="0" b="0"/>
+      </a:lnRef>
+      <a:fillRef idx="1">
+        <a:scrgbClr r="0" g="0" b="0"/>
+      </a:fillRef>
+      <a:effectRef idx="0">
+        <a:scrgbClr r="0" g="0" b="0"/>
+      </a:effectRef>
+      <a:fontRef idx="minor"/>
+    </dgm:style>
+  </dgm:styleLbl>
+  <dgm:styleLbl name="fgAcc2">
+    <dgm:scene3d>
+      <a:camera prst="orthographicFront"/>
+      <a:lightRig rig="threePt" dir="t"/>
+    </dgm:scene3d>
+    <dgm:sp3d/>
+    <dgm:txPr/>
+    <dgm:style>
+      <a:lnRef idx="2">
+        <a:scrgbClr r="0" g="0" b="0"/>
+      </a:lnRef>
+      <a:fillRef idx="1">
+        <a:scrgbClr r="0" g="0" b="0"/>
+      </a:fillRef>
+      <a:effectRef idx="0">
+        <a:scrgbClr r="0" g="0" b="0"/>
+      </a:effectRef>
+      <a:fontRef idx="minor"/>
+    </dgm:style>
+  </dgm:styleLbl>
+  <dgm:styleLbl name="fgAcc3">
+    <dgm:scene3d>
+      <a:camera prst="orthographicFront"/>
+      <a:lightRig rig="threePt" dir="t"/>
+    </dgm:scene3d>
+    <dgm:sp3d/>
+    <dgm:txPr/>
+    <dgm:style>
+      <a:lnRef idx="2">
+        <a:scrgbClr r="0" g="0" b="0"/>
+      </a:lnRef>
+      <a:fillRef idx="1">
+        <a:scrgbClr r="0" g="0" b="0"/>
+      </a:fillRef>
+      <a:effectRef idx="0">
+        <a:scrgbClr r="0" g="0" b="0"/>
+      </a:effectRef>
+      <a:fontRef idx="minor"/>
+    </dgm:style>
+  </dgm:styleLbl>
+  <dgm:styleLbl name="fgAcc4">
+    <dgm:scene3d>
+      <a:camera prst="orthographicFront"/>
+      <a:lightRig rig="threePt" dir="t"/>
+    </dgm:scene3d>
+    <dgm:sp3d/>
+    <dgm:txPr/>
+    <dgm:style>
+      <a:lnRef idx="2">
+        <a:scrgbClr r="0" g="0" b="0"/>
+      </a:lnRef>
+      <a:fillRef idx="1">
+        <a:scrgbClr r="0" g="0" b="0"/>
+      </a:fillRef>
+      <a:effectRef idx="0">
+        <a:scrgbClr r="0" g="0" b="0"/>
+      </a:effectRef>
+      <a:fontRef idx="minor"/>
+    </dgm:style>
+  </dgm:styleLbl>
+  <dgm:styleLbl name="bgShp">
+    <dgm:scene3d>
+      <a:camera prst="orthographicFront"/>
+      <a:lightRig rig="threePt" dir="t"/>
+    </dgm:scene3d>
+    <dgm:sp3d/>
+    <dgm:txPr/>
+    <dgm:style>
+      <a:lnRef idx="0">
+        <a:scrgbClr r="0" g="0" b="0"/>
+      </a:lnRef>
+      <a:fillRef idx="1">
+        <a:scrgbClr r="0" g="0" b="0"/>
+      </a:fillRef>
+      <a:effectRef idx="0">
+        <a:scrgbClr r="0" g="0" b="0"/>
+      </a:effectRef>
+      <a:fontRef idx="minor"/>
+    </dgm:style>
+  </dgm:styleLbl>
+  <dgm:styleLbl name="dkBgShp">
+    <dgm:scene3d>
+      <a:camera prst="orthographicFront"/>
+      <a:lightRig rig="threePt" dir="t"/>
+    </dgm:scene3d>
+    <dgm:sp3d/>
+    <dgm:txPr/>
+    <dgm:style>
+      <a:lnRef idx="0">
+        <a:scrgbClr r="0" g="0" b="0"/>
+      </a:lnRef>
+      <a:fillRef idx="1">
+        <a:scrgbClr r="0" g="0" b="0"/>
+      </a:fillRef>
+      <a:effectRef idx="0">
+        <a:scrgbClr r="0" g="0" b="0"/>
+      </a:effectRef>
+      <a:fontRef idx="minor"/>
+    </dgm:style>
+  </dgm:styleLbl>
+  <dgm:styleLbl name="trBgShp">
+    <dgm:scene3d>
+      <a:camera prst="orthographicFront"/>
+      <a:lightRig rig="threePt" dir="t"/>
+    </dgm:scene3d>
+    <dgm:sp3d/>
+    <dgm:txPr/>
+    <dgm:style>
+      <a:lnRef idx="0">
+        <a:scrgbClr r="0" g="0" b="0"/>
+      </a:lnRef>
+      <a:fillRef idx="1">
+        <a:scrgbClr r="0" g="0" b="0"/>
+      </a:fillRef>
+      <a:effectRef idx="0">
+        <a:scrgbClr r="0" g="0" b="0"/>
+      </a:effectRef>
+      <a:fontRef idx="minor"/>
+    </dgm:style>
+  </dgm:styleLbl>
+  <dgm:styleLbl name="fgShp">
+    <dgm:scene3d>
+      <a:camera prst="orthographicFront"/>
+      <a:lightRig rig="threePt" dir="t"/>
+    </dgm:scene3d>
+    <dgm:sp3d/>
+    <dgm:txPr/>
+    <dgm:style>
+      <a:lnRef idx="2">
+        <a:scrgbClr r="0" g="0" b="0"/>
+      </a:lnRef>
+      <a:fillRef idx="1">
+        <a:scrgbClr r="0" g="0" b="0"/>
+      </a:fillRef>
+      <a:effectRef idx="0">
+        <a:scrgbClr r="0" g="0" b="0"/>
+      </a:effectRef>
+      <a:fontRef idx="minor"/>
+    </dgm:style>
+  </dgm:styleLbl>
+  <dgm:styleLbl name="revTx">
+    <dgm:scene3d>
+      <a:camera prst="orthographicFront"/>
+      <a:lightRig rig="threePt" dir="t"/>
+    </dgm:scene3d>
+    <dgm:sp3d/>
+    <dgm:txPr/>
+    <dgm:style>
+      <a:lnRef idx="0">
+        <a:scrgbClr r="0" g="0" b="0"/>
+      </a:lnRef>
+      <a:fillRef idx="0">
+        <a:scrgbClr r="0" g="0" b="0"/>
+      </a:fillRef>
+      <a:effectRef idx="0">
+        <a:scrgbClr r="0" g="0" b="0"/>
+      </a:effectRef>
+      <a:fontRef idx="minor"/>
+    </dgm:style>
+  </dgm:styleLbl>
+</dgm:styleDef>
+</file>
+
+<file path=ppt/diagrams/quickStyle2.xml><?xml version="1.0" encoding="utf-8"?>
 <dgm:styleDef xmlns:dgm="http://schemas.openxmlformats.org/drawingml/2006/diagram" xmlns:a="http://schemas.openxmlformats.org/drawingml/2006/main" uniqueId="urn:microsoft.com/office/officeart/2005/8/quickstyle/simple1">
   <dgm:title val=""/>
   <dgm:desc val=""/>
@@ -3106,7 +6108,7 @@
           </a:lstStyle>
           <a:p>
             <a:r>
-              <a:rPr lang="en-US" dirty="0"/>
+              <a:rPr lang="en-US"/>
               <a:t>Click to edit Master title style</a:t>
             </a:r>
           </a:p>
@@ -3224,7 +6226,7 @@
           </a:lstStyle>
           <a:p>
             <a:r>
-              <a:rPr lang="en-US" dirty="0"/>
+              <a:rPr lang="en-US"/>
               <a:t>Click to edit Master subtitle style</a:t>
             </a:r>
           </a:p>
@@ -3250,7 +6252,7 @@
               <a:pPr/>
               <a:t>5/7/2021</a:t>
             </a:fld>
-            <a:endParaRPr lang="en-US" dirty="0"/>
+            <a:endParaRPr lang="en-US"/>
           </a:p>
         </p:txBody>
       </p:sp>
@@ -3274,7 +6276,7 @@
           <a:bodyPr/>
           <a:lstStyle/>
           <a:p>
-            <a:endParaRPr lang="en-US" dirty="0"/>
+            <a:endParaRPr lang="en-US"/>
           </a:p>
         </p:txBody>
       </p:sp>
@@ -3298,7 +6300,7 @@
               <a:pPr/>
               <a:t>‹#›</a:t>
             </a:fld>
-            <a:endParaRPr lang="en-US" dirty="0"/>
+            <a:endParaRPr lang="en-US"/>
           </a:p>
         </p:txBody>
       </p:sp>
@@ -3359,7 +6361,7 @@
           </a:lstStyle>
           <a:p>
             <a:r>
-              <a:rPr lang="en-US" dirty="0"/>
+              <a:rPr lang="en-US"/>
               <a:t>Click to edit Master title style</a:t>
             </a:r>
           </a:p>
@@ -3452,7 +6454,7 @@
             </a:lvl9pPr>
           </a:lstStyle>
           <a:p>
-            <a:endParaRPr lang="en-US" dirty="0"/>
+            <a:endParaRPr lang="en-US"/>
           </a:p>
         </p:txBody>
       </p:sp>
@@ -3517,7 +6519,7 @@
           <a:p>
             <a:pPr lvl="0"/>
             <a:r>
-              <a:rPr lang="en-US" dirty="0"/>
+              <a:rPr lang="en-US"/>
               <a:t>Click to edit Master text styles</a:t>
             </a:r>
           </a:p>
@@ -3543,7 +6545,7 @@
               <a:pPr/>
               <a:t>5/7/2021</a:t>
             </a:fld>
-            <a:endParaRPr lang="en-US" dirty="0"/>
+            <a:endParaRPr lang="en-US"/>
           </a:p>
         </p:txBody>
       </p:sp>
@@ -3562,7 +6564,7 @@
           <a:bodyPr/>
           <a:lstStyle/>
           <a:p>
-            <a:endParaRPr lang="en-US" dirty="0"/>
+            <a:endParaRPr lang="en-US"/>
           </a:p>
         </p:txBody>
       </p:sp>
@@ -3586,7 +6588,7 @@
               <a:pPr/>
               <a:t>‹#›</a:t>
             </a:fld>
-            <a:endParaRPr lang="en-US" dirty="0"/>
+            <a:endParaRPr lang="en-US"/>
           </a:p>
         </p:txBody>
       </p:sp>
@@ -3647,7 +6649,7 @@
           </a:lstStyle>
           <a:p>
             <a:r>
-              <a:rPr lang="en-US" dirty="0"/>
+              <a:rPr lang="en-US"/>
               <a:t>Click to edit Master title style</a:t>
             </a:r>
           </a:p>
@@ -3766,7 +6768,7 @@
           <a:p>
             <a:pPr lvl="0"/>
             <a:r>
-              <a:rPr lang="en-US" dirty="0"/>
+              <a:rPr lang="en-US"/>
               <a:t>Click to edit Master text styles</a:t>
             </a:r>
           </a:p>
@@ -3792,7 +6794,7 @@
               <a:pPr/>
               <a:t>5/7/2021</a:t>
             </a:fld>
-            <a:endParaRPr lang="en-US" dirty="0"/>
+            <a:endParaRPr lang="en-US"/>
           </a:p>
         </p:txBody>
       </p:sp>
@@ -3811,7 +6813,7 @@
           <a:bodyPr/>
           <a:lstStyle/>
           <a:p>
-            <a:endParaRPr lang="en-US" dirty="0"/>
+            <a:endParaRPr lang="en-US"/>
           </a:p>
         </p:txBody>
       </p:sp>
@@ -3835,7 +6837,7 @@
               <a:pPr/>
               <a:t>‹#›</a:t>
             </a:fld>
-            <a:endParaRPr lang="en-US" dirty="0"/>
+            <a:endParaRPr lang="en-US"/>
           </a:p>
         </p:txBody>
       </p:sp>
@@ -3974,7 +6976,7 @@
           <a:p>
             <a:pPr lvl="0"/>
             <a:r>
-              <a:rPr lang="en-US" sz="8000" dirty="0">
+              <a:rPr lang="en-US" sz="8000">
                 <a:solidFill>
                   <a:schemeClr val="tx1"/>
                 </a:solidFill>
@@ -4090,7 +7092,7 @@
           <a:p>
             <a:pPr lvl="0" algn="r"/>
             <a:r>
-              <a:rPr lang="en-US" sz="8000" dirty="0">
+              <a:rPr lang="en-US" sz="8000">
                 <a:solidFill>
                   <a:schemeClr val="tx1"/>
                 </a:solidFill>
@@ -4132,7 +7134,7 @@
           </a:lstStyle>
           <a:p>
             <a:r>
-              <a:rPr lang="en-US" dirty="0"/>
+              <a:rPr lang="en-US"/>
               <a:t>Click to edit Master title style</a:t>
             </a:r>
           </a:p>
@@ -4188,7 +7190,7 @@
           <a:p>
             <a:pPr lvl="0"/>
             <a:r>
-              <a:rPr lang="en-US" dirty="0"/>
+              <a:rPr lang="en-US"/>
               <a:t>Click to edit Master text styles</a:t>
             </a:r>
           </a:p>
@@ -4307,7 +7309,7 @@
           <a:p>
             <a:pPr lvl="0"/>
             <a:r>
-              <a:rPr lang="en-US" dirty="0"/>
+              <a:rPr lang="en-US"/>
               <a:t>Click to edit Master text styles</a:t>
             </a:r>
           </a:p>
@@ -4333,7 +7335,7 @@
               <a:pPr/>
               <a:t>5/7/2021</a:t>
             </a:fld>
-            <a:endParaRPr lang="en-US" dirty="0"/>
+            <a:endParaRPr lang="en-US"/>
           </a:p>
         </p:txBody>
       </p:sp>
@@ -4352,7 +7354,7 @@
           <a:bodyPr/>
           <a:lstStyle/>
           <a:p>
-            <a:endParaRPr lang="en-US" dirty="0"/>
+            <a:endParaRPr lang="en-US"/>
           </a:p>
         </p:txBody>
       </p:sp>
@@ -4376,7 +7378,7 @@
               <a:pPr/>
               <a:t>‹#›</a:t>
             </a:fld>
-            <a:endParaRPr lang="en-US" dirty="0"/>
+            <a:endParaRPr lang="en-US"/>
           </a:p>
         </p:txBody>
       </p:sp>
@@ -4437,7 +7439,7 @@
           </a:lstStyle>
           <a:p>
             <a:r>
-              <a:rPr lang="en-US" dirty="0"/>
+              <a:rPr lang="en-US"/>
               <a:t>Click to edit Master title style</a:t>
             </a:r>
           </a:p>
@@ -4556,7 +7558,7 @@
           <a:p>
             <a:pPr lvl="0"/>
             <a:r>
-              <a:rPr lang="en-US" dirty="0"/>
+              <a:rPr lang="en-US"/>
               <a:t>Click to edit Master text styles</a:t>
             </a:r>
           </a:p>
@@ -4582,7 +7584,7 @@
               <a:pPr/>
               <a:t>5/7/2021</a:t>
             </a:fld>
-            <a:endParaRPr lang="en-US" dirty="0"/>
+            <a:endParaRPr lang="en-US"/>
           </a:p>
         </p:txBody>
       </p:sp>
@@ -4601,7 +7603,7 @@
           <a:bodyPr/>
           <a:lstStyle/>
           <a:p>
-            <a:endParaRPr lang="en-US" dirty="0"/>
+            <a:endParaRPr lang="en-US"/>
           </a:p>
         </p:txBody>
       </p:sp>
@@ -4625,7 +7627,7 @@
               <a:pPr/>
               <a:t>‹#›</a:t>
             </a:fld>
-            <a:endParaRPr lang="en-US" dirty="0"/>
+            <a:endParaRPr lang="en-US"/>
           </a:p>
         </p:txBody>
       </p:sp>
@@ -4764,7 +7766,7 @@
           <a:p>
             <a:pPr lvl="0"/>
             <a:r>
-              <a:rPr lang="en-US" sz="8000" dirty="0">
+              <a:rPr lang="en-US" sz="8000">
                 <a:solidFill>
                   <a:schemeClr val="tx1"/>
                 </a:solidFill>
@@ -4880,7 +7882,7 @@
           <a:p>
             <a:pPr lvl="0" algn="r"/>
             <a:r>
-              <a:rPr lang="en-US" sz="8000" dirty="0">
+              <a:rPr lang="en-US" sz="8000">
                 <a:solidFill>
                   <a:schemeClr val="tx1"/>
                 </a:solidFill>
@@ -4922,7 +7924,7 @@
           </a:lstStyle>
           <a:p>
             <a:r>
-              <a:rPr lang="en-US" dirty="0"/>
+              <a:rPr lang="en-US"/>
               <a:t>Click to edit Master title style</a:t>
             </a:r>
           </a:p>
@@ -4970,7 +7972,7 @@
               <a:buNone/>
             </a:pPr>
             <a:r>
-              <a:rPr lang="en-US" dirty="0"/>
+              <a:rPr lang="en-US"/>
               <a:t>Click to edit Master text styles</a:t>
             </a:r>
           </a:p>
@@ -5089,7 +8091,7 @@
           <a:p>
             <a:pPr lvl="0"/>
             <a:r>
-              <a:rPr lang="en-US" dirty="0"/>
+              <a:rPr lang="en-US"/>
               <a:t>Click to edit Master text styles</a:t>
             </a:r>
           </a:p>
@@ -5115,7 +8117,7 @@
               <a:pPr/>
               <a:t>5/7/2021</a:t>
             </a:fld>
-            <a:endParaRPr lang="en-US" dirty="0"/>
+            <a:endParaRPr lang="en-US"/>
           </a:p>
         </p:txBody>
       </p:sp>
@@ -5134,7 +8136,7 @@
           <a:bodyPr/>
           <a:lstStyle/>
           <a:p>
-            <a:endParaRPr lang="en-US" dirty="0"/>
+            <a:endParaRPr lang="en-US"/>
           </a:p>
         </p:txBody>
       </p:sp>
@@ -5158,7 +8160,7 @@
               <a:pPr/>
               <a:t>‹#›</a:t>
             </a:fld>
-            <a:endParaRPr lang="en-US" dirty="0"/>
+            <a:endParaRPr lang="en-US"/>
           </a:p>
         </p:txBody>
       </p:sp>
@@ -5220,7 +8222,7 @@
           <a:p>
             <a:pPr marL="0" lvl="0"/>
             <a:r>
-              <a:rPr lang="en-US" dirty="0"/>
+              <a:rPr lang="en-US"/>
               <a:t>Click to edit Master title style</a:t>
             </a:r>
           </a:p>
@@ -5268,7 +8270,7 @@
               <a:buNone/>
             </a:pPr>
             <a:r>
-              <a:rPr lang="en-US" dirty="0"/>
+              <a:rPr lang="en-US"/>
               <a:t>Click to edit Master text styles</a:t>
             </a:r>
           </a:p>
@@ -5387,7 +8389,7 @@
           <a:p>
             <a:pPr lvl="0"/>
             <a:r>
-              <a:rPr lang="en-US" dirty="0"/>
+              <a:rPr lang="en-US"/>
               <a:t>Click to edit Master text styles</a:t>
             </a:r>
           </a:p>
@@ -5413,7 +8415,7 @@
               <a:pPr/>
               <a:t>5/7/2021</a:t>
             </a:fld>
-            <a:endParaRPr lang="en-US" dirty="0"/>
+            <a:endParaRPr lang="en-US"/>
           </a:p>
         </p:txBody>
       </p:sp>
@@ -5432,7 +8434,7 @@
           <a:bodyPr/>
           <a:lstStyle/>
           <a:p>
-            <a:endParaRPr lang="en-US" dirty="0"/>
+            <a:endParaRPr lang="en-US"/>
           </a:p>
         </p:txBody>
       </p:sp>
@@ -5456,7 +8458,7 @@
               <a:pPr/>
               <a:t>‹#›</a:t>
             </a:fld>
-            <a:endParaRPr lang="en-US" dirty="0"/>
+            <a:endParaRPr lang="en-US"/>
           </a:p>
         </p:txBody>
       </p:sp>
@@ -5510,7 +8512,7 @@
           </a:lstStyle>
           <a:p>
             <a:r>
-              <a:rPr lang="en-US" dirty="0"/>
+              <a:rPr lang="en-US"/>
               <a:t>Click to edit Master title style</a:t>
             </a:r>
           </a:p>
@@ -5533,35 +8535,35 @@
           <a:p>
             <a:pPr lvl="0"/>
             <a:r>
-              <a:rPr lang="en-US" dirty="0"/>
+              <a:rPr lang="en-US"/>
               <a:t>Click to edit Master text styles</a:t>
             </a:r>
           </a:p>
           <a:p>
             <a:pPr lvl="1"/>
             <a:r>
-              <a:rPr lang="en-US" dirty="0"/>
+              <a:rPr lang="en-US"/>
               <a:t>Second level</a:t>
             </a:r>
           </a:p>
           <a:p>
             <a:pPr lvl="2"/>
             <a:r>
-              <a:rPr lang="en-US" dirty="0"/>
+              <a:rPr lang="en-US"/>
               <a:t>Third level</a:t>
             </a:r>
           </a:p>
           <a:p>
             <a:pPr lvl="3"/>
             <a:r>
-              <a:rPr lang="en-US" dirty="0"/>
+              <a:rPr lang="en-US"/>
               <a:t>Fourth level</a:t>
             </a:r>
           </a:p>
           <a:p>
             <a:pPr lvl="4"/>
             <a:r>
-              <a:rPr lang="en-US" dirty="0"/>
+              <a:rPr lang="en-US"/>
               <a:t>Fifth level</a:t>
             </a:r>
           </a:p>
@@ -5587,7 +8589,7 @@
               <a:pPr/>
               <a:t>5/7/2021</a:t>
             </a:fld>
-            <a:endParaRPr lang="en-US" dirty="0"/>
+            <a:endParaRPr lang="en-US"/>
           </a:p>
         </p:txBody>
       </p:sp>
@@ -5606,7 +8608,7 @@
           <a:bodyPr/>
           <a:lstStyle/>
           <a:p>
-            <a:endParaRPr lang="en-US" dirty="0"/>
+            <a:endParaRPr lang="en-US"/>
           </a:p>
         </p:txBody>
       </p:sp>
@@ -5630,7 +8632,7 @@
               <a:pPr/>
               <a:t>‹#›</a:t>
             </a:fld>
-            <a:endParaRPr lang="en-US" dirty="0"/>
+            <a:endParaRPr lang="en-US"/>
           </a:p>
         </p:txBody>
       </p:sp>
@@ -5685,7 +8687,7 @@
           <a:lstStyle/>
           <a:p>
             <a:r>
-              <a:rPr lang="en-US" dirty="0"/>
+              <a:rPr lang="en-US"/>
               <a:t>Click to edit Master title style</a:t>
             </a:r>
           </a:p>
@@ -5713,35 +8715,35 @@
           <a:p>
             <a:pPr lvl="0"/>
             <a:r>
-              <a:rPr lang="en-US" dirty="0"/>
+              <a:rPr lang="en-US"/>
               <a:t>Click to edit Master text styles</a:t>
             </a:r>
           </a:p>
           <a:p>
             <a:pPr lvl="1"/>
             <a:r>
-              <a:rPr lang="en-US" dirty="0"/>
+              <a:rPr lang="en-US"/>
               <a:t>Second level</a:t>
             </a:r>
           </a:p>
           <a:p>
             <a:pPr lvl="2"/>
             <a:r>
-              <a:rPr lang="en-US" dirty="0"/>
+              <a:rPr lang="en-US"/>
               <a:t>Third level</a:t>
             </a:r>
           </a:p>
           <a:p>
             <a:pPr lvl="3"/>
             <a:r>
-              <a:rPr lang="en-US" dirty="0"/>
+              <a:rPr lang="en-US"/>
               <a:t>Fourth level</a:t>
             </a:r>
           </a:p>
           <a:p>
             <a:pPr lvl="4"/>
             <a:r>
-              <a:rPr lang="en-US" dirty="0"/>
+              <a:rPr lang="en-US"/>
               <a:t>Fifth level</a:t>
             </a:r>
           </a:p>
@@ -5767,7 +8769,7 @@
               <a:pPr/>
               <a:t>5/7/2021</a:t>
             </a:fld>
-            <a:endParaRPr lang="en-US" dirty="0"/>
+            <a:endParaRPr lang="en-US"/>
           </a:p>
         </p:txBody>
       </p:sp>
@@ -5786,7 +8788,7 @@
           <a:bodyPr/>
           <a:lstStyle/>
           <a:p>
-            <a:endParaRPr lang="en-US" dirty="0"/>
+            <a:endParaRPr lang="en-US"/>
           </a:p>
         </p:txBody>
       </p:sp>
@@ -5810,7 +8812,7 @@
               <a:pPr/>
               <a:t>‹#›</a:t>
             </a:fld>
-            <a:endParaRPr lang="en-US" dirty="0"/>
+            <a:endParaRPr lang="en-US"/>
           </a:p>
         </p:txBody>
       </p:sp>
@@ -5860,7 +8862,7 @@
           <a:lstStyle/>
           <a:p>
             <a:r>
-              <a:rPr lang="en-US" dirty="0"/>
+              <a:rPr lang="en-US"/>
               <a:t>Click to edit Master title style</a:t>
             </a:r>
           </a:p>
@@ -5883,35 +8885,35 @@
           <a:p>
             <a:pPr lvl="0"/>
             <a:r>
-              <a:rPr lang="en-US" dirty="0"/>
+              <a:rPr lang="en-US"/>
               <a:t>Click to edit Master text styles</a:t>
             </a:r>
           </a:p>
           <a:p>
             <a:pPr lvl="1"/>
             <a:r>
-              <a:rPr lang="en-US" dirty="0"/>
+              <a:rPr lang="en-US"/>
               <a:t>Second level</a:t>
             </a:r>
           </a:p>
           <a:p>
             <a:pPr lvl="2"/>
             <a:r>
-              <a:rPr lang="en-US" dirty="0"/>
+              <a:rPr lang="en-US"/>
               <a:t>Third level</a:t>
             </a:r>
           </a:p>
           <a:p>
             <a:pPr lvl="3"/>
             <a:r>
-              <a:rPr lang="en-US" dirty="0"/>
+              <a:rPr lang="en-US"/>
               <a:t>Fourth level</a:t>
             </a:r>
           </a:p>
           <a:p>
             <a:pPr lvl="4"/>
             <a:r>
-              <a:rPr lang="en-US" dirty="0"/>
+              <a:rPr lang="en-US"/>
               <a:t>Fifth level</a:t>
             </a:r>
           </a:p>
@@ -5937,7 +8939,7 @@
               <a:pPr/>
               <a:t>5/7/2021</a:t>
             </a:fld>
-            <a:endParaRPr lang="en-US" dirty="0"/>
+            <a:endParaRPr lang="en-US"/>
           </a:p>
         </p:txBody>
       </p:sp>
@@ -5956,7 +8958,7 @@
           <a:bodyPr/>
           <a:lstStyle/>
           <a:p>
-            <a:endParaRPr lang="en-US" dirty="0"/>
+            <a:endParaRPr lang="en-US"/>
           </a:p>
         </p:txBody>
       </p:sp>
@@ -5985,7 +8987,7 @@
               <a:pPr/>
               <a:t>‹#›</a:t>
             </a:fld>
-            <a:endParaRPr lang="en-US" dirty="0"/>
+            <a:endParaRPr lang="en-US"/>
           </a:p>
         </p:txBody>
       </p:sp>
@@ -6044,7 +9046,7 @@
           </a:lstStyle>
           <a:p>
             <a:r>
-              <a:rPr lang="en-US" dirty="0"/>
+              <a:rPr lang="en-US"/>
               <a:t>Click to edit Master title style</a:t>
             </a:r>
           </a:p>
@@ -6163,7 +9165,7 @@
           <a:p>
             <a:pPr lvl="0"/>
             <a:r>
-              <a:rPr lang="en-US" dirty="0"/>
+              <a:rPr lang="en-US"/>
               <a:t>Click to edit Master text styles</a:t>
             </a:r>
           </a:p>
@@ -6189,7 +9191,7 @@
               <a:pPr/>
               <a:t>5/7/2021</a:t>
             </a:fld>
-            <a:endParaRPr lang="en-US" dirty="0"/>
+            <a:endParaRPr lang="en-US"/>
           </a:p>
         </p:txBody>
       </p:sp>
@@ -6208,7 +9210,7 @@
           <a:bodyPr/>
           <a:lstStyle/>
           <a:p>
-            <a:endParaRPr lang="en-US" dirty="0"/>
+            <a:endParaRPr lang="en-US"/>
           </a:p>
         </p:txBody>
       </p:sp>
@@ -6232,7 +9234,7 @@
               <a:pPr/>
               <a:t>‹#›</a:t>
             </a:fld>
-            <a:endParaRPr lang="en-US" dirty="0"/>
+            <a:endParaRPr lang="en-US"/>
           </a:p>
         </p:txBody>
       </p:sp>
@@ -6287,7 +9289,7 @@
           <a:lstStyle/>
           <a:p>
             <a:r>
-              <a:rPr lang="en-US" dirty="0"/>
+              <a:rPr lang="en-US"/>
               <a:t>Click to edit Master title style</a:t>
             </a:r>
           </a:p>
@@ -6345,35 +9347,35 @@
           <a:p>
             <a:pPr lvl="0"/>
             <a:r>
-              <a:rPr lang="en-US" dirty="0"/>
+              <a:rPr lang="en-US"/>
               <a:t>Click to edit Master text styles</a:t>
             </a:r>
           </a:p>
           <a:p>
             <a:pPr lvl="1"/>
             <a:r>
-              <a:rPr lang="en-US" dirty="0"/>
+              <a:rPr lang="en-US"/>
               <a:t>Second level</a:t>
             </a:r>
           </a:p>
           <a:p>
             <a:pPr lvl="2"/>
             <a:r>
-              <a:rPr lang="en-US" dirty="0"/>
+              <a:rPr lang="en-US"/>
               <a:t>Third level</a:t>
             </a:r>
           </a:p>
           <a:p>
             <a:pPr lvl="3"/>
             <a:r>
-              <a:rPr lang="en-US" dirty="0"/>
+              <a:rPr lang="en-US"/>
               <a:t>Fourth level</a:t>
             </a:r>
           </a:p>
           <a:p>
             <a:pPr lvl="4"/>
             <a:r>
-              <a:rPr lang="en-US" dirty="0"/>
+              <a:rPr lang="en-US"/>
               <a:t>Fifth level</a:t>
             </a:r>
           </a:p>
@@ -6431,35 +9433,35 @@
           <a:p>
             <a:pPr lvl="0"/>
             <a:r>
-              <a:rPr lang="en-US" dirty="0"/>
+              <a:rPr lang="en-US"/>
               <a:t>Click to edit Master text styles</a:t>
             </a:r>
           </a:p>
           <a:p>
             <a:pPr lvl="1"/>
             <a:r>
-              <a:rPr lang="en-US" dirty="0"/>
+              <a:rPr lang="en-US"/>
               <a:t>Second level</a:t>
             </a:r>
           </a:p>
           <a:p>
             <a:pPr lvl="2"/>
             <a:r>
-              <a:rPr lang="en-US" dirty="0"/>
+              <a:rPr lang="en-US"/>
               <a:t>Third level</a:t>
             </a:r>
           </a:p>
           <a:p>
             <a:pPr lvl="3"/>
             <a:r>
-              <a:rPr lang="en-US" dirty="0"/>
+              <a:rPr lang="en-US"/>
               <a:t>Fourth level</a:t>
             </a:r>
           </a:p>
           <a:p>
             <a:pPr lvl="4"/>
             <a:r>
-              <a:rPr lang="en-US" dirty="0"/>
+              <a:rPr lang="en-US"/>
               <a:t>Fifth level</a:t>
             </a:r>
           </a:p>
@@ -6485,7 +9487,7 @@
               <a:pPr/>
               <a:t>5/7/2021</a:t>
             </a:fld>
-            <a:endParaRPr lang="en-US" dirty="0"/>
+            <a:endParaRPr lang="en-US"/>
           </a:p>
         </p:txBody>
       </p:sp>
@@ -6504,7 +9506,7 @@
           <a:bodyPr/>
           <a:lstStyle/>
           <a:p>
-            <a:endParaRPr lang="en-US" dirty="0"/>
+            <a:endParaRPr lang="en-US"/>
           </a:p>
         </p:txBody>
       </p:sp>
@@ -6528,7 +9530,7 @@
               <a:pPr/>
               <a:t>‹#›</a:t>
             </a:fld>
-            <a:endParaRPr lang="en-US" dirty="0"/>
+            <a:endParaRPr lang="en-US"/>
           </a:p>
         </p:txBody>
       </p:sp>
@@ -6582,7 +9584,7 @@
           </a:lstStyle>
           <a:p>
             <a:r>
-              <a:rPr lang="en-US" dirty="0"/>
+              <a:rPr lang="en-US"/>
               <a:t>Click to edit Master title style</a:t>
             </a:r>
           </a:p>
@@ -6655,7 +9657,7 @@
           <a:p>
             <a:pPr lvl="0"/>
             <a:r>
-              <a:rPr lang="en-US" dirty="0"/>
+              <a:rPr lang="en-US"/>
               <a:t>Click to edit Master text styles</a:t>
             </a:r>
           </a:p>
@@ -6713,35 +9715,35 @@
           <a:p>
             <a:pPr lvl="0"/>
             <a:r>
-              <a:rPr lang="en-US" dirty="0"/>
+              <a:rPr lang="en-US"/>
               <a:t>Click to edit Master text styles</a:t>
             </a:r>
           </a:p>
           <a:p>
             <a:pPr lvl="1"/>
             <a:r>
-              <a:rPr lang="en-US" dirty="0"/>
+              <a:rPr lang="en-US"/>
               <a:t>Second level</a:t>
             </a:r>
           </a:p>
           <a:p>
             <a:pPr lvl="2"/>
             <a:r>
-              <a:rPr lang="en-US" dirty="0"/>
+              <a:rPr lang="en-US"/>
               <a:t>Third level</a:t>
             </a:r>
           </a:p>
           <a:p>
             <a:pPr lvl="3"/>
             <a:r>
-              <a:rPr lang="en-US" dirty="0"/>
+              <a:rPr lang="en-US"/>
               <a:t>Fourth level</a:t>
             </a:r>
           </a:p>
           <a:p>
             <a:pPr lvl="4"/>
             <a:r>
-              <a:rPr lang="en-US" dirty="0"/>
+              <a:rPr lang="en-US"/>
               <a:t>Fifth level</a:t>
             </a:r>
           </a:p>
@@ -6814,7 +9816,7 @@
           <a:p>
             <a:pPr lvl="0"/>
             <a:r>
-              <a:rPr lang="en-US" dirty="0"/>
+              <a:rPr lang="en-US"/>
               <a:t>Click to edit Master text styles</a:t>
             </a:r>
           </a:p>
@@ -6872,35 +9874,35 @@
           <a:p>
             <a:pPr lvl="0"/>
             <a:r>
-              <a:rPr lang="en-US" dirty="0"/>
+              <a:rPr lang="en-US"/>
               <a:t>Click to edit Master text styles</a:t>
             </a:r>
           </a:p>
           <a:p>
             <a:pPr lvl="1"/>
             <a:r>
-              <a:rPr lang="en-US" dirty="0"/>
+              <a:rPr lang="en-US"/>
               <a:t>Second level</a:t>
             </a:r>
           </a:p>
           <a:p>
             <a:pPr lvl="2"/>
             <a:r>
-              <a:rPr lang="en-US" dirty="0"/>
+              <a:rPr lang="en-US"/>
               <a:t>Third level</a:t>
             </a:r>
           </a:p>
           <a:p>
             <a:pPr lvl="3"/>
             <a:r>
-              <a:rPr lang="en-US" dirty="0"/>
+              <a:rPr lang="en-US"/>
               <a:t>Fourth level</a:t>
             </a:r>
           </a:p>
           <a:p>
             <a:pPr lvl="4"/>
             <a:r>
-              <a:rPr lang="en-US" dirty="0"/>
+              <a:rPr lang="en-US"/>
               <a:t>Fifth level</a:t>
             </a:r>
           </a:p>
@@ -6926,7 +9928,7 @@
               <a:pPr/>
               <a:t>5/7/2021</a:t>
             </a:fld>
-            <a:endParaRPr lang="en-US" dirty="0"/>
+            <a:endParaRPr lang="en-US"/>
           </a:p>
         </p:txBody>
       </p:sp>
@@ -6945,7 +9947,7 @@
           <a:bodyPr/>
           <a:lstStyle/>
           <a:p>
-            <a:endParaRPr lang="en-US" dirty="0"/>
+            <a:endParaRPr lang="en-US"/>
           </a:p>
         </p:txBody>
       </p:sp>
@@ -6969,7 +9971,7 @@
               <a:pPr/>
               <a:t>‹#›</a:t>
             </a:fld>
-            <a:endParaRPr lang="en-US" dirty="0"/>
+            <a:endParaRPr lang="en-US"/>
           </a:p>
         </p:txBody>
       </p:sp>
@@ -7019,7 +10021,7 @@
           <a:lstStyle/>
           <a:p>
             <a:r>
-              <a:rPr lang="en-US" dirty="0"/>
+              <a:rPr lang="en-US"/>
               <a:t>Click to edit Master title style</a:t>
             </a:r>
           </a:p>
@@ -7045,7 +10047,7 @@
               <a:pPr/>
               <a:t>5/7/2021</a:t>
             </a:fld>
-            <a:endParaRPr lang="en-US" dirty="0"/>
+            <a:endParaRPr lang="en-US"/>
           </a:p>
         </p:txBody>
       </p:sp>
@@ -7064,7 +10066,7 @@
           <a:bodyPr/>
           <a:lstStyle/>
           <a:p>
-            <a:endParaRPr lang="en-US" dirty="0"/>
+            <a:endParaRPr lang="en-US"/>
           </a:p>
         </p:txBody>
       </p:sp>
@@ -7088,7 +10090,7 @@
               <a:pPr/>
               <a:t>‹#›</a:t>
             </a:fld>
-            <a:endParaRPr lang="en-US" dirty="0"/>
+            <a:endParaRPr lang="en-US"/>
           </a:p>
         </p:txBody>
       </p:sp>
@@ -7142,7 +10144,7 @@
               <a:pPr/>
               <a:t>5/7/2021</a:t>
             </a:fld>
-            <a:endParaRPr lang="en-US" dirty="0"/>
+            <a:endParaRPr lang="en-US"/>
           </a:p>
         </p:txBody>
       </p:sp>
@@ -7161,7 +10163,7 @@
           <a:bodyPr/>
           <a:lstStyle/>
           <a:p>
-            <a:endParaRPr lang="en-US" dirty="0"/>
+            <a:endParaRPr lang="en-US"/>
           </a:p>
         </p:txBody>
       </p:sp>
@@ -7185,7 +10187,7 @@
               <a:pPr/>
               <a:t>‹#›</a:t>
             </a:fld>
-            <a:endParaRPr lang="en-US" dirty="0"/>
+            <a:endParaRPr lang="en-US"/>
           </a:p>
         </p:txBody>
       </p:sp>
@@ -7246,7 +10248,7 @@
           </a:lstStyle>
           <a:p>
             <a:r>
-              <a:rPr lang="en-US" dirty="0"/>
+              <a:rPr lang="en-US"/>
               <a:t>Click to edit Master title style</a:t>
             </a:r>
           </a:p>
@@ -7304,35 +10306,35 @@
           <a:p>
             <a:pPr lvl="0"/>
             <a:r>
-              <a:rPr lang="en-US" dirty="0"/>
+              <a:rPr lang="en-US"/>
               <a:t>Click to edit Master text styles</a:t>
             </a:r>
           </a:p>
           <a:p>
             <a:pPr lvl="1"/>
             <a:r>
-              <a:rPr lang="en-US" dirty="0"/>
+              <a:rPr lang="en-US"/>
               <a:t>Second level</a:t>
             </a:r>
           </a:p>
           <a:p>
             <a:pPr lvl="2"/>
             <a:r>
-              <a:rPr lang="en-US" dirty="0"/>
+              <a:rPr lang="en-US"/>
               <a:t>Third level</a:t>
             </a:r>
           </a:p>
           <a:p>
             <a:pPr lvl="3"/>
             <a:r>
-              <a:rPr lang="en-US" dirty="0"/>
+              <a:rPr lang="en-US"/>
               <a:t>Fourth level</a:t>
             </a:r>
           </a:p>
           <a:p>
             <a:pPr lvl="4"/>
             <a:r>
-              <a:rPr lang="en-US" dirty="0"/>
+              <a:rPr lang="en-US"/>
               <a:t>Fifth level</a:t>
             </a:r>
           </a:p>
@@ -7399,7 +10401,7 @@
           <a:p>
             <a:pPr lvl="0"/>
             <a:r>
-              <a:rPr lang="en-US" dirty="0"/>
+              <a:rPr lang="en-US"/>
               <a:t>Click to edit Master text styles</a:t>
             </a:r>
           </a:p>
@@ -7425,7 +10427,7 @@
               <a:pPr/>
               <a:t>5/7/2021</a:t>
             </a:fld>
-            <a:endParaRPr lang="en-US" dirty="0"/>
+            <a:endParaRPr lang="en-US"/>
           </a:p>
         </p:txBody>
       </p:sp>
@@ -7444,7 +10446,7 @@
           <a:bodyPr/>
           <a:lstStyle/>
           <a:p>
-            <a:endParaRPr lang="en-US" dirty="0"/>
+            <a:endParaRPr lang="en-US"/>
           </a:p>
         </p:txBody>
       </p:sp>
@@ -7468,7 +10470,7 @@
               <a:pPr/>
               <a:t>‹#›</a:t>
             </a:fld>
-            <a:endParaRPr lang="en-US" dirty="0"/>
+            <a:endParaRPr lang="en-US"/>
           </a:p>
         </p:txBody>
       </p:sp>
@@ -7529,7 +10531,7 @@
           </a:lstStyle>
           <a:p>
             <a:r>
-              <a:rPr lang="en-US" dirty="0"/>
+              <a:rPr lang="en-US"/>
               <a:t>Click to edit Master title style</a:t>
             </a:r>
           </a:p>
@@ -7622,7 +10624,7 @@
             </a:lvl9pPr>
           </a:lstStyle>
           <a:p>
-            <a:endParaRPr lang="en-US" dirty="0"/>
+            <a:endParaRPr lang="en-US"/>
           </a:p>
         </p:txBody>
       </p:sp>
@@ -7687,7 +10689,7 @@
           <a:p>
             <a:pPr lvl="0"/>
             <a:r>
-              <a:rPr lang="en-US" dirty="0"/>
+              <a:rPr lang="en-US"/>
               <a:t>Click to edit Master text styles</a:t>
             </a:r>
           </a:p>
@@ -7713,7 +10715,7 @@
               <a:pPr/>
               <a:t>5/7/2021</a:t>
             </a:fld>
-            <a:endParaRPr lang="en-US" dirty="0"/>
+            <a:endParaRPr lang="en-US"/>
           </a:p>
         </p:txBody>
       </p:sp>
@@ -7732,7 +10734,7 @@
           <a:bodyPr/>
           <a:lstStyle/>
           <a:p>
-            <a:endParaRPr lang="en-US" dirty="0"/>
+            <a:endParaRPr lang="en-US"/>
           </a:p>
         </p:txBody>
       </p:sp>
@@ -7756,7 +10758,7 @@
               <a:pPr/>
               <a:t>‹#›</a:t>
             </a:fld>
-            <a:endParaRPr lang="en-US" dirty="0"/>
+            <a:endParaRPr lang="en-US"/>
           </a:p>
         </p:txBody>
       </p:sp>
@@ -8138,7 +11140,7 @@
           <a:lstStyle/>
           <a:p>
             <a:r>
-              <a:rPr lang="en-US" dirty="0"/>
+              <a:rPr lang="en-US"/>
               <a:t>Click to edit Master title style</a:t>
             </a:r>
           </a:p>
@@ -8171,35 +11173,35 @@
           <a:p>
             <a:pPr lvl="0"/>
             <a:r>
-              <a:rPr lang="en-US" dirty="0"/>
+              <a:rPr lang="en-US"/>
               <a:t>Click to edit Master text styles</a:t>
             </a:r>
           </a:p>
           <a:p>
             <a:pPr lvl="1"/>
             <a:r>
-              <a:rPr lang="en-US" dirty="0"/>
+              <a:rPr lang="en-US"/>
               <a:t>Second level</a:t>
             </a:r>
           </a:p>
           <a:p>
             <a:pPr lvl="2"/>
             <a:r>
-              <a:rPr lang="en-US" dirty="0"/>
+              <a:rPr lang="en-US"/>
               <a:t>Third level</a:t>
             </a:r>
           </a:p>
           <a:p>
             <a:pPr lvl="3"/>
             <a:r>
-              <a:rPr lang="en-US" dirty="0"/>
+              <a:rPr lang="en-US"/>
               <a:t>Fourth level</a:t>
             </a:r>
           </a:p>
           <a:p>
             <a:pPr lvl="4"/>
             <a:r>
-              <a:rPr lang="en-US" dirty="0"/>
+              <a:rPr lang="en-US"/>
               <a:t>Fifth level</a:t>
             </a:r>
           </a:p>
@@ -8243,7 +11245,7 @@
               <a:pPr/>
               <a:t>5/7/2021</a:t>
             </a:fld>
-            <a:endParaRPr lang="en-US" dirty="0"/>
+            <a:endParaRPr lang="en-US"/>
           </a:p>
         </p:txBody>
       </p:sp>
@@ -8280,7 +11282,7 @@
             </a:lvl1pPr>
           </a:lstStyle>
           <a:p>
-            <a:endParaRPr lang="en-US" dirty="0"/>
+            <a:endParaRPr lang="en-US"/>
           </a:p>
         </p:txBody>
       </p:sp>
@@ -8322,7 +11324,7 @@
               <a:pPr/>
               <a:t>‹#›</a:t>
             </a:fld>
-            <a:endParaRPr lang="en-US" dirty="0"/>
+            <a:endParaRPr lang="en-US"/>
           </a:p>
         </p:txBody>
       </p:sp>
@@ -9072,7 +12074,7 @@
           <a:p>
             <a:pPr algn="l"/>
             <a:r>
-              <a:rPr lang="en-US">
+              <a:rPr lang="en-US" dirty="0">
                 <a:solidFill>
                   <a:schemeClr val="bg1"/>
                 </a:solidFill>
@@ -9845,7 +12847,7 @@
           <a:bodyPr/>
           <a:lstStyle/>
           <a:p>
-            <a:endParaRPr lang="en-US" dirty="0"/>
+            <a:endParaRPr lang="en-US"/>
           </a:p>
         </p:txBody>
       </p:sp>
@@ -10370,7 +13372,7 @@
           <a:p>
             <a:pPr algn="l"/>
             <a:r>
-              <a:rPr lang="en-US" sz="7200" dirty="0"/>
+              <a:rPr lang="en-US" sz="7200"/>
               <a:t>Overview about encoding video</a:t>
             </a:r>
           </a:p>
@@ -10430,7 +13432,7 @@
             </a:pPr>
             <a:r>
               <a:rPr lang="en-US" sz="3600" dirty="0"/>
-              <a:t>Algorithms</a:t>
+              <a:t>Codecs</a:t>
             </a:r>
           </a:p>
           <a:p>
@@ -10576,7 +13578,7 @@
           <a:p>
             <a:pPr algn="l"/>
             <a:r>
-              <a:rPr lang="en-US" dirty="0"/>
+              <a:rPr lang="en-US"/>
               <a:t>Objectives</a:t>
             </a:r>
           </a:p>
@@ -10622,6 +13624,2996 @@
   </p:cSld>
   <p:clrMapOvr>
     <a:overrideClrMapping bg1="dk1" tx1="lt1" bg2="dk2" tx2="lt2" accent1="accent1" accent2="accent2" accent3="accent3" accent4="accent4" accent5="accent5" accent6="accent6" hlink="hlink" folHlink="folHlink"/>
+  </p:clrMapOvr>
+</p:sld>
+</file>
+
+<file path=ppt/slides/slide4.xml><?xml version="1.0" encoding="utf-8"?>
+<p:sld xmlns:a="http://schemas.openxmlformats.org/drawingml/2006/main" xmlns:r="http://schemas.openxmlformats.org/officeDocument/2006/relationships" xmlns:p="http://schemas.openxmlformats.org/presentationml/2006/main">
+  <p:cSld>
+    <p:bg>
+      <p:bgPr>
+        <a:solidFill>
+          <a:schemeClr val="bg2"/>
+        </a:solidFill>
+        <a:effectLst/>
+      </p:bgPr>
+    </p:bg>
+    <p:spTree>
+      <p:nvGrpSpPr>
+        <p:cNvPr id="1" name=""/>
+        <p:cNvGrpSpPr/>
+        <p:nvPr/>
+      </p:nvGrpSpPr>
+      <p:grpSpPr>
+        <a:xfrm>
+          <a:off x="0" y="0"/>
+          <a:ext cx="0" cy="0"/>
+          <a:chOff x="0" y="0"/>
+          <a:chExt cx="0" cy="0"/>
+        </a:xfrm>
+      </p:grpSpPr>
+      <p:sp useBgFill="1">
+        <p:nvSpPr>
+          <p:cNvPr id="71" name="Rectangle 70">
+            <a:extLst>
+              <a:ext uri="{FF2B5EF4-FFF2-40B4-BE49-F238E27FC236}">
+                <a16:creationId xmlns:a16="http://schemas.microsoft.com/office/drawing/2014/main" id="{2FCD9B94-D70B-4446-85E5-ACD3904289CB}"/>
+              </a:ext>
+              <a:ext uri="{C183D7F6-B498-43B3-948B-1728B52AA6E4}">
+                <adec:decorative xmlns:adec="http://schemas.microsoft.com/office/drawing/2017/decorative" val="1"/>
+              </a:ext>
+            </a:extLst>
+          </p:cNvPr>
+          <p:cNvSpPr>
+            <a:spLocks noGrp="1" noRot="1" noChangeAspect="1" noMove="1" noResize="1" noEditPoints="1" noAdjustHandles="1" noChangeArrowheads="1" noChangeShapeType="1" noTextEdit="1"/>
+          </p:cNvSpPr>
+          <p:nvPr>
+            <p:extLst>
+              <p:ext uri="{386F3935-93C4-4BCD-93E2-E3B085C9AB24}">
+                <p16:designElem xmlns:p16="http://schemas.microsoft.com/office/powerpoint/2015/main" val="1"/>
+              </p:ext>
+            </p:extLst>
+          </p:nvPr>
+        </p:nvSpPr>
+        <p:spPr>
+          <a:xfrm>
+            <a:off x="0" y="0"/>
+            <a:ext cx="12192000" cy="6858000"/>
+          </a:xfrm>
+          <a:prstGeom prst="rect">
+            <a:avLst/>
+          </a:prstGeom>
+          <a:ln>
+            <a:noFill/>
+          </a:ln>
+        </p:spPr>
+        <p:style>
+          <a:lnRef idx="2">
+            <a:schemeClr val="accent1">
+              <a:shade val="50000"/>
+            </a:schemeClr>
+          </a:lnRef>
+          <a:fillRef idx="1">
+            <a:schemeClr val="accent1"/>
+          </a:fillRef>
+          <a:effectRef idx="0">
+            <a:schemeClr val="accent1"/>
+          </a:effectRef>
+          <a:fontRef idx="minor">
+            <a:schemeClr val="lt1"/>
+          </a:fontRef>
+        </p:style>
+        <p:txBody>
+          <a:bodyPr rtlCol="0" anchor="ctr"/>
+          <a:lstStyle/>
+          <a:p>
+            <a:pPr algn="ctr"/>
+            <a:endParaRPr lang="en-US"/>
+          </a:p>
+        </p:txBody>
+      </p:sp>
+      <p:pic>
+        <p:nvPicPr>
+          <p:cNvPr id="18" name="Picture 4" descr="Computer script on a screen">
+            <a:extLst>
+              <a:ext uri="{FF2B5EF4-FFF2-40B4-BE49-F238E27FC236}">
+                <a16:creationId xmlns:a16="http://schemas.microsoft.com/office/drawing/2014/main" id="{AD0E1412-DE4E-4F40-99BE-5861973173E0}"/>
+              </a:ext>
+            </a:extLst>
+          </p:cNvPr>
+          <p:cNvPicPr>
+            <a:picLocks noChangeAspect="1"/>
+          </p:cNvPicPr>
+          <p:nvPr/>
+        </p:nvPicPr>
+        <p:blipFill rotWithShape="1">
+          <a:blip r:embed="rId2">
+            <a:duotone>
+              <a:schemeClr val="bg2">
+                <a:shade val="45000"/>
+                <a:satMod val="135000"/>
+              </a:schemeClr>
+              <a:prstClr val="white"/>
+            </a:duotone>
+            <a:alphaModFix amt="25000"/>
+          </a:blip>
+          <a:srcRect t="7017" b="8713"/>
+          <a:stretch/>
+        </p:blipFill>
+        <p:spPr>
+          <a:xfrm>
+            <a:off x="20" y="10"/>
+            <a:ext cx="12191980" cy="6857990"/>
+          </a:xfrm>
+          <a:prstGeom prst="rect">
+            <a:avLst/>
+          </a:prstGeom>
+        </p:spPr>
+      </p:pic>
+      <p:sp>
+        <p:nvSpPr>
+          <p:cNvPr id="2" name="Title 1">
+            <a:extLst>
+              <a:ext uri="{FF2B5EF4-FFF2-40B4-BE49-F238E27FC236}">
+                <a16:creationId xmlns:a16="http://schemas.microsoft.com/office/drawing/2014/main" id="{12C1DFDB-8EBE-4E77-A249-634CEBE59A8F}"/>
+              </a:ext>
+            </a:extLst>
+          </p:cNvPr>
+          <p:cNvSpPr>
+            <a:spLocks noGrp="1"/>
+          </p:cNvSpPr>
+          <p:nvPr>
+            <p:ph type="title"/>
+          </p:nvPr>
+        </p:nvSpPr>
+        <p:spPr>
+          <a:xfrm>
+            <a:off x="657845" y="941024"/>
+            <a:ext cx="3647493" cy="4965833"/>
+          </a:xfrm>
+        </p:spPr>
+        <p:txBody>
+          <a:bodyPr vert="horz" lIns="91440" tIns="45720" rIns="91440" bIns="45720" rtlCol="0" anchor="ctr">
+            <a:normAutofit/>
+          </a:bodyPr>
+          <a:lstStyle/>
+          <a:p>
+            <a:pPr algn="r"/>
+            <a:r>
+              <a:rPr lang="en-US" sz="6600" b="1" dirty="0"/>
+              <a:t>Codecs</a:t>
+            </a:r>
+          </a:p>
+        </p:txBody>
+      </p:sp>
+      <p:cxnSp>
+        <p:nvCxnSpPr>
+          <p:cNvPr id="73" name="Straight Connector 72">
+            <a:extLst>
+              <a:ext uri="{FF2B5EF4-FFF2-40B4-BE49-F238E27FC236}">
+                <a16:creationId xmlns:a16="http://schemas.microsoft.com/office/drawing/2014/main" id="{3378FF8B-3743-48E1-88E3-F4CADB3DECE5}"/>
+              </a:ext>
+              <a:ext uri="{C183D7F6-B498-43B3-948B-1728B52AA6E4}">
+                <adec:decorative xmlns:adec="http://schemas.microsoft.com/office/drawing/2017/decorative" val="1"/>
+              </a:ext>
+            </a:extLst>
+          </p:cNvPr>
+          <p:cNvCxnSpPr>
+            <a:cxnSpLocks noGrp="1" noRot="1" noChangeAspect="1" noMove="1" noResize="1" noEditPoints="1" noAdjustHandles="1" noChangeArrowheads="1" noChangeShapeType="1"/>
+          </p:cNvCxnSpPr>
+          <p:nvPr>
+            <p:extLst>
+              <p:ext uri="{386F3935-93C4-4BCD-93E2-E3B085C9AB24}">
+                <p16:designElem xmlns:p16="http://schemas.microsoft.com/office/powerpoint/2015/main" val="1"/>
+              </p:ext>
+            </p:extLst>
+          </p:nvPr>
+        </p:nvCxnSpPr>
+        <p:spPr>
+          <a:xfrm>
+            <a:off x="4654296" y="1406171"/>
+            <a:ext cx="0" cy="3431689"/>
+          </a:xfrm>
+          <a:prstGeom prst="line">
+            <a:avLst/>
+          </a:prstGeom>
+          <a:ln w="19050">
+            <a:solidFill>
+              <a:schemeClr val="accent1"/>
+            </a:solidFill>
+          </a:ln>
+        </p:spPr>
+        <p:style>
+          <a:lnRef idx="1">
+            <a:schemeClr val="accent1"/>
+          </a:lnRef>
+          <a:fillRef idx="0">
+            <a:schemeClr val="accent1"/>
+          </a:fillRef>
+          <a:effectRef idx="0">
+            <a:schemeClr val="accent1"/>
+          </a:effectRef>
+          <a:fontRef idx="minor">
+            <a:schemeClr val="tx1"/>
+          </a:fontRef>
+        </p:style>
+      </p:cxnSp>
+      <p:graphicFrame>
+        <p:nvGraphicFramePr>
+          <p:cNvPr id="75" name="TextBox 3">
+            <a:extLst>
+              <a:ext uri="{FF2B5EF4-FFF2-40B4-BE49-F238E27FC236}">
+                <a16:creationId xmlns:a16="http://schemas.microsoft.com/office/drawing/2014/main" id="{C3204A46-15CC-4DCC-A451-BAD4F151B120}"/>
+              </a:ext>
+            </a:extLst>
+          </p:cNvPr>
+          <p:cNvGraphicFramePr/>
+          <p:nvPr>
+            <p:extLst>
+              <p:ext uri="{D42A27DB-BD31-4B8C-83A1-F6EECF244321}">
+                <p14:modId xmlns:p14="http://schemas.microsoft.com/office/powerpoint/2010/main" val="4157271466"/>
+              </p:ext>
+            </p:extLst>
+          </p:nvPr>
+        </p:nvGraphicFramePr>
+        <p:xfrm>
+          <a:off x="6388919" y="1573628"/>
+          <a:ext cx="5455535" cy="4333230"/>
+        </p:xfrm>
+        <a:graphic>
+          <a:graphicData uri="http://schemas.openxmlformats.org/drawingml/2006/diagram">
+            <dgm:relIds xmlns:dgm="http://schemas.openxmlformats.org/drawingml/2006/diagram" xmlns:r="http://schemas.openxmlformats.org/officeDocument/2006/relationships" r:dm="rId3" r:lo="rId4" r:qs="rId5" r:cs="rId6"/>
+          </a:graphicData>
+        </a:graphic>
+      </p:graphicFrame>
+    </p:spTree>
+    <p:extLst>
+      <p:ext uri="{BB962C8B-B14F-4D97-AF65-F5344CB8AC3E}">
+        <p14:creationId xmlns:p14="http://schemas.microsoft.com/office/powerpoint/2010/main" val="1800481546"/>
+      </p:ext>
+    </p:extLst>
+  </p:cSld>
+  <p:clrMapOvr>
+    <a:overrideClrMapping bg1="dk1" tx1="lt1" bg2="dk2" tx2="lt2" accent1="accent1" accent2="accent2" accent3="accent3" accent4="accent4" accent5="accent5" accent6="accent6" hlink="hlink" folHlink="folHlink"/>
+  </p:clrMapOvr>
+  <p:timing>
+    <p:tnLst>
+      <p:par>
+        <p:cTn id="1" dur="indefinite" restart="never" nodeType="tmRoot">
+          <p:childTnLst>
+            <p:seq concurrent="1" nextAc="seek">
+              <p:cTn id="2" dur="indefinite" nodeType="mainSeq"/>
+              <p:prevCondLst>
+                <p:cond evt="onPrev" delay="0">
+                  <p:tgtEl>
+                    <p:sldTgt/>
+                  </p:tgtEl>
+                </p:cond>
+              </p:prevCondLst>
+              <p:nextCondLst>
+                <p:cond evt="onNext" delay="0">
+                  <p:tgtEl>
+                    <p:sldTgt/>
+                  </p:tgtEl>
+                </p:cond>
+              </p:nextCondLst>
+            </p:seq>
+          </p:childTnLst>
+        </p:cTn>
+      </p:par>
+    </p:tnLst>
+  </p:timing>
+</p:sld>
+</file>
+
+<file path=ppt/slides/slide5.xml><?xml version="1.0" encoding="utf-8"?>
+<p:sld xmlns:a="http://schemas.openxmlformats.org/drawingml/2006/main" xmlns:r="http://schemas.openxmlformats.org/officeDocument/2006/relationships" xmlns:p="http://schemas.openxmlformats.org/presentationml/2006/main">
+  <p:cSld>
+    <p:bg>
+      <p:bgPr>
+        <a:blipFill rotWithShape="1">
+          <a:blip r:embed="rId2">
+            <a:duotone>
+              <a:schemeClr val="bg2">
+                <a:shade val="76000"/>
+                <a:satMod val="180000"/>
+              </a:schemeClr>
+              <a:schemeClr val="bg2">
+                <a:tint val="80000"/>
+                <a:satMod val="120000"/>
+                <a:lumMod val="180000"/>
+              </a:schemeClr>
+            </a:duotone>
+          </a:blip>
+          <a:stretch/>
+        </a:blipFill>
+        <a:effectLst/>
+      </p:bgPr>
+    </p:bg>
+    <p:spTree>
+      <p:nvGrpSpPr>
+        <p:cNvPr id="1" name=""/>
+        <p:cNvGrpSpPr/>
+        <p:nvPr/>
+      </p:nvGrpSpPr>
+      <p:grpSpPr>
+        <a:xfrm>
+          <a:off x="0" y="0"/>
+          <a:ext cx="0" cy="0"/>
+          <a:chOff x="0" y="0"/>
+          <a:chExt cx="0" cy="0"/>
+        </a:xfrm>
+      </p:grpSpPr>
+      <p:sp useBgFill="1">
+        <p:nvSpPr>
+          <p:cNvPr id="30" name="Rectangle 32">
+            <a:extLst>
+              <a:ext uri="{FF2B5EF4-FFF2-40B4-BE49-F238E27FC236}">
+                <a16:creationId xmlns:a16="http://schemas.microsoft.com/office/drawing/2014/main" id="{BA79F213-51C2-42E5-A917-142526CC6716}"/>
+              </a:ext>
+              <a:ext uri="{C183D7F6-B498-43B3-948B-1728B52AA6E4}">
+                <adec:decorative xmlns:adec="http://schemas.microsoft.com/office/drawing/2017/decorative" val="1"/>
+              </a:ext>
+            </a:extLst>
+          </p:cNvPr>
+          <p:cNvSpPr>
+            <a:spLocks noGrp="1" noRot="1" noChangeAspect="1" noMove="1" noResize="1" noEditPoints="1" noAdjustHandles="1" noChangeArrowheads="1" noChangeShapeType="1" noTextEdit="1"/>
+          </p:cNvSpPr>
+          <p:nvPr>
+            <p:extLst>
+              <p:ext uri="{386F3935-93C4-4BCD-93E2-E3B085C9AB24}">
+                <p16:designElem xmlns:p16="http://schemas.microsoft.com/office/powerpoint/2015/main" val="1"/>
+              </p:ext>
+            </p:extLst>
+          </p:nvPr>
+        </p:nvSpPr>
+        <p:spPr>
+          <a:xfrm>
+            <a:off x="0" y="0"/>
+            <a:ext cx="12192000" cy="6858000"/>
+          </a:xfrm>
+          <a:prstGeom prst="rect">
+            <a:avLst/>
+          </a:prstGeom>
+          <a:ln>
+            <a:noFill/>
+          </a:ln>
+        </p:spPr>
+        <p:style>
+          <a:lnRef idx="2">
+            <a:schemeClr val="accent1">
+              <a:shade val="50000"/>
+            </a:schemeClr>
+          </a:lnRef>
+          <a:fillRef idx="1">
+            <a:schemeClr val="accent1"/>
+          </a:fillRef>
+          <a:effectRef idx="0">
+            <a:schemeClr val="accent1"/>
+          </a:effectRef>
+          <a:fontRef idx="minor">
+            <a:schemeClr val="lt1"/>
+          </a:fontRef>
+        </p:style>
+        <p:txBody>
+          <a:bodyPr rtlCol="0" anchor="ctr"/>
+          <a:lstStyle/>
+          <a:p>
+            <a:pPr algn="ctr"/>
+            <a:endParaRPr lang="en-US"/>
+          </a:p>
+        </p:txBody>
+      </p:sp>
+      <p:pic>
+        <p:nvPicPr>
+          <p:cNvPr id="18" name="Picture 4" descr="Circuit board">
+            <a:extLst>
+              <a:ext uri="{FF2B5EF4-FFF2-40B4-BE49-F238E27FC236}">
+                <a16:creationId xmlns:a16="http://schemas.microsoft.com/office/drawing/2014/main" id="{922C67F3-24C5-42FB-A680-12DAB5E59FFF}"/>
+              </a:ext>
+            </a:extLst>
+          </p:cNvPr>
+          <p:cNvPicPr>
+            <a:picLocks noChangeAspect="1"/>
+          </p:cNvPicPr>
+          <p:nvPr/>
+        </p:nvPicPr>
+        <p:blipFill rotWithShape="1">
+          <a:blip r:embed="rId3"/>
+          <a:srcRect t="23391" r="9091"/>
+          <a:stretch/>
+        </p:blipFill>
+        <p:spPr>
+          <a:xfrm>
+            <a:off x="20" y="10"/>
+            <a:ext cx="12191980" cy="6857990"/>
+          </a:xfrm>
+          <a:prstGeom prst="rect">
+            <a:avLst/>
+          </a:prstGeom>
+        </p:spPr>
+      </p:pic>
+      <p:sp>
+        <p:nvSpPr>
+          <p:cNvPr id="32" name="Freeform 15">
+            <a:extLst>
+              <a:ext uri="{FF2B5EF4-FFF2-40B4-BE49-F238E27FC236}">
+                <a16:creationId xmlns:a16="http://schemas.microsoft.com/office/drawing/2014/main" id="{C478AE16-9FFE-40EC-B81F-FAD67DA86064}"/>
+              </a:ext>
+              <a:ext uri="{C183D7F6-B498-43B3-948B-1728B52AA6E4}">
+                <adec:decorative xmlns:adec="http://schemas.microsoft.com/office/drawing/2017/decorative" val="1"/>
+              </a:ext>
+            </a:extLst>
+          </p:cNvPr>
+          <p:cNvSpPr>
+            <a:spLocks noGrp="1" noRot="1" noChangeAspect="1" noMove="1" noResize="1" noEditPoints="1" noAdjustHandles="1" noChangeArrowheads="1" noChangeShapeType="1" noTextEdit="1"/>
+          </p:cNvSpPr>
+          <p:nvPr>
+            <p:extLst>
+              <p:ext uri="{386F3935-93C4-4BCD-93E2-E3B085C9AB24}">
+                <p16:designElem xmlns:p16="http://schemas.microsoft.com/office/powerpoint/2015/main" val="1"/>
+              </p:ext>
+            </p:extLst>
+          </p:nvPr>
+        </p:nvSpPr>
+        <p:spPr bwMode="white">
+          <a:xfrm>
+            <a:off x="-16933" y="-16933"/>
+            <a:ext cx="9491133" cy="6883400"/>
+          </a:xfrm>
+          <a:custGeom>
+            <a:avLst/>
+            <a:gdLst>
+              <a:gd name="connsiteX0" fmla="*/ 5427133 w 7340600"/>
+              <a:gd name="connsiteY0" fmla="*/ 8466 h 6883400"/>
+              <a:gd name="connsiteX1" fmla="*/ 4783666 w 7340600"/>
+              <a:gd name="connsiteY1" fmla="*/ 2573866 h 6883400"/>
+              <a:gd name="connsiteX2" fmla="*/ 7340600 w 7340600"/>
+              <a:gd name="connsiteY2" fmla="*/ 6874933 h 6883400"/>
+              <a:gd name="connsiteX3" fmla="*/ 0 w 7340600"/>
+              <a:gd name="connsiteY3" fmla="*/ 6883400 h 6883400"/>
+              <a:gd name="connsiteX4" fmla="*/ 8466 w 7340600"/>
+              <a:gd name="connsiteY4" fmla="*/ 0 h 6883400"/>
+              <a:gd name="connsiteX5" fmla="*/ 5427133 w 7340600"/>
+              <a:gd name="connsiteY5" fmla="*/ 8466 h 6883400"/>
+              <a:gd name="connsiteX0" fmla="*/ 9203266 w 9203266"/>
+              <a:gd name="connsiteY0" fmla="*/ 16933 h 6883400"/>
+              <a:gd name="connsiteX1" fmla="*/ 4783666 w 9203266"/>
+              <a:gd name="connsiteY1" fmla="*/ 2573866 h 6883400"/>
+              <a:gd name="connsiteX2" fmla="*/ 7340600 w 9203266"/>
+              <a:gd name="connsiteY2" fmla="*/ 6874933 h 6883400"/>
+              <a:gd name="connsiteX3" fmla="*/ 0 w 9203266"/>
+              <a:gd name="connsiteY3" fmla="*/ 6883400 h 6883400"/>
+              <a:gd name="connsiteX4" fmla="*/ 8466 w 9203266"/>
+              <a:gd name="connsiteY4" fmla="*/ 0 h 6883400"/>
+              <a:gd name="connsiteX5" fmla="*/ 9203266 w 9203266"/>
+              <a:gd name="connsiteY5" fmla="*/ 16933 h 6883400"/>
+              <a:gd name="connsiteX0" fmla="*/ 9203266 w 9203266"/>
+              <a:gd name="connsiteY0" fmla="*/ 16933 h 6883400"/>
+              <a:gd name="connsiteX1" fmla="*/ 8339666 w 9203266"/>
+              <a:gd name="connsiteY1" fmla="*/ 5240866 h 6883400"/>
+              <a:gd name="connsiteX2" fmla="*/ 7340600 w 9203266"/>
+              <a:gd name="connsiteY2" fmla="*/ 6874933 h 6883400"/>
+              <a:gd name="connsiteX3" fmla="*/ 0 w 9203266"/>
+              <a:gd name="connsiteY3" fmla="*/ 6883400 h 6883400"/>
+              <a:gd name="connsiteX4" fmla="*/ 8466 w 9203266"/>
+              <a:gd name="connsiteY4" fmla="*/ 0 h 6883400"/>
+              <a:gd name="connsiteX5" fmla="*/ 9203266 w 9203266"/>
+              <a:gd name="connsiteY5" fmla="*/ 16933 h 6883400"/>
+              <a:gd name="connsiteX0" fmla="*/ 9203266 w 9491133"/>
+              <a:gd name="connsiteY0" fmla="*/ 16933 h 6883400"/>
+              <a:gd name="connsiteX1" fmla="*/ 8339666 w 9491133"/>
+              <a:gd name="connsiteY1" fmla="*/ 5240866 h 6883400"/>
+              <a:gd name="connsiteX2" fmla="*/ 9491133 w 9491133"/>
+              <a:gd name="connsiteY2" fmla="*/ 6883400 h 6883400"/>
+              <a:gd name="connsiteX3" fmla="*/ 0 w 9491133"/>
+              <a:gd name="connsiteY3" fmla="*/ 6883400 h 6883400"/>
+              <a:gd name="connsiteX4" fmla="*/ 8466 w 9491133"/>
+              <a:gd name="connsiteY4" fmla="*/ 0 h 6883400"/>
+              <a:gd name="connsiteX5" fmla="*/ 9203266 w 9491133"/>
+              <a:gd name="connsiteY5" fmla="*/ 16933 h 6883400"/>
+            </a:gdLst>
+            <a:ahLst/>
+            <a:cxnLst>
+              <a:cxn ang="0">
+                <a:pos x="connsiteX0" y="connsiteY0"/>
+              </a:cxn>
+              <a:cxn ang="0">
+                <a:pos x="connsiteX1" y="connsiteY1"/>
+              </a:cxn>
+              <a:cxn ang="0">
+                <a:pos x="connsiteX2" y="connsiteY2"/>
+              </a:cxn>
+              <a:cxn ang="0">
+                <a:pos x="connsiteX3" y="connsiteY3"/>
+              </a:cxn>
+              <a:cxn ang="0">
+                <a:pos x="connsiteX4" y="connsiteY4"/>
+              </a:cxn>
+              <a:cxn ang="0">
+                <a:pos x="connsiteX5" y="connsiteY5"/>
+              </a:cxn>
+            </a:cxnLst>
+            <a:rect l="l" t="t" r="r" b="b"/>
+            <a:pathLst>
+              <a:path w="9491133" h="6883400">
+                <a:moveTo>
+                  <a:pt x="9203266" y="16933"/>
+                </a:moveTo>
+                <a:lnTo>
+                  <a:pt x="8339666" y="5240866"/>
+                </a:lnTo>
+                <a:lnTo>
+                  <a:pt x="9491133" y="6883400"/>
+                </a:lnTo>
+                <a:lnTo>
+                  <a:pt x="0" y="6883400"/>
+                </a:lnTo>
+                <a:lnTo>
+                  <a:pt x="8466" y="0"/>
+                </a:lnTo>
+                <a:lnTo>
+                  <a:pt x="9203266" y="16933"/>
+                </a:lnTo>
+                <a:close/>
+              </a:path>
+            </a:pathLst>
+          </a:custGeom>
+          <a:solidFill>
+            <a:schemeClr val="tx1">
+              <a:lumMod val="95000"/>
+              <a:lumOff val="5000"/>
+              <a:alpha val="80000"/>
+            </a:schemeClr>
+          </a:solidFill>
+          <a:ln>
+            <a:noFill/>
+          </a:ln>
+          <a:effectLst/>
+        </p:spPr>
+        <p:style>
+          <a:lnRef idx="1">
+            <a:schemeClr val="accent1"/>
+          </a:lnRef>
+          <a:fillRef idx="3">
+            <a:schemeClr val="accent1"/>
+          </a:fillRef>
+          <a:effectRef idx="2">
+            <a:schemeClr val="accent1"/>
+          </a:effectRef>
+          <a:fontRef idx="minor">
+            <a:schemeClr val="lt1"/>
+          </a:fontRef>
+        </p:style>
+        <p:txBody>
+          <a:bodyPr rtlCol="0" anchor="ctr"/>
+          <a:lstStyle/>
+          <a:p>
+            <a:pPr algn="ctr"/>
+            <a:endParaRPr lang="en-US"/>
+          </a:p>
+        </p:txBody>
+      </p:sp>
+      <p:sp>
+        <p:nvSpPr>
+          <p:cNvPr id="2" name="Title 1">
+            <a:extLst>
+              <a:ext uri="{FF2B5EF4-FFF2-40B4-BE49-F238E27FC236}">
+                <a16:creationId xmlns:a16="http://schemas.microsoft.com/office/drawing/2014/main" id="{2D250286-323D-4722-AAC9-A3BB6AFFB474}"/>
+              </a:ext>
+            </a:extLst>
+          </p:cNvPr>
+          <p:cNvSpPr>
+            <a:spLocks noGrp="1"/>
+          </p:cNvSpPr>
+          <p:nvPr>
+            <p:ph type="title"/>
+          </p:nvPr>
+        </p:nvSpPr>
+        <p:spPr>
+          <a:xfrm>
+            <a:off x="685800" y="599536"/>
+            <a:ext cx="7391400" cy="1176867"/>
+          </a:xfrm>
+        </p:spPr>
+        <p:txBody>
+          <a:bodyPr vert="horz" lIns="91440" tIns="45720" rIns="91440" bIns="45720" rtlCol="0" anchor="ctr">
+            <a:normAutofit/>
+          </a:bodyPr>
+          <a:lstStyle/>
+          <a:p>
+            <a:r>
+              <a:rPr lang="en-US" sz="6600" b="1" dirty="0">
+                <a:solidFill>
+                  <a:schemeClr val="bg1"/>
+                </a:solidFill>
+              </a:rPr>
+              <a:t>Hardware Encoders</a:t>
+            </a:r>
+          </a:p>
+        </p:txBody>
+      </p:sp>
+      <p:sp>
+        <p:nvSpPr>
+          <p:cNvPr id="4" name="TextBox 3">
+            <a:extLst>
+              <a:ext uri="{FF2B5EF4-FFF2-40B4-BE49-F238E27FC236}">
+                <a16:creationId xmlns:a16="http://schemas.microsoft.com/office/drawing/2014/main" id="{1189DDB6-63E8-450B-B66A-C182EE22F5D0}"/>
+              </a:ext>
+            </a:extLst>
+          </p:cNvPr>
+          <p:cNvSpPr txBox="1"/>
+          <p:nvPr/>
+        </p:nvSpPr>
+        <p:spPr>
+          <a:xfrm>
+            <a:off x="685799" y="1888067"/>
+            <a:ext cx="7391401" cy="3970866"/>
+          </a:xfrm>
+          <a:prstGeom prst="rect">
+            <a:avLst/>
+          </a:prstGeom>
+        </p:spPr>
+        <p:txBody>
+          <a:bodyPr rot="0" spcFirstLastPara="0" vertOverflow="overflow" horzOverflow="overflow" vert="horz" lIns="91440" tIns="45720" rIns="91440" bIns="45720" numCol="1" spcCol="0" rtlCol="0" fromWordArt="0" anchor="ctr" anchorCtr="0" forceAA="0" compatLnSpc="1">
+            <a:prstTxWarp prst="textNoShape">
+              <a:avLst/>
+            </a:prstTxWarp>
+            <a:normAutofit/>
+          </a:bodyPr>
+          <a:lstStyle/>
+          <a:p>
+            <a:pPr defTabSz="457200">
+              <a:lnSpc>
+                <a:spcPct val="150000"/>
+              </a:lnSpc>
+              <a:spcBef>
+                <a:spcPct val="20000"/>
+              </a:spcBef>
+              <a:spcAft>
+                <a:spcPts val="600"/>
+              </a:spcAft>
+              <a:buClr>
+                <a:schemeClr val="accent1">
+                  <a:lumMod val="75000"/>
+                </a:schemeClr>
+              </a:buClr>
+              <a:buSzPct val="145000"/>
+              <a:buFont typeface="Arial"/>
+              <a:buChar char="•"/>
+            </a:pPr>
+            <a:r>
+              <a:rPr lang="en-US" sz="4000" dirty="0">
+                <a:solidFill>
+                  <a:schemeClr val="bg1"/>
+                </a:solidFill>
+              </a:rPr>
+              <a:t>AMD VCE</a:t>
+            </a:r>
+            <a:endParaRPr lang="en-US"/>
+          </a:p>
+          <a:p>
+            <a:pPr defTabSz="457200">
+              <a:lnSpc>
+                <a:spcPct val="150000"/>
+              </a:lnSpc>
+              <a:spcBef>
+                <a:spcPct val="20000"/>
+              </a:spcBef>
+              <a:spcAft>
+                <a:spcPts val="600"/>
+              </a:spcAft>
+              <a:buClr>
+                <a:srgbClr val="688727"/>
+              </a:buClr>
+              <a:buSzPct val="145000"/>
+              <a:buFont typeface="Arial"/>
+              <a:buChar char="•"/>
+            </a:pPr>
+            <a:r>
+              <a:rPr lang="en-US" sz="4000" dirty="0">
+                <a:solidFill>
+                  <a:schemeClr val="bg1"/>
+                </a:solidFill>
+              </a:rPr>
+              <a:t>Intel QVS</a:t>
+            </a:r>
+          </a:p>
+          <a:p>
+            <a:pPr defTabSz="457200">
+              <a:lnSpc>
+                <a:spcPct val="150000"/>
+              </a:lnSpc>
+              <a:spcBef>
+                <a:spcPct val="20000"/>
+              </a:spcBef>
+              <a:spcAft>
+                <a:spcPts val="600"/>
+              </a:spcAft>
+              <a:buClr>
+                <a:srgbClr val="688727"/>
+              </a:buClr>
+              <a:buSzPct val="145000"/>
+              <a:buFont typeface="Arial"/>
+              <a:buChar char="•"/>
+            </a:pPr>
+            <a:r>
+              <a:rPr lang="en-US" sz="4000" b="1" dirty="0">
+                <a:solidFill>
+                  <a:schemeClr val="bg1"/>
+                </a:solidFill>
+              </a:rPr>
+              <a:t>Nvidia NVENC </a:t>
+            </a:r>
+            <a:r>
+              <a:rPr lang="en-US" sz="4000" dirty="0">
+                <a:solidFill>
+                  <a:schemeClr val="bg1"/>
+                </a:solidFill>
+              </a:rPr>
+              <a:t>&lt;--</a:t>
+            </a:r>
+          </a:p>
+        </p:txBody>
+      </p:sp>
+      <p:grpSp>
+        <p:nvGrpSpPr>
+          <p:cNvPr id="37" name="Group 36">
+            <a:extLst>
+              <a:ext uri="{FF2B5EF4-FFF2-40B4-BE49-F238E27FC236}">
+                <a16:creationId xmlns:a16="http://schemas.microsoft.com/office/drawing/2014/main" id="{2C58EF69-4C86-43C8-B9E3-778544933C04}"/>
+              </a:ext>
+              <a:ext uri="{C183D7F6-B498-43B3-948B-1728B52AA6E4}">
+                <adec:decorative xmlns:adec="http://schemas.microsoft.com/office/drawing/2017/decorative" val="1"/>
+              </a:ext>
+            </a:extLst>
+          </p:cNvPr>
+          <p:cNvGrpSpPr>
+            <a:grpSpLocks noGrp="1" noUngrp="1" noRot="1" noChangeAspect="1" noMove="1" noResize="1"/>
+          </p:cNvGrpSpPr>
+          <p:nvPr>
+            <p:extLst>
+              <p:ext uri="{386F3935-93C4-4BCD-93E2-E3B085C9AB24}">
+                <p16:designElem xmlns:p16="http://schemas.microsoft.com/office/powerpoint/2015/main" val="1"/>
+              </p:ext>
+            </p:extLst>
+          </p:nvPr>
+        </p:nvGrpSpPr>
+        <p:grpSpPr>
+          <a:xfrm>
+            <a:off x="8405812" y="0"/>
+            <a:ext cx="2436813" cy="6858001"/>
+            <a:chOff x="1320800" y="0"/>
+            <a:chExt cx="2436813" cy="6858001"/>
+          </a:xfrm>
+        </p:grpSpPr>
+        <p:sp>
+          <p:nvSpPr>
+            <p:cNvPr id="38" name="Freeform 6">
+              <a:extLst>
+                <a:ext uri="{FF2B5EF4-FFF2-40B4-BE49-F238E27FC236}">
+                  <a16:creationId xmlns:a16="http://schemas.microsoft.com/office/drawing/2014/main" id="{28004C51-9993-4F72-9444-208E14F42BCB}"/>
+                </a:ext>
+                <a:ext uri="{C183D7F6-B498-43B3-948B-1728B52AA6E4}">
+                  <adec:decorative xmlns:adec="http://schemas.microsoft.com/office/drawing/2017/decorative" val="1"/>
+                </a:ext>
+              </a:extLst>
+            </p:cNvPr>
+            <p:cNvSpPr/>
+            <p:nvPr>
+              <p:extLst>
+                <p:ext uri="{386F3935-93C4-4BCD-93E2-E3B085C9AB24}">
+                  <p16:designElem xmlns:p16="http://schemas.microsoft.com/office/powerpoint/2015/main" val="1"/>
+                </p:ext>
+              </p:extLst>
+            </p:nvPr>
+          </p:nvSpPr>
+          <p:spPr bwMode="auto">
+            <a:xfrm>
+              <a:off x="1627188" y="0"/>
+              <a:ext cx="1122363" cy="5329238"/>
+            </a:xfrm>
+            <a:custGeom>
+              <a:avLst/>
+              <a:gdLst/>
+              <a:ahLst/>
+              <a:cxnLst/>
+              <a:rect l="0" t="0" r="r" b="b"/>
+              <a:pathLst>
+                <a:path w="707" h="3357">
+                  <a:moveTo>
+                    <a:pt x="0" y="3330"/>
+                  </a:moveTo>
+                  <a:lnTo>
+                    <a:pt x="156" y="3357"/>
+                  </a:lnTo>
+                  <a:lnTo>
+                    <a:pt x="707" y="0"/>
+                  </a:lnTo>
+                  <a:lnTo>
+                    <a:pt x="547" y="0"/>
+                  </a:lnTo>
+                  <a:lnTo>
+                    <a:pt x="0" y="3330"/>
+                  </a:lnTo>
+                  <a:close/>
+                </a:path>
+              </a:pathLst>
+            </a:custGeom>
+            <a:solidFill>
+              <a:schemeClr val="accent1"/>
+            </a:solidFill>
+            <a:ln>
+              <a:noFill/>
+            </a:ln>
+          </p:spPr>
+        </p:sp>
+        <p:sp>
+          <p:nvSpPr>
+            <p:cNvPr id="39" name="Freeform 7">
+              <a:extLst>
+                <a:ext uri="{FF2B5EF4-FFF2-40B4-BE49-F238E27FC236}">
+                  <a16:creationId xmlns:a16="http://schemas.microsoft.com/office/drawing/2014/main" id="{9F45FB11-2D69-4F70-8B60-23B0C6B28578}"/>
+                </a:ext>
+                <a:ext uri="{C183D7F6-B498-43B3-948B-1728B52AA6E4}">
+                  <adec:decorative xmlns:adec="http://schemas.microsoft.com/office/drawing/2017/decorative" val="1"/>
+                </a:ext>
+              </a:extLst>
+            </p:cNvPr>
+            <p:cNvSpPr/>
+            <p:nvPr>
+              <p:extLst>
+                <p:ext uri="{386F3935-93C4-4BCD-93E2-E3B085C9AB24}">
+                  <p16:designElem xmlns:p16="http://schemas.microsoft.com/office/powerpoint/2015/main" val="1"/>
+                </p:ext>
+              </p:extLst>
+            </p:nvPr>
+          </p:nvSpPr>
+          <p:spPr bwMode="auto">
+            <a:xfrm>
+              <a:off x="1320800" y="0"/>
+              <a:ext cx="1117600" cy="5276850"/>
+            </a:xfrm>
+            <a:custGeom>
+              <a:avLst/>
+              <a:gdLst/>
+              <a:ahLst/>
+              <a:cxnLst/>
+              <a:rect l="0" t="0" r="r" b="b"/>
+              <a:pathLst>
+                <a:path w="704" h="3324">
+                  <a:moveTo>
+                    <a:pt x="704" y="0"/>
+                  </a:moveTo>
+                  <a:lnTo>
+                    <a:pt x="545" y="0"/>
+                  </a:lnTo>
+                  <a:lnTo>
+                    <a:pt x="0" y="3300"/>
+                  </a:lnTo>
+                  <a:lnTo>
+                    <a:pt x="157" y="3324"/>
+                  </a:lnTo>
+                  <a:lnTo>
+                    <a:pt x="704" y="0"/>
+                  </a:lnTo>
+                  <a:close/>
+                </a:path>
+              </a:pathLst>
+            </a:custGeom>
+            <a:solidFill>
+              <a:schemeClr val="tx1">
+                <a:lumMod val="65000"/>
+                <a:lumOff val="35000"/>
+              </a:schemeClr>
+            </a:solidFill>
+            <a:ln>
+              <a:noFill/>
+            </a:ln>
+          </p:spPr>
+        </p:sp>
+        <p:sp>
+          <p:nvSpPr>
+            <p:cNvPr id="40" name="Freeform 8">
+              <a:extLst>
+                <a:ext uri="{FF2B5EF4-FFF2-40B4-BE49-F238E27FC236}">
+                  <a16:creationId xmlns:a16="http://schemas.microsoft.com/office/drawing/2014/main" id="{5ABA6996-5C50-49CC-A2C8-F43FD5838CA0}"/>
+                </a:ext>
+                <a:ext uri="{C183D7F6-B498-43B3-948B-1728B52AA6E4}">
+                  <adec:decorative xmlns:adec="http://schemas.microsoft.com/office/drawing/2017/decorative" val="1"/>
+                </a:ext>
+              </a:extLst>
+            </p:cNvPr>
+            <p:cNvSpPr/>
+            <p:nvPr>
+              <p:extLst>
+                <p:ext uri="{386F3935-93C4-4BCD-93E2-E3B085C9AB24}">
+                  <p16:designElem xmlns:p16="http://schemas.microsoft.com/office/powerpoint/2015/main" val="1"/>
+                </p:ext>
+              </p:extLst>
+            </p:nvPr>
+          </p:nvSpPr>
+          <p:spPr bwMode="auto">
+            <a:xfrm>
+              <a:off x="1320800" y="5238750"/>
+              <a:ext cx="1228725" cy="1619250"/>
+            </a:xfrm>
+            <a:custGeom>
+              <a:avLst/>
+              <a:gdLst/>
+              <a:ahLst/>
+              <a:cxnLst/>
+              <a:rect l="0" t="0" r="r" b="b"/>
+              <a:pathLst>
+                <a:path w="774" h="1020">
+                  <a:moveTo>
+                    <a:pt x="0" y="0"/>
+                  </a:moveTo>
+                  <a:lnTo>
+                    <a:pt x="740" y="1020"/>
+                  </a:lnTo>
+                  <a:lnTo>
+                    <a:pt x="774" y="1020"/>
+                  </a:lnTo>
+                  <a:lnTo>
+                    <a:pt x="0" y="0"/>
+                  </a:lnTo>
+                  <a:close/>
+                </a:path>
+              </a:pathLst>
+            </a:custGeom>
+            <a:solidFill>
+              <a:schemeClr val="tx1">
+                <a:lumMod val="85000"/>
+                <a:lumOff val="15000"/>
+              </a:schemeClr>
+            </a:solidFill>
+            <a:ln>
+              <a:noFill/>
+            </a:ln>
+          </p:spPr>
+        </p:sp>
+        <p:sp>
+          <p:nvSpPr>
+            <p:cNvPr id="41" name="Freeform 9">
+              <a:extLst>
+                <a:ext uri="{FF2B5EF4-FFF2-40B4-BE49-F238E27FC236}">
+                  <a16:creationId xmlns:a16="http://schemas.microsoft.com/office/drawing/2014/main" id="{54A0AA5F-216D-445A-8C9D-44B6B48264BF}"/>
+                </a:ext>
+                <a:ext uri="{C183D7F6-B498-43B3-948B-1728B52AA6E4}">
+                  <adec:decorative xmlns:adec="http://schemas.microsoft.com/office/drawing/2017/decorative" val="1"/>
+                </a:ext>
+              </a:extLst>
+            </p:cNvPr>
+            <p:cNvSpPr/>
+            <p:nvPr>
+              <p:extLst>
+                <p:ext uri="{386F3935-93C4-4BCD-93E2-E3B085C9AB24}">
+                  <p16:designElem xmlns:p16="http://schemas.microsoft.com/office/powerpoint/2015/main" val="1"/>
+                </p:ext>
+              </p:extLst>
+            </p:nvPr>
+          </p:nvSpPr>
+          <p:spPr bwMode="auto">
+            <a:xfrm>
+              <a:off x="1627188" y="5291138"/>
+              <a:ext cx="1495425" cy="1566863"/>
+            </a:xfrm>
+            <a:custGeom>
+              <a:avLst/>
+              <a:gdLst/>
+              <a:ahLst/>
+              <a:cxnLst/>
+              <a:rect l="0" t="0" r="r" b="b"/>
+              <a:pathLst>
+                <a:path w="942" h="987">
+                  <a:moveTo>
+                    <a:pt x="0" y="0"/>
+                  </a:moveTo>
+                  <a:lnTo>
+                    <a:pt x="909" y="987"/>
+                  </a:lnTo>
+                  <a:lnTo>
+                    <a:pt x="942" y="987"/>
+                  </a:lnTo>
+                  <a:lnTo>
+                    <a:pt x="0" y="0"/>
+                  </a:lnTo>
+                  <a:close/>
+                </a:path>
+              </a:pathLst>
+            </a:custGeom>
+            <a:solidFill>
+              <a:schemeClr val="accent1">
+                <a:lumMod val="50000"/>
+              </a:schemeClr>
+            </a:solidFill>
+            <a:ln>
+              <a:noFill/>
+            </a:ln>
+          </p:spPr>
+        </p:sp>
+        <p:sp>
+          <p:nvSpPr>
+            <p:cNvPr id="42" name="Freeform 10">
+              <a:extLst>
+                <a:ext uri="{FF2B5EF4-FFF2-40B4-BE49-F238E27FC236}">
+                  <a16:creationId xmlns:a16="http://schemas.microsoft.com/office/drawing/2014/main" id="{7DED650F-020C-4B0D-928D-3B70398376B2}"/>
+                </a:ext>
+                <a:ext uri="{C183D7F6-B498-43B3-948B-1728B52AA6E4}">
+                  <adec:decorative xmlns:adec="http://schemas.microsoft.com/office/drawing/2017/decorative" val="1"/>
+                </a:ext>
+              </a:extLst>
+            </p:cNvPr>
+            <p:cNvSpPr/>
+            <p:nvPr>
+              <p:extLst>
+                <p:ext uri="{386F3935-93C4-4BCD-93E2-E3B085C9AB24}">
+                  <p16:designElem xmlns:p16="http://schemas.microsoft.com/office/powerpoint/2015/main" val="1"/>
+                </p:ext>
+              </p:extLst>
+            </p:nvPr>
+          </p:nvSpPr>
+          <p:spPr bwMode="auto">
+            <a:xfrm>
+              <a:off x="1627188" y="5286375"/>
+              <a:ext cx="2130425" cy="1571625"/>
+            </a:xfrm>
+            <a:custGeom>
+              <a:avLst/>
+              <a:gdLst/>
+              <a:ahLst/>
+              <a:cxnLst/>
+              <a:rect l="0" t="0" r="r" b="b"/>
+              <a:pathLst>
+                <a:path w="1342" h="990">
+                  <a:moveTo>
+                    <a:pt x="0" y="3"/>
+                  </a:moveTo>
+                  <a:lnTo>
+                    <a:pt x="942" y="990"/>
+                  </a:lnTo>
+                  <a:lnTo>
+                    <a:pt x="1342" y="990"/>
+                  </a:lnTo>
+                  <a:lnTo>
+                    <a:pt x="156" y="27"/>
+                  </a:lnTo>
+                  <a:lnTo>
+                    <a:pt x="0" y="0"/>
+                  </a:lnTo>
+                  <a:lnTo>
+                    <a:pt x="0" y="3"/>
+                  </a:lnTo>
+                  <a:close/>
+                </a:path>
+              </a:pathLst>
+            </a:custGeom>
+            <a:solidFill>
+              <a:schemeClr val="accent1">
+                <a:lumMod val="75000"/>
+              </a:schemeClr>
+            </a:solidFill>
+            <a:ln>
+              <a:noFill/>
+            </a:ln>
+          </p:spPr>
+        </p:sp>
+        <p:sp>
+          <p:nvSpPr>
+            <p:cNvPr id="43" name="Freeform 11">
+              <a:extLst>
+                <a:ext uri="{FF2B5EF4-FFF2-40B4-BE49-F238E27FC236}">
+                  <a16:creationId xmlns:a16="http://schemas.microsoft.com/office/drawing/2014/main" id="{B1EE80AC-E4F7-497F-AE0B-96084F03C0A1}"/>
+                </a:ext>
+                <a:ext uri="{C183D7F6-B498-43B3-948B-1728B52AA6E4}">
+                  <adec:decorative xmlns:adec="http://schemas.microsoft.com/office/drawing/2017/decorative" val="1"/>
+                </a:ext>
+              </a:extLst>
+            </p:cNvPr>
+            <p:cNvSpPr/>
+            <p:nvPr>
+              <p:extLst>
+                <p:ext uri="{386F3935-93C4-4BCD-93E2-E3B085C9AB24}">
+                  <p16:designElem xmlns:p16="http://schemas.microsoft.com/office/powerpoint/2015/main" val="1"/>
+                </p:ext>
+              </p:extLst>
+            </p:nvPr>
+          </p:nvSpPr>
+          <p:spPr bwMode="auto">
+            <a:xfrm>
+              <a:off x="1320800" y="5238750"/>
+              <a:ext cx="1695450" cy="1619250"/>
+            </a:xfrm>
+            <a:custGeom>
+              <a:avLst/>
+              <a:gdLst/>
+              <a:ahLst/>
+              <a:cxnLst/>
+              <a:rect l="0" t="0" r="r" b="b"/>
+              <a:pathLst>
+                <a:path w="1068" h="1020">
+                  <a:moveTo>
+                    <a:pt x="1068" y="1020"/>
+                  </a:moveTo>
+                  <a:lnTo>
+                    <a:pt x="184" y="60"/>
+                  </a:lnTo>
+                  <a:lnTo>
+                    <a:pt x="154" y="27"/>
+                  </a:lnTo>
+                  <a:lnTo>
+                    <a:pt x="157" y="27"/>
+                  </a:lnTo>
+                  <a:lnTo>
+                    <a:pt x="157" y="24"/>
+                  </a:lnTo>
+                  <a:lnTo>
+                    <a:pt x="154" y="24"/>
+                  </a:lnTo>
+                  <a:lnTo>
+                    <a:pt x="0" y="0"/>
+                  </a:lnTo>
+                  <a:lnTo>
+                    <a:pt x="0" y="0"/>
+                  </a:lnTo>
+                  <a:lnTo>
+                    <a:pt x="774" y="1020"/>
+                  </a:lnTo>
+                  <a:lnTo>
+                    <a:pt x="1068" y="1020"/>
+                  </a:lnTo>
+                  <a:close/>
+                </a:path>
+              </a:pathLst>
+            </a:custGeom>
+            <a:solidFill>
+              <a:schemeClr val="tx1">
+                <a:lumMod val="75000"/>
+                <a:lumOff val="25000"/>
+              </a:schemeClr>
+            </a:solidFill>
+            <a:ln>
+              <a:noFill/>
+            </a:ln>
+          </p:spPr>
+        </p:sp>
+      </p:grpSp>
+    </p:spTree>
+    <p:extLst>
+      <p:ext uri="{BB962C8B-B14F-4D97-AF65-F5344CB8AC3E}">
+        <p14:creationId xmlns:p14="http://schemas.microsoft.com/office/powerpoint/2010/main" val="2072686220"/>
+      </p:ext>
+    </p:extLst>
+  </p:cSld>
+  <p:clrMapOvr>
+    <a:masterClrMapping/>
+  </p:clrMapOvr>
+</p:sld>
+</file>
+
+<file path=ppt/slides/slide6.xml><?xml version="1.0" encoding="utf-8"?>
+<p:sld xmlns:a="http://schemas.openxmlformats.org/drawingml/2006/main" xmlns:r="http://schemas.openxmlformats.org/officeDocument/2006/relationships" xmlns:p="http://schemas.openxmlformats.org/presentationml/2006/main">
+  <p:cSld>
+    <p:bg>
+      <p:bgPr>
+        <a:blipFill rotWithShape="1">
+          <a:blip r:embed="rId2">
+            <a:duotone>
+              <a:schemeClr val="bg2">
+                <a:shade val="76000"/>
+                <a:satMod val="180000"/>
+              </a:schemeClr>
+              <a:schemeClr val="bg2">
+                <a:tint val="80000"/>
+                <a:satMod val="120000"/>
+                <a:lumMod val="180000"/>
+              </a:schemeClr>
+            </a:duotone>
+          </a:blip>
+          <a:stretch/>
+        </a:blipFill>
+        <a:effectLst/>
+      </p:bgPr>
+    </p:bg>
+    <p:spTree>
+      <p:nvGrpSpPr>
+        <p:cNvPr id="1" name=""/>
+        <p:cNvGrpSpPr/>
+        <p:nvPr/>
+      </p:nvGrpSpPr>
+      <p:grpSpPr>
+        <a:xfrm>
+          <a:off x="0" y="0"/>
+          <a:ext cx="0" cy="0"/>
+          <a:chOff x="0" y="0"/>
+          <a:chExt cx="0" cy="0"/>
+        </a:xfrm>
+      </p:grpSpPr>
+      <p:sp useBgFill="1">
+        <p:nvSpPr>
+          <p:cNvPr id="32" name="Rectangle 31">
+            <a:extLst>
+              <a:ext uri="{FF2B5EF4-FFF2-40B4-BE49-F238E27FC236}">
+                <a16:creationId xmlns:a16="http://schemas.microsoft.com/office/drawing/2014/main" id="{BA79F213-51C2-42E5-A917-142526CC6716}"/>
+              </a:ext>
+              <a:ext uri="{C183D7F6-B498-43B3-948B-1728B52AA6E4}">
+                <adec:decorative xmlns:adec="http://schemas.microsoft.com/office/drawing/2017/decorative" val="1"/>
+              </a:ext>
+            </a:extLst>
+          </p:cNvPr>
+          <p:cNvSpPr>
+            <a:spLocks noGrp="1" noRot="1" noChangeAspect="1" noMove="1" noResize="1" noEditPoints="1" noAdjustHandles="1" noChangeArrowheads="1" noChangeShapeType="1" noTextEdit="1"/>
+          </p:cNvSpPr>
+          <p:nvPr>
+            <p:extLst>
+              <p:ext uri="{386F3935-93C4-4BCD-93E2-E3B085C9AB24}">
+                <p16:designElem xmlns:p16="http://schemas.microsoft.com/office/powerpoint/2015/main" val="1"/>
+              </p:ext>
+            </p:extLst>
+          </p:nvPr>
+        </p:nvSpPr>
+        <p:spPr>
+          <a:xfrm>
+            <a:off x="0" y="0"/>
+            <a:ext cx="12192000" cy="6858000"/>
+          </a:xfrm>
+          <a:prstGeom prst="rect">
+            <a:avLst/>
+          </a:prstGeom>
+          <a:ln>
+            <a:noFill/>
+          </a:ln>
+        </p:spPr>
+        <p:style>
+          <a:lnRef idx="2">
+            <a:schemeClr val="accent1">
+              <a:shade val="50000"/>
+            </a:schemeClr>
+          </a:lnRef>
+          <a:fillRef idx="1">
+            <a:schemeClr val="accent1"/>
+          </a:fillRef>
+          <a:effectRef idx="0">
+            <a:schemeClr val="accent1"/>
+          </a:effectRef>
+          <a:fontRef idx="minor">
+            <a:schemeClr val="lt1"/>
+          </a:fontRef>
+        </p:style>
+        <p:txBody>
+          <a:bodyPr rtlCol="0" anchor="ctr"/>
+          <a:lstStyle/>
+          <a:p>
+            <a:pPr algn="ctr"/>
+            <a:endParaRPr lang="en-US"/>
+          </a:p>
+        </p:txBody>
+      </p:sp>
+      <p:pic>
+        <p:nvPicPr>
+          <p:cNvPr id="5" name="Picture 4" descr="Computer script on a screen">
+            <a:extLst>
+              <a:ext uri="{FF2B5EF4-FFF2-40B4-BE49-F238E27FC236}">
+                <a16:creationId xmlns:a16="http://schemas.microsoft.com/office/drawing/2014/main" id="{DE00699D-970B-4374-B564-02AB3E281D57}"/>
+              </a:ext>
+            </a:extLst>
+          </p:cNvPr>
+          <p:cNvPicPr>
+            <a:picLocks noChangeAspect="1"/>
+          </p:cNvPicPr>
+          <p:nvPr/>
+        </p:nvPicPr>
+        <p:blipFill rotWithShape="1">
+          <a:blip r:embed="rId3"/>
+          <a:srcRect t="14670" r="9091" b="8721"/>
+          <a:stretch/>
+        </p:blipFill>
+        <p:spPr>
+          <a:xfrm>
+            <a:off x="20" y="10"/>
+            <a:ext cx="12191980" cy="6857990"/>
+          </a:xfrm>
+          <a:prstGeom prst="rect">
+            <a:avLst/>
+          </a:prstGeom>
+        </p:spPr>
+      </p:pic>
+      <p:sp>
+        <p:nvSpPr>
+          <p:cNvPr id="34" name="Freeform 15">
+            <a:extLst>
+              <a:ext uri="{FF2B5EF4-FFF2-40B4-BE49-F238E27FC236}">
+                <a16:creationId xmlns:a16="http://schemas.microsoft.com/office/drawing/2014/main" id="{C478AE16-9FFE-40EC-B81F-FAD67DA86064}"/>
+              </a:ext>
+              <a:ext uri="{C183D7F6-B498-43B3-948B-1728B52AA6E4}">
+                <adec:decorative xmlns:adec="http://schemas.microsoft.com/office/drawing/2017/decorative" val="1"/>
+              </a:ext>
+            </a:extLst>
+          </p:cNvPr>
+          <p:cNvSpPr>
+            <a:spLocks noGrp="1" noRot="1" noChangeAspect="1" noMove="1" noResize="1" noEditPoints="1" noAdjustHandles="1" noChangeArrowheads="1" noChangeShapeType="1" noTextEdit="1"/>
+          </p:cNvSpPr>
+          <p:nvPr>
+            <p:extLst>
+              <p:ext uri="{386F3935-93C4-4BCD-93E2-E3B085C9AB24}">
+                <p16:designElem xmlns:p16="http://schemas.microsoft.com/office/powerpoint/2015/main" val="1"/>
+              </p:ext>
+            </p:extLst>
+          </p:nvPr>
+        </p:nvSpPr>
+        <p:spPr bwMode="white">
+          <a:xfrm>
+            <a:off x="-16933" y="-16933"/>
+            <a:ext cx="9491133" cy="6883400"/>
+          </a:xfrm>
+          <a:custGeom>
+            <a:avLst/>
+            <a:gdLst>
+              <a:gd name="connsiteX0" fmla="*/ 5427133 w 7340600"/>
+              <a:gd name="connsiteY0" fmla="*/ 8466 h 6883400"/>
+              <a:gd name="connsiteX1" fmla="*/ 4783666 w 7340600"/>
+              <a:gd name="connsiteY1" fmla="*/ 2573866 h 6883400"/>
+              <a:gd name="connsiteX2" fmla="*/ 7340600 w 7340600"/>
+              <a:gd name="connsiteY2" fmla="*/ 6874933 h 6883400"/>
+              <a:gd name="connsiteX3" fmla="*/ 0 w 7340600"/>
+              <a:gd name="connsiteY3" fmla="*/ 6883400 h 6883400"/>
+              <a:gd name="connsiteX4" fmla="*/ 8466 w 7340600"/>
+              <a:gd name="connsiteY4" fmla="*/ 0 h 6883400"/>
+              <a:gd name="connsiteX5" fmla="*/ 5427133 w 7340600"/>
+              <a:gd name="connsiteY5" fmla="*/ 8466 h 6883400"/>
+              <a:gd name="connsiteX0" fmla="*/ 9203266 w 9203266"/>
+              <a:gd name="connsiteY0" fmla="*/ 16933 h 6883400"/>
+              <a:gd name="connsiteX1" fmla="*/ 4783666 w 9203266"/>
+              <a:gd name="connsiteY1" fmla="*/ 2573866 h 6883400"/>
+              <a:gd name="connsiteX2" fmla="*/ 7340600 w 9203266"/>
+              <a:gd name="connsiteY2" fmla="*/ 6874933 h 6883400"/>
+              <a:gd name="connsiteX3" fmla="*/ 0 w 9203266"/>
+              <a:gd name="connsiteY3" fmla="*/ 6883400 h 6883400"/>
+              <a:gd name="connsiteX4" fmla="*/ 8466 w 9203266"/>
+              <a:gd name="connsiteY4" fmla="*/ 0 h 6883400"/>
+              <a:gd name="connsiteX5" fmla="*/ 9203266 w 9203266"/>
+              <a:gd name="connsiteY5" fmla="*/ 16933 h 6883400"/>
+              <a:gd name="connsiteX0" fmla="*/ 9203266 w 9203266"/>
+              <a:gd name="connsiteY0" fmla="*/ 16933 h 6883400"/>
+              <a:gd name="connsiteX1" fmla="*/ 8339666 w 9203266"/>
+              <a:gd name="connsiteY1" fmla="*/ 5240866 h 6883400"/>
+              <a:gd name="connsiteX2" fmla="*/ 7340600 w 9203266"/>
+              <a:gd name="connsiteY2" fmla="*/ 6874933 h 6883400"/>
+              <a:gd name="connsiteX3" fmla="*/ 0 w 9203266"/>
+              <a:gd name="connsiteY3" fmla="*/ 6883400 h 6883400"/>
+              <a:gd name="connsiteX4" fmla="*/ 8466 w 9203266"/>
+              <a:gd name="connsiteY4" fmla="*/ 0 h 6883400"/>
+              <a:gd name="connsiteX5" fmla="*/ 9203266 w 9203266"/>
+              <a:gd name="connsiteY5" fmla="*/ 16933 h 6883400"/>
+              <a:gd name="connsiteX0" fmla="*/ 9203266 w 9491133"/>
+              <a:gd name="connsiteY0" fmla="*/ 16933 h 6883400"/>
+              <a:gd name="connsiteX1" fmla="*/ 8339666 w 9491133"/>
+              <a:gd name="connsiteY1" fmla="*/ 5240866 h 6883400"/>
+              <a:gd name="connsiteX2" fmla="*/ 9491133 w 9491133"/>
+              <a:gd name="connsiteY2" fmla="*/ 6883400 h 6883400"/>
+              <a:gd name="connsiteX3" fmla="*/ 0 w 9491133"/>
+              <a:gd name="connsiteY3" fmla="*/ 6883400 h 6883400"/>
+              <a:gd name="connsiteX4" fmla="*/ 8466 w 9491133"/>
+              <a:gd name="connsiteY4" fmla="*/ 0 h 6883400"/>
+              <a:gd name="connsiteX5" fmla="*/ 9203266 w 9491133"/>
+              <a:gd name="connsiteY5" fmla="*/ 16933 h 6883400"/>
+            </a:gdLst>
+            <a:ahLst/>
+            <a:cxnLst>
+              <a:cxn ang="0">
+                <a:pos x="connsiteX0" y="connsiteY0"/>
+              </a:cxn>
+              <a:cxn ang="0">
+                <a:pos x="connsiteX1" y="connsiteY1"/>
+              </a:cxn>
+              <a:cxn ang="0">
+                <a:pos x="connsiteX2" y="connsiteY2"/>
+              </a:cxn>
+              <a:cxn ang="0">
+                <a:pos x="connsiteX3" y="connsiteY3"/>
+              </a:cxn>
+              <a:cxn ang="0">
+                <a:pos x="connsiteX4" y="connsiteY4"/>
+              </a:cxn>
+              <a:cxn ang="0">
+                <a:pos x="connsiteX5" y="connsiteY5"/>
+              </a:cxn>
+            </a:cxnLst>
+            <a:rect l="l" t="t" r="r" b="b"/>
+            <a:pathLst>
+              <a:path w="9491133" h="6883400">
+                <a:moveTo>
+                  <a:pt x="9203266" y="16933"/>
+                </a:moveTo>
+                <a:lnTo>
+                  <a:pt x="8339666" y="5240866"/>
+                </a:lnTo>
+                <a:lnTo>
+                  <a:pt x="9491133" y="6883400"/>
+                </a:lnTo>
+                <a:lnTo>
+                  <a:pt x="0" y="6883400"/>
+                </a:lnTo>
+                <a:lnTo>
+                  <a:pt x="8466" y="0"/>
+                </a:lnTo>
+                <a:lnTo>
+                  <a:pt x="9203266" y="16933"/>
+                </a:lnTo>
+                <a:close/>
+              </a:path>
+            </a:pathLst>
+          </a:custGeom>
+          <a:solidFill>
+            <a:schemeClr val="tx1">
+              <a:lumMod val="95000"/>
+              <a:lumOff val="5000"/>
+              <a:alpha val="80000"/>
+            </a:schemeClr>
+          </a:solidFill>
+          <a:ln>
+            <a:noFill/>
+          </a:ln>
+          <a:effectLst/>
+        </p:spPr>
+        <p:style>
+          <a:lnRef idx="1">
+            <a:schemeClr val="accent1"/>
+          </a:lnRef>
+          <a:fillRef idx="3">
+            <a:schemeClr val="accent1"/>
+          </a:fillRef>
+          <a:effectRef idx="2">
+            <a:schemeClr val="accent1"/>
+          </a:effectRef>
+          <a:fontRef idx="minor">
+            <a:schemeClr val="lt1"/>
+          </a:fontRef>
+        </p:style>
+        <p:txBody>
+          <a:bodyPr rtlCol="0" anchor="ctr"/>
+          <a:lstStyle/>
+          <a:p>
+            <a:pPr algn="ctr"/>
+            <a:endParaRPr lang="en-US"/>
+          </a:p>
+        </p:txBody>
+      </p:sp>
+      <p:sp>
+        <p:nvSpPr>
+          <p:cNvPr id="2" name="Title 1">
+            <a:extLst>
+              <a:ext uri="{FF2B5EF4-FFF2-40B4-BE49-F238E27FC236}">
+                <a16:creationId xmlns:a16="http://schemas.microsoft.com/office/drawing/2014/main" id="{936EDB99-4BBF-408D-909B-A970537492D8}"/>
+              </a:ext>
+            </a:extLst>
+          </p:cNvPr>
+          <p:cNvSpPr>
+            <a:spLocks noGrp="1"/>
+          </p:cNvSpPr>
+          <p:nvPr>
+            <p:ph type="title"/>
+          </p:nvPr>
+        </p:nvSpPr>
+        <p:spPr>
+          <a:xfrm>
+            <a:off x="685800" y="685800"/>
+            <a:ext cx="7391400" cy="1176867"/>
+          </a:xfrm>
+        </p:spPr>
+        <p:txBody>
+          <a:bodyPr vert="horz" lIns="91440" tIns="45720" rIns="91440" bIns="45720" rtlCol="0" anchor="ctr">
+            <a:normAutofit/>
+          </a:bodyPr>
+          <a:lstStyle/>
+          <a:p>
+            <a:r>
+              <a:rPr lang="en-US" sz="6600" b="1" dirty="0">
+                <a:solidFill>
+                  <a:schemeClr val="bg1"/>
+                </a:solidFill>
+              </a:rPr>
+              <a:t>H264 encoding</a:t>
+            </a:r>
+          </a:p>
+        </p:txBody>
+      </p:sp>
+      <p:sp>
+        <p:nvSpPr>
+          <p:cNvPr id="4" name="TextBox 3">
+            <a:extLst>
+              <a:ext uri="{FF2B5EF4-FFF2-40B4-BE49-F238E27FC236}">
+                <a16:creationId xmlns:a16="http://schemas.microsoft.com/office/drawing/2014/main" id="{8C7C540A-6855-4146-879E-2068978491D2}"/>
+              </a:ext>
+            </a:extLst>
+          </p:cNvPr>
+          <p:cNvSpPr txBox="1"/>
+          <p:nvPr/>
+        </p:nvSpPr>
+        <p:spPr>
+          <a:xfrm>
+            <a:off x="297610" y="1945576"/>
+            <a:ext cx="7391401" cy="3970866"/>
+          </a:xfrm>
+          <a:prstGeom prst="rect">
+            <a:avLst/>
+          </a:prstGeom>
+        </p:spPr>
+        <p:txBody>
+          <a:bodyPr rot="0" spcFirstLastPara="0" vertOverflow="overflow" horzOverflow="overflow" vert="horz" lIns="91440" tIns="45720" rIns="91440" bIns="45720" numCol="1" spcCol="0" rtlCol="0" fromWordArt="0" anchor="ctr" anchorCtr="0" forceAA="0" compatLnSpc="1">
+            <a:prstTxWarp prst="textNoShape">
+              <a:avLst/>
+            </a:prstTxWarp>
+            <a:normAutofit/>
+          </a:bodyPr>
+          <a:lstStyle/>
+          <a:p>
+            <a:pPr lvl="1" defTabSz="457200">
+              <a:buClr>
+                <a:schemeClr val="accent1">
+                  <a:lumMod val="75000"/>
+                </a:schemeClr>
+              </a:buClr>
+              <a:buSzPct val="145000"/>
+              <a:buFont typeface="Arial"/>
+              <a:buChar char="•"/>
+            </a:pPr>
+            <a:r>
+              <a:rPr lang="en-US" sz="3600" dirty="0">
+                <a:solidFill>
+                  <a:schemeClr val="bg1"/>
+                </a:solidFill>
+                <a:ea typeface="+mn-lt"/>
+                <a:cs typeface="+mn-lt"/>
+              </a:rPr>
+              <a:t>Excellent quality, </a:t>
+            </a:r>
+            <a:r>
+              <a:rPr lang="en-US" sz="3600" b="1" dirty="0">
+                <a:solidFill>
+                  <a:schemeClr val="bg1"/>
+                </a:solidFill>
+                <a:ea typeface="+mn-lt"/>
+                <a:cs typeface="+mn-lt"/>
+              </a:rPr>
+              <a:t>performance</a:t>
+            </a:r>
+            <a:r>
+              <a:rPr lang="en-US" sz="3600" dirty="0">
+                <a:solidFill>
+                  <a:schemeClr val="bg1"/>
+                </a:solidFill>
+                <a:ea typeface="+mn-lt"/>
+                <a:cs typeface="+mn-lt"/>
+              </a:rPr>
+              <a:t>, and file size</a:t>
+            </a:r>
+            <a:endParaRPr lang="en-US" sz="3600" dirty="0">
+              <a:solidFill>
+                <a:schemeClr val="bg1"/>
+              </a:solidFill>
+            </a:endParaRPr>
+          </a:p>
+          <a:p>
+            <a:pPr lvl="1" defTabSz="457200">
+              <a:buClr>
+                <a:srgbClr val="688727"/>
+              </a:buClr>
+              <a:buSzPct val="145000"/>
+            </a:pPr>
+            <a:endParaRPr lang="en-US" sz="3600" dirty="0">
+              <a:solidFill>
+                <a:schemeClr val="bg1"/>
+              </a:solidFill>
+              <a:ea typeface="+mn-lt"/>
+              <a:cs typeface="+mn-lt"/>
+            </a:endParaRPr>
+          </a:p>
+          <a:p>
+            <a:pPr lvl="1" defTabSz="457200">
+              <a:buClr>
+                <a:srgbClr val="688727"/>
+              </a:buClr>
+              <a:buSzPct val="145000"/>
+              <a:buFont typeface="Arial"/>
+              <a:buChar char="•"/>
+            </a:pPr>
+            <a:r>
+              <a:rPr lang="en-US" sz="3600" dirty="0">
+                <a:solidFill>
+                  <a:schemeClr val="bg1"/>
+                </a:solidFill>
+                <a:ea typeface="+mn-lt"/>
+                <a:cs typeface="+mn-lt"/>
+              </a:rPr>
+              <a:t>Widely </a:t>
+            </a:r>
+            <a:r>
+              <a:rPr lang="en-US" sz="3600" b="1" dirty="0">
+                <a:solidFill>
+                  <a:schemeClr val="bg1"/>
+                </a:solidFill>
+                <a:ea typeface="+mn-lt"/>
+                <a:cs typeface="+mn-lt"/>
+              </a:rPr>
+              <a:t>supported </a:t>
+            </a:r>
+            <a:r>
+              <a:rPr lang="en-US" sz="3600" dirty="0">
+                <a:solidFill>
+                  <a:schemeClr val="bg1"/>
+                </a:solidFill>
+                <a:ea typeface="+mn-lt"/>
+                <a:cs typeface="+mn-lt"/>
+              </a:rPr>
+              <a:t>by media players, including mobile</a:t>
+            </a:r>
+            <a:r>
+              <a:rPr lang="en-US" sz="4000" dirty="0">
+                <a:solidFill>
+                  <a:schemeClr val="bg1"/>
+                </a:solidFill>
+                <a:ea typeface="+mn-lt"/>
+                <a:cs typeface="+mn-lt"/>
+              </a:rPr>
+              <a:t> </a:t>
+            </a:r>
+            <a:r>
+              <a:rPr lang="en-US" sz="3600" dirty="0">
+                <a:solidFill>
+                  <a:schemeClr val="bg1"/>
+                </a:solidFill>
+                <a:ea typeface="+mn-lt"/>
+                <a:cs typeface="+mn-lt"/>
+              </a:rPr>
+              <a:t>devices</a:t>
+            </a:r>
+            <a:endParaRPr lang="en-US" sz="3600">
+              <a:solidFill>
+                <a:schemeClr val="bg1"/>
+              </a:solidFill>
+            </a:endParaRPr>
+          </a:p>
+          <a:p>
+            <a:pPr defTabSz="457200">
+              <a:spcBef>
+                <a:spcPct val="20000"/>
+              </a:spcBef>
+              <a:spcAft>
+                <a:spcPts val="600"/>
+              </a:spcAft>
+              <a:buClr>
+                <a:srgbClr val="688727"/>
+              </a:buClr>
+              <a:buSzPct val="145000"/>
+              <a:buFont typeface="Arial"/>
+              <a:buChar char="•"/>
+            </a:pPr>
+            <a:endParaRPr lang="en-US" dirty="0">
+              <a:solidFill>
+                <a:schemeClr val="bg1"/>
+              </a:solidFill>
+            </a:endParaRPr>
+          </a:p>
+        </p:txBody>
+      </p:sp>
+      <p:grpSp>
+        <p:nvGrpSpPr>
+          <p:cNvPr id="36" name="Group 35">
+            <a:extLst>
+              <a:ext uri="{FF2B5EF4-FFF2-40B4-BE49-F238E27FC236}">
+                <a16:creationId xmlns:a16="http://schemas.microsoft.com/office/drawing/2014/main" id="{2C58EF69-4C86-43C8-B9E3-778544933C04}"/>
+              </a:ext>
+              <a:ext uri="{C183D7F6-B498-43B3-948B-1728B52AA6E4}">
+                <adec:decorative xmlns:adec="http://schemas.microsoft.com/office/drawing/2017/decorative" val="1"/>
+              </a:ext>
+            </a:extLst>
+          </p:cNvPr>
+          <p:cNvGrpSpPr>
+            <a:grpSpLocks noGrp="1" noUngrp="1" noRot="1" noChangeAspect="1" noMove="1" noResize="1"/>
+          </p:cNvGrpSpPr>
+          <p:nvPr>
+            <p:extLst>
+              <p:ext uri="{386F3935-93C4-4BCD-93E2-E3B085C9AB24}">
+                <p16:designElem xmlns:p16="http://schemas.microsoft.com/office/powerpoint/2015/main" val="1"/>
+              </p:ext>
+            </p:extLst>
+          </p:nvPr>
+        </p:nvGrpSpPr>
+        <p:grpSpPr>
+          <a:xfrm>
+            <a:off x="8405812" y="0"/>
+            <a:ext cx="2436813" cy="6858001"/>
+            <a:chOff x="1320800" y="0"/>
+            <a:chExt cx="2436813" cy="6858001"/>
+          </a:xfrm>
+        </p:grpSpPr>
+        <p:sp>
+          <p:nvSpPr>
+            <p:cNvPr id="37" name="Freeform 6">
+              <a:extLst>
+                <a:ext uri="{FF2B5EF4-FFF2-40B4-BE49-F238E27FC236}">
+                  <a16:creationId xmlns:a16="http://schemas.microsoft.com/office/drawing/2014/main" id="{28004C51-9993-4F72-9444-208E14F42BCB}"/>
+                </a:ext>
+                <a:ext uri="{C183D7F6-B498-43B3-948B-1728B52AA6E4}">
+                  <adec:decorative xmlns:adec="http://schemas.microsoft.com/office/drawing/2017/decorative" val="1"/>
+                </a:ext>
+              </a:extLst>
+            </p:cNvPr>
+            <p:cNvSpPr/>
+            <p:nvPr>
+              <p:extLst>
+                <p:ext uri="{386F3935-93C4-4BCD-93E2-E3B085C9AB24}">
+                  <p16:designElem xmlns:p16="http://schemas.microsoft.com/office/powerpoint/2015/main" val="1"/>
+                </p:ext>
+              </p:extLst>
+            </p:nvPr>
+          </p:nvSpPr>
+          <p:spPr bwMode="auto">
+            <a:xfrm>
+              <a:off x="1627188" y="0"/>
+              <a:ext cx="1122363" cy="5329238"/>
+            </a:xfrm>
+            <a:custGeom>
+              <a:avLst/>
+              <a:gdLst/>
+              <a:ahLst/>
+              <a:cxnLst/>
+              <a:rect l="0" t="0" r="r" b="b"/>
+              <a:pathLst>
+                <a:path w="707" h="3357">
+                  <a:moveTo>
+                    <a:pt x="0" y="3330"/>
+                  </a:moveTo>
+                  <a:lnTo>
+                    <a:pt x="156" y="3357"/>
+                  </a:lnTo>
+                  <a:lnTo>
+                    <a:pt x="707" y="0"/>
+                  </a:lnTo>
+                  <a:lnTo>
+                    <a:pt x="547" y="0"/>
+                  </a:lnTo>
+                  <a:lnTo>
+                    <a:pt x="0" y="3330"/>
+                  </a:lnTo>
+                  <a:close/>
+                </a:path>
+              </a:pathLst>
+            </a:custGeom>
+            <a:solidFill>
+              <a:schemeClr val="accent1"/>
+            </a:solidFill>
+            <a:ln>
+              <a:noFill/>
+            </a:ln>
+          </p:spPr>
+        </p:sp>
+        <p:sp>
+          <p:nvSpPr>
+            <p:cNvPr id="38" name="Freeform 7">
+              <a:extLst>
+                <a:ext uri="{FF2B5EF4-FFF2-40B4-BE49-F238E27FC236}">
+                  <a16:creationId xmlns:a16="http://schemas.microsoft.com/office/drawing/2014/main" id="{9F45FB11-2D69-4F70-8B60-23B0C6B28578}"/>
+                </a:ext>
+                <a:ext uri="{C183D7F6-B498-43B3-948B-1728B52AA6E4}">
+                  <adec:decorative xmlns:adec="http://schemas.microsoft.com/office/drawing/2017/decorative" val="1"/>
+                </a:ext>
+              </a:extLst>
+            </p:cNvPr>
+            <p:cNvSpPr/>
+            <p:nvPr>
+              <p:extLst>
+                <p:ext uri="{386F3935-93C4-4BCD-93E2-E3B085C9AB24}">
+                  <p16:designElem xmlns:p16="http://schemas.microsoft.com/office/powerpoint/2015/main" val="1"/>
+                </p:ext>
+              </p:extLst>
+            </p:nvPr>
+          </p:nvSpPr>
+          <p:spPr bwMode="auto">
+            <a:xfrm>
+              <a:off x="1320800" y="0"/>
+              <a:ext cx="1117600" cy="5276850"/>
+            </a:xfrm>
+            <a:custGeom>
+              <a:avLst/>
+              <a:gdLst/>
+              <a:ahLst/>
+              <a:cxnLst/>
+              <a:rect l="0" t="0" r="r" b="b"/>
+              <a:pathLst>
+                <a:path w="704" h="3324">
+                  <a:moveTo>
+                    <a:pt x="704" y="0"/>
+                  </a:moveTo>
+                  <a:lnTo>
+                    <a:pt x="545" y="0"/>
+                  </a:lnTo>
+                  <a:lnTo>
+                    <a:pt x="0" y="3300"/>
+                  </a:lnTo>
+                  <a:lnTo>
+                    <a:pt x="157" y="3324"/>
+                  </a:lnTo>
+                  <a:lnTo>
+                    <a:pt x="704" y="0"/>
+                  </a:lnTo>
+                  <a:close/>
+                </a:path>
+              </a:pathLst>
+            </a:custGeom>
+            <a:solidFill>
+              <a:schemeClr val="tx1">
+                <a:lumMod val="65000"/>
+                <a:lumOff val="35000"/>
+              </a:schemeClr>
+            </a:solidFill>
+            <a:ln>
+              <a:noFill/>
+            </a:ln>
+          </p:spPr>
+        </p:sp>
+        <p:sp>
+          <p:nvSpPr>
+            <p:cNvPr id="39" name="Freeform 8">
+              <a:extLst>
+                <a:ext uri="{FF2B5EF4-FFF2-40B4-BE49-F238E27FC236}">
+                  <a16:creationId xmlns:a16="http://schemas.microsoft.com/office/drawing/2014/main" id="{5ABA6996-5C50-49CC-A2C8-F43FD5838CA0}"/>
+                </a:ext>
+                <a:ext uri="{C183D7F6-B498-43B3-948B-1728B52AA6E4}">
+                  <adec:decorative xmlns:adec="http://schemas.microsoft.com/office/drawing/2017/decorative" val="1"/>
+                </a:ext>
+              </a:extLst>
+            </p:cNvPr>
+            <p:cNvSpPr/>
+            <p:nvPr>
+              <p:extLst>
+                <p:ext uri="{386F3935-93C4-4BCD-93E2-E3B085C9AB24}">
+                  <p16:designElem xmlns:p16="http://schemas.microsoft.com/office/powerpoint/2015/main" val="1"/>
+                </p:ext>
+              </p:extLst>
+            </p:nvPr>
+          </p:nvSpPr>
+          <p:spPr bwMode="auto">
+            <a:xfrm>
+              <a:off x="1320800" y="5238750"/>
+              <a:ext cx="1228725" cy="1619250"/>
+            </a:xfrm>
+            <a:custGeom>
+              <a:avLst/>
+              <a:gdLst/>
+              <a:ahLst/>
+              <a:cxnLst/>
+              <a:rect l="0" t="0" r="r" b="b"/>
+              <a:pathLst>
+                <a:path w="774" h="1020">
+                  <a:moveTo>
+                    <a:pt x="0" y="0"/>
+                  </a:moveTo>
+                  <a:lnTo>
+                    <a:pt x="740" y="1020"/>
+                  </a:lnTo>
+                  <a:lnTo>
+                    <a:pt x="774" y="1020"/>
+                  </a:lnTo>
+                  <a:lnTo>
+                    <a:pt x="0" y="0"/>
+                  </a:lnTo>
+                  <a:close/>
+                </a:path>
+              </a:pathLst>
+            </a:custGeom>
+            <a:solidFill>
+              <a:schemeClr val="tx1">
+                <a:lumMod val="85000"/>
+                <a:lumOff val="15000"/>
+              </a:schemeClr>
+            </a:solidFill>
+            <a:ln>
+              <a:noFill/>
+            </a:ln>
+          </p:spPr>
+        </p:sp>
+        <p:sp>
+          <p:nvSpPr>
+            <p:cNvPr id="40" name="Freeform 9">
+              <a:extLst>
+                <a:ext uri="{FF2B5EF4-FFF2-40B4-BE49-F238E27FC236}">
+                  <a16:creationId xmlns:a16="http://schemas.microsoft.com/office/drawing/2014/main" id="{54A0AA5F-216D-445A-8C9D-44B6B48264BF}"/>
+                </a:ext>
+                <a:ext uri="{C183D7F6-B498-43B3-948B-1728B52AA6E4}">
+                  <adec:decorative xmlns:adec="http://schemas.microsoft.com/office/drawing/2017/decorative" val="1"/>
+                </a:ext>
+              </a:extLst>
+            </p:cNvPr>
+            <p:cNvSpPr/>
+            <p:nvPr>
+              <p:extLst>
+                <p:ext uri="{386F3935-93C4-4BCD-93E2-E3B085C9AB24}">
+                  <p16:designElem xmlns:p16="http://schemas.microsoft.com/office/powerpoint/2015/main" val="1"/>
+                </p:ext>
+              </p:extLst>
+            </p:nvPr>
+          </p:nvSpPr>
+          <p:spPr bwMode="auto">
+            <a:xfrm>
+              <a:off x="1627188" y="5291138"/>
+              <a:ext cx="1495425" cy="1566863"/>
+            </a:xfrm>
+            <a:custGeom>
+              <a:avLst/>
+              <a:gdLst/>
+              <a:ahLst/>
+              <a:cxnLst/>
+              <a:rect l="0" t="0" r="r" b="b"/>
+              <a:pathLst>
+                <a:path w="942" h="987">
+                  <a:moveTo>
+                    <a:pt x="0" y="0"/>
+                  </a:moveTo>
+                  <a:lnTo>
+                    <a:pt x="909" y="987"/>
+                  </a:lnTo>
+                  <a:lnTo>
+                    <a:pt x="942" y="987"/>
+                  </a:lnTo>
+                  <a:lnTo>
+                    <a:pt x="0" y="0"/>
+                  </a:lnTo>
+                  <a:close/>
+                </a:path>
+              </a:pathLst>
+            </a:custGeom>
+            <a:solidFill>
+              <a:schemeClr val="accent1">
+                <a:lumMod val="50000"/>
+              </a:schemeClr>
+            </a:solidFill>
+            <a:ln>
+              <a:noFill/>
+            </a:ln>
+          </p:spPr>
+        </p:sp>
+        <p:sp>
+          <p:nvSpPr>
+            <p:cNvPr id="41" name="Freeform 10">
+              <a:extLst>
+                <a:ext uri="{FF2B5EF4-FFF2-40B4-BE49-F238E27FC236}">
+                  <a16:creationId xmlns:a16="http://schemas.microsoft.com/office/drawing/2014/main" id="{7DED650F-020C-4B0D-928D-3B70398376B2}"/>
+                </a:ext>
+                <a:ext uri="{C183D7F6-B498-43B3-948B-1728B52AA6E4}">
+                  <adec:decorative xmlns:adec="http://schemas.microsoft.com/office/drawing/2017/decorative" val="1"/>
+                </a:ext>
+              </a:extLst>
+            </p:cNvPr>
+            <p:cNvSpPr/>
+            <p:nvPr>
+              <p:extLst>
+                <p:ext uri="{386F3935-93C4-4BCD-93E2-E3B085C9AB24}">
+                  <p16:designElem xmlns:p16="http://schemas.microsoft.com/office/powerpoint/2015/main" val="1"/>
+                </p:ext>
+              </p:extLst>
+            </p:nvPr>
+          </p:nvSpPr>
+          <p:spPr bwMode="auto">
+            <a:xfrm>
+              <a:off x="1627188" y="5286375"/>
+              <a:ext cx="2130425" cy="1571625"/>
+            </a:xfrm>
+            <a:custGeom>
+              <a:avLst/>
+              <a:gdLst/>
+              <a:ahLst/>
+              <a:cxnLst/>
+              <a:rect l="0" t="0" r="r" b="b"/>
+              <a:pathLst>
+                <a:path w="1342" h="990">
+                  <a:moveTo>
+                    <a:pt x="0" y="3"/>
+                  </a:moveTo>
+                  <a:lnTo>
+                    <a:pt x="942" y="990"/>
+                  </a:lnTo>
+                  <a:lnTo>
+                    <a:pt x="1342" y="990"/>
+                  </a:lnTo>
+                  <a:lnTo>
+                    <a:pt x="156" y="27"/>
+                  </a:lnTo>
+                  <a:lnTo>
+                    <a:pt x="0" y="0"/>
+                  </a:lnTo>
+                  <a:lnTo>
+                    <a:pt x="0" y="3"/>
+                  </a:lnTo>
+                  <a:close/>
+                </a:path>
+              </a:pathLst>
+            </a:custGeom>
+            <a:solidFill>
+              <a:schemeClr val="accent1">
+                <a:lumMod val="75000"/>
+              </a:schemeClr>
+            </a:solidFill>
+            <a:ln>
+              <a:noFill/>
+            </a:ln>
+          </p:spPr>
+        </p:sp>
+        <p:sp>
+          <p:nvSpPr>
+            <p:cNvPr id="42" name="Freeform 11">
+              <a:extLst>
+                <a:ext uri="{FF2B5EF4-FFF2-40B4-BE49-F238E27FC236}">
+                  <a16:creationId xmlns:a16="http://schemas.microsoft.com/office/drawing/2014/main" id="{B1EE80AC-E4F7-497F-AE0B-96084F03C0A1}"/>
+                </a:ext>
+                <a:ext uri="{C183D7F6-B498-43B3-948B-1728B52AA6E4}">
+                  <adec:decorative xmlns:adec="http://schemas.microsoft.com/office/drawing/2017/decorative" val="1"/>
+                </a:ext>
+              </a:extLst>
+            </p:cNvPr>
+            <p:cNvSpPr/>
+            <p:nvPr>
+              <p:extLst>
+                <p:ext uri="{386F3935-93C4-4BCD-93E2-E3B085C9AB24}">
+                  <p16:designElem xmlns:p16="http://schemas.microsoft.com/office/powerpoint/2015/main" val="1"/>
+                </p:ext>
+              </p:extLst>
+            </p:nvPr>
+          </p:nvSpPr>
+          <p:spPr bwMode="auto">
+            <a:xfrm>
+              <a:off x="1320800" y="5238750"/>
+              <a:ext cx="1695450" cy="1619250"/>
+            </a:xfrm>
+            <a:custGeom>
+              <a:avLst/>
+              <a:gdLst/>
+              <a:ahLst/>
+              <a:cxnLst/>
+              <a:rect l="0" t="0" r="r" b="b"/>
+              <a:pathLst>
+                <a:path w="1068" h="1020">
+                  <a:moveTo>
+                    <a:pt x="1068" y="1020"/>
+                  </a:moveTo>
+                  <a:lnTo>
+                    <a:pt x="184" y="60"/>
+                  </a:lnTo>
+                  <a:lnTo>
+                    <a:pt x="154" y="27"/>
+                  </a:lnTo>
+                  <a:lnTo>
+                    <a:pt x="157" y="27"/>
+                  </a:lnTo>
+                  <a:lnTo>
+                    <a:pt x="157" y="24"/>
+                  </a:lnTo>
+                  <a:lnTo>
+                    <a:pt x="154" y="24"/>
+                  </a:lnTo>
+                  <a:lnTo>
+                    <a:pt x="0" y="0"/>
+                  </a:lnTo>
+                  <a:lnTo>
+                    <a:pt x="0" y="0"/>
+                  </a:lnTo>
+                  <a:lnTo>
+                    <a:pt x="774" y="1020"/>
+                  </a:lnTo>
+                  <a:lnTo>
+                    <a:pt x="1068" y="1020"/>
+                  </a:lnTo>
+                  <a:close/>
+                </a:path>
+              </a:pathLst>
+            </a:custGeom>
+            <a:solidFill>
+              <a:schemeClr val="tx1">
+                <a:lumMod val="75000"/>
+                <a:lumOff val="25000"/>
+              </a:schemeClr>
+            </a:solidFill>
+            <a:ln>
+              <a:noFill/>
+            </a:ln>
+          </p:spPr>
+        </p:sp>
+      </p:grpSp>
+    </p:spTree>
+    <p:extLst>
+      <p:ext uri="{BB962C8B-B14F-4D97-AF65-F5344CB8AC3E}">
+        <p14:creationId xmlns:p14="http://schemas.microsoft.com/office/powerpoint/2010/main" val="2163054541"/>
+      </p:ext>
+    </p:extLst>
+  </p:cSld>
+  <p:clrMapOvr>
+    <a:masterClrMapping/>
+  </p:clrMapOvr>
+</p:sld>
+</file>
+
+<file path=ppt/slides/slide7.xml><?xml version="1.0" encoding="utf-8"?>
+<p:sld xmlns:a="http://schemas.openxmlformats.org/drawingml/2006/main" xmlns:r="http://schemas.openxmlformats.org/officeDocument/2006/relationships" xmlns:p="http://schemas.openxmlformats.org/presentationml/2006/main">
+  <p:cSld>
+    <p:bg>
+      <p:bgPr>
+        <a:blipFill rotWithShape="1">
+          <a:blip r:embed="rId2">
+            <a:duotone>
+              <a:schemeClr val="bg2">
+                <a:shade val="76000"/>
+                <a:satMod val="180000"/>
+              </a:schemeClr>
+              <a:schemeClr val="bg2">
+                <a:tint val="80000"/>
+                <a:satMod val="120000"/>
+                <a:lumMod val="180000"/>
+              </a:schemeClr>
+            </a:duotone>
+          </a:blip>
+          <a:stretch/>
+        </a:blipFill>
+        <a:effectLst/>
+      </p:bgPr>
+    </p:bg>
+    <p:spTree>
+      <p:nvGrpSpPr>
+        <p:cNvPr id="1" name=""/>
+        <p:cNvGrpSpPr/>
+        <p:nvPr/>
+      </p:nvGrpSpPr>
+      <p:grpSpPr>
+        <a:xfrm>
+          <a:off x="0" y="0"/>
+          <a:ext cx="0" cy="0"/>
+          <a:chOff x="0" y="0"/>
+          <a:chExt cx="0" cy="0"/>
+        </a:xfrm>
+      </p:grpSpPr>
+      <p:sp useBgFill="1">
+        <p:nvSpPr>
+          <p:cNvPr id="32" name="Rectangle 31">
+            <a:extLst>
+              <a:ext uri="{FF2B5EF4-FFF2-40B4-BE49-F238E27FC236}">
+                <a16:creationId xmlns:a16="http://schemas.microsoft.com/office/drawing/2014/main" id="{BA79F213-51C2-42E5-A917-142526CC6716}"/>
+              </a:ext>
+              <a:ext uri="{C183D7F6-B498-43B3-948B-1728B52AA6E4}">
+                <adec:decorative xmlns:adec="http://schemas.microsoft.com/office/drawing/2017/decorative" val="1"/>
+              </a:ext>
+            </a:extLst>
+          </p:cNvPr>
+          <p:cNvSpPr>
+            <a:spLocks noGrp="1" noRot="1" noChangeAspect="1" noMove="1" noResize="1" noEditPoints="1" noAdjustHandles="1" noChangeArrowheads="1" noChangeShapeType="1" noTextEdit="1"/>
+          </p:cNvSpPr>
+          <p:nvPr>
+            <p:extLst>
+              <p:ext uri="{386F3935-93C4-4BCD-93E2-E3B085C9AB24}">
+                <p16:designElem xmlns:p16="http://schemas.microsoft.com/office/powerpoint/2015/main" val="1"/>
+              </p:ext>
+            </p:extLst>
+          </p:nvPr>
+        </p:nvSpPr>
+        <p:spPr>
+          <a:xfrm>
+            <a:off x="0" y="0"/>
+            <a:ext cx="12192000" cy="6858000"/>
+          </a:xfrm>
+          <a:prstGeom prst="rect">
+            <a:avLst/>
+          </a:prstGeom>
+          <a:ln>
+            <a:noFill/>
+          </a:ln>
+        </p:spPr>
+        <p:style>
+          <a:lnRef idx="2">
+            <a:schemeClr val="accent1">
+              <a:shade val="50000"/>
+            </a:schemeClr>
+          </a:lnRef>
+          <a:fillRef idx="1">
+            <a:schemeClr val="accent1"/>
+          </a:fillRef>
+          <a:effectRef idx="0">
+            <a:schemeClr val="accent1"/>
+          </a:effectRef>
+          <a:fontRef idx="minor">
+            <a:schemeClr val="lt1"/>
+          </a:fontRef>
+        </p:style>
+        <p:txBody>
+          <a:bodyPr rtlCol="0" anchor="ctr"/>
+          <a:lstStyle/>
+          <a:p>
+            <a:pPr algn="ctr"/>
+            <a:endParaRPr lang="en-US"/>
+          </a:p>
+        </p:txBody>
+      </p:sp>
+      <p:pic>
+        <p:nvPicPr>
+          <p:cNvPr id="5" name="Picture 4" descr="Programming data on computer monitor">
+            <a:extLst>
+              <a:ext uri="{FF2B5EF4-FFF2-40B4-BE49-F238E27FC236}">
+                <a16:creationId xmlns:a16="http://schemas.microsoft.com/office/drawing/2014/main" id="{7912609B-D4FA-49B0-88CC-C27E874354E0}"/>
+              </a:ext>
+            </a:extLst>
+          </p:cNvPr>
+          <p:cNvPicPr>
+            <a:picLocks noChangeAspect="1"/>
+          </p:cNvPicPr>
+          <p:nvPr/>
+        </p:nvPicPr>
+        <p:blipFill rotWithShape="1">
+          <a:blip r:embed="rId3"/>
+          <a:srcRect t="16261" r="9091" b="7131"/>
+          <a:stretch/>
+        </p:blipFill>
+        <p:spPr>
+          <a:xfrm>
+            <a:off x="20" y="10"/>
+            <a:ext cx="12191980" cy="6857990"/>
+          </a:xfrm>
+          <a:prstGeom prst="rect">
+            <a:avLst/>
+          </a:prstGeom>
+        </p:spPr>
+      </p:pic>
+      <p:sp>
+        <p:nvSpPr>
+          <p:cNvPr id="34" name="Freeform 15">
+            <a:extLst>
+              <a:ext uri="{FF2B5EF4-FFF2-40B4-BE49-F238E27FC236}">
+                <a16:creationId xmlns:a16="http://schemas.microsoft.com/office/drawing/2014/main" id="{C478AE16-9FFE-40EC-B81F-FAD67DA86064}"/>
+              </a:ext>
+              <a:ext uri="{C183D7F6-B498-43B3-948B-1728B52AA6E4}">
+                <adec:decorative xmlns:adec="http://schemas.microsoft.com/office/drawing/2017/decorative" val="1"/>
+              </a:ext>
+            </a:extLst>
+          </p:cNvPr>
+          <p:cNvSpPr>
+            <a:spLocks noGrp="1" noRot="1" noChangeAspect="1" noMove="1" noResize="1" noEditPoints="1" noAdjustHandles="1" noChangeArrowheads="1" noChangeShapeType="1" noTextEdit="1"/>
+          </p:cNvSpPr>
+          <p:nvPr>
+            <p:extLst>
+              <p:ext uri="{386F3935-93C4-4BCD-93E2-E3B085C9AB24}">
+                <p16:designElem xmlns:p16="http://schemas.microsoft.com/office/powerpoint/2015/main" val="1"/>
+              </p:ext>
+            </p:extLst>
+          </p:nvPr>
+        </p:nvSpPr>
+        <p:spPr bwMode="white">
+          <a:xfrm>
+            <a:off x="-16933" y="-16933"/>
+            <a:ext cx="9491133" cy="6883400"/>
+          </a:xfrm>
+          <a:custGeom>
+            <a:avLst/>
+            <a:gdLst>
+              <a:gd name="connsiteX0" fmla="*/ 5427133 w 7340600"/>
+              <a:gd name="connsiteY0" fmla="*/ 8466 h 6883400"/>
+              <a:gd name="connsiteX1" fmla="*/ 4783666 w 7340600"/>
+              <a:gd name="connsiteY1" fmla="*/ 2573866 h 6883400"/>
+              <a:gd name="connsiteX2" fmla="*/ 7340600 w 7340600"/>
+              <a:gd name="connsiteY2" fmla="*/ 6874933 h 6883400"/>
+              <a:gd name="connsiteX3" fmla="*/ 0 w 7340600"/>
+              <a:gd name="connsiteY3" fmla="*/ 6883400 h 6883400"/>
+              <a:gd name="connsiteX4" fmla="*/ 8466 w 7340600"/>
+              <a:gd name="connsiteY4" fmla="*/ 0 h 6883400"/>
+              <a:gd name="connsiteX5" fmla="*/ 5427133 w 7340600"/>
+              <a:gd name="connsiteY5" fmla="*/ 8466 h 6883400"/>
+              <a:gd name="connsiteX0" fmla="*/ 9203266 w 9203266"/>
+              <a:gd name="connsiteY0" fmla="*/ 16933 h 6883400"/>
+              <a:gd name="connsiteX1" fmla="*/ 4783666 w 9203266"/>
+              <a:gd name="connsiteY1" fmla="*/ 2573866 h 6883400"/>
+              <a:gd name="connsiteX2" fmla="*/ 7340600 w 9203266"/>
+              <a:gd name="connsiteY2" fmla="*/ 6874933 h 6883400"/>
+              <a:gd name="connsiteX3" fmla="*/ 0 w 9203266"/>
+              <a:gd name="connsiteY3" fmla="*/ 6883400 h 6883400"/>
+              <a:gd name="connsiteX4" fmla="*/ 8466 w 9203266"/>
+              <a:gd name="connsiteY4" fmla="*/ 0 h 6883400"/>
+              <a:gd name="connsiteX5" fmla="*/ 9203266 w 9203266"/>
+              <a:gd name="connsiteY5" fmla="*/ 16933 h 6883400"/>
+              <a:gd name="connsiteX0" fmla="*/ 9203266 w 9203266"/>
+              <a:gd name="connsiteY0" fmla="*/ 16933 h 6883400"/>
+              <a:gd name="connsiteX1" fmla="*/ 8339666 w 9203266"/>
+              <a:gd name="connsiteY1" fmla="*/ 5240866 h 6883400"/>
+              <a:gd name="connsiteX2" fmla="*/ 7340600 w 9203266"/>
+              <a:gd name="connsiteY2" fmla="*/ 6874933 h 6883400"/>
+              <a:gd name="connsiteX3" fmla="*/ 0 w 9203266"/>
+              <a:gd name="connsiteY3" fmla="*/ 6883400 h 6883400"/>
+              <a:gd name="connsiteX4" fmla="*/ 8466 w 9203266"/>
+              <a:gd name="connsiteY4" fmla="*/ 0 h 6883400"/>
+              <a:gd name="connsiteX5" fmla="*/ 9203266 w 9203266"/>
+              <a:gd name="connsiteY5" fmla="*/ 16933 h 6883400"/>
+              <a:gd name="connsiteX0" fmla="*/ 9203266 w 9491133"/>
+              <a:gd name="connsiteY0" fmla="*/ 16933 h 6883400"/>
+              <a:gd name="connsiteX1" fmla="*/ 8339666 w 9491133"/>
+              <a:gd name="connsiteY1" fmla="*/ 5240866 h 6883400"/>
+              <a:gd name="connsiteX2" fmla="*/ 9491133 w 9491133"/>
+              <a:gd name="connsiteY2" fmla="*/ 6883400 h 6883400"/>
+              <a:gd name="connsiteX3" fmla="*/ 0 w 9491133"/>
+              <a:gd name="connsiteY3" fmla="*/ 6883400 h 6883400"/>
+              <a:gd name="connsiteX4" fmla="*/ 8466 w 9491133"/>
+              <a:gd name="connsiteY4" fmla="*/ 0 h 6883400"/>
+              <a:gd name="connsiteX5" fmla="*/ 9203266 w 9491133"/>
+              <a:gd name="connsiteY5" fmla="*/ 16933 h 6883400"/>
+            </a:gdLst>
+            <a:ahLst/>
+            <a:cxnLst>
+              <a:cxn ang="0">
+                <a:pos x="connsiteX0" y="connsiteY0"/>
+              </a:cxn>
+              <a:cxn ang="0">
+                <a:pos x="connsiteX1" y="connsiteY1"/>
+              </a:cxn>
+              <a:cxn ang="0">
+                <a:pos x="connsiteX2" y="connsiteY2"/>
+              </a:cxn>
+              <a:cxn ang="0">
+                <a:pos x="connsiteX3" y="connsiteY3"/>
+              </a:cxn>
+              <a:cxn ang="0">
+                <a:pos x="connsiteX4" y="connsiteY4"/>
+              </a:cxn>
+              <a:cxn ang="0">
+                <a:pos x="connsiteX5" y="connsiteY5"/>
+              </a:cxn>
+            </a:cxnLst>
+            <a:rect l="l" t="t" r="r" b="b"/>
+            <a:pathLst>
+              <a:path w="9491133" h="6883400">
+                <a:moveTo>
+                  <a:pt x="9203266" y="16933"/>
+                </a:moveTo>
+                <a:lnTo>
+                  <a:pt x="8339666" y="5240866"/>
+                </a:lnTo>
+                <a:lnTo>
+                  <a:pt x="9491133" y="6883400"/>
+                </a:lnTo>
+                <a:lnTo>
+                  <a:pt x="0" y="6883400"/>
+                </a:lnTo>
+                <a:lnTo>
+                  <a:pt x="8466" y="0"/>
+                </a:lnTo>
+                <a:lnTo>
+                  <a:pt x="9203266" y="16933"/>
+                </a:lnTo>
+                <a:close/>
+              </a:path>
+            </a:pathLst>
+          </a:custGeom>
+          <a:solidFill>
+            <a:schemeClr val="tx1">
+              <a:lumMod val="95000"/>
+              <a:lumOff val="5000"/>
+              <a:alpha val="80000"/>
+            </a:schemeClr>
+          </a:solidFill>
+          <a:ln>
+            <a:noFill/>
+          </a:ln>
+          <a:effectLst/>
+        </p:spPr>
+        <p:style>
+          <a:lnRef idx="1">
+            <a:schemeClr val="accent1"/>
+          </a:lnRef>
+          <a:fillRef idx="3">
+            <a:schemeClr val="accent1"/>
+          </a:fillRef>
+          <a:effectRef idx="2">
+            <a:schemeClr val="accent1"/>
+          </a:effectRef>
+          <a:fontRef idx="minor">
+            <a:schemeClr val="lt1"/>
+          </a:fontRef>
+        </p:style>
+        <p:txBody>
+          <a:bodyPr rtlCol="0" anchor="ctr"/>
+          <a:lstStyle/>
+          <a:p>
+            <a:pPr algn="ctr"/>
+            <a:endParaRPr lang="en-US"/>
+          </a:p>
+        </p:txBody>
+      </p:sp>
+      <p:sp>
+        <p:nvSpPr>
+          <p:cNvPr id="2" name="Title 1">
+            <a:extLst>
+              <a:ext uri="{FF2B5EF4-FFF2-40B4-BE49-F238E27FC236}">
+                <a16:creationId xmlns:a16="http://schemas.microsoft.com/office/drawing/2014/main" id="{24640CB3-D9B0-4B93-9DAB-A77EE16EEA24}"/>
+              </a:ext>
+            </a:extLst>
+          </p:cNvPr>
+          <p:cNvSpPr>
+            <a:spLocks noGrp="1"/>
+          </p:cNvSpPr>
+          <p:nvPr>
+            <p:ph type="title"/>
+          </p:nvPr>
+        </p:nvSpPr>
+        <p:spPr>
+          <a:xfrm>
+            <a:off x="685800" y="685800"/>
+            <a:ext cx="7391400" cy="1176867"/>
+          </a:xfrm>
+        </p:spPr>
+        <p:txBody>
+          <a:bodyPr vert="horz" lIns="91440" tIns="45720" rIns="91440" bIns="45720" rtlCol="0" anchor="ctr">
+            <a:normAutofit/>
+          </a:bodyPr>
+          <a:lstStyle/>
+          <a:p>
+            <a:r>
+              <a:rPr lang="en-US" sz="6600" b="1">
+                <a:solidFill>
+                  <a:schemeClr val="bg1"/>
+                </a:solidFill>
+              </a:rPr>
+              <a:t>Software encoders</a:t>
+            </a:r>
+          </a:p>
+        </p:txBody>
+      </p:sp>
+      <p:sp>
+        <p:nvSpPr>
+          <p:cNvPr id="4" name="TextBox 3">
+            <a:extLst>
+              <a:ext uri="{FF2B5EF4-FFF2-40B4-BE49-F238E27FC236}">
+                <a16:creationId xmlns:a16="http://schemas.microsoft.com/office/drawing/2014/main" id="{3A8184EF-4954-4C41-9C41-7C4DA3EC2DA4}"/>
+              </a:ext>
+            </a:extLst>
+          </p:cNvPr>
+          <p:cNvSpPr txBox="1"/>
+          <p:nvPr/>
+        </p:nvSpPr>
+        <p:spPr>
+          <a:xfrm>
+            <a:off x="685799" y="2103727"/>
+            <a:ext cx="7391401" cy="3970866"/>
+          </a:xfrm>
+          <a:prstGeom prst="rect">
+            <a:avLst/>
+          </a:prstGeom>
+        </p:spPr>
+        <p:txBody>
+          <a:bodyPr rot="0" spcFirstLastPara="0" vertOverflow="overflow" horzOverflow="overflow" vert="horz" lIns="91440" tIns="45720" rIns="91440" bIns="45720" numCol="1" spcCol="0" rtlCol="0" fromWordArt="0" anchor="ctr" anchorCtr="0" forceAA="0" compatLnSpc="1">
+            <a:prstTxWarp prst="textNoShape">
+              <a:avLst/>
+            </a:prstTxWarp>
+            <a:normAutofit/>
+          </a:bodyPr>
+          <a:lstStyle/>
+          <a:p>
+            <a:pPr marL="571500" indent="-571500" defTabSz="457200">
+              <a:spcBef>
+                <a:spcPct val="20000"/>
+              </a:spcBef>
+              <a:spcAft>
+                <a:spcPts val="600"/>
+              </a:spcAft>
+              <a:buClr>
+                <a:schemeClr val="accent1">
+                  <a:lumMod val="75000"/>
+                </a:schemeClr>
+              </a:buClr>
+              <a:buSzPct val="145000"/>
+              <a:buFont typeface="Arial"/>
+              <a:buChar char="•"/>
+            </a:pPr>
+            <a:r>
+              <a:rPr lang="en-US" sz="4000" b="1" dirty="0">
+                <a:solidFill>
+                  <a:schemeClr val="bg1"/>
+                </a:solidFill>
+              </a:rPr>
+              <a:t>x264 </a:t>
+            </a:r>
+            <a:r>
+              <a:rPr lang="en-US" sz="4000" dirty="0">
+                <a:solidFill>
+                  <a:schemeClr val="bg1"/>
+                </a:solidFill>
+              </a:rPr>
+              <a:t>is the Software implementation of H264</a:t>
+            </a:r>
+          </a:p>
+          <a:p>
+            <a:pPr marL="571500" indent="-571500" defTabSz="457200">
+              <a:spcBef>
+                <a:spcPct val="20000"/>
+              </a:spcBef>
+              <a:spcAft>
+                <a:spcPts val="600"/>
+              </a:spcAft>
+              <a:buClr>
+                <a:srgbClr val="688727"/>
+              </a:buClr>
+              <a:buSzPct val="145000"/>
+              <a:buFont typeface="Arial"/>
+              <a:buChar char="•"/>
+            </a:pPr>
+            <a:r>
+              <a:rPr lang="en-US" sz="4000" dirty="0">
+                <a:solidFill>
+                  <a:schemeClr val="bg1"/>
+                </a:solidFill>
+              </a:rPr>
+              <a:t>Globally </a:t>
+            </a:r>
+            <a:r>
+              <a:rPr lang="en-US" sz="4000" b="1" dirty="0">
+                <a:solidFill>
+                  <a:schemeClr val="bg1"/>
+                </a:solidFill>
+              </a:rPr>
+              <a:t>slower </a:t>
+            </a:r>
+            <a:r>
+              <a:rPr lang="en-US" sz="4000" dirty="0">
+                <a:solidFill>
+                  <a:schemeClr val="bg1"/>
+                </a:solidFill>
+              </a:rPr>
+              <a:t>than hardware implementations</a:t>
+            </a:r>
+          </a:p>
+          <a:p>
+            <a:pPr defTabSz="457200">
+              <a:spcBef>
+                <a:spcPct val="20000"/>
+              </a:spcBef>
+              <a:spcAft>
+                <a:spcPts val="600"/>
+              </a:spcAft>
+              <a:buClr>
+                <a:srgbClr val="688727"/>
+              </a:buClr>
+              <a:buSzPct val="145000"/>
+            </a:pPr>
+            <a:endParaRPr lang="en-US"/>
+          </a:p>
+        </p:txBody>
+      </p:sp>
+      <p:grpSp>
+        <p:nvGrpSpPr>
+          <p:cNvPr id="36" name="Group 35">
+            <a:extLst>
+              <a:ext uri="{FF2B5EF4-FFF2-40B4-BE49-F238E27FC236}">
+                <a16:creationId xmlns:a16="http://schemas.microsoft.com/office/drawing/2014/main" id="{2C58EF69-4C86-43C8-B9E3-778544933C04}"/>
+              </a:ext>
+              <a:ext uri="{C183D7F6-B498-43B3-948B-1728B52AA6E4}">
+                <adec:decorative xmlns:adec="http://schemas.microsoft.com/office/drawing/2017/decorative" val="1"/>
+              </a:ext>
+            </a:extLst>
+          </p:cNvPr>
+          <p:cNvGrpSpPr>
+            <a:grpSpLocks noGrp="1" noUngrp="1" noRot="1" noChangeAspect="1" noMove="1" noResize="1"/>
+          </p:cNvGrpSpPr>
+          <p:nvPr>
+            <p:extLst>
+              <p:ext uri="{386F3935-93C4-4BCD-93E2-E3B085C9AB24}">
+                <p16:designElem xmlns:p16="http://schemas.microsoft.com/office/powerpoint/2015/main" val="1"/>
+              </p:ext>
+            </p:extLst>
+          </p:nvPr>
+        </p:nvGrpSpPr>
+        <p:grpSpPr>
+          <a:xfrm>
+            <a:off x="8405812" y="0"/>
+            <a:ext cx="2436813" cy="6858001"/>
+            <a:chOff x="1320800" y="0"/>
+            <a:chExt cx="2436813" cy="6858001"/>
+          </a:xfrm>
+        </p:grpSpPr>
+        <p:sp>
+          <p:nvSpPr>
+            <p:cNvPr id="37" name="Freeform 6">
+              <a:extLst>
+                <a:ext uri="{FF2B5EF4-FFF2-40B4-BE49-F238E27FC236}">
+                  <a16:creationId xmlns:a16="http://schemas.microsoft.com/office/drawing/2014/main" id="{28004C51-9993-4F72-9444-208E14F42BCB}"/>
+                </a:ext>
+                <a:ext uri="{C183D7F6-B498-43B3-948B-1728B52AA6E4}">
+                  <adec:decorative xmlns:adec="http://schemas.microsoft.com/office/drawing/2017/decorative" val="1"/>
+                </a:ext>
+              </a:extLst>
+            </p:cNvPr>
+            <p:cNvSpPr/>
+            <p:nvPr>
+              <p:extLst>
+                <p:ext uri="{386F3935-93C4-4BCD-93E2-E3B085C9AB24}">
+                  <p16:designElem xmlns:p16="http://schemas.microsoft.com/office/powerpoint/2015/main" val="1"/>
+                </p:ext>
+              </p:extLst>
+            </p:nvPr>
+          </p:nvSpPr>
+          <p:spPr bwMode="auto">
+            <a:xfrm>
+              <a:off x="1627188" y="0"/>
+              <a:ext cx="1122363" cy="5329238"/>
+            </a:xfrm>
+            <a:custGeom>
+              <a:avLst/>
+              <a:gdLst/>
+              <a:ahLst/>
+              <a:cxnLst/>
+              <a:rect l="0" t="0" r="r" b="b"/>
+              <a:pathLst>
+                <a:path w="707" h="3357">
+                  <a:moveTo>
+                    <a:pt x="0" y="3330"/>
+                  </a:moveTo>
+                  <a:lnTo>
+                    <a:pt x="156" y="3357"/>
+                  </a:lnTo>
+                  <a:lnTo>
+                    <a:pt x="707" y="0"/>
+                  </a:lnTo>
+                  <a:lnTo>
+                    <a:pt x="547" y="0"/>
+                  </a:lnTo>
+                  <a:lnTo>
+                    <a:pt x="0" y="3330"/>
+                  </a:lnTo>
+                  <a:close/>
+                </a:path>
+              </a:pathLst>
+            </a:custGeom>
+            <a:solidFill>
+              <a:schemeClr val="accent1"/>
+            </a:solidFill>
+            <a:ln>
+              <a:noFill/>
+            </a:ln>
+          </p:spPr>
+        </p:sp>
+        <p:sp>
+          <p:nvSpPr>
+            <p:cNvPr id="38" name="Freeform 7">
+              <a:extLst>
+                <a:ext uri="{FF2B5EF4-FFF2-40B4-BE49-F238E27FC236}">
+                  <a16:creationId xmlns:a16="http://schemas.microsoft.com/office/drawing/2014/main" id="{9F45FB11-2D69-4F70-8B60-23B0C6B28578}"/>
+                </a:ext>
+                <a:ext uri="{C183D7F6-B498-43B3-948B-1728B52AA6E4}">
+                  <adec:decorative xmlns:adec="http://schemas.microsoft.com/office/drawing/2017/decorative" val="1"/>
+                </a:ext>
+              </a:extLst>
+            </p:cNvPr>
+            <p:cNvSpPr/>
+            <p:nvPr>
+              <p:extLst>
+                <p:ext uri="{386F3935-93C4-4BCD-93E2-E3B085C9AB24}">
+                  <p16:designElem xmlns:p16="http://schemas.microsoft.com/office/powerpoint/2015/main" val="1"/>
+                </p:ext>
+              </p:extLst>
+            </p:nvPr>
+          </p:nvSpPr>
+          <p:spPr bwMode="auto">
+            <a:xfrm>
+              <a:off x="1320800" y="0"/>
+              <a:ext cx="1117600" cy="5276850"/>
+            </a:xfrm>
+            <a:custGeom>
+              <a:avLst/>
+              <a:gdLst/>
+              <a:ahLst/>
+              <a:cxnLst/>
+              <a:rect l="0" t="0" r="r" b="b"/>
+              <a:pathLst>
+                <a:path w="704" h="3324">
+                  <a:moveTo>
+                    <a:pt x="704" y="0"/>
+                  </a:moveTo>
+                  <a:lnTo>
+                    <a:pt x="545" y="0"/>
+                  </a:lnTo>
+                  <a:lnTo>
+                    <a:pt x="0" y="3300"/>
+                  </a:lnTo>
+                  <a:lnTo>
+                    <a:pt x="157" y="3324"/>
+                  </a:lnTo>
+                  <a:lnTo>
+                    <a:pt x="704" y="0"/>
+                  </a:lnTo>
+                  <a:close/>
+                </a:path>
+              </a:pathLst>
+            </a:custGeom>
+            <a:solidFill>
+              <a:schemeClr val="tx1">
+                <a:lumMod val="65000"/>
+                <a:lumOff val="35000"/>
+              </a:schemeClr>
+            </a:solidFill>
+            <a:ln>
+              <a:noFill/>
+            </a:ln>
+          </p:spPr>
+        </p:sp>
+        <p:sp>
+          <p:nvSpPr>
+            <p:cNvPr id="39" name="Freeform 8">
+              <a:extLst>
+                <a:ext uri="{FF2B5EF4-FFF2-40B4-BE49-F238E27FC236}">
+                  <a16:creationId xmlns:a16="http://schemas.microsoft.com/office/drawing/2014/main" id="{5ABA6996-5C50-49CC-A2C8-F43FD5838CA0}"/>
+                </a:ext>
+                <a:ext uri="{C183D7F6-B498-43B3-948B-1728B52AA6E4}">
+                  <adec:decorative xmlns:adec="http://schemas.microsoft.com/office/drawing/2017/decorative" val="1"/>
+                </a:ext>
+              </a:extLst>
+            </p:cNvPr>
+            <p:cNvSpPr/>
+            <p:nvPr>
+              <p:extLst>
+                <p:ext uri="{386F3935-93C4-4BCD-93E2-E3B085C9AB24}">
+                  <p16:designElem xmlns:p16="http://schemas.microsoft.com/office/powerpoint/2015/main" val="1"/>
+                </p:ext>
+              </p:extLst>
+            </p:nvPr>
+          </p:nvSpPr>
+          <p:spPr bwMode="auto">
+            <a:xfrm>
+              <a:off x="1320800" y="5238750"/>
+              <a:ext cx="1228725" cy="1619250"/>
+            </a:xfrm>
+            <a:custGeom>
+              <a:avLst/>
+              <a:gdLst/>
+              <a:ahLst/>
+              <a:cxnLst/>
+              <a:rect l="0" t="0" r="r" b="b"/>
+              <a:pathLst>
+                <a:path w="774" h="1020">
+                  <a:moveTo>
+                    <a:pt x="0" y="0"/>
+                  </a:moveTo>
+                  <a:lnTo>
+                    <a:pt x="740" y="1020"/>
+                  </a:lnTo>
+                  <a:lnTo>
+                    <a:pt x="774" y="1020"/>
+                  </a:lnTo>
+                  <a:lnTo>
+                    <a:pt x="0" y="0"/>
+                  </a:lnTo>
+                  <a:close/>
+                </a:path>
+              </a:pathLst>
+            </a:custGeom>
+            <a:solidFill>
+              <a:schemeClr val="tx1">
+                <a:lumMod val="85000"/>
+                <a:lumOff val="15000"/>
+              </a:schemeClr>
+            </a:solidFill>
+            <a:ln>
+              <a:noFill/>
+            </a:ln>
+          </p:spPr>
+        </p:sp>
+        <p:sp>
+          <p:nvSpPr>
+            <p:cNvPr id="40" name="Freeform 9">
+              <a:extLst>
+                <a:ext uri="{FF2B5EF4-FFF2-40B4-BE49-F238E27FC236}">
+                  <a16:creationId xmlns:a16="http://schemas.microsoft.com/office/drawing/2014/main" id="{54A0AA5F-216D-445A-8C9D-44B6B48264BF}"/>
+                </a:ext>
+                <a:ext uri="{C183D7F6-B498-43B3-948B-1728B52AA6E4}">
+                  <adec:decorative xmlns:adec="http://schemas.microsoft.com/office/drawing/2017/decorative" val="1"/>
+                </a:ext>
+              </a:extLst>
+            </p:cNvPr>
+            <p:cNvSpPr/>
+            <p:nvPr>
+              <p:extLst>
+                <p:ext uri="{386F3935-93C4-4BCD-93E2-E3B085C9AB24}">
+                  <p16:designElem xmlns:p16="http://schemas.microsoft.com/office/powerpoint/2015/main" val="1"/>
+                </p:ext>
+              </p:extLst>
+            </p:nvPr>
+          </p:nvSpPr>
+          <p:spPr bwMode="auto">
+            <a:xfrm>
+              <a:off x="1627188" y="5291138"/>
+              <a:ext cx="1495425" cy="1566863"/>
+            </a:xfrm>
+            <a:custGeom>
+              <a:avLst/>
+              <a:gdLst/>
+              <a:ahLst/>
+              <a:cxnLst/>
+              <a:rect l="0" t="0" r="r" b="b"/>
+              <a:pathLst>
+                <a:path w="942" h="987">
+                  <a:moveTo>
+                    <a:pt x="0" y="0"/>
+                  </a:moveTo>
+                  <a:lnTo>
+                    <a:pt x="909" y="987"/>
+                  </a:lnTo>
+                  <a:lnTo>
+                    <a:pt x="942" y="987"/>
+                  </a:lnTo>
+                  <a:lnTo>
+                    <a:pt x="0" y="0"/>
+                  </a:lnTo>
+                  <a:close/>
+                </a:path>
+              </a:pathLst>
+            </a:custGeom>
+            <a:solidFill>
+              <a:schemeClr val="accent1">
+                <a:lumMod val="50000"/>
+              </a:schemeClr>
+            </a:solidFill>
+            <a:ln>
+              <a:noFill/>
+            </a:ln>
+          </p:spPr>
+        </p:sp>
+        <p:sp>
+          <p:nvSpPr>
+            <p:cNvPr id="41" name="Freeform 10">
+              <a:extLst>
+                <a:ext uri="{FF2B5EF4-FFF2-40B4-BE49-F238E27FC236}">
+                  <a16:creationId xmlns:a16="http://schemas.microsoft.com/office/drawing/2014/main" id="{7DED650F-020C-4B0D-928D-3B70398376B2}"/>
+                </a:ext>
+                <a:ext uri="{C183D7F6-B498-43B3-948B-1728B52AA6E4}">
+                  <adec:decorative xmlns:adec="http://schemas.microsoft.com/office/drawing/2017/decorative" val="1"/>
+                </a:ext>
+              </a:extLst>
+            </p:cNvPr>
+            <p:cNvSpPr/>
+            <p:nvPr>
+              <p:extLst>
+                <p:ext uri="{386F3935-93C4-4BCD-93E2-E3B085C9AB24}">
+                  <p16:designElem xmlns:p16="http://schemas.microsoft.com/office/powerpoint/2015/main" val="1"/>
+                </p:ext>
+              </p:extLst>
+            </p:nvPr>
+          </p:nvSpPr>
+          <p:spPr bwMode="auto">
+            <a:xfrm>
+              <a:off x="1627188" y="5286375"/>
+              <a:ext cx="2130425" cy="1571625"/>
+            </a:xfrm>
+            <a:custGeom>
+              <a:avLst/>
+              <a:gdLst/>
+              <a:ahLst/>
+              <a:cxnLst/>
+              <a:rect l="0" t="0" r="r" b="b"/>
+              <a:pathLst>
+                <a:path w="1342" h="990">
+                  <a:moveTo>
+                    <a:pt x="0" y="3"/>
+                  </a:moveTo>
+                  <a:lnTo>
+                    <a:pt x="942" y="990"/>
+                  </a:lnTo>
+                  <a:lnTo>
+                    <a:pt x="1342" y="990"/>
+                  </a:lnTo>
+                  <a:lnTo>
+                    <a:pt x="156" y="27"/>
+                  </a:lnTo>
+                  <a:lnTo>
+                    <a:pt x="0" y="0"/>
+                  </a:lnTo>
+                  <a:lnTo>
+                    <a:pt x="0" y="3"/>
+                  </a:lnTo>
+                  <a:close/>
+                </a:path>
+              </a:pathLst>
+            </a:custGeom>
+            <a:solidFill>
+              <a:schemeClr val="accent1">
+                <a:lumMod val="75000"/>
+              </a:schemeClr>
+            </a:solidFill>
+            <a:ln>
+              <a:noFill/>
+            </a:ln>
+          </p:spPr>
+        </p:sp>
+        <p:sp>
+          <p:nvSpPr>
+            <p:cNvPr id="42" name="Freeform 11">
+              <a:extLst>
+                <a:ext uri="{FF2B5EF4-FFF2-40B4-BE49-F238E27FC236}">
+                  <a16:creationId xmlns:a16="http://schemas.microsoft.com/office/drawing/2014/main" id="{B1EE80AC-E4F7-497F-AE0B-96084F03C0A1}"/>
+                </a:ext>
+                <a:ext uri="{C183D7F6-B498-43B3-948B-1728B52AA6E4}">
+                  <adec:decorative xmlns:adec="http://schemas.microsoft.com/office/drawing/2017/decorative" val="1"/>
+                </a:ext>
+              </a:extLst>
+            </p:cNvPr>
+            <p:cNvSpPr/>
+            <p:nvPr>
+              <p:extLst>
+                <p:ext uri="{386F3935-93C4-4BCD-93E2-E3B085C9AB24}">
+                  <p16:designElem xmlns:p16="http://schemas.microsoft.com/office/powerpoint/2015/main" val="1"/>
+                </p:ext>
+              </p:extLst>
+            </p:nvPr>
+          </p:nvSpPr>
+          <p:spPr bwMode="auto">
+            <a:xfrm>
+              <a:off x="1320800" y="5238750"/>
+              <a:ext cx="1695450" cy="1619250"/>
+            </a:xfrm>
+            <a:custGeom>
+              <a:avLst/>
+              <a:gdLst/>
+              <a:ahLst/>
+              <a:cxnLst/>
+              <a:rect l="0" t="0" r="r" b="b"/>
+              <a:pathLst>
+                <a:path w="1068" h="1020">
+                  <a:moveTo>
+                    <a:pt x="1068" y="1020"/>
+                  </a:moveTo>
+                  <a:lnTo>
+                    <a:pt x="184" y="60"/>
+                  </a:lnTo>
+                  <a:lnTo>
+                    <a:pt x="154" y="27"/>
+                  </a:lnTo>
+                  <a:lnTo>
+                    <a:pt x="157" y="27"/>
+                  </a:lnTo>
+                  <a:lnTo>
+                    <a:pt x="157" y="24"/>
+                  </a:lnTo>
+                  <a:lnTo>
+                    <a:pt x="154" y="24"/>
+                  </a:lnTo>
+                  <a:lnTo>
+                    <a:pt x="0" y="0"/>
+                  </a:lnTo>
+                  <a:lnTo>
+                    <a:pt x="0" y="0"/>
+                  </a:lnTo>
+                  <a:lnTo>
+                    <a:pt x="774" y="1020"/>
+                  </a:lnTo>
+                  <a:lnTo>
+                    <a:pt x="1068" y="1020"/>
+                  </a:lnTo>
+                  <a:close/>
+                </a:path>
+              </a:pathLst>
+            </a:custGeom>
+            <a:solidFill>
+              <a:schemeClr val="tx1">
+                <a:lumMod val="75000"/>
+                <a:lumOff val="25000"/>
+              </a:schemeClr>
+            </a:solidFill>
+            <a:ln>
+              <a:noFill/>
+            </a:ln>
+          </p:spPr>
+        </p:sp>
+      </p:grpSp>
+    </p:spTree>
+    <p:extLst>
+      <p:ext uri="{BB962C8B-B14F-4D97-AF65-F5344CB8AC3E}">
+        <p14:creationId xmlns:p14="http://schemas.microsoft.com/office/powerpoint/2010/main" val="1620782039"/>
+      </p:ext>
+    </p:extLst>
+  </p:cSld>
+  <p:clrMapOvr>
+    <a:masterClrMapping/>
   </p:clrMapOvr>
 </p:sld>
 </file>

--- a/presentation.pptx
+++ b/presentation.pptx
@@ -6250,7 +6250,7 @@
             <a:fld id="{B61BEF0D-F0BB-DE4B-95CE-6DB70DBA9567}" type="datetimeFigureOut">
               <a:rPr lang="en-US" dirty="0"/>
               <a:pPr/>
-              <a:t>5/7/2021</a:t>
+              <a:t>5/14/2021</a:t>
             </a:fld>
             <a:endParaRPr lang="en-US"/>
           </a:p>
@@ -6298,7 +6298,7 @@
             <a:fld id="{D57F1E4F-1CFF-5643-939E-217C01CDF565}" type="slidenum">
               <a:rPr lang="en-US" dirty="0"/>
               <a:pPr/>
-              <a:t>‹#›</a:t>
+              <a:t>‹N›</a:t>
             </a:fld>
             <a:endParaRPr lang="en-US"/>
           </a:p>
@@ -6543,7 +6543,7 @@
             <a:fld id="{B61BEF0D-F0BB-DE4B-95CE-6DB70DBA9567}" type="datetimeFigureOut">
               <a:rPr lang="en-US" dirty="0"/>
               <a:pPr/>
-              <a:t>5/7/2021</a:t>
+              <a:t>5/14/2021</a:t>
             </a:fld>
             <a:endParaRPr lang="en-US"/>
           </a:p>
@@ -6586,7 +6586,7 @@
             <a:fld id="{D57F1E4F-1CFF-5643-939E-217C01CDF565}" type="slidenum">
               <a:rPr lang="en-US" dirty="0"/>
               <a:pPr/>
-              <a:t>‹#›</a:t>
+              <a:t>‹N›</a:t>
             </a:fld>
             <a:endParaRPr lang="en-US"/>
           </a:p>
@@ -6792,7 +6792,7 @@
             <a:fld id="{B61BEF0D-F0BB-DE4B-95CE-6DB70DBA9567}" type="datetimeFigureOut">
               <a:rPr lang="en-US" dirty="0"/>
               <a:pPr/>
-              <a:t>5/7/2021</a:t>
+              <a:t>5/14/2021</a:t>
             </a:fld>
             <a:endParaRPr lang="en-US"/>
           </a:p>
@@ -6835,7 +6835,7 @@
             <a:fld id="{D57F1E4F-1CFF-5643-939E-217C01CDF565}" type="slidenum">
               <a:rPr lang="en-US" dirty="0"/>
               <a:pPr/>
-              <a:t>‹#›</a:t>
+              <a:t>‹N›</a:t>
             </a:fld>
             <a:endParaRPr lang="en-US"/>
           </a:p>
@@ -7333,7 +7333,7 @@
             <a:fld id="{B61BEF0D-F0BB-DE4B-95CE-6DB70DBA9567}" type="datetimeFigureOut">
               <a:rPr lang="en-US" dirty="0"/>
               <a:pPr/>
-              <a:t>5/7/2021</a:t>
+              <a:t>5/14/2021</a:t>
             </a:fld>
             <a:endParaRPr lang="en-US"/>
           </a:p>
@@ -7376,7 +7376,7 @@
             <a:fld id="{D57F1E4F-1CFF-5643-939E-217C01CDF565}" type="slidenum">
               <a:rPr lang="en-US" dirty="0"/>
               <a:pPr/>
-              <a:t>‹#›</a:t>
+              <a:t>‹N›</a:t>
             </a:fld>
             <a:endParaRPr lang="en-US"/>
           </a:p>
@@ -7582,7 +7582,7 @@
             <a:fld id="{B61BEF0D-F0BB-DE4B-95CE-6DB70DBA9567}" type="datetimeFigureOut">
               <a:rPr lang="en-US" dirty="0"/>
               <a:pPr/>
-              <a:t>5/7/2021</a:t>
+              <a:t>5/14/2021</a:t>
             </a:fld>
             <a:endParaRPr lang="en-US"/>
           </a:p>
@@ -7625,7 +7625,7 @@
             <a:fld id="{D57F1E4F-1CFF-5643-939E-217C01CDF565}" type="slidenum">
               <a:rPr lang="en-US" dirty="0"/>
               <a:pPr/>
-              <a:t>‹#›</a:t>
+              <a:t>‹N›</a:t>
             </a:fld>
             <a:endParaRPr lang="en-US"/>
           </a:p>
@@ -8115,7 +8115,7 @@
             <a:fld id="{B61BEF0D-F0BB-DE4B-95CE-6DB70DBA9567}" type="datetimeFigureOut">
               <a:rPr lang="en-US" dirty="0"/>
               <a:pPr/>
-              <a:t>5/7/2021</a:t>
+              <a:t>5/14/2021</a:t>
             </a:fld>
             <a:endParaRPr lang="en-US"/>
           </a:p>
@@ -8158,7 +8158,7 @@
             <a:fld id="{D57F1E4F-1CFF-5643-939E-217C01CDF565}" type="slidenum">
               <a:rPr lang="en-US" dirty="0"/>
               <a:pPr/>
-              <a:t>‹#›</a:t>
+              <a:t>‹N›</a:t>
             </a:fld>
             <a:endParaRPr lang="en-US"/>
           </a:p>
@@ -8413,7 +8413,7 @@
             <a:fld id="{B61BEF0D-F0BB-DE4B-95CE-6DB70DBA9567}" type="datetimeFigureOut">
               <a:rPr lang="en-US" dirty="0"/>
               <a:pPr/>
-              <a:t>5/7/2021</a:t>
+              <a:t>5/14/2021</a:t>
             </a:fld>
             <a:endParaRPr lang="en-US"/>
           </a:p>
@@ -8456,7 +8456,7 @@
             <a:fld id="{D57F1E4F-1CFF-5643-939E-217C01CDF565}" type="slidenum">
               <a:rPr lang="en-US" dirty="0"/>
               <a:pPr/>
-              <a:t>‹#›</a:t>
+              <a:t>‹N›</a:t>
             </a:fld>
             <a:endParaRPr lang="en-US"/>
           </a:p>
@@ -8587,7 +8587,7 @@
             <a:fld id="{B61BEF0D-F0BB-DE4B-95CE-6DB70DBA9567}" type="datetimeFigureOut">
               <a:rPr lang="en-US" dirty="0"/>
               <a:pPr/>
-              <a:t>5/7/2021</a:t>
+              <a:t>5/14/2021</a:t>
             </a:fld>
             <a:endParaRPr lang="en-US"/>
           </a:p>
@@ -8630,7 +8630,7 @@
             <a:fld id="{D57F1E4F-1CFF-5643-939E-217C01CDF565}" type="slidenum">
               <a:rPr lang="en-US" dirty="0"/>
               <a:pPr/>
-              <a:t>‹#›</a:t>
+              <a:t>‹N›</a:t>
             </a:fld>
             <a:endParaRPr lang="en-US"/>
           </a:p>
@@ -8767,7 +8767,7 @@
             <a:fld id="{B61BEF0D-F0BB-DE4B-95CE-6DB70DBA9567}" type="datetimeFigureOut">
               <a:rPr lang="en-US" dirty="0"/>
               <a:pPr/>
-              <a:t>5/7/2021</a:t>
+              <a:t>5/14/2021</a:t>
             </a:fld>
             <a:endParaRPr lang="en-US"/>
           </a:p>
@@ -8810,7 +8810,7 @@
             <a:fld id="{D57F1E4F-1CFF-5643-939E-217C01CDF565}" type="slidenum">
               <a:rPr lang="en-US" dirty="0"/>
               <a:pPr/>
-              <a:t>‹#›</a:t>
+              <a:t>‹N›</a:t>
             </a:fld>
             <a:endParaRPr lang="en-US"/>
           </a:p>
@@ -8937,7 +8937,7 @@
             <a:fld id="{B61BEF0D-F0BB-DE4B-95CE-6DB70DBA9567}" type="datetimeFigureOut">
               <a:rPr lang="en-US" dirty="0"/>
               <a:pPr/>
-              <a:t>5/7/2021</a:t>
+              <a:t>5/14/2021</a:t>
             </a:fld>
             <a:endParaRPr lang="en-US"/>
           </a:p>
@@ -8985,7 +8985,7 @@
             <a:fld id="{D57F1E4F-1CFF-5643-939E-217C01CDF565}" type="slidenum">
               <a:rPr lang="en-US" dirty="0"/>
               <a:pPr/>
-              <a:t>‹#›</a:t>
+              <a:t>‹N›</a:t>
             </a:fld>
             <a:endParaRPr lang="en-US"/>
           </a:p>
@@ -9189,7 +9189,7 @@
             <a:fld id="{B61BEF0D-F0BB-DE4B-95CE-6DB70DBA9567}" type="datetimeFigureOut">
               <a:rPr lang="en-US" dirty="0"/>
               <a:pPr/>
-              <a:t>5/7/2021</a:t>
+              <a:t>5/14/2021</a:t>
             </a:fld>
             <a:endParaRPr lang="en-US"/>
           </a:p>
@@ -9232,7 +9232,7 @@
             <a:fld id="{D57F1E4F-1CFF-5643-939E-217C01CDF565}" type="slidenum">
               <a:rPr lang="en-US" dirty="0"/>
               <a:pPr/>
-              <a:t>‹#›</a:t>
+              <a:t>‹N›</a:t>
             </a:fld>
             <a:endParaRPr lang="en-US"/>
           </a:p>
@@ -9485,7 +9485,7 @@
             <a:fld id="{B61BEF0D-F0BB-DE4B-95CE-6DB70DBA9567}" type="datetimeFigureOut">
               <a:rPr lang="en-US" dirty="0"/>
               <a:pPr/>
-              <a:t>5/7/2021</a:t>
+              <a:t>5/14/2021</a:t>
             </a:fld>
             <a:endParaRPr lang="en-US"/>
           </a:p>
@@ -9528,7 +9528,7 @@
             <a:fld id="{D57F1E4F-1CFF-5643-939E-217C01CDF565}" type="slidenum">
               <a:rPr lang="en-US" dirty="0"/>
               <a:pPr/>
-              <a:t>‹#›</a:t>
+              <a:t>‹N›</a:t>
             </a:fld>
             <a:endParaRPr lang="en-US"/>
           </a:p>
@@ -9926,7 +9926,7 @@
             <a:fld id="{B61BEF0D-F0BB-DE4B-95CE-6DB70DBA9567}" type="datetimeFigureOut">
               <a:rPr lang="en-US" dirty="0"/>
               <a:pPr/>
-              <a:t>5/7/2021</a:t>
+              <a:t>5/14/2021</a:t>
             </a:fld>
             <a:endParaRPr lang="en-US"/>
           </a:p>
@@ -9969,7 +9969,7 @@
             <a:fld id="{D57F1E4F-1CFF-5643-939E-217C01CDF565}" type="slidenum">
               <a:rPr lang="en-US" dirty="0"/>
               <a:pPr/>
-              <a:t>‹#›</a:t>
+              <a:t>‹N›</a:t>
             </a:fld>
             <a:endParaRPr lang="en-US"/>
           </a:p>
@@ -10045,7 +10045,7 @@
             <a:fld id="{B61BEF0D-F0BB-DE4B-95CE-6DB70DBA9567}" type="datetimeFigureOut">
               <a:rPr lang="en-US" dirty="0"/>
               <a:pPr/>
-              <a:t>5/7/2021</a:t>
+              <a:t>5/14/2021</a:t>
             </a:fld>
             <a:endParaRPr lang="en-US"/>
           </a:p>
@@ -10088,7 +10088,7 @@
             <a:fld id="{D57F1E4F-1CFF-5643-939E-217C01CDF565}" type="slidenum">
               <a:rPr lang="en-US" dirty="0"/>
               <a:pPr/>
-              <a:t>‹#›</a:t>
+              <a:t>‹N›</a:t>
             </a:fld>
             <a:endParaRPr lang="en-US"/>
           </a:p>
@@ -10142,7 +10142,7 @@
             <a:fld id="{B61BEF0D-F0BB-DE4B-95CE-6DB70DBA9567}" type="datetimeFigureOut">
               <a:rPr lang="en-US" dirty="0"/>
               <a:pPr/>
-              <a:t>5/7/2021</a:t>
+              <a:t>5/14/2021</a:t>
             </a:fld>
             <a:endParaRPr lang="en-US"/>
           </a:p>
@@ -10185,7 +10185,7 @@
             <a:fld id="{D57F1E4F-1CFF-5643-939E-217C01CDF565}" type="slidenum">
               <a:rPr lang="en-US" dirty="0"/>
               <a:pPr/>
-              <a:t>‹#›</a:t>
+              <a:t>‹N›</a:t>
             </a:fld>
             <a:endParaRPr lang="en-US"/>
           </a:p>
@@ -10425,7 +10425,7 @@
             <a:fld id="{B61BEF0D-F0BB-DE4B-95CE-6DB70DBA9567}" type="datetimeFigureOut">
               <a:rPr lang="en-US" dirty="0"/>
               <a:pPr/>
-              <a:t>5/7/2021</a:t>
+              <a:t>5/14/2021</a:t>
             </a:fld>
             <a:endParaRPr lang="en-US"/>
           </a:p>
@@ -10468,7 +10468,7 @@
             <a:fld id="{D57F1E4F-1CFF-5643-939E-217C01CDF565}" type="slidenum">
               <a:rPr lang="en-US" dirty="0"/>
               <a:pPr/>
-              <a:t>‹#›</a:t>
+              <a:t>‹N›</a:t>
             </a:fld>
             <a:endParaRPr lang="en-US"/>
           </a:p>
@@ -10713,7 +10713,7 @@
             <a:fld id="{B61BEF0D-F0BB-DE4B-95CE-6DB70DBA9567}" type="datetimeFigureOut">
               <a:rPr lang="en-US" dirty="0"/>
               <a:pPr/>
-              <a:t>5/7/2021</a:t>
+              <a:t>5/14/2021</a:t>
             </a:fld>
             <a:endParaRPr lang="en-US"/>
           </a:p>
@@ -10756,7 +10756,7 @@
             <a:fld id="{D57F1E4F-1CFF-5643-939E-217C01CDF565}" type="slidenum">
               <a:rPr lang="en-US" dirty="0"/>
               <a:pPr/>
-              <a:t>‹#›</a:t>
+              <a:t>‹N›</a:t>
             </a:fld>
             <a:endParaRPr lang="en-US"/>
           </a:p>
@@ -11243,7 +11243,7 @@
             <a:fld id="{B61BEF0D-F0BB-DE4B-95CE-6DB70DBA9567}" type="datetimeFigureOut">
               <a:rPr lang="en-US" dirty="0"/>
               <a:pPr/>
-              <a:t>5/7/2021</a:t>
+              <a:t>5/14/2021</a:t>
             </a:fld>
             <a:endParaRPr lang="en-US"/>
           </a:p>
@@ -11322,7 +11322,7 @@
             <a:fld id="{D57F1E4F-1CFF-5643-939E-217C01CDF565}" type="slidenum">
               <a:rPr lang="en-US" dirty="0"/>
               <a:pPr/>
-              <a:t>‹#›</a:t>
+              <a:t>‹N›</a:t>
             </a:fld>
             <a:endParaRPr lang="en-US"/>
           </a:p>
@@ -12040,7 +12040,7 @@
           <a:p>
             <a:pPr algn="l"/>
             <a:r>
-              <a:rPr lang="en-US" sz="5400">
+              <a:rPr lang="en-US" sz="5400" dirty="0">
                 <a:solidFill>
                   <a:schemeClr val="bg1"/>
                 </a:solidFill>
@@ -12062,8 +12062,8 @@
         </p:nvSpPr>
         <p:spPr>
           <a:xfrm>
-            <a:off x="685800" y="4944534"/>
-            <a:ext cx="4080933" cy="939799"/>
+            <a:off x="685800" y="4944535"/>
+            <a:ext cx="4080933" cy="440266"/>
           </a:xfrm>
         </p:spPr>
         <p:txBody>
@@ -14291,7 +14291,7 @@
               </a:rPr>
               <a:t>AMD VCE</a:t>
             </a:r>
-            <a:endParaRPr lang="en-US"/>
+            <a:endParaRPr lang="en-US" dirty="0"/>
           </a:p>
           <a:p>
             <a:pPr defTabSz="457200">
@@ -14317,7 +14317,7 @@
                   <a:schemeClr val="bg1"/>
                 </a:solidFill>
               </a:rPr>
-              <a:t>Intel QVS</a:t>
+              <a:t>Intel QSV</a:t>
             </a:r>
           </a:p>
           <a:p>

--- a/presentation.pptx
+++ b/presentation.pptx
@@ -12,6 +12,10 @@
     <p:sldId id="260" r:id="rId6"/>
     <p:sldId id="262" r:id="rId7"/>
     <p:sldId id="261" r:id="rId8"/>
+    <p:sldId id="264" r:id="rId9"/>
+    <p:sldId id="266" r:id="rId10"/>
+    <p:sldId id="267" r:id="rId11"/>
+    <p:sldId id="269" r:id="rId12"/>
   </p:sldIdLst>
   <p:sldSz cx="12192000" cy="6858000"/>
   <p:notesSz cx="6858000" cy="9144000"/>
@@ -6250,7 +6254,7 @@
             <a:fld id="{B61BEF0D-F0BB-DE4B-95CE-6DB70DBA9567}" type="datetimeFigureOut">
               <a:rPr lang="en-US" dirty="0"/>
               <a:pPr/>
-              <a:t>5/14/2021</a:t>
+              <a:t>6/1/2021</a:t>
             </a:fld>
             <a:endParaRPr lang="en-US"/>
           </a:p>
@@ -6543,7 +6547,7 @@
             <a:fld id="{B61BEF0D-F0BB-DE4B-95CE-6DB70DBA9567}" type="datetimeFigureOut">
               <a:rPr lang="en-US" dirty="0"/>
               <a:pPr/>
-              <a:t>5/14/2021</a:t>
+              <a:t>6/1/2021</a:t>
             </a:fld>
             <a:endParaRPr lang="en-US"/>
           </a:p>
@@ -6792,7 +6796,7 @@
             <a:fld id="{B61BEF0D-F0BB-DE4B-95CE-6DB70DBA9567}" type="datetimeFigureOut">
               <a:rPr lang="en-US" dirty="0"/>
               <a:pPr/>
-              <a:t>5/14/2021</a:t>
+              <a:t>6/1/2021</a:t>
             </a:fld>
             <a:endParaRPr lang="en-US"/>
           </a:p>
@@ -7333,7 +7337,7 @@
             <a:fld id="{B61BEF0D-F0BB-DE4B-95CE-6DB70DBA9567}" type="datetimeFigureOut">
               <a:rPr lang="en-US" dirty="0"/>
               <a:pPr/>
-              <a:t>5/14/2021</a:t>
+              <a:t>6/1/2021</a:t>
             </a:fld>
             <a:endParaRPr lang="en-US"/>
           </a:p>
@@ -7582,7 +7586,7 @@
             <a:fld id="{B61BEF0D-F0BB-DE4B-95CE-6DB70DBA9567}" type="datetimeFigureOut">
               <a:rPr lang="en-US" dirty="0"/>
               <a:pPr/>
-              <a:t>5/14/2021</a:t>
+              <a:t>6/1/2021</a:t>
             </a:fld>
             <a:endParaRPr lang="en-US"/>
           </a:p>
@@ -8115,7 +8119,7 @@
             <a:fld id="{B61BEF0D-F0BB-DE4B-95CE-6DB70DBA9567}" type="datetimeFigureOut">
               <a:rPr lang="en-US" dirty="0"/>
               <a:pPr/>
-              <a:t>5/14/2021</a:t>
+              <a:t>6/1/2021</a:t>
             </a:fld>
             <a:endParaRPr lang="en-US"/>
           </a:p>
@@ -8413,7 +8417,7 @@
             <a:fld id="{B61BEF0D-F0BB-DE4B-95CE-6DB70DBA9567}" type="datetimeFigureOut">
               <a:rPr lang="en-US" dirty="0"/>
               <a:pPr/>
-              <a:t>5/14/2021</a:t>
+              <a:t>6/1/2021</a:t>
             </a:fld>
             <a:endParaRPr lang="en-US"/>
           </a:p>
@@ -8587,7 +8591,7 @@
             <a:fld id="{B61BEF0D-F0BB-DE4B-95CE-6DB70DBA9567}" type="datetimeFigureOut">
               <a:rPr lang="en-US" dirty="0"/>
               <a:pPr/>
-              <a:t>5/14/2021</a:t>
+              <a:t>6/1/2021</a:t>
             </a:fld>
             <a:endParaRPr lang="en-US"/>
           </a:p>
@@ -8767,7 +8771,7 @@
             <a:fld id="{B61BEF0D-F0BB-DE4B-95CE-6DB70DBA9567}" type="datetimeFigureOut">
               <a:rPr lang="en-US" dirty="0"/>
               <a:pPr/>
-              <a:t>5/14/2021</a:t>
+              <a:t>6/1/2021</a:t>
             </a:fld>
             <a:endParaRPr lang="en-US"/>
           </a:p>
@@ -8937,7 +8941,7 @@
             <a:fld id="{B61BEF0D-F0BB-DE4B-95CE-6DB70DBA9567}" type="datetimeFigureOut">
               <a:rPr lang="en-US" dirty="0"/>
               <a:pPr/>
-              <a:t>5/14/2021</a:t>
+              <a:t>6/1/2021</a:t>
             </a:fld>
             <a:endParaRPr lang="en-US"/>
           </a:p>
@@ -9189,7 +9193,7 @@
             <a:fld id="{B61BEF0D-F0BB-DE4B-95CE-6DB70DBA9567}" type="datetimeFigureOut">
               <a:rPr lang="en-US" dirty="0"/>
               <a:pPr/>
-              <a:t>5/14/2021</a:t>
+              <a:t>6/1/2021</a:t>
             </a:fld>
             <a:endParaRPr lang="en-US"/>
           </a:p>
@@ -9485,7 +9489,7 @@
             <a:fld id="{B61BEF0D-F0BB-DE4B-95CE-6DB70DBA9567}" type="datetimeFigureOut">
               <a:rPr lang="en-US" dirty="0"/>
               <a:pPr/>
-              <a:t>5/14/2021</a:t>
+              <a:t>6/1/2021</a:t>
             </a:fld>
             <a:endParaRPr lang="en-US"/>
           </a:p>
@@ -9926,7 +9930,7 @@
             <a:fld id="{B61BEF0D-F0BB-DE4B-95CE-6DB70DBA9567}" type="datetimeFigureOut">
               <a:rPr lang="en-US" dirty="0"/>
               <a:pPr/>
-              <a:t>5/14/2021</a:t>
+              <a:t>6/1/2021</a:t>
             </a:fld>
             <a:endParaRPr lang="en-US"/>
           </a:p>
@@ -10045,7 +10049,7 @@
             <a:fld id="{B61BEF0D-F0BB-DE4B-95CE-6DB70DBA9567}" type="datetimeFigureOut">
               <a:rPr lang="en-US" dirty="0"/>
               <a:pPr/>
-              <a:t>5/14/2021</a:t>
+              <a:t>6/1/2021</a:t>
             </a:fld>
             <a:endParaRPr lang="en-US"/>
           </a:p>
@@ -10142,7 +10146,7 @@
             <a:fld id="{B61BEF0D-F0BB-DE4B-95CE-6DB70DBA9567}" type="datetimeFigureOut">
               <a:rPr lang="en-US" dirty="0"/>
               <a:pPr/>
-              <a:t>5/14/2021</a:t>
+              <a:t>6/1/2021</a:t>
             </a:fld>
             <a:endParaRPr lang="en-US"/>
           </a:p>
@@ -10425,7 +10429,7 @@
             <a:fld id="{B61BEF0D-F0BB-DE4B-95CE-6DB70DBA9567}" type="datetimeFigureOut">
               <a:rPr lang="en-US" dirty="0"/>
               <a:pPr/>
-              <a:t>5/14/2021</a:t>
+              <a:t>6/1/2021</a:t>
             </a:fld>
             <a:endParaRPr lang="en-US"/>
           </a:p>
@@ -10713,7 +10717,7 @@
             <a:fld id="{B61BEF0D-F0BB-DE4B-95CE-6DB70DBA9567}" type="datetimeFigureOut">
               <a:rPr lang="en-US" dirty="0"/>
               <a:pPr/>
-              <a:t>5/14/2021</a:t>
+              <a:t>6/1/2021</a:t>
             </a:fld>
             <a:endParaRPr lang="en-US"/>
           </a:p>
@@ -11243,7 +11247,7 @@
             <a:fld id="{B61BEF0D-F0BB-DE4B-95CE-6DB70DBA9567}" type="datetimeFigureOut">
               <a:rPr lang="en-US" dirty="0"/>
               <a:pPr/>
-              <a:t>5/14/2021</a:t>
+              <a:t>6/1/2021</a:t>
             </a:fld>
             <a:endParaRPr lang="en-US"/>
           </a:p>
@@ -12691,6 +12695,1254 @@
       <p:bldP spid="3" grpId="0" build="p"/>
     </p:bldLst>
   </p:timing>
+</p:sld>
+</file>
+
+<file path=ppt/slides/slide10.xml><?xml version="1.0" encoding="utf-8"?>
+<p:sld xmlns:a="http://schemas.openxmlformats.org/drawingml/2006/main" xmlns:r="http://schemas.openxmlformats.org/officeDocument/2006/relationships" xmlns:p="http://schemas.openxmlformats.org/presentationml/2006/main">
+  <p:cSld>
+    <p:bg>
+      <p:bgPr>
+        <a:solidFill>
+          <a:schemeClr val="bg2"/>
+        </a:solidFill>
+        <a:effectLst/>
+      </p:bgPr>
+    </p:bg>
+    <p:spTree>
+      <p:nvGrpSpPr>
+        <p:cNvPr id="1" name=""/>
+        <p:cNvGrpSpPr/>
+        <p:nvPr/>
+      </p:nvGrpSpPr>
+      <p:grpSpPr>
+        <a:xfrm>
+          <a:off x="0" y="0"/>
+          <a:ext cx="0" cy="0"/>
+          <a:chOff x="0" y="0"/>
+          <a:chExt cx="0" cy="0"/>
+        </a:xfrm>
+      </p:grpSpPr>
+      <p:sp useBgFill="1">
+        <p:nvSpPr>
+          <p:cNvPr id="28" name="Rectangle 7">
+            <a:extLst>
+              <a:ext uri="{FF2B5EF4-FFF2-40B4-BE49-F238E27FC236}">
+                <a16:creationId xmlns:a16="http://schemas.microsoft.com/office/drawing/2014/main" id="{99CAC3B1-4879-424D-8F15-206277196159}"/>
+              </a:ext>
+              <a:ext uri="{C183D7F6-B498-43B3-948B-1728B52AA6E4}">
+                <adec:decorative xmlns:adec="http://schemas.microsoft.com/office/drawing/2017/decorative" val="1"/>
+              </a:ext>
+            </a:extLst>
+          </p:cNvPr>
+          <p:cNvSpPr>
+            <a:spLocks noGrp="1" noRot="1" noChangeAspect="1" noMove="1" noResize="1" noEditPoints="1" noAdjustHandles="1" noChangeArrowheads="1" noChangeShapeType="1" noTextEdit="1"/>
+          </p:cNvSpPr>
+          <p:nvPr>
+            <p:extLst>
+              <p:ext uri="{386F3935-93C4-4BCD-93E2-E3B085C9AB24}">
+                <p16:designElem xmlns:p16="http://schemas.microsoft.com/office/powerpoint/2015/main" val="1"/>
+              </p:ext>
+            </p:extLst>
+          </p:nvPr>
+        </p:nvSpPr>
+        <p:spPr>
+          <a:xfrm>
+            <a:off x="0" y="0"/>
+            <a:ext cx="12192000" cy="6858000"/>
+          </a:xfrm>
+          <a:prstGeom prst="rect">
+            <a:avLst/>
+          </a:prstGeom>
+          <a:ln>
+            <a:noFill/>
+          </a:ln>
+        </p:spPr>
+        <p:style>
+          <a:lnRef idx="2">
+            <a:schemeClr val="accent1">
+              <a:shade val="50000"/>
+            </a:schemeClr>
+          </a:lnRef>
+          <a:fillRef idx="1">
+            <a:schemeClr val="accent1"/>
+          </a:fillRef>
+          <a:effectRef idx="0">
+            <a:schemeClr val="accent1"/>
+          </a:effectRef>
+          <a:fontRef idx="minor">
+            <a:schemeClr val="lt1"/>
+          </a:fontRef>
+        </p:style>
+        <p:txBody>
+          <a:bodyPr rtlCol="0" anchor="ctr"/>
+          <a:lstStyle/>
+          <a:p>
+            <a:pPr algn="ctr"/>
+            <a:endParaRPr lang="en-US"/>
+          </a:p>
+        </p:txBody>
+      </p:sp>
+      <p:grpSp>
+        <p:nvGrpSpPr>
+          <p:cNvPr id="10" name="Group 9">
+            <a:extLst>
+              <a:ext uri="{FF2B5EF4-FFF2-40B4-BE49-F238E27FC236}">
+                <a16:creationId xmlns:a16="http://schemas.microsoft.com/office/drawing/2014/main" id="{4B8492CB-DFBA-4A82-9778-F21493DA36C1}"/>
+              </a:ext>
+              <a:ext uri="{C183D7F6-B498-43B3-948B-1728B52AA6E4}">
+                <adec:decorative xmlns:adec="http://schemas.microsoft.com/office/drawing/2017/decorative" val="1"/>
+              </a:ext>
+            </a:extLst>
+          </p:cNvPr>
+          <p:cNvGrpSpPr>
+            <a:grpSpLocks noGrp="1" noUngrp="1" noRot="1" noChangeAspect="1" noMove="1" noResize="1"/>
+          </p:cNvGrpSpPr>
+          <p:nvPr>
+            <p:extLst>
+              <p:ext uri="{386F3935-93C4-4BCD-93E2-E3B085C9AB24}">
+                <p16:designElem xmlns:p16="http://schemas.microsoft.com/office/powerpoint/2015/main" val="1"/>
+              </p:ext>
+            </p:extLst>
+          </p:nvPr>
+        </p:nvGrpSpPr>
+        <p:grpSpPr>
+          <a:xfrm flipH="1">
+            <a:off x="6526211" y="0"/>
+            <a:ext cx="5014912" cy="6862763"/>
+            <a:chOff x="2928938" y="-4763"/>
+            <a:chExt cx="5014912" cy="6862763"/>
+          </a:xfrm>
+        </p:grpSpPr>
+        <p:sp>
+          <p:nvSpPr>
+            <p:cNvPr id="11" name="Freeform 6">
+              <a:extLst>
+                <a:ext uri="{FF2B5EF4-FFF2-40B4-BE49-F238E27FC236}">
+                  <a16:creationId xmlns:a16="http://schemas.microsoft.com/office/drawing/2014/main" id="{E34CC1C8-EBDD-4AEA-83E6-B27575B62E2E}"/>
+                </a:ext>
+                <a:ext uri="{C183D7F6-B498-43B3-948B-1728B52AA6E4}">
+                  <adec:decorative xmlns:adec="http://schemas.microsoft.com/office/drawing/2017/decorative" val="1"/>
+                </a:ext>
+              </a:extLst>
+            </p:cNvPr>
+            <p:cNvSpPr/>
+            <p:nvPr>
+              <p:extLst>
+                <p:ext uri="{386F3935-93C4-4BCD-93E2-E3B085C9AB24}">
+                  <p16:designElem xmlns:p16="http://schemas.microsoft.com/office/powerpoint/2015/main" val="1"/>
+                </p:ext>
+              </p:extLst>
+            </p:nvPr>
+          </p:nvSpPr>
+          <p:spPr bwMode="auto">
+            <a:xfrm>
+              <a:off x="3367088" y="-4763"/>
+              <a:ext cx="1063625" cy="2782888"/>
+            </a:xfrm>
+            <a:custGeom>
+              <a:avLst/>
+              <a:gdLst/>
+              <a:ahLst/>
+              <a:cxnLst/>
+              <a:rect l="0" t="0" r="r" b="b"/>
+              <a:pathLst>
+                <a:path w="670" h="1753">
+                  <a:moveTo>
+                    <a:pt x="0" y="1696"/>
+                  </a:moveTo>
+                  <a:lnTo>
+                    <a:pt x="225" y="1753"/>
+                  </a:lnTo>
+                  <a:lnTo>
+                    <a:pt x="670" y="0"/>
+                  </a:lnTo>
+                  <a:lnTo>
+                    <a:pt x="430" y="0"/>
+                  </a:lnTo>
+                  <a:lnTo>
+                    <a:pt x="0" y="1696"/>
+                  </a:lnTo>
+                  <a:close/>
+                </a:path>
+              </a:pathLst>
+            </a:custGeom>
+            <a:solidFill>
+              <a:schemeClr val="accent1"/>
+            </a:solidFill>
+            <a:ln>
+              <a:noFill/>
+            </a:ln>
+          </p:spPr>
+        </p:sp>
+        <p:sp>
+          <p:nvSpPr>
+            <p:cNvPr id="12" name="Freeform 7">
+              <a:extLst>
+                <a:ext uri="{FF2B5EF4-FFF2-40B4-BE49-F238E27FC236}">
+                  <a16:creationId xmlns:a16="http://schemas.microsoft.com/office/drawing/2014/main" id="{D6B38644-B85D-4211-9526-5B4C2A662BF7}"/>
+                </a:ext>
+                <a:ext uri="{C183D7F6-B498-43B3-948B-1728B52AA6E4}">
+                  <adec:decorative xmlns:adec="http://schemas.microsoft.com/office/drawing/2017/decorative" val="1"/>
+                </a:ext>
+              </a:extLst>
+            </p:cNvPr>
+            <p:cNvSpPr/>
+            <p:nvPr>
+              <p:extLst>
+                <p:ext uri="{386F3935-93C4-4BCD-93E2-E3B085C9AB24}">
+                  <p16:designElem xmlns:p16="http://schemas.microsoft.com/office/powerpoint/2015/main" val="1"/>
+                </p:ext>
+              </p:extLst>
+            </p:nvPr>
+          </p:nvSpPr>
+          <p:spPr bwMode="auto">
+            <a:xfrm>
+              <a:off x="2928938" y="-4763"/>
+              <a:ext cx="1035050" cy="2673350"/>
+            </a:xfrm>
+            <a:custGeom>
+              <a:avLst/>
+              <a:gdLst/>
+              <a:ahLst/>
+              <a:cxnLst/>
+              <a:rect l="0" t="0" r="r" b="b"/>
+              <a:pathLst>
+                <a:path w="652" h="1684">
+                  <a:moveTo>
+                    <a:pt x="225" y="1684"/>
+                  </a:moveTo>
+                  <a:lnTo>
+                    <a:pt x="652" y="0"/>
+                  </a:lnTo>
+                  <a:lnTo>
+                    <a:pt x="411" y="0"/>
+                  </a:lnTo>
+                  <a:lnTo>
+                    <a:pt x="0" y="1627"/>
+                  </a:lnTo>
+                  <a:lnTo>
+                    <a:pt x="219" y="1681"/>
+                  </a:lnTo>
+                  <a:lnTo>
+                    <a:pt x="225" y="1684"/>
+                  </a:lnTo>
+                  <a:close/>
+                </a:path>
+              </a:pathLst>
+            </a:custGeom>
+            <a:solidFill>
+              <a:srgbClr val="595959"/>
+            </a:solidFill>
+            <a:ln>
+              <a:noFill/>
+            </a:ln>
+          </p:spPr>
+        </p:sp>
+        <p:sp>
+          <p:nvSpPr>
+            <p:cNvPr id="13" name="Freeform 12">
+              <a:extLst>
+                <a:ext uri="{FF2B5EF4-FFF2-40B4-BE49-F238E27FC236}">
+                  <a16:creationId xmlns:a16="http://schemas.microsoft.com/office/drawing/2014/main" id="{8A8B2820-6B8F-4C19-BFC5-D28EE44E54CB}"/>
+                </a:ext>
+                <a:ext uri="{C183D7F6-B498-43B3-948B-1728B52AA6E4}">
+                  <adec:decorative xmlns:adec="http://schemas.microsoft.com/office/drawing/2017/decorative" val="1"/>
+                </a:ext>
+              </a:extLst>
+            </p:cNvPr>
+            <p:cNvSpPr/>
+            <p:nvPr>
+              <p:extLst>
+                <p:ext uri="{386F3935-93C4-4BCD-93E2-E3B085C9AB24}">
+                  <p16:designElem xmlns:p16="http://schemas.microsoft.com/office/powerpoint/2015/main" val="1"/>
+                </p:ext>
+              </p:extLst>
+            </p:nvPr>
+          </p:nvSpPr>
+          <p:spPr bwMode="auto">
+            <a:xfrm>
+              <a:off x="2928938" y="2582862"/>
+              <a:ext cx="2693987" cy="4275138"/>
+            </a:xfrm>
+            <a:custGeom>
+              <a:avLst/>
+              <a:gdLst/>
+              <a:ahLst/>
+              <a:cxnLst/>
+              <a:rect l="0" t="0" r="r" b="b"/>
+              <a:pathLst>
+                <a:path w="1697" h="2693">
+                  <a:moveTo>
+                    <a:pt x="0" y="0"/>
+                  </a:moveTo>
+                  <a:lnTo>
+                    <a:pt x="1622" y="2693"/>
+                  </a:lnTo>
+                  <a:lnTo>
+                    <a:pt x="1697" y="2693"/>
+                  </a:lnTo>
+                  <a:lnTo>
+                    <a:pt x="0" y="0"/>
+                  </a:lnTo>
+                  <a:close/>
+                </a:path>
+              </a:pathLst>
+            </a:custGeom>
+            <a:solidFill>
+              <a:srgbClr val="262626"/>
+            </a:solidFill>
+            <a:ln>
+              <a:noFill/>
+            </a:ln>
+          </p:spPr>
+        </p:sp>
+        <p:sp>
+          <p:nvSpPr>
+            <p:cNvPr id="14" name="Freeform 13">
+              <a:extLst>
+                <a:ext uri="{FF2B5EF4-FFF2-40B4-BE49-F238E27FC236}">
+                  <a16:creationId xmlns:a16="http://schemas.microsoft.com/office/drawing/2014/main" id="{773528ED-4D37-4A77-A8CA-86B6221C5E82}"/>
+                </a:ext>
+                <a:ext uri="{C183D7F6-B498-43B3-948B-1728B52AA6E4}">
+                  <adec:decorative xmlns:adec="http://schemas.microsoft.com/office/drawing/2017/decorative" val="1"/>
+                </a:ext>
+              </a:extLst>
+            </p:cNvPr>
+            <p:cNvSpPr/>
+            <p:nvPr>
+              <p:extLst>
+                <p:ext uri="{386F3935-93C4-4BCD-93E2-E3B085C9AB24}">
+                  <p16:designElem xmlns:p16="http://schemas.microsoft.com/office/powerpoint/2015/main" val="1"/>
+                </p:ext>
+              </p:extLst>
+            </p:nvPr>
+          </p:nvSpPr>
+          <p:spPr bwMode="auto">
+            <a:xfrm>
+              <a:off x="3371850" y="2692400"/>
+              <a:ext cx="3332162" cy="4165600"/>
+            </a:xfrm>
+            <a:custGeom>
+              <a:avLst/>
+              <a:gdLst/>
+              <a:ahLst/>
+              <a:cxnLst/>
+              <a:rect l="0" t="0" r="r" b="b"/>
+              <a:pathLst>
+                <a:path w="2099" h="2624">
+                  <a:moveTo>
+                    <a:pt x="2099" y="2624"/>
+                  </a:moveTo>
+                  <a:lnTo>
+                    <a:pt x="0" y="0"/>
+                  </a:lnTo>
+                  <a:lnTo>
+                    <a:pt x="2021" y="2624"/>
+                  </a:lnTo>
+                  <a:lnTo>
+                    <a:pt x="2099" y="2624"/>
+                  </a:lnTo>
+                  <a:close/>
+                </a:path>
+              </a:pathLst>
+            </a:custGeom>
+            <a:solidFill>
+              <a:schemeClr val="accent1">
+                <a:lumMod val="50000"/>
+              </a:schemeClr>
+            </a:solidFill>
+            <a:ln>
+              <a:noFill/>
+            </a:ln>
+          </p:spPr>
+        </p:sp>
+        <p:sp>
+          <p:nvSpPr>
+            <p:cNvPr id="15" name="Freeform 14">
+              <a:extLst>
+                <a:ext uri="{FF2B5EF4-FFF2-40B4-BE49-F238E27FC236}">
+                  <a16:creationId xmlns:a16="http://schemas.microsoft.com/office/drawing/2014/main" id="{8A58A902-E944-4399-9A93-A91A6A82B166}"/>
+                </a:ext>
+                <a:ext uri="{C183D7F6-B498-43B3-948B-1728B52AA6E4}">
+                  <adec:decorative xmlns:adec="http://schemas.microsoft.com/office/drawing/2017/decorative" val="1"/>
+                </a:ext>
+              </a:extLst>
+            </p:cNvPr>
+            <p:cNvSpPr/>
+            <p:nvPr>
+              <p:extLst>
+                <p:ext uri="{386F3935-93C4-4BCD-93E2-E3B085C9AB24}">
+                  <p16:designElem xmlns:p16="http://schemas.microsoft.com/office/powerpoint/2015/main" val="1"/>
+                </p:ext>
+              </p:extLst>
+            </p:nvPr>
+          </p:nvSpPr>
+          <p:spPr bwMode="auto">
+            <a:xfrm>
+              <a:off x="3367088" y="2687637"/>
+              <a:ext cx="4576762" cy="4170363"/>
+            </a:xfrm>
+            <a:custGeom>
+              <a:avLst/>
+              <a:gdLst/>
+              <a:ahLst/>
+              <a:cxnLst/>
+              <a:rect l="0" t="0" r="r" b="b"/>
+              <a:pathLst>
+                <a:path w="2883" h="2627">
+                  <a:moveTo>
+                    <a:pt x="0" y="0"/>
+                  </a:moveTo>
+                  <a:lnTo>
+                    <a:pt x="3" y="3"/>
+                  </a:lnTo>
+                  <a:lnTo>
+                    <a:pt x="2102" y="2627"/>
+                  </a:lnTo>
+                  <a:lnTo>
+                    <a:pt x="2883" y="2627"/>
+                  </a:lnTo>
+                  <a:lnTo>
+                    <a:pt x="225" y="57"/>
+                  </a:lnTo>
+                  <a:lnTo>
+                    <a:pt x="0" y="0"/>
+                  </a:lnTo>
+                  <a:close/>
+                </a:path>
+              </a:pathLst>
+            </a:custGeom>
+            <a:solidFill>
+              <a:schemeClr val="accent1">
+                <a:lumMod val="75000"/>
+              </a:schemeClr>
+            </a:solidFill>
+            <a:ln>
+              <a:noFill/>
+            </a:ln>
+          </p:spPr>
+        </p:sp>
+        <p:sp>
+          <p:nvSpPr>
+            <p:cNvPr id="29" name="Freeform 15">
+              <a:extLst>
+                <a:ext uri="{FF2B5EF4-FFF2-40B4-BE49-F238E27FC236}">
+                  <a16:creationId xmlns:a16="http://schemas.microsoft.com/office/drawing/2014/main" id="{4EDB1155-2E8E-4FB8-AD42-101FE4383231}"/>
+                </a:ext>
+                <a:ext uri="{C183D7F6-B498-43B3-948B-1728B52AA6E4}">
+                  <adec:decorative xmlns:adec="http://schemas.microsoft.com/office/drawing/2017/decorative" val="1"/>
+                </a:ext>
+              </a:extLst>
+            </p:cNvPr>
+            <p:cNvSpPr/>
+            <p:nvPr>
+              <p:extLst>
+                <p:ext uri="{386F3935-93C4-4BCD-93E2-E3B085C9AB24}">
+                  <p16:designElem xmlns:p16="http://schemas.microsoft.com/office/powerpoint/2015/main" val="1"/>
+                </p:ext>
+              </p:extLst>
+            </p:nvPr>
+          </p:nvSpPr>
+          <p:spPr bwMode="auto">
+            <a:xfrm>
+              <a:off x="2928938" y="2578100"/>
+              <a:ext cx="3584575" cy="4279900"/>
+            </a:xfrm>
+            <a:custGeom>
+              <a:avLst/>
+              <a:gdLst/>
+              <a:ahLst/>
+              <a:cxnLst/>
+              <a:rect l="0" t="0" r="r" b="b"/>
+              <a:pathLst>
+                <a:path w="2258" h="2696">
+                  <a:moveTo>
+                    <a:pt x="2258" y="2696"/>
+                  </a:moveTo>
+                  <a:lnTo>
+                    <a:pt x="264" y="111"/>
+                  </a:lnTo>
+                  <a:lnTo>
+                    <a:pt x="228" y="60"/>
+                  </a:lnTo>
+                  <a:lnTo>
+                    <a:pt x="225" y="57"/>
+                  </a:lnTo>
+                  <a:lnTo>
+                    <a:pt x="0" y="0"/>
+                  </a:lnTo>
+                  <a:lnTo>
+                    <a:pt x="0" y="3"/>
+                  </a:lnTo>
+                  <a:lnTo>
+                    <a:pt x="1697" y="2696"/>
+                  </a:lnTo>
+                  <a:lnTo>
+                    <a:pt x="2258" y="2696"/>
+                  </a:lnTo>
+                  <a:close/>
+                </a:path>
+              </a:pathLst>
+            </a:custGeom>
+            <a:solidFill>
+              <a:srgbClr val="404040"/>
+            </a:solidFill>
+            <a:ln>
+              <a:noFill/>
+            </a:ln>
+          </p:spPr>
+        </p:sp>
+      </p:grpSp>
+      <p:sp>
+        <p:nvSpPr>
+          <p:cNvPr id="2" name="Titolo 1">
+            <a:extLst>
+              <a:ext uri="{FF2B5EF4-FFF2-40B4-BE49-F238E27FC236}">
+                <a16:creationId xmlns:a16="http://schemas.microsoft.com/office/drawing/2014/main" id="{8FC44078-66EB-4CB9-B8A6-6B0170193DEE}"/>
+              </a:ext>
+            </a:extLst>
+          </p:cNvPr>
+          <p:cNvSpPr>
+            <a:spLocks noGrp="1"/>
+          </p:cNvSpPr>
+          <p:nvPr>
+            <p:ph type="title"/>
+          </p:nvPr>
+        </p:nvSpPr>
+        <p:spPr>
+          <a:xfrm>
+            <a:off x="1301062" y="134827"/>
+            <a:ext cx="7817538" cy="990306"/>
+          </a:xfrm>
+        </p:spPr>
+        <p:txBody>
+          <a:bodyPr>
+            <a:normAutofit/>
+          </a:bodyPr>
+          <a:lstStyle/>
+          <a:p>
+            <a:r>
+              <a:rPr lang="it-IT" sz="4400" dirty="0" err="1"/>
+              <a:t>HandBrake</a:t>
+            </a:r>
+            <a:r>
+              <a:rPr lang="it-IT" sz="4400" dirty="0"/>
+              <a:t> Self </a:t>
+            </a:r>
+            <a:r>
+              <a:rPr lang="it-IT" sz="4400" dirty="0" err="1"/>
+              <a:t>Benchmarks</a:t>
+            </a:r>
+            <a:endParaRPr lang="it-IT" sz="3200" dirty="0"/>
+          </a:p>
+        </p:txBody>
+      </p:sp>
+      <p:pic>
+        <p:nvPicPr>
+          <p:cNvPr id="7" name="Immagine 6" descr="Immagine che contiene tavolo&#10;&#10;Descrizione generata automaticamente">
+            <a:extLst>
+              <a:ext uri="{FF2B5EF4-FFF2-40B4-BE49-F238E27FC236}">
+                <a16:creationId xmlns:a16="http://schemas.microsoft.com/office/drawing/2014/main" id="{386255C2-5DA3-44C4-B665-951DAD3B3B08}"/>
+              </a:ext>
+            </a:extLst>
+          </p:cNvPr>
+          <p:cNvPicPr>
+            <a:picLocks noChangeAspect="1"/>
+          </p:cNvPicPr>
+          <p:nvPr/>
+        </p:nvPicPr>
+        <p:blipFill>
+          <a:blip r:embed="rId2">
+            <a:extLst>
+              <a:ext uri="{28A0092B-C50C-407E-A947-70E740481C1C}">
+                <a14:useLocalDpi xmlns:a14="http://schemas.microsoft.com/office/drawing/2010/main" val="0"/>
+              </a:ext>
+            </a:extLst>
+          </a:blip>
+          <a:stretch>
+            <a:fillRect/>
+          </a:stretch>
+        </p:blipFill>
+        <p:spPr>
+          <a:xfrm>
+            <a:off x="997624" y="1129895"/>
+            <a:ext cx="10196752" cy="5028535"/>
+          </a:xfrm>
+          <a:prstGeom prst="rect">
+            <a:avLst/>
+          </a:prstGeom>
+        </p:spPr>
+      </p:pic>
+      <p:sp>
+        <p:nvSpPr>
+          <p:cNvPr id="17" name="CasellaDiTesto 16">
+            <a:extLst>
+              <a:ext uri="{FF2B5EF4-FFF2-40B4-BE49-F238E27FC236}">
+                <a16:creationId xmlns:a16="http://schemas.microsoft.com/office/drawing/2014/main" id="{05B6CD06-8A53-4580-8D61-DB55C424D612}"/>
+              </a:ext>
+            </a:extLst>
+          </p:cNvPr>
+          <p:cNvSpPr txBox="1"/>
+          <p:nvPr/>
+        </p:nvSpPr>
+        <p:spPr>
+          <a:xfrm>
+            <a:off x="924718" y="6265310"/>
+            <a:ext cx="9713911" cy="353943"/>
+          </a:xfrm>
+          <a:prstGeom prst="rect">
+            <a:avLst/>
+          </a:prstGeom>
+          <a:noFill/>
+        </p:spPr>
+        <p:txBody>
+          <a:bodyPr wrap="square" rtlCol="0">
+            <a:spAutoFit/>
+          </a:bodyPr>
+          <a:lstStyle/>
+          <a:p>
+            <a:r>
+              <a:rPr lang="it-IT" sz="1700" dirty="0"/>
+              <a:t>https://handbrake.fr/docs/en/latest/technical/performance.html</a:t>
+            </a:r>
+          </a:p>
+        </p:txBody>
+      </p:sp>
+    </p:spTree>
+    <p:extLst>
+      <p:ext uri="{BB962C8B-B14F-4D97-AF65-F5344CB8AC3E}">
+        <p14:creationId xmlns:p14="http://schemas.microsoft.com/office/powerpoint/2010/main" val="3912147992"/>
+      </p:ext>
+    </p:extLst>
+  </p:cSld>
+  <p:clrMapOvr>
+    <a:overrideClrMapping bg1="dk1" tx1="lt1" bg2="dk2" tx2="lt2" accent1="accent1" accent2="accent2" accent3="accent3" accent4="accent4" accent5="accent5" accent6="accent6" hlink="hlink" folHlink="folHlink"/>
+  </p:clrMapOvr>
+</p:sld>
+</file>
+
+<file path=ppt/slides/slide11.xml><?xml version="1.0" encoding="utf-8"?>
+<p:sld xmlns:a="http://schemas.openxmlformats.org/drawingml/2006/main" xmlns:r="http://schemas.openxmlformats.org/officeDocument/2006/relationships" xmlns:p="http://schemas.openxmlformats.org/presentationml/2006/main">
+  <p:cSld>
+    <p:bg>
+      <p:bgPr>
+        <a:solidFill>
+          <a:schemeClr val="bg2"/>
+        </a:solidFill>
+        <a:effectLst/>
+      </p:bgPr>
+    </p:bg>
+    <p:spTree>
+      <p:nvGrpSpPr>
+        <p:cNvPr id="1" name=""/>
+        <p:cNvGrpSpPr/>
+        <p:nvPr/>
+      </p:nvGrpSpPr>
+      <p:grpSpPr>
+        <a:xfrm>
+          <a:off x="0" y="0"/>
+          <a:ext cx="0" cy="0"/>
+          <a:chOff x="0" y="0"/>
+          <a:chExt cx="0" cy="0"/>
+        </a:xfrm>
+      </p:grpSpPr>
+      <p:sp useBgFill="1">
+        <p:nvSpPr>
+          <p:cNvPr id="28" name="Rectangle 7">
+            <a:extLst>
+              <a:ext uri="{FF2B5EF4-FFF2-40B4-BE49-F238E27FC236}">
+                <a16:creationId xmlns:a16="http://schemas.microsoft.com/office/drawing/2014/main" id="{99CAC3B1-4879-424D-8F15-206277196159}"/>
+              </a:ext>
+              <a:ext uri="{C183D7F6-B498-43B3-948B-1728B52AA6E4}">
+                <adec:decorative xmlns:adec="http://schemas.microsoft.com/office/drawing/2017/decorative" val="1"/>
+              </a:ext>
+            </a:extLst>
+          </p:cNvPr>
+          <p:cNvSpPr>
+            <a:spLocks noGrp="1" noRot="1" noChangeAspect="1" noMove="1" noResize="1" noEditPoints="1" noAdjustHandles="1" noChangeArrowheads="1" noChangeShapeType="1" noTextEdit="1"/>
+          </p:cNvSpPr>
+          <p:nvPr>
+            <p:extLst>
+              <p:ext uri="{386F3935-93C4-4BCD-93E2-E3B085C9AB24}">
+                <p16:designElem xmlns:p16="http://schemas.microsoft.com/office/powerpoint/2015/main" val="1"/>
+              </p:ext>
+            </p:extLst>
+          </p:nvPr>
+        </p:nvSpPr>
+        <p:spPr>
+          <a:xfrm>
+            <a:off x="0" y="0"/>
+            <a:ext cx="12192000" cy="6858000"/>
+          </a:xfrm>
+          <a:prstGeom prst="rect">
+            <a:avLst/>
+          </a:prstGeom>
+          <a:ln>
+            <a:noFill/>
+          </a:ln>
+        </p:spPr>
+        <p:style>
+          <a:lnRef idx="2">
+            <a:schemeClr val="accent1">
+              <a:shade val="50000"/>
+            </a:schemeClr>
+          </a:lnRef>
+          <a:fillRef idx="1">
+            <a:schemeClr val="accent1"/>
+          </a:fillRef>
+          <a:effectRef idx="0">
+            <a:schemeClr val="accent1"/>
+          </a:effectRef>
+          <a:fontRef idx="minor">
+            <a:schemeClr val="lt1"/>
+          </a:fontRef>
+        </p:style>
+        <p:txBody>
+          <a:bodyPr rtlCol="0" anchor="ctr"/>
+          <a:lstStyle/>
+          <a:p>
+            <a:pPr algn="ctr"/>
+            <a:endParaRPr lang="en-US"/>
+          </a:p>
+        </p:txBody>
+      </p:sp>
+      <p:grpSp>
+        <p:nvGrpSpPr>
+          <p:cNvPr id="10" name="Group 9">
+            <a:extLst>
+              <a:ext uri="{FF2B5EF4-FFF2-40B4-BE49-F238E27FC236}">
+                <a16:creationId xmlns:a16="http://schemas.microsoft.com/office/drawing/2014/main" id="{4B8492CB-DFBA-4A82-9778-F21493DA36C1}"/>
+              </a:ext>
+              <a:ext uri="{C183D7F6-B498-43B3-948B-1728B52AA6E4}">
+                <adec:decorative xmlns:adec="http://schemas.microsoft.com/office/drawing/2017/decorative" val="1"/>
+              </a:ext>
+            </a:extLst>
+          </p:cNvPr>
+          <p:cNvGrpSpPr>
+            <a:grpSpLocks noGrp="1" noUngrp="1" noRot="1" noChangeAspect="1" noMove="1" noResize="1"/>
+          </p:cNvGrpSpPr>
+          <p:nvPr>
+            <p:extLst>
+              <p:ext uri="{386F3935-93C4-4BCD-93E2-E3B085C9AB24}">
+                <p16:designElem xmlns:p16="http://schemas.microsoft.com/office/powerpoint/2015/main" val="1"/>
+              </p:ext>
+            </p:extLst>
+          </p:nvPr>
+        </p:nvGrpSpPr>
+        <p:grpSpPr>
+          <a:xfrm flipH="1">
+            <a:off x="6526211" y="0"/>
+            <a:ext cx="5014912" cy="6862763"/>
+            <a:chOff x="2928938" y="-4763"/>
+            <a:chExt cx="5014912" cy="6862763"/>
+          </a:xfrm>
+        </p:grpSpPr>
+        <p:sp>
+          <p:nvSpPr>
+            <p:cNvPr id="11" name="Freeform 6">
+              <a:extLst>
+                <a:ext uri="{FF2B5EF4-FFF2-40B4-BE49-F238E27FC236}">
+                  <a16:creationId xmlns:a16="http://schemas.microsoft.com/office/drawing/2014/main" id="{E34CC1C8-EBDD-4AEA-83E6-B27575B62E2E}"/>
+                </a:ext>
+                <a:ext uri="{C183D7F6-B498-43B3-948B-1728B52AA6E4}">
+                  <adec:decorative xmlns:adec="http://schemas.microsoft.com/office/drawing/2017/decorative" val="1"/>
+                </a:ext>
+              </a:extLst>
+            </p:cNvPr>
+            <p:cNvSpPr/>
+            <p:nvPr>
+              <p:extLst>
+                <p:ext uri="{386F3935-93C4-4BCD-93E2-E3B085C9AB24}">
+                  <p16:designElem xmlns:p16="http://schemas.microsoft.com/office/powerpoint/2015/main" val="1"/>
+                </p:ext>
+              </p:extLst>
+            </p:nvPr>
+          </p:nvSpPr>
+          <p:spPr bwMode="auto">
+            <a:xfrm>
+              <a:off x="3367088" y="-4763"/>
+              <a:ext cx="1063625" cy="2782888"/>
+            </a:xfrm>
+            <a:custGeom>
+              <a:avLst/>
+              <a:gdLst/>
+              <a:ahLst/>
+              <a:cxnLst/>
+              <a:rect l="0" t="0" r="r" b="b"/>
+              <a:pathLst>
+                <a:path w="670" h="1753">
+                  <a:moveTo>
+                    <a:pt x="0" y="1696"/>
+                  </a:moveTo>
+                  <a:lnTo>
+                    <a:pt x="225" y="1753"/>
+                  </a:lnTo>
+                  <a:lnTo>
+                    <a:pt x="670" y="0"/>
+                  </a:lnTo>
+                  <a:lnTo>
+                    <a:pt x="430" y="0"/>
+                  </a:lnTo>
+                  <a:lnTo>
+                    <a:pt x="0" y="1696"/>
+                  </a:lnTo>
+                  <a:close/>
+                </a:path>
+              </a:pathLst>
+            </a:custGeom>
+            <a:solidFill>
+              <a:schemeClr val="accent1"/>
+            </a:solidFill>
+            <a:ln>
+              <a:noFill/>
+            </a:ln>
+          </p:spPr>
+        </p:sp>
+        <p:sp>
+          <p:nvSpPr>
+            <p:cNvPr id="12" name="Freeform 7">
+              <a:extLst>
+                <a:ext uri="{FF2B5EF4-FFF2-40B4-BE49-F238E27FC236}">
+                  <a16:creationId xmlns:a16="http://schemas.microsoft.com/office/drawing/2014/main" id="{D6B38644-B85D-4211-9526-5B4C2A662BF7}"/>
+                </a:ext>
+                <a:ext uri="{C183D7F6-B498-43B3-948B-1728B52AA6E4}">
+                  <adec:decorative xmlns:adec="http://schemas.microsoft.com/office/drawing/2017/decorative" val="1"/>
+                </a:ext>
+              </a:extLst>
+            </p:cNvPr>
+            <p:cNvSpPr/>
+            <p:nvPr>
+              <p:extLst>
+                <p:ext uri="{386F3935-93C4-4BCD-93E2-E3B085C9AB24}">
+                  <p16:designElem xmlns:p16="http://schemas.microsoft.com/office/powerpoint/2015/main" val="1"/>
+                </p:ext>
+              </p:extLst>
+            </p:nvPr>
+          </p:nvSpPr>
+          <p:spPr bwMode="auto">
+            <a:xfrm>
+              <a:off x="2928938" y="-4763"/>
+              <a:ext cx="1035050" cy="2673350"/>
+            </a:xfrm>
+            <a:custGeom>
+              <a:avLst/>
+              <a:gdLst/>
+              <a:ahLst/>
+              <a:cxnLst/>
+              <a:rect l="0" t="0" r="r" b="b"/>
+              <a:pathLst>
+                <a:path w="652" h="1684">
+                  <a:moveTo>
+                    <a:pt x="225" y="1684"/>
+                  </a:moveTo>
+                  <a:lnTo>
+                    <a:pt x="652" y="0"/>
+                  </a:lnTo>
+                  <a:lnTo>
+                    <a:pt x="411" y="0"/>
+                  </a:lnTo>
+                  <a:lnTo>
+                    <a:pt x="0" y="1627"/>
+                  </a:lnTo>
+                  <a:lnTo>
+                    <a:pt x="219" y="1681"/>
+                  </a:lnTo>
+                  <a:lnTo>
+                    <a:pt x="225" y="1684"/>
+                  </a:lnTo>
+                  <a:close/>
+                </a:path>
+              </a:pathLst>
+            </a:custGeom>
+            <a:solidFill>
+              <a:srgbClr val="595959"/>
+            </a:solidFill>
+            <a:ln>
+              <a:noFill/>
+            </a:ln>
+          </p:spPr>
+        </p:sp>
+        <p:sp>
+          <p:nvSpPr>
+            <p:cNvPr id="13" name="Freeform 12">
+              <a:extLst>
+                <a:ext uri="{FF2B5EF4-FFF2-40B4-BE49-F238E27FC236}">
+                  <a16:creationId xmlns:a16="http://schemas.microsoft.com/office/drawing/2014/main" id="{8A8B2820-6B8F-4C19-BFC5-D28EE44E54CB}"/>
+                </a:ext>
+                <a:ext uri="{C183D7F6-B498-43B3-948B-1728B52AA6E4}">
+                  <adec:decorative xmlns:adec="http://schemas.microsoft.com/office/drawing/2017/decorative" val="1"/>
+                </a:ext>
+              </a:extLst>
+            </p:cNvPr>
+            <p:cNvSpPr/>
+            <p:nvPr>
+              <p:extLst>
+                <p:ext uri="{386F3935-93C4-4BCD-93E2-E3B085C9AB24}">
+                  <p16:designElem xmlns:p16="http://schemas.microsoft.com/office/powerpoint/2015/main" val="1"/>
+                </p:ext>
+              </p:extLst>
+            </p:nvPr>
+          </p:nvSpPr>
+          <p:spPr bwMode="auto">
+            <a:xfrm>
+              <a:off x="2928938" y="2582862"/>
+              <a:ext cx="2693987" cy="4275138"/>
+            </a:xfrm>
+            <a:custGeom>
+              <a:avLst/>
+              <a:gdLst/>
+              <a:ahLst/>
+              <a:cxnLst/>
+              <a:rect l="0" t="0" r="r" b="b"/>
+              <a:pathLst>
+                <a:path w="1697" h="2693">
+                  <a:moveTo>
+                    <a:pt x="0" y="0"/>
+                  </a:moveTo>
+                  <a:lnTo>
+                    <a:pt x="1622" y="2693"/>
+                  </a:lnTo>
+                  <a:lnTo>
+                    <a:pt x="1697" y="2693"/>
+                  </a:lnTo>
+                  <a:lnTo>
+                    <a:pt x="0" y="0"/>
+                  </a:lnTo>
+                  <a:close/>
+                </a:path>
+              </a:pathLst>
+            </a:custGeom>
+            <a:solidFill>
+              <a:srgbClr val="262626"/>
+            </a:solidFill>
+            <a:ln>
+              <a:noFill/>
+            </a:ln>
+          </p:spPr>
+        </p:sp>
+        <p:sp>
+          <p:nvSpPr>
+            <p:cNvPr id="14" name="Freeform 13">
+              <a:extLst>
+                <a:ext uri="{FF2B5EF4-FFF2-40B4-BE49-F238E27FC236}">
+                  <a16:creationId xmlns:a16="http://schemas.microsoft.com/office/drawing/2014/main" id="{773528ED-4D37-4A77-A8CA-86B6221C5E82}"/>
+                </a:ext>
+                <a:ext uri="{C183D7F6-B498-43B3-948B-1728B52AA6E4}">
+                  <adec:decorative xmlns:adec="http://schemas.microsoft.com/office/drawing/2017/decorative" val="1"/>
+                </a:ext>
+              </a:extLst>
+            </p:cNvPr>
+            <p:cNvSpPr/>
+            <p:nvPr>
+              <p:extLst>
+                <p:ext uri="{386F3935-93C4-4BCD-93E2-E3B085C9AB24}">
+                  <p16:designElem xmlns:p16="http://schemas.microsoft.com/office/powerpoint/2015/main" val="1"/>
+                </p:ext>
+              </p:extLst>
+            </p:nvPr>
+          </p:nvSpPr>
+          <p:spPr bwMode="auto">
+            <a:xfrm>
+              <a:off x="3371850" y="2692400"/>
+              <a:ext cx="3332162" cy="4165600"/>
+            </a:xfrm>
+            <a:custGeom>
+              <a:avLst/>
+              <a:gdLst/>
+              <a:ahLst/>
+              <a:cxnLst/>
+              <a:rect l="0" t="0" r="r" b="b"/>
+              <a:pathLst>
+                <a:path w="2099" h="2624">
+                  <a:moveTo>
+                    <a:pt x="2099" y="2624"/>
+                  </a:moveTo>
+                  <a:lnTo>
+                    <a:pt x="0" y="0"/>
+                  </a:lnTo>
+                  <a:lnTo>
+                    <a:pt x="2021" y="2624"/>
+                  </a:lnTo>
+                  <a:lnTo>
+                    <a:pt x="2099" y="2624"/>
+                  </a:lnTo>
+                  <a:close/>
+                </a:path>
+              </a:pathLst>
+            </a:custGeom>
+            <a:solidFill>
+              <a:schemeClr val="accent1">
+                <a:lumMod val="50000"/>
+              </a:schemeClr>
+            </a:solidFill>
+            <a:ln>
+              <a:noFill/>
+            </a:ln>
+          </p:spPr>
+        </p:sp>
+        <p:sp>
+          <p:nvSpPr>
+            <p:cNvPr id="15" name="Freeform 14">
+              <a:extLst>
+                <a:ext uri="{FF2B5EF4-FFF2-40B4-BE49-F238E27FC236}">
+                  <a16:creationId xmlns:a16="http://schemas.microsoft.com/office/drawing/2014/main" id="{8A58A902-E944-4399-9A93-A91A6A82B166}"/>
+                </a:ext>
+                <a:ext uri="{C183D7F6-B498-43B3-948B-1728B52AA6E4}">
+                  <adec:decorative xmlns:adec="http://schemas.microsoft.com/office/drawing/2017/decorative" val="1"/>
+                </a:ext>
+              </a:extLst>
+            </p:cNvPr>
+            <p:cNvSpPr/>
+            <p:nvPr>
+              <p:extLst>
+                <p:ext uri="{386F3935-93C4-4BCD-93E2-E3B085C9AB24}">
+                  <p16:designElem xmlns:p16="http://schemas.microsoft.com/office/powerpoint/2015/main" val="1"/>
+                </p:ext>
+              </p:extLst>
+            </p:nvPr>
+          </p:nvSpPr>
+          <p:spPr bwMode="auto">
+            <a:xfrm>
+              <a:off x="3367088" y="2687637"/>
+              <a:ext cx="4576762" cy="4170363"/>
+            </a:xfrm>
+            <a:custGeom>
+              <a:avLst/>
+              <a:gdLst/>
+              <a:ahLst/>
+              <a:cxnLst/>
+              <a:rect l="0" t="0" r="r" b="b"/>
+              <a:pathLst>
+                <a:path w="2883" h="2627">
+                  <a:moveTo>
+                    <a:pt x="0" y="0"/>
+                  </a:moveTo>
+                  <a:lnTo>
+                    <a:pt x="3" y="3"/>
+                  </a:lnTo>
+                  <a:lnTo>
+                    <a:pt x="2102" y="2627"/>
+                  </a:lnTo>
+                  <a:lnTo>
+                    <a:pt x="2883" y="2627"/>
+                  </a:lnTo>
+                  <a:lnTo>
+                    <a:pt x="225" y="57"/>
+                  </a:lnTo>
+                  <a:lnTo>
+                    <a:pt x="0" y="0"/>
+                  </a:lnTo>
+                  <a:close/>
+                </a:path>
+              </a:pathLst>
+            </a:custGeom>
+            <a:solidFill>
+              <a:schemeClr val="accent1">
+                <a:lumMod val="75000"/>
+              </a:schemeClr>
+            </a:solidFill>
+            <a:ln>
+              <a:noFill/>
+            </a:ln>
+          </p:spPr>
+        </p:sp>
+        <p:sp>
+          <p:nvSpPr>
+            <p:cNvPr id="29" name="Freeform 15">
+              <a:extLst>
+                <a:ext uri="{FF2B5EF4-FFF2-40B4-BE49-F238E27FC236}">
+                  <a16:creationId xmlns:a16="http://schemas.microsoft.com/office/drawing/2014/main" id="{4EDB1155-2E8E-4FB8-AD42-101FE4383231}"/>
+                </a:ext>
+                <a:ext uri="{C183D7F6-B498-43B3-948B-1728B52AA6E4}">
+                  <adec:decorative xmlns:adec="http://schemas.microsoft.com/office/drawing/2017/decorative" val="1"/>
+                </a:ext>
+              </a:extLst>
+            </p:cNvPr>
+            <p:cNvSpPr/>
+            <p:nvPr>
+              <p:extLst>
+                <p:ext uri="{386F3935-93C4-4BCD-93E2-E3B085C9AB24}">
+                  <p16:designElem xmlns:p16="http://schemas.microsoft.com/office/powerpoint/2015/main" val="1"/>
+                </p:ext>
+              </p:extLst>
+            </p:nvPr>
+          </p:nvSpPr>
+          <p:spPr bwMode="auto">
+            <a:xfrm>
+              <a:off x="2928938" y="2578100"/>
+              <a:ext cx="3584575" cy="4279900"/>
+            </a:xfrm>
+            <a:custGeom>
+              <a:avLst/>
+              <a:gdLst/>
+              <a:ahLst/>
+              <a:cxnLst/>
+              <a:rect l="0" t="0" r="r" b="b"/>
+              <a:pathLst>
+                <a:path w="2258" h="2696">
+                  <a:moveTo>
+                    <a:pt x="2258" y="2696"/>
+                  </a:moveTo>
+                  <a:lnTo>
+                    <a:pt x="264" y="111"/>
+                  </a:lnTo>
+                  <a:lnTo>
+                    <a:pt x="228" y="60"/>
+                  </a:lnTo>
+                  <a:lnTo>
+                    <a:pt x="225" y="57"/>
+                  </a:lnTo>
+                  <a:lnTo>
+                    <a:pt x="0" y="0"/>
+                  </a:lnTo>
+                  <a:lnTo>
+                    <a:pt x="0" y="3"/>
+                  </a:lnTo>
+                  <a:lnTo>
+                    <a:pt x="1697" y="2696"/>
+                  </a:lnTo>
+                  <a:lnTo>
+                    <a:pt x="2258" y="2696"/>
+                  </a:lnTo>
+                  <a:close/>
+                </a:path>
+              </a:pathLst>
+            </a:custGeom>
+            <a:solidFill>
+              <a:srgbClr val="404040"/>
+            </a:solidFill>
+            <a:ln>
+              <a:noFill/>
+            </a:ln>
+          </p:spPr>
+        </p:sp>
+      </p:grpSp>
+      <p:sp>
+        <p:nvSpPr>
+          <p:cNvPr id="2" name="Titolo 1">
+            <a:extLst>
+              <a:ext uri="{FF2B5EF4-FFF2-40B4-BE49-F238E27FC236}">
+                <a16:creationId xmlns:a16="http://schemas.microsoft.com/office/drawing/2014/main" id="{8FC44078-66EB-4CB9-B8A6-6B0170193DEE}"/>
+              </a:ext>
+            </a:extLst>
+          </p:cNvPr>
+          <p:cNvSpPr>
+            <a:spLocks noGrp="1"/>
+          </p:cNvSpPr>
+          <p:nvPr>
+            <p:ph type="title"/>
+          </p:nvPr>
+        </p:nvSpPr>
+        <p:spPr>
+          <a:xfrm>
+            <a:off x="1301062" y="134827"/>
+            <a:ext cx="7817538" cy="990306"/>
+          </a:xfrm>
+        </p:spPr>
+        <p:txBody>
+          <a:bodyPr>
+            <a:normAutofit/>
+          </a:bodyPr>
+          <a:lstStyle/>
+          <a:p>
+            <a:r>
+              <a:rPr lang="it-IT" sz="4400" dirty="0" err="1"/>
+              <a:t>HandBrake</a:t>
+            </a:r>
+            <a:r>
+              <a:rPr lang="it-IT" sz="4400" dirty="0"/>
+              <a:t> Self </a:t>
+            </a:r>
+            <a:r>
+              <a:rPr lang="it-IT" sz="4400" dirty="0" err="1"/>
+              <a:t>Benchmarks</a:t>
+            </a:r>
+            <a:endParaRPr lang="it-IT" sz="3200" dirty="0"/>
+          </a:p>
+        </p:txBody>
+      </p:sp>
+      <p:sp>
+        <p:nvSpPr>
+          <p:cNvPr id="17" name="CasellaDiTesto 16">
+            <a:extLst>
+              <a:ext uri="{FF2B5EF4-FFF2-40B4-BE49-F238E27FC236}">
+                <a16:creationId xmlns:a16="http://schemas.microsoft.com/office/drawing/2014/main" id="{05B6CD06-8A53-4580-8D61-DB55C424D612}"/>
+              </a:ext>
+            </a:extLst>
+          </p:cNvPr>
+          <p:cNvSpPr txBox="1"/>
+          <p:nvPr/>
+        </p:nvSpPr>
+        <p:spPr>
+          <a:xfrm>
+            <a:off x="650877" y="6247954"/>
+            <a:ext cx="9713911" cy="353943"/>
+          </a:xfrm>
+          <a:prstGeom prst="rect">
+            <a:avLst/>
+          </a:prstGeom>
+          <a:noFill/>
+        </p:spPr>
+        <p:txBody>
+          <a:bodyPr wrap="square" rtlCol="0">
+            <a:spAutoFit/>
+          </a:bodyPr>
+          <a:lstStyle/>
+          <a:p>
+            <a:r>
+              <a:rPr lang="it-IT" sz="1700" dirty="0"/>
+              <a:t>https://handbrake.fr/docs/en/latest/technical/performance.html</a:t>
+            </a:r>
+          </a:p>
+        </p:txBody>
+      </p:sp>
+      <p:pic>
+        <p:nvPicPr>
+          <p:cNvPr id="4" name="Immagine 3" descr="Immagine che contiene tavolo&#10;&#10;Descrizione generata automaticamente">
+            <a:extLst>
+              <a:ext uri="{FF2B5EF4-FFF2-40B4-BE49-F238E27FC236}">
+                <a16:creationId xmlns:a16="http://schemas.microsoft.com/office/drawing/2014/main" id="{E5FA68BB-4BCB-40F9-9F71-903DC8526DC1}"/>
+              </a:ext>
+            </a:extLst>
+          </p:cNvPr>
+          <p:cNvPicPr>
+            <a:picLocks noChangeAspect="1"/>
+          </p:cNvPicPr>
+          <p:nvPr/>
+        </p:nvPicPr>
+        <p:blipFill>
+          <a:blip r:embed="rId2">
+            <a:extLst>
+              <a:ext uri="{28A0092B-C50C-407E-A947-70E740481C1C}">
+                <a14:useLocalDpi xmlns:a14="http://schemas.microsoft.com/office/drawing/2010/main" val="0"/>
+              </a:ext>
+            </a:extLst>
+          </a:blip>
+          <a:stretch>
+            <a:fillRect/>
+          </a:stretch>
+        </p:blipFill>
+        <p:spPr>
+          <a:xfrm>
+            <a:off x="650877" y="1259960"/>
+            <a:ext cx="10857473" cy="4706938"/>
+          </a:xfrm>
+          <a:prstGeom prst="rect">
+            <a:avLst/>
+          </a:prstGeom>
+        </p:spPr>
+      </p:pic>
+    </p:spTree>
+    <p:extLst>
+      <p:ext uri="{BB962C8B-B14F-4D97-AF65-F5344CB8AC3E}">
+        <p14:creationId xmlns:p14="http://schemas.microsoft.com/office/powerpoint/2010/main" val="2824115227"/>
+      </p:ext>
+    </p:extLst>
+  </p:cSld>
+  <p:clrMapOvr>
+    <a:overrideClrMapping bg1="dk1" tx1="lt1" bg2="dk2" tx2="lt2" accent1="accent1" accent2="accent2" accent3="accent3" accent4="accent4" accent5="accent5" accent6="accent6" hlink="hlink" folHlink="folHlink"/>
+  </p:clrMapOvr>
 </p:sld>
 </file>
 
@@ -16077,7 +17329,7 @@
         <p:spPr>
           <a:xfrm>
             <a:off x="685799" y="2103727"/>
-            <a:ext cx="7391401" cy="3970866"/>
+            <a:ext cx="7666038" cy="3970866"/>
           </a:xfrm>
           <a:prstGeom prst="rect">
             <a:avLst/>
@@ -16088,7 +17340,7 @@
             <a:prstTxWarp prst="textNoShape">
               <a:avLst/>
             </a:prstTxWarp>
-            <a:normAutofit/>
+            <a:normAutofit fontScale="92500"/>
           </a:bodyPr>
           <a:lstStyle/>
           <a:p>
@@ -16166,6 +17418,38 @@
             </a:r>
           </a:p>
           <a:p>
+            <a:pPr marL="571500" indent="-571500" defTabSz="457200">
+              <a:spcBef>
+                <a:spcPct val="20000"/>
+              </a:spcBef>
+              <a:spcAft>
+                <a:spcPts val="600"/>
+              </a:spcAft>
+              <a:buClr>
+                <a:srgbClr val="688727"/>
+              </a:buClr>
+              <a:buSzPct val="145000"/>
+              <a:buFont typeface="Arial"/>
+              <a:buChar char="•"/>
+            </a:pPr>
+            <a:r>
+              <a:rPr lang="en-US" sz="4000" b="1" dirty="0">
+                <a:solidFill>
+                  <a:schemeClr val="bg1"/>
+                </a:solidFill>
+              </a:rPr>
+              <a:t>Claim to be efficient </a:t>
+            </a:r>
+            <a:r>
+              <a:rPr lang="en-US" sz="4000" dirty="0">
+                <a:solidFill>
+                  <a:schemeClr val="bg1"/>
+                </a:solidFill>
+              </a:rPr>
+              <a:t>in term of compression capabilities over time</a:t>
+            </a:r>
+          </a:p>
+          <a:p>
             <a:pPr defTabSz="457200">
               <a:spcBef>
                 <a:spcPct val="20000"/>
@@ -16178,7 +17462,7 @@
               </a:buClr>
               <a:buSzPct val="145000"/>
             </a:pPr>
-            <a:endParaRPr lang="en-US"/>
+            <a:endParaRPr lang="en-US" dirty="0"/>
           </a:p>
         </p:txBody>
       </p:sp>
@@ -16614,6 +17898,1342 @@
   </p:cSld>
   <p:clrMapOvr>
     <a:masterClrMapping/>
+  </p:clrMapOvr>
+</p:sld>
+</file>
+
+<file path=ppt/slides/slide8.xml><?xml version="1.0" encoding="utf-8"?>
+<p:sld xmlns:a="http://schemas.openxmlformats.org/drawingml/2006/main" xmlns:r="http://schemas.openxmlformats.org/officeDocument/2006/relationships" xmlns:p="http://schemas.openxmlformats.org/presentationml/2006/main">
+  <p:cSld>
+    <p:bg>
+      <p:bgPr>
+        <a:blipFill rotWithShape="1">
+          <a:blip r:embed="rId2">
+            <a:duotone>
+              <a:schemeClr val="bg2">
+                <a:shade val="76000"/>
+                <a:satMod val="180000"/>
+              </a:schemeClr>
+              <a:schemeClr val="bg2">
+                <a:tint val="80000"/>
+                <a:satMod val="120000"/>
+                <a:lumMod val="180000"/>
+              </a:schemeClr>
+            </a:duotone>
+          </a:blip>
+          <a:stretch/>
+        </a:blipFill>
+        <a:effectLst/>
+      </p:bgPr>
+    </p:bg>
+    <p:spTree>
+      <p:nvGrpSpPr>
+        <p:cNvPr id="1" name=""/>
+        <p:cNvGrpSpPr/>
+        <p:nvPr/>
+      </p:nvGrpSpPr>
+      <p:grpSpPr>
+        <a:xfrm>
+          <a:off x="0" y="0"/>
+          <a:ext cx="0" cy="0"/>
+          <a:chOff x="0" y="0"/>
+          <a:chExt cx="0" cy="0"/>
+        </a:xfrm>
+      </p:grpSpPr>
+      <p:sp useBgFill="1">
+        <p:nvSpPr>
+          <p:cNvPr id="66" name="Rectangle 65">
+            <a:extLst>
+              <a:ext uri="{FF2B5EF4-FFF2-40B4-BE49-F238E27FC236}">
+                <a16:creationId xmlns:a16="http://schemas.microsoft.com/office/drawing/2014/main" id="{BA79F213-51C2-42E5-A917-142526CC6716}"/>
+              </a:ext>
+              <a:ext uri="{C183D7F6-B498-43B3-948B-1728B52AA6E4}">
+                <adec:decorative xmlns:adec="http://schemas.microsoft.com/office/drawing/2017/decorative" val="1"/>
+              </a:ext>
+            </a:extLst>
+          </p:cNvPr>
+          <p:cNvSpPr>
+            <a:spLocks noGrp="1" noRot="1" noChangeAspect="1" noMove="1" noResize="1" noEditPoints="1" noAdjustHandles="1" noChangeArrowheads="1" noChangeShapeType="1" noTextEdit="1"/>
+          </p:cNvSpPr>
+          <p:nvPr>
+            <p:extLst>
+              <p:ext uri="{386F3935-93C4-4BCD-93E2-E3B085C9AB24}">
+                <p16:designElem xmlns:p16="http://schemas.microsoft.com/office/powerpoint/2015/main" val="1"/>
+              </p:ext>
+            </p:extLst>
+          </p:nvPr>
+        </p:nvSpPr>
+        <p:spPr>
+          <a:xfrm>
+            <a:off x="0" y="0"/>
+            <a:ext cx="12192000" cy="6858000"/>
+          </a:xfrm>
+          <a:prstGeom prst="rect">
+            <a:avLst/>
+          </a:prstGeom>
+          <a:ln>
+            <a:noFill/>
+          </a:ln>
+        </p:spPr>
+        <p:style>
+          <a:lnRef idx="2">
+            <a:schemeClr val="accent1">
+              <a:shade val="50000"/>
+            </a:schemeClr>
+          </a:lnRef>
+          <a:fillRef idx="1">
+            <a:schemeClr val="accent1"/>
+          </a:fillRef>
+          <a:effectRef idx="0">
+            <a:schemeClr val="accent1"/>
+          </a:effectRef>
+          <a:fontRef idx="minor">
+            <a:schemeClr val="lt1"/>
+          </a:fontRef>
+        </p:style>
+        <p:txBody>
+          <a:bodyPr rtlCol="0" anchor="ctr"/>
+          <a:lstStyle/>
+          <a:p>
+            <a:pPr algn="ctr"/>
+            <a:endParaRPr lang="en-US"/>
+          </a:p>
+        </p:txBody>
+      </p:sp>
+      <p:pic>
+        <p:nvPicPr>
+          <p:cNvPr id="14" name="Picture 4" descr="Camera lens">
+            <a:extLst>
+              <a:ext uri="{FF2B5EF4-FFF2-40B4-BE49-F238E27FC236}">
+                <a16:creationId xmlns:a16="http://schemas.microsoft.com/office/drawing/2014/main" id="{EE8FE827-DE07-41C9-AA7C-8D1548D8487B}"/>
+              </a:ext>
+            </a:extLst>
+          </p:cNvPr>
+          <p:cNvPicPr>
+            <a:picLocks noChangeAspect="1"/>
+          </p:cNvPicPr>
+          <p:nvPr/>
+        </p:nvPicPr>
+        <p:blipFill rotWithShape="1">
+          <a:blip r:embed="rId3"/>
+          <a:srcRect t="13111" r="9091" b="10281"/>
+          <a:stretch/>
+        </p:blipFill>
+        <p:spPr>
+          <a:xfrm>
+            <a:off x="20" y="10"/>
+            <a:ext cx="12191980" cy="6857990"/>
+          </a:xfrm>
+          <a:prstGeom prst="rect">
+            <a:avLst/>
+          </a:prstGeom>
+        </p:spPr>
+      </p:pic>
+      <p:sp>
+        <p:nvSpPr>
+          <p:cNvPr id="68" name="Freeform 15">
+            <a:extLst>
+              <a:ext uri="{FF2B5EF4-FFF2-40B4-BE49-F238E27FC236}">
+                <a16:creationId xmlns:a16="http://schemas.microsoft.com/office/drawing/2014/main" id="{C478AE16-9FFE-40EC-B81F-FAD67DA86064}"/>
+              </a:ext>
+              <a:ext uri="{C183D7F6-B498-43B3-948B-1728B52AA6E4}">
+                <adec:decorative xmlns:adec="http://schemas.microsoft.com/office/drawing/2017/decorative" val="1"/>
+              </a:ext>
+            </a:extLst>
+          </p:cNvPr>
+          <p:cNvSpPr>
+            <a:spLocks noGrp="1" noRot="1" noChangeAspect="1" noMove="1" noResize="1" noEditPoints="1" noAdjustHandles="1" noChangeArrowheads="1" noChangeShapeType="1" noTextEdit="1"/>
+          </p:cNvSpPr>
+          <p:nvPr>
+            <p:extLst>
+              <p:ext uri="{386F3935-93C4-4BCD-93E2-E3B085C9AB24}">
+                <p16:designElem xmlns:p16="http://schemas.microsoft.com/office/powerpoint/2015/main" val="1"/>
+              </p:ext>
+            </p:extLst>
+          </p:nvPr>
+        </p:nvSpPr>
+        <p:spPr bwMode="white">
+          <a:xfrm>
+            <a:off x="-16933" y="-16933"/>
+            <a:ext cx="9491133" cy="6883400"/>
+          </a:xfrm>
+          <a:custGeom>
+            <a:avLst/>
+            <a:gdLst>
+              <a:gd name="connsiteX0" fmla="*/ 5427133 w 7340600"/>
+              <a:gd name="connsiteY0" fmla="*/ 8466 h 6883400"/>
+              <a:gd name="connsiteX1" fmla="*/ 4783666 w 7340600"/>
+              <a:gd name="connsiteY1" fmla="*/ 2573866 h 6883400"/>
+              <a:gd name="connsiteX2" fmla="*/ 7340600 w 7340600"/>
+              <a:gd name="connsiteY2" fmla="*/ 6874933 h 6883400"/>
+              <a:gd name="connsiteX3" fmla="*/ 0 w 7340600"/>
+              <a:gd name="connsiteY3" fmla="*/ 6883400 h 6883400"/>
+              <a:gd name="connsiteX4" fmla="*/ 8466 w 7340600"/>
+              <a:gd name="connsiteY4" fmla="*/ 0 h 6883400"/>
+              <a:gd name="connsiteX5" fmla="*/ 5427133 w 7340600"/>
+              <a:gd name="connsiteY5" fmla="*/ 8466 h 6883400"/>
+              <a:gd name="connsiteX0" fmla="*/ 9203266 w 9203266"/>
+              <a:gd name="connsiteY0" fmla="*/ 16933 h 6883400"/>
+              <a:gd name="connsiteX1" fmla="*/ 4783666 w 9203266"/>
+              <a:gd name="connsiteY1" fmla="*/ 2573866 h 6883400"/>
+              <a:gd name="connsiteX2" fmla="*/ 7340600 w 9203266"/>
+              <a:gd name="connsiteY2" fmla="*/ 6874933 h 6883400"/>
+              <a:gd name="connsiteX3" fmla="*/ 0 w 9203266"/>
+              <a:gd name="connsiteY3" fmla="*/ 6883400 h 6883400"/>
+              <a:gd name="connsiteX4" fmla="*/ 8466 w 9203266"/>
+              <a:gd name="connsiteY4" fmla="*/ 0 h 6883400"/>
+              <a:gd name="connsiteX5" fmla="*/ 9203266 w 9203266"/>
+              <a:gd name="connsiteY5" fmla="*/ 16933 h 6883400"/>
+              <a:gd name="connsiteX0" fmla="*/ 9203266 w 9203266"/>
+              <a:gd name="connsiteY0" fmla="*/ 16933 h 6883400"/>
+              <a:gd name="connsiteX1" fmla="*/ 8339666 w 9203266"/>
+              <a:gd name="connsiteY1" fmla="*/ 5240866 h 6883400"/>
+              <a:gd name="connsiteX2" fmla="*/ 7340600 w 9203266"/>
+              <a:gd name="connsiteY2" fmla="*/ 6874933 h 6883400"/>
+              <a:gd name="connsiteX3" fmla="*/ 0 w 9203266"/>
+              <a:gd name="connsiteY3" fmla="*/ 6883400 h 6883400"/>
+              <a:gd name="connsiteX4" fmla="*/ 8466 w 9203266"/>
+              <a:gd name="connsiteY4" fmla="*/ 0 h 6883400"/>
+              <a:gd name="connsiteX5" fmla="*/ 9203266 w 9203266"/>
+              <a:gd name="connsiteY5" fmla="*/ 16933 h 6883400"/>
+              <a:gd name="connsiteX0" fmla="*/ 9203266 w 9491133"/>
+              <a:gd name="connsiteY0" fmla="*/ 16933 h 6883400"/>
+              <a:gd name="connsiteX1" fmla="*/ 8339666 w 9491133"/>
+              <a:gd name="connsiteY1" fmla="*/ 5240866 h 6883400"/>
+              <a:gd name="connsiteX2" fmla="*/ 9491133 w 9491133"/>
+              <a:gd name="connsiteY2" fmla="*/ 6883400 h 6883400"/>
+              <a:gd name="connsiteX3" fmla="*/ 0 w 9491133"/>
+              <a:gd name="connsiteY3" fmla="*/ 6883400 h 6883400"/>
+              <a:gd name="connsiteX4" fmla="*/ 8466 w 9491133"/>
+              <a:gd name="connsiteY4" fmla="*/ 0 h 6883400"/>
+              <a:gd name="connsiteX5" fmla="*/ 9203266 w 9491133"/>
+              <a:gd name="connsiteY5" fmla="*/ 16933 h 6883400"/>
+            </a:gdLst>
+            <a:ahLst/>
+            <a:cxnLst>
+              <a:cxn ang="0">
+                <a:pos x="connsiteX0" y="connsiteY0"/>
+              </a:cxn>
+              <a:cxn ang="0">
+                <a:pos x="connsiteX1" y="connsiteY1"/>
+              </a:cxn>
+              <a:cxn ang="0">
+                <a:pos x="connsiteX2" y="connsiteY2"/>
+              </a:cxn>
+              <a:cxn ang="0">
+                <a:pos x="connsiteX3" y="connsiteY3"/>
+              </a:cxn>
+              <a:cxn ang="0">
+                <a:pos x="connsiteX4" y="connsiteY4"/>
+              </a:cxn>
+              <a:cxn ang="0">
+                <a:pos x="connsiteX5" y="connsiteY5"/>
+              </a:cxn>
+            </a:cxnLst>
+            <a:rect l="l" t="t" r="r" b="b"/>
+            <a:pathLst>
+              <a:path w="9491133" h="6883400">
+                <a:moveTo>
+                  <a:pt x="9203266" y="16933"/>
+                </a:moveTo>
+                <a:lnTo>
+                  <a:pt x="8339666" y="5240866"/>
+                </a:lnTo>
+                <a:lnTo>
+                  <a:pt x="9491133" y="6883400"/>
+                </a:lnTo>
+                <a:lnTo>
+                  <a:pt x="0" y="6883400"/>
+                </a:lnTo>
+                <a:lnTo>
+                  <a:pt x="8466" y="0"/>
+                </a:lnTo>
+                <a:lnTo>
+                  <a:pt x="9203266" y="16933"/>
+                </a:lnTo>
+                <a:close/>
+              </a:path>
+            </a:pathLst>
+          </a:custGeom>
+          <a:solidFill>
+            <a:schemeClr val="tx1">
+              <a:lumMod val="95000"/>
+              <a:lumOff val="5000"/>
+              <a:alpha val="80000"/>
+            </a:schemeClr>
+          </a:solidFill>
+          <a:ln>
+            <a:noFill/>
+          </a:ln>
+          <a:effectLst/>
+        </p:spPr>
+        <p:style>
+          <a:lnRef idx="1">
+            <a:schemeClr val="accent1"/>
+          </a:lnRef>
+          <a:fillRef idx="3">
+            <a:schemeClr val="accent1"/>
+          </a:fillRef>
+          <a:effectRef idx="2">
+            <a:schemeClr val="accent1"/>
+          </a:effectRef>
+          <a:fontRef idx="minor">
+            <a:schemeClr val="lt1"/>
+          </a:fontRef>
+        </p:style>
+        <p:txBody>
+          <a:bodyPr rtlCol="0" anchor="ctr"/>
+          <a:lstStyle/>
+          <a:p>
+            <a:pPr algn="ctr"/>
+            <a:endParaRPr lang="en-US"/>
+          </a:p>
+        </p:txBody>
+      </p:sp>
+      <p:sp>
+        <p:nvSpPr>
+          <p:cNvPr id="2" name="Title 1">
+            <a:extLst>
+              <a:ext uri="{FF2B5EF4-FFF2-40B4-BE49-F238E27FC236}">
+                <a16:creationId xmlns:a16="http://schemas.microsoft.com/office/drawing/2014/main" id="{2D250286-323D-4722-AAC9-A3BB6AFFB474}"/>
+              </a:ext>
+            </a:extLst>
+          </p:cNvPr>
+          <p:cNvSpPr>
+            <a:spLocks noGrp="1"/>
+          </p:cNvSpPr>
+          <p:nvPr>
+            <p:ph type="title"/>
+          </p:nvPr>
+        </p:nvSpPr>
+        <p:spPr>
+          <a:xfrm>
+            <a:off x="703261" y="355605"/>
+            <a:ext cx="7391400" cy="1176867"/>
+          </a:xfrm>
+        </p:spPr>
+        <p:txBody>
+          <a:bodyPr vert="horz" lIns="91440" tIns="45720" rIns="91440" bIns="45720" rtlCol="0" anchor="ctr">
+            <a:normAutofit/>
+          </a:bodyPr>
+          <a:lstStyle/>
+          <a:p>
+            <a:r>
+              <a:rPr lang="en-US" sz="4800" b="1" dirty="0">
+                <a:solidFill>
+                  <a:schemeClr val="bg1"/>
+                </a:solidFill>
+              </a:rPr>
+              <a:t>Encoding Scenario </a:t>
+            </a:r>
+          </a:p>
+        </p:txBody>
+      </p:sp>
+      <p:sp>
+        <p:nvSpPr>
+          <p:cNvPr id="4" name="TextBox 3">
+            <a:extLst>
+              <a:ext uri="{FF2B5EF4-FFF2-40B4-BE49-F238E27FC236}">
+                <a16:creationId xmlns:a16="http://schemas.microsoft.com/office/drawing/2014/main" id="{1189DDB6-63E8-450B-B66A-C182EE22F5D0}"/>
+              </a:ext>
+            </a:extLst>
+          </p:cNvPr>
+          <p:cNvSpPr txBox="1"/>
+          <p:nvPr/>
+        </p:nvSpPr>
+        <p:spPr>
+          <a:xfrm>
+            <a:off x="273133" y="1888067"/>
+            <a:ext cx="7804068" cy="3970866"/>
+          </a:xfrm>
+          <a:prstGeom prst="rect">
+            <a:avLst/>
+          </a:prstGeom>
+        </p:spPr>
+        <p:txBody>
+          <a:bodyPr rot="0" spcFirstLastPara="0" vertOverflow="overflow" horzOverflow="overflow" vert="horz" lIns="91440" tIns="45720" rIns="91440" bIns="45720" numCol="1" spcCol="0" rtlCol="0" fromWordArt="0" anchor="ctr" anchorCtr="0" forceAA="0" compatLnSpc="1">
+            <a:prstTxWarp prst="textNoShape">
+              <a:avLst/>
+            </a:prstTxWarp>
+            <a:normAutofit fontScale="77500" lnSpcReduction="20000"/>
+          </a:bodyPr>
+          <a:lstStyle/>
+          <a:p>
+            <a:pPr marL="1028700" lvl="1" indent="-571500" defTabSz="457200">
+              <a:lnSpc>
+                <a:spcPct val="150000"/>
+              </a:lnSpc>
+              <a:spcBef>
+                <a:spcPct val="20000"/>
+              </a:spcBef>
+              <a:spcAft>
+                <a:spcPts val="600"/>
+              </a:spcAft>
+              <a:buClr>
+                <a:schemeClr val="accent1">
+                  <a:lumMod val="75000"/>
+                </a:schemeClr>
+              </a:buClr>
+              <a:buSzPct val="145000"/>
+              <a:buFont typeface="Arial" panose="020B0604020202020204" pitchFamily="34" charset="0"/>
+              <a:buChar char="•"/>
+            </a:pPr>
+            <a:r>
+              <a:rPr lang="en-US" sz="4400" dirty="0">
+                <a:solidFill>
+                  <a:schemeClr val="bg1"/>
+                </a:solidFill>
+              </a:rPr>
+              <a:t>4K video in input, 1080p video output (</a:t>
+            </a:r>
+            <a:r>
+              <a:rPr lang="en-US" sz="4400" b="1" i="1" dirty="0">
+                <a:solidFill>
+                  <a:schemeClr val="bg1"/>
+                </a:solidFill>
+              </a:rPr>
+              <a:t>downscale</a:t>
+            </a:r>
+            <a:r>
+              <a:rPr lang="en-US" sz="4400" dirty="0">
+                <a:solidFill>
+                  <a:schemeClr val="bg1"/>
+                </a:solidFill>
+              </a:rPr>
+              <a:t>)</a:t>
+            </a:r>
+          </a:p>
+          <a:p>
+            <a:pPr marL="1028700" lvl="1" indent="-571500" defTabSz="457200">
+              <a:lnSpc>
+                <a:spcPct val="150000"/>
+              </a:lnSpc>
+              <a:spcBef>
+                <a:spcPct val="20000"/>
+              </a:spcBef>
+              <a:spcAft>
+                <a:spcPts val="600"/>
+              </a:spcAft>
+              <a:buClr>
+                <a:schemeClr val="accent1">
+                  <a:lumMod val="75000"/>
+                </a:schemeClr>
+              </a:buClr>
+              <a:buSzPct val="145000"/>
+              <a:buFont typeface="Arial" panose="020B0604020202020204" pitchFamily="34" charset="0"/>
+              <a:buChar char="•"/>
+            </a:pPr>
+            <a:r>
+              <a:rPr lang="en-US" sz="4400" dirty="0">
+                <a:solidFill>
+                  <a:schemeClr val="bg1"/>
+                </a:solidFill>
+              </a:rPr>
+              <a:t>Different quality inputs, constant output quality (</a:t>
+            </a:r>
+            <a:r>
+              <a:rPr lang="en-US" sz="4400" b="1" i="1" dirty="0">
+                <a:solidFill>
+                  <a:schemeClr val="bg1"/>
+                </a:solidFill>
+              </a:rPr>
+              <a:t>preset=24</a:t>
+            </a:r>
+            <a:r>
+              <a:rPr lang="en-US" sz="4400" dirty="0">
+                <a:solidFill>
+                  <a:schemeClr val="bg1"/>
+                </a:solidFill>
+              </a:rPr>
+              <a:t>)</a:t>
+            </a:r>
+          </a:p>
+          <a:p>
+            <a:pPr marL="1028700" lvl="1" indent="-571500" defTabSz="457200">
+              <a:lnSpc>
+                <a:spcPct val="150000"/>
+              </a:lnSpc>
+              <a:spcBef>
+                <a:spcPct val="20000"/>
+              </a:spcBef>
+              <a:spcAft>
+                <a:spcPts val="600"/>
+              </a:spcAft>
+              <a:buClr>
+                <a:schemeClr val="accent1">
+                  <a:lumMod val="75000"/>
+                </a:schemeClr>
+              </a:buClr>
+              <a:buSzPct val="145000"/>
+              <a:buFont typeface="Arial" panose="020B0604020202020204" pitchFamily="34" charset="0"/>
+              <a:buChar char="•"/>
+            </a:pPr>
+            <a:r>
+              <a:rPr lang="en-US" sz="4400" dirty="0">
+                <a:solidFill>
+                  <a:schemeClr val="bg1"/>
+                </a:solidFill>
+              </a:rPr>
+              <a:t>VP9 input encoding</a:t>
+            </a:r>
+          </a:p>
+        </p:txBody>
+      </p:sp>
+      <p:grpSp>
+        <p:nvGrpSpPr>
+          <p:cNvPr id="70" name="Group 69">
+            <a:extLst>
+              <a:ext uri="{FF2B5EF4-FFF2-40B4-BE49-F238E27FC236}">
+                <a16:creationId xmlns:a16="http://schemas.microsoft.com/office/drawing/2014/main" id="{2C58EF69-4C86-43C8-B9E3-778544933C04}"/>
+              </a:ext>
+              <a:ext uri="{C183D7F6-B498-43B3-948B-1728B52AA6E4}">
+                <adec:decorative xmlns:adec="http://schemas.microsoft.com/office/drawing/2017/decorative" val="1"/>
+              </a:ext>
+            </a:extLst>
+          </p:cNvPr>
+          <p:cNvGrpSpPr>
+            <a:grpSpLocks noGrp="1" noUngrp="1" noRot="1" noChangeAspect="1" noMove="1" noResize="1"/>
+          </p:cNvGrpSpPr>
+          <p:nvPr>
+            <p:extLst>
+              <p:ext uri="{386F3935-93C4-4BCD-93E2-E3B085C9AB24}">
+                <p16:designElem xmlns:p16="http://schemas.microsoft.com/office/powerpoint/2015/main" val="1"/>
+              </p:ext>
+            </p:extLst>
+          </p:nvPr>
+        </p:nvGrpSpPr>
+        <p:grpSpPr>
+          <a:xfrm>
+            <a:off x="8405812" y="0"/>
+            <a:ext cx="2436813" cy="6858001"/>
+            <a:chOff x="1320800" y="0"/>
+            <a:chExt cx="2436813" cy="6858001"/>
+          </a:xfrm>
+        </p:grpSpPr>
+        <p:sp>
+          <p:nvSpPr>
+            <p:cNvPr id="71" name="Freeform 6">
+              <a:extLst>
+                <a:ext uri="{FF2B5EF4-FFF2-40B4-BE49-F238E27FC236}">
+                  <a16:creationId xmlns:a16="http://schemas.microsoft.com/office/drawing/2014/main" id="{28004C51-9993-4F72-9444-208E14F42BCB}"/>
+                </a:ext>
+                <a:ext uri="{C183D7F6-B498-43B3-948B-1728B52AA6E4}">
+                  <adec:decorative xmlns:adec="http://schemas.microsoft.com/office/drawing/2017/decorative" val="1"/>
+                </a:ext>
+              </a:extLst>
+            </p:cNvPr>
+            <p:cNvSpPr/>
+            <p:nvPr>
+              <p:extLst>
+                <p:ext uri="{386F3935-93C4-4BCD-93E2-E3B085C9AB24}">
+                  <p16:designElem xmlns:p16="http://schemas.microsoft.com/office/powerpoint/2015/main" val="1"/>
+                </p:ext>
+              </p:extLst>
+            </p:nvPr>
+          </p:nvSpPr>
+          <p:spPr bwMode="auto">
+            <a:xfrm>
+              <a:off x="1627188" y="0"/>
+              <a:ext cx="1122363" cy="5329238"/>
+            </a:xfrm>
+            <a:custGeom>
+              <a:avLst/>
+              <a:gdLst/>
+              <a:ahLst/>
+              <a:cxnLst/>
+              <a:rect l="0" t="0" r="r" b="b"/>
+              <a:pathLst>
+                <a:path w="707" h="3357">
+                  <a:moveTo>
+                    <a:pt x="0" y="3330"/>
+                  </a:moveTo>
+                  <a:lnTo>
+                    <a:pt x="156" y="3357"/>
+                  </a:lnTo>
+                  <a:lnTo>
+                    <a:pt x="707" y="0"/>
+                  </a:lnTo>
+                  <a:lnTo>
+                    <a:pt x="547" y="0"/>
+                  </a:lnTo>
+                  <a:lnTo>
+                    <a:pt x="0" y="3330"/>
+                  </a:lnTo>
+                  <a:close/>
+                </a:path>
+              </a:pathLst>
+            </a:custGeom>
+            <a:solidFill>
+              <a:schemeClr val="accent1"/>
+            </a:solidFill>
+            <a:ln>
+              <a:noFill/>
+            </a:ln>
+          </p:spPr>
+        </p:sp>
+        <p:sp>
+          <p:nvSpPr>
+            <p:cNvPr id="72" name="Freeform 7">
+              <a:extLst>
+                <a:ext uri="{FF2B5EF4-FFF2-40B4-BE49-F238E27FC236}">
+                  <a16:creationId xmlns:a16="http://schemas.microsoft.com/office/drawing/2014/main" id="{9F45FB11-2D69-4F70-8B60-23B0C6B28578}"/>
+                </a:ext>
+                <a:ext uri="{C183D7F6-B498-43B3-948B-1728B52AA6E4}">
+                  <adec:decorative xmlns:adec="http://schemas.microsoft.com/office/drawing/2017/decorative" val="1"/>
+                </a:ext>
+              </a:extLst>
+            </p:cNvPr>
+            <p:cNvSpPr/>
+            <p:nvPr>
+              <p:extLst>
+                <p:ext uri="{386F3935-93C4-4BCD-93E2-E3B085C9AB24}">
+                  <p16:designElem xmlns:p16="http://schemas.microsoft.com/office/powerpoint/2015/main" val="1"/>
+                </p:ext>
+              </p:extLst>
+            </p:nvPr>
+          </p:nvSpPr>
+          <p:spPr bwMode="auto">
+            <a:xfrm>
+              <a:off x="1320800" y="0"/>
+              <a:ext cx="1117600" cy="5276850"/>
+            </a:xfrm>
+            <a:custGeom>
+              <a:avLst/>
+              <a:gdLst/>
+              <a:ahLst/>
+              <a:cxnLst/>
+              <a:rect l="0" t="0" r="r" b="b"/>
+              <a:pathLst>
+                <a:path w="704" h="3324">
+                  <a:moveTo>
+                    <a:pt x="704" y="0"/>
+                  </a:moveTo>
+                  <a:lnTo>
+                    <a:pt x="545" y="0"/>
+                  </a:lnTo>
+                  <a:lnTo>
+                    <a:pt x="0" y="3300"/>
+                  </a:lnTo>
+                  <a:lnTo>
+                    <a:pt x="157" y="3324"/>
+                  </a:lnTo>
+                  <a:lnTo>
+                    <a:pt x="704" y="0"/>
+                  </a:lnTo>
+                  <a:close/>
+                </a:path>
+              </a:pathLst>
+            </a:custGeom>
+            <a:solidFill>
+              <a:schemeClr val="tx1">
+                <a:lumMod val="65000"/>
+                <a:lumOff val="35000"/>
+              </a:schemeClr>
+            </a:solidFill>
+            <a:ln>
+              <a:noFill/>
+            </a:ln>
+          </p:spPr>
+        </p:sp>
+        <p:sp>
+          <p:nvSpPr>
+            <p:cNvPr id="73" name="Freeform 8">
+              <a:extLst>
+                <a:ext uri="{FF2B5EF4-FFF2-40B4-BE49-F238E27FC236}">
+                  <a16:creationId xmlns:a16="http://schemas.microsoft.com/office/drawing/2014/main" id="{5ABA6996-5C50-49CC-A2C8-F43FD5838CA0}"/>
+                </a:ext>
+                <a:ext uri="{C183D7F6-B498-43B3-948B-1728B52AA6E4}">
+                  <adec:decorative xmlns:adec="http://schemas.microsoft.com/office/drawing/2017/decorative" val="1"/>
+                </a:ext>
+              </a:extLst>
+            </p:cNvPr>
+            <p:cNvSpPr/>
+            <p:nvPr>
+              <p:extLst>
+                <p:ext uri="{386F3935-93C4-4BCD-93E2-E3B085C9AB24}">
+                  <p16:designElem xmlns:p16="http://schemas.microsoft.com/office/powerpoint/2015/main" val="1"/>
+                </p:ext>
+              </p:extLst>
+            </p:nvPr>
+          </p:nvSpPr>
+          <p:spPr bwMode="auto">
+            <a:xfrm>
+              <a:off x="1320800" y="5238750"/>
+              <a:ext cx="1228725" cy="1619250"/>
+            </a:xfrm>
+            <a:custGeom>
+              <a:avLst/>
+              <a:gdLst/>
+              <a:ahLst/>
+              <a:cxnLst/>
+              <a:rect l="0" t="0" r="r" b="b"/>
+              <a:pathLst>
+                <a:path w="774" h="1020">
+                  <a:moveTo>
+                    <a:pt x="0" y="0"/>
+                  </a:moveTo>
+                  <a:lnTo>
+                    <a:pt x="740" y="1020"/>
+                  </a:lnTo>
+                  <a:lnTo>
+                    <a:pt x="774" y="1020"/>
+                  </a:lnTo>
+                  <a:lnTo>
+                    <a:pt x="0" y="0"/>
+                  </a:lnTo>
+                  <a:close/>
+                </a:path>
+              </a:pathLst>
+            </a:custGeom>
+            <a:solidFill>
+              <a:schemeClr val="tx1">
+                <a:lumMod val="85000"/>
+                <a:lumOff val="15000"/>
+              </a:schemeClr>
+            </a:solidFill>
+            <a:ln>
+              <a:noFill/>
+            </a:ln>
+          </p:spPr>
+        </p:sp>
+        <p:sp>
+          <p:nvSpPr>
+            <p:cNvPr id="74" name="Freeform 9">
+              <a:extLst>
+                <a:ext uri="{FF2B5EF4-FFF2-40B4-BE49-F238E27FC236}">
+                  <a16:creationId xmlns:a16="http://schemas.microsoft.com/office/drawing/2014/main" id="{54A0AA5F-216D-445A-8C9D-44B6B48264BF}"/>
+                </a:ext>
+                <a:ext uri="{C183D7F6-B498-43B3-948B-1728B52AA6E4}">
+                  <adec:decorative xmlns:adec="http://schemas.microsoft.com/office/drawing/2017/decorative" val="1"/>
+                </a:ext>
+              </a:extLst>
+            </p:cNvPr>
+            <p:cNvSpPr/>
+            <p:nvPr>
+              <p:extLst>
+                <p:ext uri="{386F3935-93C4-4BCD-93E2-E3B085C9AB24}">
+                  <p16:designElem xmlns:p16="http://schemas.microsoft.com/office/powerpoint/2015/main" val="1"/>
+                </p:ext>
+              </p:extLst>
+            </p:nvPr>
+          </p:nvSpPr>
+          <p:spPr bwMode="auto">
+            <a:xfrm>
+              <a:off x="1627188" y="5291138"/>
+              <a:ext cx="1495425" cy="1566863"/>
+            </a:xfrm>
+            <a:custGeom>
+              <a:avLst/>
+              <a:gdLst/>
+              <a:ahLst/>
+              <a:cxnLst/>
+              <a:rect l="0" t="0" r="r" b="b"/>
+              <a:pathLst>
+                <a:path w="942" h="987">
+                  <a:moveTo>
+                    <a:pt x="0" y="0"/>
+                  </a:moveTo>
+                  <a:lnTo>
+                    <a:pt x="909" y="987"/>
+                  </a:lnTo>
+                  <a:lnTo>
+                    <a:pt x="942" y="987"/>
+                  </a:lnTo>
+                  <a:lnTo>
+                    <a:pt x="0" y="0"/>
+                  </a:lnTo>
+                  <a:close/>
+                </a:path>
+              </a:pathLst>
+            </a:custGeom>
+            <a:solidFill>
+              <a:schemeClr val="accent1">
+                <a:lumMod val="50000"/>
+              </a:schemeClr>
+            </a:solidFill>
+            <a:ln>
+              <a:noFill/>
+            </a:ln>
+          </p:spPr>
+        </p:sp>
+        <p:sp>
+          <p:nvSpPr>
+            <p:cNvPr id="75" name="Freeform 10">
+              <a:extLst>
+                <a:ext uri="{FF2B5EF4-FFF2-40B4-BE49-F238E27FC236}">
+                  <a16:creationId xmlns:a16="http://schemas.microsoft.com/office/drawing/2014/main" id="{7DED650F-020C-4B0D-928D-3B70398376B2}"/>
+                </a:ext>
+                <a:ext uri="{C183D7F6-B498-43B3-948B-1728B52AA6E4}">
+                  <adec:decorative xmlns:adec="http://schemas.microsoft.com/office/drawing/2017/decorative" val="1"/>
+                </a:ext>
+              </a:extLst>
+            </p:cNvPr>
+            <p:cNvSpPr/>
+            <p:nvPr>
+              <p:extLst>
+                <p:ext uri="{386F3935-93C4-4BCD-93E2-E3B085C9AB24}">
+                  <p16:designElem xmlns:p16="http://schemas.microsoft.com/office/powerpoint/2015/main" val="1"/>
+                </p:ext>
+              </p:extLst>
+            </p:nvPr>
+          </p:nvSpPr>
+          <p:spPr bwMode="auto">
+            <a:xfrm>
+              <a:off x="1627188" y="5286375"/>
+              <a:ext cx="2130425" cy="1571625"/>
+            </a:xfrm>
+            <a:custGeom>
+              <a:avLst/>
+              <a:gdLst/>
+              <a:ahLst/>
+              <a:cxnLst/>
+              <a:rect l="0" t="0" r="r" b="b"/>
+              <a:pathLst>
+                <a:path w="1342" h="990">
+                  <a:moveTo>
+                    <a:pt x="0" y="3"/>
+                  </a:moveTo>
+                  <a:lnTo>
+                    <a:pt x="942" y="990"/>
+                  </a:lnTo>
+                  <a:lnTo>
+                    <a:pt x="1342" y="990"/>
+                  </a:lnTo>
+                  <a:lnTo>
+                    <a:pt x="156" y="27"/>
+                  </a:lnTo>
+                  <a:lnTo>
+                    <a:pt x="0" y="0"/>
+                  </a:lnTo>
+                  <a:lnTo>
+                    <a:pt x="0" y="3"/>
+                  </a:lnTo>
+                  <a:close/>
+                </a:path>
+              </a:pathLst>
+            </a:custGeom>
+            <a:solidFill>
+              <a:schemeClr val="accent1">
+                <a:lumMod val="75000"/>
+              </a:schemeClr>
+            </a:solidFill>
+            <a:ln>
+              <a:noFill/>
+            </a:ln>
+          </p:spPr>
+        </p:sp>
+        <p:sp>
+          <p:nvSpPr>
+            <p:cNvPr id="76" name="Freeform 11">
+              <a:extLst>
+                <a:ext uri="{FF2B5EF4-FFF2-40B4-BE49-F238E27FC236}">
+                  <a16:creationId xmlns:a16="http://schemas.microsoft.com/office/drawing/2014/main" id="{B1EE80AC-E4F7-497F-AE0B-96084F03C0A1}"/>
+                </a:ext>
+                <a:ext uri="{C183D7F6-B498-43B3-948B-1728B52AA6E4}">
+                  <adec:decorative xmlns:adec="http://schemas.microsoft.com/office/drawing/2017/decorative" val="1"/>
+                </a:ext>
+              </a:extLst>
+            </p:cNvPr>
+            <p:cNvSpPr/>
+            <p:nvPr>
+              <p:extLst>
+                <p:ext uri="{386F3935-93C4-4BCD-93E2-E3B085C9AB24}">
+                  <p16:designElem xmlns:p16="http://schemas.microsoft.com/office/powerpoint/2015/main" val="1"/>
+                </p:ext>
+              </p:extLst>
+            </p:nvPr>
+          </p:nvSpPr>
+          <p:spPr bwMode="auto">
+            <a:xfrm>
+              <a:off x="1320800" y="5238750"/>
+              <a:ext cx="1695450" cy="1619250"/>
+            </a:xfrm>
+            <a:custGeom>
+              <a:avLst/>
+              <a:gdLst/>
+              <a:ahLst/>
+              <a:cxnLst/>
+              <a:rect l="0" t="0" r="r" b="b"/>
+              <a:pathLst>
+                <a:path w="1068" h="1020">
+                  <a:moveTo>
+                    <a:pt x="1068" y="1020"/>
+                  </a:moveTo>
+                  <a:lnTo>
+                    <a:pt x="184" y="60"/>
+                  </a:lnTo>
+                  <a:lnTo>
+                    <a:pt x="154" y="27"/>
+                  </a:lnTo>
+                  <a:lnTo>
+                    <a:pt x="157" y="27"/>
+                  </a:lnTo>
+                  <a:lnTo>
+                    <a:pt x="157" y="24"/>
+                  </a:lnTo>
+                  <a:lnTo>
+                    <a:pt x="154" y="24"/>
+                  </a:lnTo>
+                  <a:lnTo>
+                    <a:pt x="0" y="0"/>
+                  </a:lnTo>
+                  <a:lnTo>
+                    <a:pt x="0" y="0"/>
+                  </a:lnTo>
+                  <a:lnTo>
+                    <a:pt x="774" y="1020"/>
+                  </a:lnTo>
+                  <a:lnTo>
+                    <a:pt x="1068" y="1020"/>
+                  </a:lnTo>
+                  <a:close/>
+                </a:path>
+              </a:pathLst>
+            </a:custGeom>
+            <a:solidFill>
+              <a:schemeClr val="tx1">
+                <a:lumMod val="75000"/>
+                <a:lumOff val="25000"/>
+              </a:schemeClr>
+            </a:solidFill>
+            <a:ln>
+              <a:noFill/>
+            </a:ln>
+          </p:spPr>
+        </p:sp>
+      </p:grpSp>
+    </p:spTree>
+    <p:extLst>
+      <p:ext uri="{BB962C8B-B14F-4D97-AF65-F5344CB8AC3E}">
+        <p14:creationId xmlns:p14="http://schemas.microsoft.com/office/powerpoint/2010/main" val="2119387522"/>
+      </p:ext>
+    </p:extLst>
+  </p:cSld>
+  <p:clrMapOvr>
+    <a:masterClrMapping/>
+  </p:clrMapOvr>
+</p:sld>
+</file>
+
+<file path=ppt/slides/slide9.xml><?xml version="1.0" encoding="utf-8"?>
+<p:sld xmlns:a="http://schemas.openxmlformats.org/drawingml/2006/main" xmlns:r="http://schemas.openxmlformats.org/officeDocument/2006/relationships" xmlns:p="http://schemas.openxmlformats.org/presentationml/2006/main">
+  <p:cSld>
+    <p:bg>
+      <p:bgPr>
+        <a:solidFill>
+          <a:schemeClr val="bg2"/>
+        </a:solidFill>
+        <a:effectLst/>
+      </p:bgPr>
+    </p:bg>
+    <p:spTree>
+      <p:nvGrpSpPr>
+        <p:cNvPr id="1" name=""/>
+        <p:cNvGrpSpPr/>
+        <p:nvPr/>
+      </p:nvGrpSpPr>
+      <p:grpSpPr>
+        <a:xfrm>
+          <a:off x="0" y="0"/>
+          <a:ext cx="0" cy="0"/>
+          <a:chOff x="0" y="0"/>
+          <a:chExt cx="0" cy="0"/>
+        </a:xfrm>
+      </p:grpSpPr>
+      <p:sp useBgFill="1">
+        <p:nvSpPr>
+          <p:cNvPr id="119" name="Rectangle 106">
+            <a:extLst>
+              <a:ext uri="{FF2B5EF4-FFF2-40B4-BE49-F238E27FC236}">
+                <a16:creationId xmlns:a16="http://schemas.microsoft.com/office/drawing/2014/main" id="{2FCD9B94-D70B-4446-85E5-ACD3904289CB}"/>
+              </a:ext>
+              <a:ext uri="{C183D7F6-B498-43B3-948B-1728B52AA6E4}">
+                <adec:decorative xmlns:adec="http://schemas.microsoft.com/office/drawing/2017/decorative" val="1"/>
+              </a:ext>
+            </a:extLst>
+          </p:cNvPr>
+          <p:cNvSpPr>
+            <a:spLocks noGrp="1" noRot="1" noChangeAspect="1" noMove="1" noResize="1" noEditPoints="1" noAdjustHandles="1" noChangeArrowheads="1" noChangeShapeType="1" noTextEdit="1"/>
+          </p:cNvSpPr>
+          <p:nvPr>
+            <p:extLst>
+              <p:ext uri="{386F3935-93C4-4BCD-93E2-E3B085C9AB24}">
+                <p16:designElem xmlns:p16="http://schemas.microsoft.com/office/powerpoint/2015/main" val="1"/>
+              </p:ext>
+            </p:extLst>
+          </p:nvPr>
+        </p:nvSpPr>
+        <p:spPr>
+          <a:xfrm>
+            <a:off x="0" y="0"/>
+            <a:ext cx="12192000" cy="6858000"/>
+          </a:xfrm>
+          <a:prstGeom prst="rect">
+            <a:avLst/>
+          </a:prstGeom>
+          <a:ln>
+            <a:noFill/>
+          </a:ln>
+        </p:spPr>
+        <p:style>
+          <a:lnRef idx="2">
+            <a:schemeClr val="accent1">
+              <a:shade val="50000"/>
+            </a:schemeClr>
+          </a:lnRef>
+          <a:fillRef idx="1">
+            <a:schemeClr val="accent1"/>
+          </a:fillRef>
+          <a:effectRef idx="0">
+            <a:schemeClr val="accent1"/>
+          </a:effectRef>
+          <a:fontRef idx="minor">
+            <a:schemeClr val="lt1"/>
+          </a:fontRef>
+        </p:style>
+        <p:txBody>
+          <a:bodyPr rtlCol="0" anchor="ctr"/>
+          <a:lstStyle/>
+          <a:p>
+            <a:pPr algn="ctr"/>
+            <a:endParaRPr lang="en-US"/>
+          </a:p>
+        </p:txBody>
+      </p:sp>
+      <p:pic>
+        <p:nvPicPr>
+          <p:cNvPr id="14" name="Picture 4" descr="Camera lens">
+            <a:extLst>
+              <a:ext uri="{FF2B5EF4-FFF2-40B4-BE49-F238E27FC236}">
+                <a16:creationId xmlns:a16="http://schemas.microsoft.com/office/drawing/2014/main" id="{EE8FE827-DE07-41C9-AA7C-8D1548D8487B}"/>
+              </a:ext>
+            </a:extLst>
+          </p:cNvPr>
+          <p:cNvPicPr>
+            <a:picLocks noChangeAspect="1"/>
+          </p:cNvPicPr>
+          <p:nvPr/>
+        </p:nvPicPr>
+        <p:blipFill rotWithShape="1">
+          <a:blip r:embed="rId2">
+            <a:duotone>
+              <a:schemeClr val="bg2">
+                <a:shade val="45000"/>
+                <a:satMod val="135000"/>
+              </a:schemeClr>
+              <a:prstClr val="white"/>
+            </a:duotone>
+            <a:alphaModFix amt="25000"/>
+          </a:blip>
+          <a:srcRect t="5457" b="10273"/>
+          <a:stretch/>
+        </p:blipFill>
+        <p:spPr>
+          <a:xfrm>
+            <a:off x="20" y="0"/>
+            <a:ext cx="12191980" cy="6857990"/>
+          </a:xfrm>
+          <a:prstGeom prst="rect">
+            <a:avLst/>
+          </a:prstGeom>
+        </p:spPr>
+      </p:pic>
+      <p:sp>
+        <p:nvSpPr>
+          <p:cNvPr id="2" name="Title 1">
+            <a:extLst>
+              <a:ext uri="{FF2B5EF4-FFF2-40B4-BE49-F238E27FC236}">
+                <a16:creationId xmlns:a16="http://schemas.microsoft.com/office/drawing/2014/main" id="{2D250286-323D-4722-AAC9-A3BB6AFFB474}"/>
+              </a:ext>
+            </a:extLst>
+          </p:cNvPr>
+          <p:cNvSpPr>
+            <a:spLocks noGrp="1"/>
+          </p:cNvSpPr>
+          <p:nvPr>
+            <p:ph type="title"/>
+          </p:nvPr>
+        </p:nvSpPr>
+        <p:spPr>
+          <a:xfrm>
+            <a:off x="412583" y="766099"/>
+            <a:ext cx="3647493" cy="4965833"/>
+          </a:xfrm>
+        </p:spPr>
+        <p:txBody>
+          <a:bodyPr vert="horz" lIns="91440" tIns="45720" rIns="91440" bIns="45720" rtlCol="0" anchor="ctr">
+            <a:normAutofit/>
+          </a:bodyPr>
+          <a:lstStyle/>
+          <a:p>
+            <a:pPr algn="r"/>
+            <a:r>
+              <a:rPr lang="en-US" b="1" dirty="0"/>
+              <a:t>5 different Movies Benchmarks</a:t>
+            </a:r>
+          </a:p>
+        </p:txBody>
+      </p:sp>
+      <p:cxnSp>
+        <p:nvCxnSpPr>
+          <p:cNvPr id="120" name="Straight Connector 108">
+            <a:extLst>
+              <a:ext uri="{FF2B5EF4-FFF2-40B4-BE49-F238E27FC236}">
+                <a16:creationId xmlns:a16="http://schemas.microsoft.com/office/drawing/2014/main" id="{3378FF8B-3743-48E1-88E3-F4CADB3DECE5}"/>
+              </a:ext>
+              <a:ext uri="{C183D7F6-B498-43B3-948B-1728B52AA6E4}">
+                <adec:decorative xmlns:adec="http://schemas.microsoft.com/office/drawing/2017/decorative" val="1"/>
+              </a:ext>
+            </a:extLst>
+          </p:cNvPr>
+          <p:cNvCxnSpPr>
+            <a:cxnSpLocks noGrp="1" noRot="1" noChangeAspect="1" noMove="1" noResize="1" noEditPoints="1" noAdjustHandles="1" noChangeArrowheads="1" noChangeShapeType="1"/>
+          </p:cNvCxnSpPr>
+          <p:nvPr>
+            <p:extLst>
+              <p:ext uri="{386F3935-93C4-4BCD-93E2-E3B085C9AB24}">
+                <p16:designElem xmlns:p16="http://schemas.microsoft.com/office/powerpoint/2015/main" val="1"/>
+              </p:ext>
+            </p:extLst>
+          </p:nvPr>
+        </p:nvCxnSpPr>
+        <p:spPr>
+          <a:xfrm>
+            <a:off x="4654296" y="1406171"/>
+            <a:ext cx="0" cy="3431689"/>
+          </a:xfrm>
+          <a:prstGeom prst="line">
+            <a:avLst/>
+          </a:prstGeom>
+          <a:ln w="19050">
+            <a:solidFill>
+              <a:schemeClr val="accent1"/>
+            </a:solidFill>
+          </a:ln>
+        </p:spPr>
+        <p:style>
+          <a:lnRef idx="1">
+            <a:schemeClr val="accent1"/>
+          </a:lnRef>
+          <a:fillRef idx="0">
+            <a:schemeClr val="accent1"/>
+          </a:fillRef>
+          <a:effectRef idx="0">
+            <a:schemeClr val="accent1"/>
+          </a:effectRef>
+          <a:fontRef idx="minor">
+            <a:schemeClr val="tx1"/>
+          </a:fontRef>
+        </p:style>
+      </p:cxnSp>
+      <p:sp>
+        <p:nvSpPr>
+          <p:cNvPr id="4" name="TextBox 3">
+            <a:extLst>
+              <a:ext uri="{FF2B5EF4-FFF2-40B4-BE49-F238E27FC236}">
+                <a16:creationId xmlns:a16="http://schemas.microsoft.com/office/drawing/2014/main" id="{1189DDB6-63E8-450B-B66A-C182EE22F5D0}"/>
+              </a:ext>
+            </a:extLst>
+          </p:cNvPr>
+          <p:cNvSpPr txBox="1"/>
+          <p:nvPr/>
+        </p:nvSpPr>
+        <p:spPr>
+          <a:xfrm>
+            <a:off x="4472639" y="946078"/>
+            <a:ext cx="7537683" cy="4965833"/>
+          </a:xfrm>
+          <a:prstGeom prst="rect">
+            <a:avLst/>
+          </a:prstGeom>
+        </p:spPr>
+        <p:txBody>
+          <a:bodyPr rot="0" spcFirstLastPara="0" vertOverflow="overflow" horzOverflow="overflow" vert="horz" lIns="91440" tIns="45720" rIns="91440" bIns="45720" numCol="1" spcCol="0" rtlCol="0" fromWordArt="0" anchor="ctr" anchorCtr="0" forceAA="0" compatLnSpc="1">
+            <a:prstTxWarp prst="textNoShape">
+              <a:avLst/>
+            </a:prstTxWarp>
+            <a:normAutofit/>
+          </a:bodyPr>
+          <a:lstStyle/>
+          <a:p>
+            <a:pPr marL="1028700" lvl="1" indent="-571500" defTabSz="457200">
+              <a:lnSpc>
+                <a:spcPct val="150000"/>
+              </a:lnSpc>
+              <a:spcBef>
+                <a:spcPct val="20000"/>
+              </a:spcBef>
+              <a:spcAft>
+                <a:spcPts val="600"/>
+              </a:spcAft>
+              <a:buClr>
+                <a:schemeClr val="accent1">
+                  <a:lumMod val="75000"/>
+                </a:schemeClr>
+              </a:buClr>
+              <a:buSzPct val="145000"/>
+              <a:buFont typeface="Arial"/>
+              <a:buChar char="•"/>
+            </a:pPr>
+            <a:r>
+              <a:rPr lang="en-US" sz="2400" dirty="0">
+                <a:latin typeface="Abadi" panose="020B0604020202020204" pitchFamily="34" charset="0"/>
+              </a:rPr>
+              <a:t>NBA Highlights, 4:41, 30fps, 521.6MB</a:t>
+            </a:r>
+          </a:p>
+          <a:p>
+            <a:pPr marL="1028700" lvl="1" indent="-571500" defTabSz="457200">
+              <a:lnSpc>
+                <a:spcPct val="150000"/>
+              </a:lnSpc>
+              <a:spcBef>
+                <a:spcPct val="20000"/>
+              </a:spcBef>
+              <a:spcAft>
+                <a:spcPts val="600"/>
+              </a:spcAft>
+              <a:buClr>
+                <a:schemeClr val="accent1">
+                  <a:lumMod val="75000"/>
+                </a:schemeClr>
+              </a:buClr>
+              <a:buSzPct val="145000"/>
+              <a:buFont typeface="Arial"/>
+              <a:buChar char="•"/>
+            </a:pPr>
+            <a:r>
+              <a:rPr lang="en-US" sz="2400" dirty="0">
+                <a:latin typeface="Abadi" panose="020B0604020202020204" pitchFamily="34" charset="0"/>
+              </a:rPr>
+              <a:t>New </a:t>
+            </a:r>
+            <a:r>
+              <a:rPr lang="en-US" sz="2400" dirty="0" err="1">
+                <a:latin typeface="Abadi" panose="020B0604020202020204" pitchFamily="34" charset="0"/>
+              </a:rPr>
+              <a:t>Zeland</a:t>
+            </a:r>
+            <a:r>
+              <a:rPr lang="en-US" sz="2400" dirty="0">
+                <a:latin typeface="Abadi" panose="020B0604020202020204" pitchFamily="34" charset="0"/>
+              </a:rPr>
+              <a:t> landscapes, 4:26, 25fps, 529.4MB</a:t>
+            </a:r>
+          </a:p>
+          <a:p>
+            <a:pPr marL="1028700" lvl="1" indent="-571500" defTabSz="457200">
+              <a:lnSpc>
+                <a:spcPct val="150000"/>
+              </a:lnSpc>
+              <a:spcBef>
+                <a:spcPct val="20000"/>
+              </a:spcBef>
+              <a:spcAft>
+                <a:spcPts val="600"/>
+              </a:spcAft>
+              <a:buClr>
+                <a:schemeClr val="accent1">
+                  <a:lumMod val="75000"/>
+                </a:schemeClr>
+              </a:buClr>
+              <a:buSzPct val="145000"/>
+              <a:buFont typeface="Arial"/>
+              <a:buChar char="•"/>
+            </a:pPr>
+            <a:r>
+              <a:rPr lang="en-US" sz="2400" dirty="0">
+                <a:latin typeface="Abadi" panose="020B0604020202020204" pitchFamily="34" charset="0"/>
+              </a:rPr>
+              <a:t>Costa Rica documentary (HDR),5:13, 60fps, 1GB</a:t>
+            </a:r>
+          </a:p>
+          <a:p>
+            <a:pPr marL="1028700" lvl="1" indent="-571500" defTabSz="457200">
+              <a:lnSpc>
+                <a:spcPct val="150000"/>
+              </a:lnSpc>
+              <a:spcBef>
+                <a:spcPct val="20000"/>
+              </a:spcBef>
+              <a:spcAft>
+                <a:spcPts val="600"/>
+              </a:spcAft>
+              <a:buClr>
+                <a:schemeClr val="accent1">
+                  <a:lumMod val="75000"/>
+                </a:schemeClr>
+              </a:buClr>
+              <a:buSzPct val="145000"/>
+              <a:buFont typeface="Arial"/>
+              <a:buChar char="•"/>
+            </a:pPr>
+            <a:r>
+              <a:rPr lang="en-US" sz="2400" dirty="0">
+                <a:latin typeface="Abadi" panose="020B0604020202020204" pitchFamily="34" charset="0"/>
+              </a:rPr>
+              <a:t>Pixar’s Film trailer, 6:05, 60fps, 951.8MB</a:t>
+            </a:r>
+          </a:p>
+          <a:p>
+            <a:pPr marL="1028700" lvl="1" indent="-571500" defTabSz="457200">
+              <a:lnSpc>
+                <a:spcPct val="150000"/>
+              </a:lnSpc>
+              <a:spcBef>
+                <a:spcPct val="20000"/>
+              </a:spcBef>
+              <a:spcAft>
+                <a:spcPts val="600"/>
+              </a:spcAft>
+              <a:buClr>
+                <a:schemeClr val="accent1">
+                  <a:lumMod val="75000"/>
+                </a:schemeClr>
+              </a:buClr>
+              <a:buSzPct val="145000"/>
+              <a:buFont typeface="Arial"/>
+              <a:buChar char="•"/>
+            </a:pPr>
+            <a:r>
+              <a:rPr lang="en-US" sz="2400" dirty="0">
+                <a:latin typeface="Abadi" panose="020B0604020202020204" pitchFamily="34" charset="0"/>
+              </a:rPr>
+              <a:t>Action Film Scene, 4:54, 23fps, 441.2MB</a:t>
+            </a:r>
+          </a:p>
+          <a:p>
+            <a:pPr marL="1028700" lvl="1" indent="-571500" defTabSz="457200">
+              <a:spcBef>
+                <a:spcPct val="20000"/>
+              </a:spcBef>
+              <a:spcAft>
+                <a:spcPts val="600"/>
+              </a:spcAft>
+              <a:buClr>
+                <a:schemeClr val="accent1">
+                  <a:lumMod val="75000"/>
+                </a:schemeClr>
+              </a:buClr>
+              <a:buSzPct val="145000"/>
+              <a:buFont typeface="Arial"/>
+              <a:buChar char="•"/>
+            </a:pPr>
+            <a:endParaRPr lang="en-US" sz="2000" dirty="0">
+              <a:latin typeface="Abadi" panose="020B0604020202020204" pitchFamily="34" charset="0"/>
+            </a:endParaRPr>
+          </a:p>
+        </p:txBody>
+      </p:sp>
+    </p:spTree>
+    <p:extLst>
+      <p:ext uri="{BB962C8B-B14F-4D97-AF65-F5344CB8AC3E}">
+        <p14:creationId xmlns:p14="http://schemas.microsoft.com/office/powerpoint/2010/main" val="740846002"/>
+      </p:ext>
+    </p:extLst>
+  </p:cSld>
+  <p:clrMapOvr>
+    <a:overrideClrMapping bg1="dk1" tx1="lt1" bg2="dk2" tx2="lt2" accent1="accent1" accent2="accent2" accent3="accent3" accent4="accent4" accent5="accent5" accent6="accent6" hlink="hlink" folHlink="folHlink"/>
   </p:clrMapOvr>
 </p:sld>
 </file>

--- a/presentation.pptx
+++ b/presentation.pptx
@@ -24,6 +24,8 @@
     <p:sldId id="276" r:id="rId18"/>
     <p:sldId id="277" r:id="rId19"/>
     <p:sldId id="278" r:id="rId20"/>
+    <p:sldId id="279" r:id="rId21"/>
+    <p:sldId id="280" r:id="rId22"/>
   </p:sldIdLst>
   <p:sldSz cx="12192000" cy="6858000"/>
   <p:notesSz cx="6858000" cy="9144000"/>
@@ -203,7 +205,7 @@
               <a:solidFill>
                 <a:schemeClr val="accent1"/>
               </a:solidFill>
-              <a:ln w="9525">
+              <a:ln w="63500">
                 <a:solidFill>
                   <a:schemeClr val="accent1"/>
                 </a:solidFill>
@@ -220,7 +222,7 @@
                 <a:solidFill>
                   <a:schemeClr val="accent1"/>
                 </a:solidFill>
-                <a:ln w="9525">
+                <a:ln w="63500">
                   <a:solidFill>
                     <a:schemeClr val="accent1"/>
                   </a:solidFill>
@@ -329,7 +331,7 @@
               <a:solidFill>
                 <a:schemeClr val="accent2"/>
               </a:solidFill>
-              <a:ln w="9525">
+              <a:ln w="63500">
                 <a:solidFill>
                   <a:schemeClr val="accent2"/>
                 </a:solidFill>
@@ -346,7 +348,7 @@
                 <a:solidFill>
                   <a:schemeClr val="accent2"/>
                 </a:solidFill>
-                <a:ln w="9525">
+                <a:ln w="63500">
                   <a:solidFill>
                     <a:schemeClr val="accent2"/>
                   </a:solidFill>
@@ -453,11 +455,11 @@
             <c:size val="5"/>
             <c:spPr>
               <a:solidFill>
-                <a:schemeClr val="accent3"/>
+                <a:srgbClr val="FFFF00"/>
               </a:solidFill>
-              <a:ln w="9525">
+              <a:ln w="63500">
                 <a:solidFill>
-                  <a:schemeClr val="accent3"/>
+                  <a:srgbClr val="FFFF00"/>
                 </a:solidFill>
               </a:ln>
               <a:effectLst/>
@@ -470,11 +472,11 @@
               <c:size val="5"/>
               <c:spPr>
                 <a:solidFill>
-                  <a:schemeClr val="accent3"/>
+                  <a:srgbClr val="FFFF00"/>
                 </a:solidFill>
-                <a:ln w="9525">
+                <a:ln w="63500">
                   <a:solidFill>
-                    <a:schemeClr val="accent3"/>
+                    <a:srgbClr val="FFFF00"/>
                   </a:solidFill>
                 </a:ln>
                 <a:effectLst/>
@@ -579,11 +581,11 @@
             <c:size val="5"/>
             <c:spPr>
               <a:solidFill>
-                <a:schemeClr val="accent4"/>
+                <a:srgbClr val="7030A0"/>
               </a:solidFill>
-              <a:ln w="9525">
+              <a:ln w="63500">
                 <a:solidFill>
-                  <a:schemeClr val="accent4"/>
+                  <a:srgbClr val="7030A0"/>
                 </a:solidFill>
               </a:ln>
               <a:effectLst/>
@@ -596,11 +598,11 @@
               <c:size val="5"/>
               <c:spPr>
                 <a:solidFill>
-                  <a:schemeClr val="accent4"/>
+                  <a:srgbClr val="7030A0"/>
                 </a:solidFill>
-                <a:ln w="9525">
+                <a:ln w="63500">
                   <a:solidFill>
-                    <a:schemeClr val="accent4"/>
+                    <a:srgbClr val="7030A0"/>
                   </a:solidFill>
                 </a:ln>
                 <a:effectLst/>
@@ -707,7 +709,7 @@
               <a:solidFill>
                 <a:schemeClr val="accent5"/>
               </a:solidFill>
-              <a:ln w="9525">
+              <a:ln w="63500">
                 <a:solidFill>
                   <a:schemeClr val="accent5"/>
                 </a:solidFill>
@@ -724,7 +726,7 @@
                 <a:solidFill>
                   <a:schemeClr val="accent5"/>
                 </a:solidFill>
-                <a:ln w="9525">
+                <a:ln w="63500">
                   <a:solidFill>
                     <a:schemeClr val="accent5"/>
                   </a:solidFill>
@@ -917,7 +919,7 @@
           <a:lstStyle/>
           <a:p>
             <a:pPr>
-              <a:defRPr sz="1100" b="0" i="0" u="none" strike="noStrike" kern="1200" baseline="0">
+              <a:defRPr sz="1500" b="0" i="0" u="none" strike="noStrike" kern="1200" baseline="0">
                 <a:solidFill>
                   <a:schemeClr val="tx1">
                     <a:lumMod val="65000"/>
@@ -980,8 +982,20 @@
                   </a:defRPr>
                 </a:pPr>
                 <a:r>
-                  <a:rPr lang="it-IT"/>
-                  <a:t>Encoding time</a:t>
+                  <a:rPr lang="it-IT" sz="2000" dirty="0" err="1"/>
+                  <a:t>Normalized</a:t>
+                </a:r>
+                <a:r>
+                  <a:rPr lang="it-IT" sz="2000" baseline="0" dirty="0"/>
+                  <a:t> </a:t>
+                </a:r>
+                <a:r>
+                  <a:rPr lang="it-IT" sz="2000" dirty="0" err="1"/>
+                  <a:t>Encoding</a:t>
+                </a:r>
+                <a:r>
+                  <a:rPr lang="it-IT" sz="2000" dirty="0"/>
+                  <a:t> time</a:t>
                 </a:r>
               </a:p>
             </c:rich>
@@ -1015,7 +1029,7 @@
             </a:p>
           </c:txPr>
         </c:title>
-        <c:numFmt formatCode="0.00%" sourceLinked="1"/>
+        <c:numFmt formatCode="General" sourceLinked="0"/>
         <c:majorTickMark val="none"/>
         <c:minorTickMark val="none"/>
         <c:tickLblPos val="nextTo"/>
@@ -1037,7 +1051,7 @@
           <a:lstStyle/>
           <a:p>
             <a:pPr>
-              <a:defRPr sz="1100" b="0" i="0" u="none" strike="noStrike" kern="1200" baseline="0">
+              <a:defRPr sz="1500" b="0" i="0" u="none" strike="noStrike" kern="1200" baseline="0">
                 <a:solidFill>
                   <a:schemeClr val="tx1">
                     <a:lumMod val="65000"/>
@@ -1079,7 +1093,7 @@
         <a:lstStyle/>
         <a:p>
           <a:pPr>
-            <a:defRPr sz="1100" b="0" i="0" u="none" strike="noStrike" kern="1200" baseline="0">
+            <a:defRPr sz="1500" b="0" i="0" u="none" strike="noStrike" kern="1200" baseline="0">
               <a:solidFill>
                 <a:schemeClr val="tx1">
                   <a:lumMod val="65000"/>
@@ -1182,7 +1196,7 @@
               <a:solidFill>
                 <a:schemeClr val="accent1"/>
               </a:solidFill>
-              <a:ln w="9525">
+              <a:ln w="63500">
                 <a:solidFill>
                   <a:schemeClr val="accent1"/>
                 </a:solidFill>
@@ -1199,7 +1213,7 @@
                 <a:solidFill>
                   <a:schemeClr val="accent1"/>
                 </a:solidFill>
-                <a:ln w="9525">
+                <a:ln w="63500">
                   <a:solidFill>
                     <a:schemeClr val="accent1"/>
                   </a:solidFill>
@@ -1223,7 +1237,7 @@
                 <a:solidFill>
                   <a:schemeClr val="accent1"/>
                 </a:solidFill>
-                <a:ln w="9525">
+                <a:ln w="63500">
                   <a:solidFill>
                     <a:schemeClr val="accent1"/>
                   </a:solidFill>
@@ -1247,7 +1261,7 @@
                 <a:solidFill>
                   <a:schemeClr val="accent1"/>
                 </a:solidFill>
-                <a:ln w="9525">
+                <a:ln w="63500">
                   <a:solidFill>
                     <a:schemeClr val="accent1"/>
                   </a:solidFill>
@@ -1271,7 +1285,7 @@
                 <a:solidFill>
                   <a:schemeClr val="accent1"/>
                 </a:solidFill>
-                <a:ln w="9525">
+                <a:ln w="63500">
                   <a:solidFill>
                     <a:schemeClr val="accent1"/>
                   </a:solidFill>
@@ -1295,7 +1309,7 @@
                 <a:solidFill>
                   <a:schemeClr val="accent1"/>
                 </a:solidFill>
-                <a:ln w="9525">
+                <a:ln w="63500">
                   <a:solidFill>
                     <a:schemeClr val="accent1"/>
                   </a:solidFill>
@@ -1319,7 +1333,7 @@
                 <a:solidFill>
                   <a:schemeClr val="accent1"/>
                 </a:solidFill>
-                <a:ln w="9525">
+                <a:ln w="63500">
                   <a:solidFill>
                     <a:schemeClr val="accent1"/>
                   </a:solidFill>
@@ -1343,7 +1357,7 @@
                 <a:solidFill>
                   <a:schemeClr val="accent1"/>
                 </a:solidFill>
-                <a:ln w="9525">
+                <a:ln w="63500">
                   <a:solidFill>
                     <a:schemeClr val="accent1"/>
                   </a:solidFill>
@@ -1458,7 +1472,7 @@
               <a:solidFill>
                 <a:schemeClr val="accent2"/>
               </a:solidFill>
-              <a:ln w="9525">
+              <a:ln w="63500">
                 <a:solidFill>
                   <a:schemeClr val="accent2"/>
                 </a:solidFill>
@@ -1475,7 +1489,7 @@
                 <a:solidFill>
                   <a:schemeClr val="accent2"/>
                 </a:solidFill>
-                <a:ln w="9525">
+                <a:ln w="63500">
                   <a:solidFill>
                     <a:schemeClr val="accent2"/>
                   </a:solidFill>
@@ -1588,11 +1602,11 @@
             <c:size val="7"/>
             <c:spPr>
               <a:solidFill>
-                <a:schemeClr val="accent3"/>
+                <a:srgbClr val="FFFF00"/>
               </a:solidFill>
-              <a:ln w="9525">
+              <a:ln w="63500">
                 <a:solidFill>
-                  <a:schemeClr val="accent3"/>
+                  <a:srgbClr val="FFFF00"/>
                 </a:solidFill>
               </a:ln>
               <a:effectLst/>
@@ -1605,11 +1619,11 @@
               <c:size val="7"/>
               <c:spPr>
                 <a:solidFill>
-                  <a:schemeClr val="accent3"/>
+                  <a:srgbClr val="FFFF00"/>
                 </a:solidFill>
-                <a:ln w="9525">
+                <a:ln w="63500">
                   <a:solidFill>
-                    <a:schemeClr val="accent3"/>
+                    <a:srgbClr val="FFFF00"/>
                   </a:solidFill>
                 </a:ln>
                 <a:effectLst/>
@@ -1720,11 +1734,11 @@
             <c:size val="7"/>
             <c:spPr>
               <a:solidFill>
-                <a:schemeClr val="accent4"/>
+                <a:srgbClr val="7030A0"/>
               </a:solidFill>
-              <a:ln w="9525">
+              <a:ln w="63500">
                 <a:solidFill>
-                  <a:schemeClr val="accent4"/>
+                  <a:srgbClr val="7030A0"/>
                 </a:solidFill>
               </a:ln>
               <a:effectLst/>
@@ -1737,11 +1751,11 @@
               <c:size val="7"/>
               <c:spPr>
                 <a:solidFill>
-                  <a:schemeClr val="accent4"/>
+                  <a:srgbClr val="7030A0"/>
                 </a:solidFill>
-                <a:ln w="9525">
+                <a:ln w="63500">
                   <a:solidFill>
-                    <a:schemeClr val="accent4"/>
+                    <a:srgbClr val="7030A0"/>
                   </a:solidFill>
                 </a:ln>
                 <a:effectLst/>
@@ -1854,7 +1868,7 @@
               <a:solidFill>
                 <a:schemeClr val="accent5"/>
               </a:solidFill>
-              <a:ln w="9525">
+              <a:ln w="63500">
                 <a:solidFill>
                   <a:schemeClr val="accent5"/>
                 </a:solidFill>
@@ -1871,7 +1885,7 @@
                 <a:solidFill>
                   <a:schemeClr val="accent5"/>
                 </a:solidFill>
-                <a:ln w="9525">
+                <a:ln w="63500">
                   <a:solidFill>
                     <a:schemeClr val="accent5"/>
                   </a:solidFill>
@@ -1999,7 +2013,7 @@
               <a:lstStyle/>
               <a:p>
                 <a:pPr>
-                  <a:defRPr sz="1100" b="0" i="0" u="none" strike="noStrike" kern="1200" baseline="0">
+                  <a:defRPr sz="2000" b="0" i="0" u="none" strike="noStrike" kern="1200" baseline="0">
                     <a:solidFill>
                       <a:schemeClr val="tx1">
                         <a:lumMod val="65000"/>
@@ -2012,12 +2026,20 @@
                   </a:defRPr>
                 </a:pPr>
                 <a:r>
-                  <a:rPr lang="it-IT"/>
+                  <a:rPr lang="it-IT" sz="2000" b="0" i="0" baseline="0"/>
                   <a:t>Preset</a:t>
                 </a:r>
               </a:p>
             </c:rich>
           </c:tx>
+          <c:layout>
+            <c:manualLayout>
+              <c:xMode val="edge"/>
+              <c:yMode val="edge"/>
+              <c:x val="0.43642554313862719"/>
+              <c:y val="0.93264654286993576"/>
+            </c:manualLayout>
+          </c:layout>
           <c:overlay val="0"/>
           <c:spPr>
             <a:noFill/>
@@ -2031,7 +2053,7 @@
             <a:lstStyle/>
             <a:p>
               <a:pPr>
-                <a:defRPr sz="1100" b="0" i="0" u="none" strike="noStrike" kern="1200" baseline="0">
+                <a:defRPr sz="2000" b="0" i="0" u="none" strike="noStrike" kern="1200" baseline="0">
                   <a:solidFill>
                     <a:schemeClr val="tx1">
                       <a:lumMod val="65000"/>
@@ -2069,7 +2091,7 @@
           <a:lstStyle/>
           <a:p>
             <a:pPr>
-              <a:defRPr sz="1100" b="0" i="0" u="none" strike="noStrike" kern="1200" baseline="0">
+              <a:defRPr sz="1500" b="0" i="0" u="none" strike="noStrike" kern="1200" baseline="0">
                 <a:solidFill>
                   <a:schemeClr val="tx1">
                     <a:lumMod val="65000"/>
@@ -2119,7 +2141,7 @@
               <a:lstStyle/>
               <a:p>
                 <a:pPr>
-                  <a:defRPr sz="1100" b="0" i="0" u="none" strike="noStrike" kern="1200" baseline="0">
+                  <a:defRPr sz="1500" b="0" i="0" u="none" strike="noStrike" kern="1200" baseline="0">
                     <a:solidFill>
                       <a:schemeClr val="tx1">
                         <a:lumMod val="65000"/>
@@ -2151,7 +2173,7 @@
             <a:lstStyle/>
             <a:p>
               <a:pPr>
-                <a:defRPr sz="1100" b="0" i="0" u="none" strike="noStrike" kern="1200" baseline="0">
+                <a:defRPr sz="1500" b="0" i="0" u="none" strike="noStrike" kern="1200" baseline="0">
                   <a:solidFill>
                     <a:schemeClr val="tx1">
                       <a:lumMod val="65000"/>
@@ -2189,7 +2211,7 @@
           <a:lstStyle/>
           <a:p>
             <a:pPr>
-              <a:defRPr sz="1100" b="0" i="0" u="none" strike="noStrike" kern="1200" baseline="0">
+              <a:defRPr sz="1500" b="0" i="0" u="none" strike="noStrike" kern="1200" baseline="0">
                 <a:solidFill>
                   <a:schemeClr val="tx1">
                     <a:lumMod val="65000"/>
@@ -2231,7 +2253,7 @@
         <a:lstStyle/>
         <a:p>
           <a:pPr>
-            <a:defRPr sz="1200" b="0" i="0" u="none" strike="noStrike" kern="1200" baseline="0">
+            <a:defRPr sz="1500" b="0" i="0" u="none" strike="noStrike" kern="1200" baseline="0">
               <a:solidFill>
                 <a:schemeClr val="tx1">
                   <a:lumMod val="65000"/>
@@ -2275,7 +2297,7 @@
     <a:lstStyle/>
     <a:p>
       <a:pPr>
-        <a:defRPr sz="1100" baseline="0"/>
+        <a:defRPr sz="1500" baseline="0"/>
       </a:pPr>
       <a:endParaRPr lang="it-IT"/>
     </a:p>
@@ -9517,7 +9539,7 @@
             <a:fld id="{B61BEF0D-F0BB-DE4B-95CE-6DB70DBA9567}" type="datetimeFigureOut">
               <a:rPr lang="en-US" dirty="0"/>
               <a:pPr/>
-              <a:t>6/2/2021</a:t>
+              <a:t>6/3/2021</a:t>
             </a:fld>
             <a:endParaRPr lang="en-US"/>
           </a:p>
@@ -9810,7 +9832,7 @@
             <a:fld id="{B61BEF0D-F0BB-DE4B-95CE-6DB70DBA9567}" type="datetimeFigureOut">
               <a:rPr lang="en-US" dirty="0"/>
               <a:pPr/>
-              <a:t>6/2/2021</a:t>
+              <a:t>6/3/2021</a:t>
             </a:fld>
             <a:endParaRPr lang="en-US"/>
           </a:p>
@@ -10059,7 +10081,7 @@
             <a:fld id="{B61BEF0D-F0BB-DE4B-95CE-6DB70DBA9567}" type="datetimeFigureOut">
               <a:rPr lang="en-US" dirty="0"/>
               <a:pPr/>
-              <a:t>6/2/2021</a:t>
+              <a:t>6/3/2021</a:t>
             </a:fld>
             <a:endParaRPr lang="en-US"/>
           </a:p>
@@ -10600,7 +10622,7 @@
             <a:fld id="{B61BEF0D-F0BB-DE4B-95CE-6DB70DBA9567}" type="datetimeFigureOut">
               <a:rPr lang="en-US" dirty="0"/>
               <a:pPr/>
-              <a:t>6/2/2021</a:t>
+              <a:t>6/3/2021</a:t>
             </a:fld>
             <a:endParaRPr lang="en-US"/>
           </a:p>
@@ -10849,7 +10871,7 @@
             <a:fld id="{B61BEF0D-F0BB-DE4B-95CE-6DB70DBA9567}" type="datetimeFigureOut">
               <a:rPr lang="en-US" dirty="0"/>
               <a:pPr/>
-              <a:t>6/2/2021</a:t>
+              <a:t>6/3/2021</a:t>
             </a:fld>
             <a:endParaRPr lang="en-US"/>
           </a:p>
@@ -11382,7 +11404,7 @@
             <a:fld id="{B61BEF0D-F0BB-DE4B-95CE-6DB70DBA9567}" type="datetimeFigureOut">
               <a:rPr lang="en-US" dirty="0"/>
               <a:pPr/>
-              <a:t>6/2/2021</a:t>
+              <a:t>6/3/2021</a:t>
             </a:fld>
             <a:endParaRPr lang="en-US"/>
           </a:p>
@@ -11680,7 +11702,7 @@
             <a:fld id="{B61BEF0D-F0BB-DE4B-95CE-6DB70DBA9567}" type="datetimeFigureOut">
               <a:rPr lang="en-US" dirty="0"/>
               <a:pPr/>
-              <a:t>6/2/2021</a:t>
+              <a:t>6/3/2021</a:t>
             </a:fld>
             <a:endParaRPr lang="en-US"/>
           </a:p>
@@ -11854,7 +11876,7 @@
             <a:fld id="{B61BEF0D-F0BB-DE4B-95CE-6DB70DBA9567}" type="datetimeFigureOut">
               <a:rPr lang="en-US" dirty="0"/>
               <a:pPr/>
-              <a:t>6/2/2021</a:t>
+              <a:t>6/3/2021</a:t>
             </a:fld>
             <a:endParaRPr lang="en-US"/>
           </a:p>
@@ -12034,7 +12056,7 @@
             <a:fld id="{B61BEF0D-F0BB-DE4B-95CE-6DB70DBA9567}" type="datetimeFigureOut">
               <a:rPr lang="en-US" dirty="0"/>
               <a:pPr/>
-              <a:t>6/2/2021</a:t>
+              <a:t>6/3/2021</a:t>
             </a:fld>
             <a:endParaRPr lang="en-US"/>
           </a:p>
@@ -12204,7 +12226,7 @@
             <a:fld id="{B61BEF0D-F0BB-DE4B-95CE-6DB70DBA9567}" type="datetimeFigureOut">
               <a:rPr lang="en-US" dirty="0"/>
               <a:pPr/>
-              <a:t>6/2/2021</a:t>
+              <a:t>6/3/2021</a:t>
             </a:fld>
             <a:endParaRPr lang="en-US"/>
           </a:p>
@@ -12456,7 +12478,7 @@
             <a:fld id="{B61BEF0D-F0BB-DE4B-95CE-6DB70DBA9567}" type="datetimeFigureOut">
               <a:rPr lang="en-US" dirty="0"/>
               <a:pPr/>
-              <a:t>6/2/2021</a:t>
+              <a:t>6/3/2021</a:t>
             </a:fld>
             <a:endParaRPr lang="en-US"/>
           </a:p>
@@ -12752,7 +12774,7 @@
             <a:fld id="{B61BEF0D-F0BB-DE4B-95CE-6DB70DBA9567}" type="datetimeFigureOut">
               <a:rPr lang="en-US" dirty="0"/>
               <a:pPr/>
-              <a:t>6/2/2021</a:t>
+              <a:t>6/3/2021</a:t>
             </a:fld>
             <a:endParaRPr lang="en-US"/>
           </a:p>
@@ -13193,7 +13215,7 @@
             <a:fld id="{B61BEF0D-F0BB-DE4B-95CE-6DB70DBA9567}" type="datetimeFigureOut">
               <a:rPr lang="en-US" dirty="0"/>
               <a:pPr/>
-              <a:t>6/2/2021</a:t>
+              <a:t>6/3/2021</a:t>
             </a:fld>
             <a:endParaRPr lang="en-US"/>
           </a:p>
@@ -13312,7 +13334,7 @@
             <a:fld id="{B61BEF0D-F0BB-DE4B-95CE-6DB70DBA9567}" type="datetimeFigureOut">
               <a:rPr lang="en-US" dirty="0"/>
               <a:pPr/>
-              <a:t>6/2/2021</a:t>
+              <a:t>6/3/2021</a:t>
             </a:fld>
             <a:endParaRPr lang="en-US"/>
           </a:p>
@@ -13409,7 +13431,7 @@
             <a:fld id="{B61BEF0D-F0BB-DE4B-95CE-6DB70DBA9567}" type="datetimeFigureOut">
               <a:rPr lang="en-US" dirty="0"/>
               <a:pPr/>
-              <a:t>6/2/2021</a:t>
+              <a:t>6/3/2021</a:t>
             </a:fld>
             <a:endParaRPr lang="en-US"/>
           </a:p>
@@ -13692,7 +13714,7 @@
             <a:fld id="{B61BEF0D-F0BB-DE4B-95CE-6DB70DBA9567}" type="datetimeFigureOut">
               <a:rPr lang="en-US" dirty="0"/>
               <a:pPr/>
-              <a:t>6/2/2021</a:t>
+              <a:t>6/3/2021</a:t>
             </a:fld>
             <a:endParaRPr lang="en-US"/>
           </a:p>
@@ -13980,7 +14002,7 @@
             <a:fld id="{B61BEF0D-F0BB-DE4B-95CE-6DB70DBA9567}" type="datetimeFigureOut">
               <a:rPr lang="en-US" dirty="0"/>
               <a:pPr/>
-              <a:t>6/2/2021</a:t>
+              <a:t>6/3/2021</a:t>
             </a:fld>
             <a:endParaRPr lang="en-US"/>
           </a:p>
@@ -14510,7 +14532,7 @@
             <a:fld id="{B61BEF0D-F0BB-DE4B-95CE-6DB70DBA9567}" type="datetimeFigureOut">
               <a:rPr lang="en-US" dirty="0"/>
               <a:pPr/>
-              <a:t>6/2/2021</a:t>
+              <a:t>6/3/2021</a:t>
             </a:fld>
             <a:endParaRPr lang="en-US"/>
           </a:p>
@@ -20713,7 +20735,7 @@
         </p:nvSpPr>
         <p:spPr>
           <a:xfrm>
-            <a:off x="2617442" y="245810"/>
+            <a:off x="2455173" y="200568"/>
             <a:ext cx="7817538" cy="990306"/>
           </a:xfrm>
         </p:spPr>
@@ -20758,7 +20780,7 @@
           <p:nvPr>
             <p:extLst>
               <p:ext uri="{D42A27DB-BD31-4B8C-83A1-F6EECF244321}">
-                <p14:modId xmlns:p14="http://schemas.microsoft.com/office/powerpoint/2010/main" val="2982805142"/>
+                <p14:modId xmlns:p14="http://schemas.microsoft.com/office/powerpoint/2010/main" val="1289749427"/>
               </p:ext>
             </p:extLst>
           </p:nvPr>
@@ -21425,14 +21447,14 @@
           <p:nvPr>
             <p:extLst>
               <p:ext uri="{D42A27DB-BD31-4B8C-83A1-F6EECF244321}">
-                <p14:modId xmlns:p14="http://schemas.microsoft.com/office/powerpoint/2010/main" val="2289186078"/>
+                <p14:modId xmlns:p14="http://schemas.microsoft.com/office/powerpoint/2010/main" val="3593174767"/>
               </p:ext>
             </p:extLst>
           </p:nvPr>
         </p:nvGraphicFramePr>
         <p:xfrm>
-          <a:off x="1089026" y="1246408"/>
-          <a:ext cx="10009185" cy="5357869"/>
+          <a:off x="1014413" y="1142012"/>
+          <a:ext cx="10009185" cy="5483541"/>
         </p:xfrm>
         <a:graphic>
           <a:graphicData uri="http://schemas.openxmlformats.org/drawingml/2006/chart">
@@ -22051,8 +22073,8 @@
         </p:nvSpPr>
         <p:spPr>
           <a:xfrm>
-            <a:off x="650877" y="859601"/>
-            <a:ext cx="9388471" cy="5138798"/>
+            <a:off x="523876" y="1391444"/>
+            <a:ext cx="8196259" cy="4275138"/>
           </a:xfrm>
           <a:prstGeom prst="rect">
             <a:avLst/>
@@ -22087,8 +22109,8 @@
               <a:buChar char="•"/>
             </a:pPr>
             <a:r>
-              <a:rPr lang="en-US" sz="3200" dirty="0"/>
-              <a:t>Encoding time, as predicted, does get lower with faster presets</a:t>
+              <a:rPr lang="en-US" sz="2800" dirty="0"/>
+              <a:t>Normalized Encoding time, as predicted, does get lower with faster presets</a:t>
             </a:r>
           </a:p>
           <a:p>
@@ -22112,23 +22134,23 @@
               <a:buChar char="•"/>
             </a:pPr>
             <a:r>
-              <a:rPr lang="en-US" sz="3200" dirty="0"/>
+              <a:rPr lang="en-US" sz="2800" dirty="0"/>
               <a:t>Caps at </a:t>
             </a:r>
             <a:r>
-              <a:rPr lang="en-US" sz="3200" i="1" dirty="0"/>
+              <a:rPr lang="en-US" sz="2800" i="1" dirty="0"/>
               <a:t>superfast</a:t>
             </a:r>
             <a:r>
-              <a:rPr lang="en-US" sz="3200" dirty="0"/>
+              <a:rPr lang="en-US" sz="2800" dirty="0"/>
               <a:t> (no significant improvement with </a:t>
             </a:r>
             <a:r>
-              <a:rPr lang="en-US" sz="3200" i="1" dirty="0"/>
+              <a:rPr lang="en-US" sz="2800" i="1" dirty="0"/>
               <a:t>ultrafast</a:t>
             </a:r>
             <a:r>
-              <a:rPr lang="en-US" sz="3200" dirty="0"/>
+              <a:rPr lang="en-US" sz="2800" dirty="0"/>
               <a:t>)</a:t>
             </a:r>
           </a:p>
@@ -22153,8 +22175,8 @@
               <a:buChar char="•"/>
             </a:pPr>
             <a:r>
-              <a:rPr lang="en-US" sz="3200" dirty="0"/>
-              <a:t>Always below 100% ratio (every preset could handle live streaming)</a:t>
+              <a:rPr lang="en-US" sz="2800" dirty="0"/>
+              <a:t>Always below 1 (every preset could handle live streaming)</a:t>
             </a:r>
           </a:p>
           <a:p>
@@ -22178,19 +22200,134 @@
               <a:buChar char="•"/>
             </a:pPr>
             <a:r>
-              <a:rPr lang="en-US" sz="3200" dirty="0"/>
-              <a:t>In any case hardware encoding is</a:t>
+              <a:rPr lang="en-US" sz="2800" dirty="0"/>
+              <a:t>In any case </a:t>
+            </a:r>
+            <a:r>
+              <a:rPr lang="en-US" sz="2800" b="1" dirty="0">
+                <a:solidFill>
+                  <a:srgbClr val="8BB434"/>
+                </a:solidFill>
+              </a:rPr>
+              <a:t>hardware encoding is</a:t>
             </a:r>
             <a:br>
-              <a:rPr lang="en-US" sz="3200" dirty="0"/>
+              <a:rPr lang="en-US" sz="2800" b="1" dirty="0">
+                <a:solidFill>
+                  <a:srgbClr val="8BB434"/>
+                </a:solidFill>
+              </a:rPr>
             </a:br>
             <a:r>
-              <a:rPr lang="en-US" sz="3200" dirty="0"/>
-              <a:t>faster than any software preset</a:t>
+              <a:rPr lang="en-US" sz="2800" b="1" dirty="0">
+                <a:solidFill>
+                  <a:srgbClr val="8BB434"/>
+                </a:solidFill>
+              </a:rPr>
+              <a:t>faster</a:t>
+            </a:r>
+            <a:r>
+              <a:rPr lang="en-US" sz="2800" dirty="0">
+                <a:solidFill>
+                  <a:srgbClr val="8BB434"/>
+                </a:solidFill>
+              </a:rPr>
+              <a:t> </a:t>
+            </a:r>
+            <a:r>
+              <a:rPr lang="en-US" sz="2800" dirty="0"/>
+              <a:t>than any software preset</a:t>
             </a:r>
           </a:p>
         </p:txBody>
       </p:sp>
+      <p:sp>
+        <p:nvSpPr>
+          <p:cNvPr id="16" name="CasellaDiTesto 15">
+            <a:extLst>
+              <a:ext uri="{FF2B5EF4-FFF2-40B4-BE49-F238E27FC236}">
+                <a16:creationId xmlns:a16="http://schemas.microsoft.com/office/drawing/2014/main" id="{EC2277C4-CE6E-432D-8EF4-7134944E5631}"/>
+              </a:ext>
+            </a:extLst>
+          </p:cNvPr>
+          <p:cNvSpPr txBox="1"/>
+          <p:nvPr/>
+        </p:nvSpPr>
+        <p:spPr>
+          <a:xfrm>
+            <a:off x="889794" y="380485"/>
+            <a:ext cx="8259760" cy="707886"/>
+          </a:xfrm>
+          <a:prstGeom prst="rect">
+            <a:avLst/>
+          </a:prstGeom>
+          <a:noFill/>
+        </p:spPr>
+        <p:txBody>
+          <a:bodyPr wrap="square">
+            <a:spAutoFit/>
+          </a:bodyPr>
+          <a:lstStyle/>
+          <a:p>
+            <a:pPr algn="ctr"/>
+            <a:r>
+              <a:rPr lang="it-IT" sz="4000" dirty="0" err="1"/>
+              <a:t>Which</a:t>
+            </a:r>
+            <a:r>
+              <a:rPr lang="it-IT" sz="4000" dirty="0"/>
+              <a:t> </a:t>
+            </a:r>
+            <a:r>
+              <a:rPr lang="it-IT" sz="4000" dirty="0" err="1"/>
+              <a:t>is</a:t>
+            </a:r>
+            <a:r>
+              <a:rPr lang="it-IT" sz="4000" dirty="0"/>
+              <a:t> THE FAST?</a:t>
+            </a:r>
+          </a:p>
+        </p:txBody>
+      </p:sp>
+      <p:pic>
+        <p:nvPicPr>
+          <p:cNvPr id="8" name="Elemento grafico 7" descr="Cronometro 75% con riempimento a tinta unita">
+            <a:extLst>
+              <a:ext uri="{FF2B5EF4-FFF2-40B4-BE49-F238E27FC236}">
+                <a16:creationId xmlns:a16="http://schemas.microsoft.com/office/drawing/2014/main" id="{6625F8B0-A891-4AB5-B298-5D11C283DEA3}"/>
+              </a:ext>
+            </a:extLst>
+          </p:cNvPr>
+          <p:cNvPicPr>
+            <a:picLocks noChangeAspect="1"/>
+          </p:cNvPicPr>
+          <p:nvPr/>
+        </p:nvPicPr>
+        <p:blipFill>
+          <a:blip r:embed="rId2">
+            <a:extLst>
+              <a:ext uri="{28A0092B-C50C-407E-A947-70E740481C1C}">
+                <a14:useLocalDpi xmlns:a14="http://schemas.microsoft.com/office/drawing/2010/main" val="0"/>
+              </a:ext>
+              <a:ext uri="{96DAC541-7B7A-43D3-8B79-37D633B846F1}">
+                <asvg:svgBlip xmlns:asvg="http://schemas.microsoft.com/office/drawing/2016/SVG/main" r:embed="rId3"/>
+              </a:ext>
+            </a:extLst>
+          </a:blip>
+          <a:stretch>
+            <a:fillRect/>
+          </a:stretch>
+        </p:blipFill>
+        <p:spPr>
+          <a:xfrm>
+            <a:off x="7862885" y="277228"/>
+            <a:ext cx="914400" cy="914400"/>
+          </a:xfrm>
+          <a:prstGeom prst="rect">
+            <a:avLst/>
+          </a:prstGeom>
+        </p:spPr>
+      </p:pic>
     </p:spTree>
     <p:extLst>
       <p:ext uri="{BB962C8B-B14F-4D97-AF65-F5344CB8AC3E}">
@@ -22991,8 +23128,8 @@
         </p:nvSpPr>
         <p:spPr>
           <a:xfrm>
-            <a:off x="650877" y="859601"/>
-            <a:ext cx="9388471" cy="5138798"/>
+            <a:off x="174627" y="1294885"/>
+            <a:ext cx="9213844" cy="5138798"/>
           </a:xfrm>
           <a:prstGeom prst="rect">
             <a:avLst/>
@@ -23027,7 +23164,7 @@
               <a:buChar char="•"/>
             </a:pPr>
             <a:r>
-              <a:rPr lang="en-US" sz="3200" dirty="0"/>
+              <a:rPr lang="en-US" sz="3000" dirty="0"/>
               <a:t>Output size gets bigger with faster presets (less optimized encoding)</a:t>
             </a:r>
           </a:p>
@@ -23052,8 +23189,20 @@
               <a:buChar char="•"/>
             </a:pPr>
             <a:r>
-              <a:rPr lang="en-US" sz="3200" dirty="0"/>
-              <a:t>Faster and very fast presets are outliers (as also reported in the documentation): lower time and lower size at the same time</a:t>
+              <a:rPr lang="en-US" sz="3000" dirty="0"/>
+              <a:t>Faster and very fast presets are </a:t>
+            </a:r>
+            <a:r>
+              <a:rPr lang="en-US" sz="3000" b="1" dirty="0">
+                <a:solidFill>
+                  <a:srgbClr val="9900CC"/>
+                </a:solidFill>
+              </a:rPr>
+              <a:t>outliers</a:t>
+            </a:r>
+            <a:r>
+              <a:rPr lang="en-US" sz="3000" dirty="0"/>
+              <a:t> (as also reported in the documentation): lower time and lower size at the same time</a:t>
             </a:r>
           </a:p>
           <a:p>
@@ -23078,40 +23227,200 @@
             </a:pPr>
             <a:r>
               <a:rPr lang="en-US" sz="3200" dirty="0"/>
-              <a:t>Likely due to quality reduction even if it is</a:t>
+              <a:t>HW encoding is capable to obtain a good average result with some limit cases                (San Andreas)</a:t>
             </a:r>
-            <a:br>
-              <a:rPr lang="en-US" sz="3200" dirty="0"/>
-            </a:br>
-            <a:r>
-              <a:rPr lang="en-US" sz="3200" dirty="0"/>
-              <a:t>supposed to be constant</a:t>
-            </a:r>
-          </a:p>
-          <a:p>
-            <a:pPr marL="1028700" lvl="1" indent="-571500" defTabSz="457200">
-              <a:lnSpc>
-                <a:spcPct val="120000"/>
-              </a:lnSpc>
-              <a:spcBef>
-                <a:spcPct val="20000"/>
-              </a:spcBef>
-              <a:spcAft>
-                <a:spcPts val="600"/>
-              </a:spcAft>
-              <a:buClr>
-                <a:schemeClr val="accent1">
-                  <a:lumMod val="75000"/>
-                </a:schemeClr>
-              </a:buClr>
-              <a:buSzPct val="145000"/>
-              <a:buFont typeface="Arial"/>
-              <a:buChar char="•"/>
-            </a:pPr>
-            <a:endParaRPr lang="en-US" sz="3200" dirty="0"/>
           </a:p>
         </p:txBody>
       </p:sp>
+      <p:sp>
+        <p:nvSpPr>
+          <p:cNvPr id="16" name="CasellaDiTesto 15">
+            <a:extLst>
+              <a:ext uri="{FF2B5EF4-FFF2-40B4-BE49-F238E27FC236}">
+                <a16:creationId xmlns:a16="http://schemas.microsoft.com/office/drawing/2014/main" id="{EF7A5337-BBAE-48F7-AB14-F75C5F0BF394}"/>
+              </a:ext>
+            </a:extLst>
+          </p:cNvPr>
+          <p:cNvSpPr txBox="1"/>
+          <p:nvPr/>
+        </p:nvSpPr>
+        <p:spPr>
+          <a:xfrm>
+            <a:off x="651669" y="392588"/>
+            <a:ext cx="8259760" cy="646331"/>
+          </a:xfrm>
+          <a:prstGeom prst="rect">
+            <a:avLst/>
+          </a:prstGeom>
+          <a:noFill/>
+        </p:spPr>
+        <p:txBody>
+          <a:bodyPr wrap="square">
+            <a:spAutoFit/>
+          </a:bodyPr>
+          <a:lstStyle/>
+          <a:p>
+            <a:pPr algn="ctr"/>
+            <a:r>
+              <a:rPr lang="it-IT" sz="3600" dirty="0" err="1"/>
+              <a:t>Which</a:t>
+            </a:r>
+            <a:r>
+              <a:rPr lang="it-IT" sz="3600" dirty="0"/>
+              <a:t> </a:t>
+            </a:r>
+            <a:r>
+              <a:rPr lang="it-IT" sz="3600" dirty="0" err="1"/>
+              <a:t>is</a:t>
+            </a:r>
+            <a:r>
+              <a:rPr lang="it-IT" sz="3600" dirty="0"/>
+              <a:t> </a:t>
+            </a:r>
+            <a:r>
+              <a:rPr lang="it-IT" sz="3600" dirty="0" err="1"/>
+              <a:t>most</a:t>
+            </a:r>
+            <a:r>
+              <a:rPr lang="it-IT" sz="3600" dirty="0"/>
+              <a:t> </a:t>
+            </a:r>
+            <a:r>
+              <a:rPr lang="it-IT" sz="3600" dirty="0" err="1"/>
+              <a:t>compression</a:t>
+            </a:r>
+            <a:r>
+              <a:rPr lang="it-IT" sz="3600" dirty="0"/>
+              <a:t> </a:t>
+            </a:r>
+            <a:r>
+              <a:rPr lang="it-IT" sz="3600" dirty="0" err="1"/>
+              <a:t>effective</a:t>
+            </a:r>
+            <a:r>
+              <a:rPr lang="it-IT" sz="3600" dirty="0"/>
+              <a:t>?</a:t>
+            </a:r>
+          </a:p>
+        </p:txBody>
+      </p:sp>
+      <p:pic>
+        <p:nvPicPr>
+          <p:cNvPr id="3" name="Elemento grafico 2" descr="Scatola con riempimento a tinta unita">
+            <a:extLst>
+              <a:ext uri="{FF2B5EF4-FFF2-40B4-BE49-F238E27FC236}">
+                <a16:creationId xmlns:a16="http://schemas.microsoft.com/office/drawing/2014/main" id="{6D3844FF-D234-4D20-8715-6DB31474DDBF}"/>
+              </a:ext>
+            </a:extLst>
+          </p:cNvPr>
+          <p:cNvPicPr>
+            <a:picLocks noChangeAspect="1"/>
+          </p:cNvPicPr>
+          <p:nvPr/>
+        </p:nvPicPr>
+        <p:blipFill>
+          <a:blip r:embed="rId2">
+            <a:extLst>
+              <a:ext uri="{28A0092B-C50C-407E-A947-70E740481C1C}">
+                <a14:useLocalDpi xmlns:a14="http://schemas.microsoft.com/office/drawing/2010/main" val="0"/>
+              </a:ext>
+              <a:ext uri="{96DAC541-7B7A-43D3-8B79-37D633B846F1}">
+                <asvg:svgBlip xmlns:asvg="http://schemas.microsoft.com/office/drawing/2016/SVG/main" r:embed="rId3"/>
+              </a:ext>
+            </a:extLst>
+          </a:blip>
+          <a:stretch>
+            <a:fillRect/>
+          </a:stretch>
+        </p:blipFill>
+        <p:spPr>
+          <a:xfrm>
+            <a:off x="8636001" y="247535"/>
+            <a:ext cx="1219195" cy="1219195"/>
+          </a:xfrm>
+          <a:prstGeom prst="rect">
+            <a:avLst/>
+          </a:prstGeom>
+        </p:spPr>
+      </p:pic>
+      <p:pic>
+        <p:nvPicPr>
+          <p:cNvPr id="5" name="Elemento grafico 4" descr="Faccia diavolo con riempimento a tinta unita con riempimento a tinta unita">
+            <a:extLst>
+              <a:ext uri="{FF2B5EF4-FFF2-40B4-BE49-F238E27FC236}">
+                <a16:creationId xmlns:a16="http://schemas.microsoft.com/office/drawing/2014/main" id="{98BA19C2-D60F-4C3C-90F5-ECC490C5D6BD}"/>
+              </a:ext>
+            </a:extLst>
+          </p:cNvPr>
+          <p:cNvPicPr>
+            <a:picLocks noChangeAspect="1"/>
+          </p:cNvPicPr>
+          <p:nvPr/>
+        </p:nvPicPr>
+        <p:blipFill>
+          <a:blip r:embed="rId4">
+            <a:extLst>
+              <a:ext uri="{28A0092B-C50C-407E-A947-70E740481C1C}">
+                <a14:useLocalDpi xmlns:a14="http://schemas.microsoft.com/office/drawing/2010/main" val="0"/>
+              </a:ext>
+              <a:ext uri="{96DAC541-7B7A-43D3-8B79-37D633B846F1}">
+                <asvg:svgBlip xmlns:asvg="http://schemas.microsoft.com/office/drawing/2016/SVG/main" r:embed="rId5"/>
+              </a:ext>
+            </a:extLst>
+          </a:blip>
+          <a:stretch>
+            <a:fillRect/>
+          </a:stretch>
+        </p:blipFill>
+        <p:spPr>
+          <a:xfrm>
+            <a:off x="8931271" y="2782888"/>
+            <a:ext cx="771529" cy="771529"/>
+          </a:xfrm>
+          <a:prstGeom prst="rect">
+            <a:avLst/>
+          </a:prstGeom>
+        </p:spPr>
+      </p:pic>
+      <p:pic>
+        <p:nvPicPr>
+          <p:cNvPr id="7" name="Elemento grafico 6" descr="Muro di mattoni contorno">
+            <a:extLst>
+              <a:ext uri="{FF2B5EF4-FFF2-40B4-BE49-F238E27FC236}">
+                <a16:creationId xmlns:a16="http://schemas.microsoft.com/office/drawing/2014/main" id="{6C37184E-4192-4385-A627-17A45384D35A}"/>
+              </a:ext>
+            </a:extLst>
+          </p:cNvPr>
+          <p:cNvPicPr>
+            <a:picLocks noChangeAspect="1"/>
+          </p:cNvPicPr>
+          <p:nvPr/>
+        </p:nvPicPr>
+        <p:blipFill>
+          <a:blip r:embed="rId6">
+            <a:extLst>
+              <a:ext uri="{28A0092B-C50C-407E-A947-70E740481C1C}">
+                <a14:useLocalDpi xmlns:a14="http://schemas.microsoft.com/office/drawing/2010/main" val="0"/>
+              </a:ext>
+              <a:ext uri="{96DAC541-7B7A-43D3-8B79-37D633B846F1}">
+                <asvg:svgBlip xmlns:asvg="http://schemas.microsoft.com/office/drawing/2016/SVG/main" r:embed="rId7"/>
+              </a:ext>
+            </a:extLst>
+          </a:blip>
+          <a:stretch>
+            <a:fillRect/>
+          </a:stretch>
+        </p:blipFill>
+        <p:spPr>
+          <a:xfrm>
+            <a:off x="3867149" y="5488782"/>
+            <a:ext cx="914400" cy="914400"/>
+          </a:xfrm>
+          <a:prstGeom prst="rect">
+            <a:avLst/>
+          </a:prstGeom>
+        </p:spPr>
+      </p:pic>
     </p:spTree>
     <p:extLst>
       <p:ext uri="{BB962C8B-B14F-4D97-AF65-F5344CB8AC3E}">
@@ -23246,33 +23555,15 @@
                                   </p:childTnLst>
                                 </p:cTn>
                               </p:par>
-                            </p:childTnLst>
-                          </p:cTn>
-                        </p:par>
-                      </p:childTnLst>
-                    </p:cTn>
-                  </p:par>
-                  <p:par>
-                    <p:cTn id="13" fill="hold">
-                      <p:stCondLst>
-                        <p:cond delay="indefinite"/>
-                      </p:stCondLst>
-                      <p:childTnLst>
-                        <p:par>
-                          <p:cTn id="14" fill="hold">
-                            <p:stCondLst>
-                              <p:cond delay="0"/>
-                            </p:stCondLst>
-                            <p:childTnLst>
                               <p:par>
-                                <p:cTn id="15" presetID="10" presetClass="entr" presetSubtype="0" fill="hold" grpId="0" nodeType="clickEffect">
+                                <p:cTn id="13" presetID="10" presetClass="entr" presetSubtype="0" fill="hold" grpId="0" nodeType="withEffect">
                                   <p:stCondLst>
                                     <p:cond delay="0"/>
                                   </p:stCondLst>
                                   <p:childTnLst>
                                     <p:set>
                                       <p:cBhvr>
-                                        <p:cTn id="16" dur="1" fill="hold">
+                                        <p:cTn id="14" dur="1" fill="hold">
                                           <p:stCondLst>
                                             <p:cond delay="0"/>
                                           </p:stCondLst>
@@ -23294,7 +23585,7 @@
                                     </p:set>
                                     <p:animEffect transition="in" filter="fade">
                                       <p:cBhvr>
-                                        <p:cTn id="17" dur="500"/>
+                                        <p:cTn id="15" dur="500"/>
                                         <p:tgtEl>
                                           <p:spTgt spid="17">
                                             <p:txEl>
@@ -23851,7 +24142,7 @@
         </p:nvSpPr>
         <p:spPr>
           <a:xfrm>
-            <a:off x="650877" y="859601"/>
+            <a:off x="65089" y="1336675"/>
             <a:ext cx="9388471" cy="5138798"/>
           </a:xfrm>
           <a:prstGeom prst="rect">
@@ -23869,7 +24160,7 @@
           <a:p>
             <a:pPr marL="1028700" lvl="1" indent="-571500" defTabSz="457200">
               <a:lnSpc>
-                <a:spcPct val="120000"/>
+                <a:spcPct val="150000"/>
               </a:lnSpc>
               <a:spcBef>
                 <a:spcPct val="20000"/>
@@ -23888,32 +24179,7 @@
             </a:pPr>
             <a:r>
               <a:rPr lang="en-US" sz="3200" dirty="0"/>
-              <a:t>Software encoding proves to be more versatile</a:t>
-            </a:r>
-          </a:p>
-          <a:p>
-            <a:pPr marL="1028700" lvl="1" indent="-571500" defTabSz="457200">
-              <a:lnSpc>
-                <a:spcPct val="120000"/>
-              </a:lnSpc>
-              <a:spcBef>
-                <a:spcPct val="20000"/>
-              </a:spcBef>
-              <a:spcAft>
-                <a:spcPts val="600"/>
-              </a:spcAft>
-              <a:buClr>
-                <a:schemeClr val="accent1">
-                  <a:lumMod val="75000"/>
-                </a:schemeClr>
-              </a:buClr>
-              <a:buSzPct val="145000"/>
-              <a:buFont typeface="Arial"/>
-              <a:buChar char="•"/>
-            </a:pPr>
-            <a:r>
-              <a:rPr lang="en-US" sz="3200" dirty="0"/>
-              <a:t>High reduction in size, suitable for data to be saved on disk</a:t>
+              <a:t>Encoding is heavy load,  so it leads hardware to per form at 100% of  it’s capabilities;</a:t>
             </a:r>
           </a:p>
           <a:p>
@@ -23938,18 +24204,160 @@
             </a:pPr>
             <a:r>
               <a:rPr lang="en-US" sz="3200" dirty="0"/>
-              <a:t>If encoding speed is the priority, H264 is to be</a:t>
+              <a:t>Components where at their peak of power consumption for the entire time of the  test</a:t>
             </a:r>
-            <a:br>
-              <a:rPr lang="en-US" sz="3200" dirty="0"/>
-            </a:br>
+          </a:p>
+          <a:p>
+            <a:pPr marL="1028700" lvl="1" indent="-571500" defTabSz="457200">
+              <a:lnSpc>
+                <a:spcPct val="150000"/>
+              </a:lnSpc>
+              <a:spcBef>
+                <a:spcPct val="20000"/>
+              </a:spcBef>
+              <a:spcAft>
+                <a:spcPts val="600"/>
+              </a:spcAft>
+              <a:buClr>
+                <a:schemeClr val="accent1">
+                  <a:lumMod val="75000"/>
+                </a:schemeClr>
+              </a:buClr>
+              <a:buSzPct val="145000"/>
+              <a:buFont typeface="Arial"/>
+              <a:buChar char="•"/>
+            </a:pPr>
             <a:r>
               <a:rPr lang="en-US" sz="3200" dirty="0"/>
-              <a:t>preferred</a:t>
+              <a:t>Short time -&gt; less energy drowned</a:t>
+            </a:r>
+          </a:p>
+          <a:p>
+            <a:pPr marL="1028700" lvl="1" indent="-571500" defTabSz="457200">
+              <a:lnSpc>
+                <a:spcPct val="150000"/>
+              </a:lnSpc>
+              <a:spcBef>
+                <a:spcPct val="20000"/>
+              </a:spcBef>
+              <a:spcAft>
+                <a:spcPts val="600"/>
+              </a:spcAft>
+              <a:buClr>
+                <a:schemeClr val="accent1">
+                  <a:lumMod val="75000"/>
+                </a:schemeClr>
+              </a:buClr>
+              <a:buSzPct val="145000"/>
+              <a:buFont typeface="Arial"/>
+              <a:buChar char="•"/>
+            </a:pPr>
+            <a:r>
+              <a:rPr lang="en-US" sz="3200" b="1" dirty="0"/>
+              <a:t>Hardware</a:t>
+            </a:r>
+            <a:r>
+              <a:rPr lang="en-US" sz="3200" dirty="0"/>
+              <a:t> tends to be the best</a:t>
             </a:r>
           </a:p>
         </p:txBody>
       </p:sp>
+      <p:sp>
+        <p:nvSpPr>
+          <p:cNvPr id="20" name="CasellaDiTesto 19">
+            <a:extLst>
+              <a:ext uri="{FF2B5EF4-FFF2-40B4-BE49-F238E27FC236}">
+                <a16:creationId xmlns:a16="http://schemas.microsoft.com/office/drawing/2014/main" id="{EA514CEB-FF32-4918-923E-AFDFC1502D28}"/>
+              </a:ext>
+            </a:extLst>
+          </p:cNvPr>
+          <p:cNvSpPr txBox="1"/>
+          <p:nvPr/>
+        </p:nvSpPr>
+        <p:spPr>
+          <a:xfrm>
+            <a:off x="650877" y="358170"/>
+            <a:ext cx="7697902" cy="769441"/>
+          </a:xfrm>
+          <a:prstGeom prst="rect">
+            <a:avLst/>
+          </a:prstGeom>
+          <a:noFill/>
+        </p:spPr>
+        <p:txBody>
+          <a:bodyPr wrap="square">
+            <a:spAutoFit/>
+          </a:bodyPr>
+          <a:lstStyle/>
+          <a:p>
+            <a:pPr algn="ctr"/>
+            <a:r>
+              <a:rPr lang="it-IT" sz="4400" dirty="0" err="1"/>
+              <a:t>Wath</a:t>
+            </a:r>
+            <a:r>
+              <a:rPr lang="it-IT" sz="4400" dirty="0"/>
+              <a:t> </a:t>
+            </a:r>
+            <a:r>
+              <a:rPr lang="it-IT" sz="4400" dirty="0" err="1"/>
+              <a:t>about</a:t>
+            </a:r>
+            <a:r>
+              <a:rPr lang="it-IT" sz="4400" dirty="0"/>
+              <a:t> energy </a:t>
+            </a:r>
+            <a:r>
+              <a:rPr lang="it-IT" sz="4400" dirty="0" err="1"/>
+              <a:t>efficency</a:t>
+            </a:r>
+            <a:r>
+              <a:rPr lang="it-IT" sz="4400" dirty="0"/>
+              <a:t>?</a:t>
+            </a:r>
+          </a:p>
+        </p:txBody>
+      </p:sp>
+      <p:pic>
+        <p:nvPicPr>
+          <p:cNvPr id="3" name="Elemento grafico 2" descr="Energia rinnovabile con riempimento a tinta unita">
+            <a:extLst>
+              <a:ext uri="{FF2B5EF4-FFF2-40B4-BE49-F238E27FC236}">
+                <a16:creationId xmlns:a16="http://schemas.microsoft.com/office/drawing/2014/main" id="{0EC1F709-EBC1-498D-B62D-4A277901A57B}"/>
+              </a:ext>
+            </a:extLst>
+          </p:cNvPr>
+          <p:cNvPicPr>
+            <a:picLocks noChangeAspect="1"/>
+          </p:cNvPicPr>
+          <p:nvPr/>
+        </p:nvPicPr>
+        <p:blipFill>
+          <a:blip r:embed="rId2">
+            <a:extLst>
+              <a:ext uri="{28A0092B-C50C-407E-A947-70E740481C1C}">
+                <a14:useLocalDpi xmlns:a14="http://schemas.microsoft.com/office/drawing/2010/main" val="0"/>
+              </a:ext>
+              <a:ext uri="{96DAC541-7B7A-43D3-8B79-37D633B846F1}">
+                <asvg:svgBlip xmlns:asvg="http://schemas.microsoft.com/office/drawing/2016/SVG/main" r:embed="rId3"/>
+              </a:ext>
+            </a:extLst>
+          </a:blip>
+          <a:stretch>
+            <a:fillRect/>
+          </a:stretch>
+        </p:blipFill>
+        <p:spPr>
+          <a:xfrm>
+            <a:off x="8266230" y="174510"/>
+            <a:ext cx="1252419" cy="1252419"/>
+          </a:xfrm>
+          <a:prstGeom prst="rect">
+            <a:avLst/>
+          </a:prstGeom>
+        </p:spPr>
+      </p:pic>
     </p:spTree>
     <p:extLst>
       <p:ext uri="{BB962C8B-B14F-4D97-AF65-F5344CB8AC3E}">
@@ -24084,33 +24492,15 @@
                                   </p:childTnLst>
                                 </p:cTn>
                               </p:par>
-                            </p:childTnLst>
-                          </p:cTn>
-                        </p:par>
-                      </p:childTnLst>
-                    </p:cTn>
-                  </p:par>
-                  <p:par>
-                    <p:cTn id="13" fill="hold">
-                      <p:stCondLst>
-                        <p:cond delay="indefinite"/>
-                      </p:stCondLst>
-                      <p:childTnLst>
-                        <p:par>
-                          <p:cTn id="14" fill="hold">
-                            <p:stCondLst>
-                              <p:cond delay="0"/>
-                            </p:stCondLst>
-                            <p:childTnLst>
                               <p:par>
-                                <p:cTn id="15" presetID="10" presetClass="entr" presetSubtype="0" fill="hold" grpId="0" nodeType="clickEffect">
+                                <p:cTn id="13" presetID="10" presetClass="entr" presetSubtype="0" fill="hold" grpId="0" nodeType="withEffect">
                                   <p:stCondLst>
                                     <p:cond delay="0"/>
                                   </p:stCondLst>
                                   <p:childTnLst>
                                     <p:set>
                                       <p:cBhvr>
-                                        <p:cTn id="16" dur="1" fill="hold">
+                                        <p:cTn id="14" dur="1" fill="hold">
                                           <p:stCondLst>
                                             <p:cond delay="0"/>
                                           </p:stCondLst>
@@ -24132,11 +24522,54 @@
                                     </p:set>
                                     <p:animEffect transition="in" filter="fade">
                                       <p:cBhvr>
-                                        <p:cTn id="17" dur="500"/>
+                                        <p:cTn id="15" dur="500"/>
                                         <p:tgtEl>
                                           <p:spTgt spid="17">
                                             <p:txEl>
                                               <p:pRg st="2" end="2"/>
+                                            </p:txEl>
+                                          </p:spTgt>
+                                        </p:tgtEl>
+                                      </p:cBhvr>
+                                    </p:animEffect>
+                                  </p:childTnLst>
+                                </p:cTn>
+                              </p:par>
+                              <p:par>
+                                <p:cTn id="16" presetID="10" presetClass="entr" presetSubtype="0" fill="hold" grpId="0" nodeType="withEffect">
+                                  <p:stCondLst>
+                                    <p:cond delay="0"/>
+                                  </p:stCondLst>
+                                  <p:childTnLst>
+                                    <p:set>
+                                      <p:cBhvr>
+                                        <p:cTn id="17" dur="1" fill="hold">
+                                          <p:stCondLst>
+                                            <p:cond delay="0"/>
+                                          </p:stCondLst>
+                                        </p:cTn>
+                                        <p:tgtEl>
+                                          <p:spTgt spid="17">
+                                            <p:txEl>
+                                              <p:pRg st="3" end="3"/>
+                                            </p:txEl>
+                                          </p:spTgt>
+                                        </p:tgtEl>
+                                        <p:attrNameLst>
+                                          <p:attrName>style.visibility</p:attrName>
+                                        </p:attrNameLst>
+                                      </p:cBhvr>
+                                      <p:to>
+                                        <p:strVal val="visible"/>
+                                      </p:to>
+                                    </p:set>
+                                    <p:animEffect transition="in" filter="fade">
+                                      <p:cBhvr>
+                                        <p:cTn id="18" dur="500"/>
+                                        <p:tgtEl>
+                                          <p:spTgt spid="17">
+                                            <p:txEl>
+                                              <p:pRg st="3" end="3"/>
                                             </p:txEl>
                                           </p:spTgt>
                                         </p:tgtEl>
@@ -24945,6 +25378,1759 @@
   <p:clrMapOvr>
     <a:overrideClrMapping bg1="dk1" tx1="lt1" bg2="dk2" tx2="lt2" accent1="accent1" accent2="accent2" accent3="accent3" accent4="accent4" accent5="accent5" accent6="accent6" hlink="hlink" folHlink="folHlink"/>
   </p:clrMapOvr>
+</p:sld>
+</file>
+
+<file path=ppt/slides/slide20.xml><?xml version="1.0" encoding="utf-8"?>
+<p:sld xmlns:a="http://schemas.openxmlformats.org/drawingml/2006/main" xmlns:r="http://schemas.openxmlformats.org/officeDocument/2006/relationships" xmlns:p="http://schemas.openxmlformats.org/presentationml/2006/main">
+  <p:cSld>
+    <p:bg>
+      <p:bgPr>
+        <a:solidFill>
+          <a:schemeClr val="bg2"/>
+        </a:solidFill>
+        <a:effectLst/>
+      </p:bgPr>
+    </p:bg>
+    <p:spTree>
+      <p:nvGrpSpPr>
+        <p:cNvPr id="1" name=""/>
+        <p:cNvGrpSpPr/>
+        <p:nvPr/>
+      </p:nvGrpSpPr>
+      <p:grpSpPr>
+        <a:xfrm>
+          <a:off x="0" y="0"/>
+          <a:ext cx="0" cy="0"/>
+          <a:chOff x="0" y="0"/>
+          <a:chExt cx="0" cy="0"/>
+        </a:xfrm>
+      </p:grpSpPr>
+      <p:sp useBgFill="1">
+        <p:nvSpPr>
+          <p:cNvPr id="28" name="Rectangle 7">
+            <a:extLst>
+              <a:ext uri="{FF2B5EF4-FFF2-40B4-BE49-F238E27FC236}">
+                <a16:creationId xmlns:a16="http://schemas.microsoft.com/office/drawing/2014/main" id="{99CAC3B1-4879-424D-8F15-206277196159}"/>
+              </a:ext>
+              <a:ext uri="{C183D7F6-B498-43B3-948B-1728B52AA6E4}">
+                <adec:decorative xmlns:adec="http://schemas.microsoft.com/office/drawing/2017/decorative" val="1"/>
+              </a:ext>
+            </a:extLst>
+          </p:cNvPr>
+          <p:cNvSpPr>
+            <a:spLocks noGrp="1" noRot="1" noChangeAspect="1" noMove="1" noResize="1" noEditPoints="1" noAdjustHandles="1" noChangeArrowheads="1" noChangeShapeType="1" noTextEdit="1"/>
+          </p:cNvSpPr>
+          <p:nvPr>
+            <p:extLst>
+              <p:ext uri="{386F3935-93C4-4BCD-93E2-E3B085C9AB24}">
+                <p16:designElem xmlns:p16="http://schemas.microsoft.com/office/powerpoint/2015/main" val="1"/>
+              </p:ext>
+            </p:extLst>
+          </p:nvPr>
+        </p:nvSpPr>
+        <p:spPr>
+          <a:xfrm>
+            <a:off x="0" y="0"/>
+            <a:ext cx="12192000" cy="6858000"/>
+          </a:xfrm>
+          <a:prstGeom prst="rect">
+            <a:avLst/>
+          </a:prstGeom>
+          <a:ln>
+            <a:noFill/>
+          </a:ln>
+        </p:spPr>
+        <p:style>
+          <a:lnRef idx="2">
+            <a:schemeClr val="accent1">
+              <a:shade val="50000"/>
+            </a:schemeClr>
+          </a:lnRef>
+          <a:fillRef idx="1">
+            <a:schemeClr val="accent1"/>
+          </a:fillRef>
+          <a:effectRef idx="0">
+            <a:schemeClr val="accent1"/>
+          </a:effectRef>
+          <a:fontRef idx="minor">
+            <a:schemeClr val="lt1"/>
+          </a:fontRef>
+        </p:style>
+        <p:txBody>
+          <a:bodyPr rtlCol="0" anchor="ctr"/>
+          <a:lstStyle/>
+          <a:p>
+            <a:pPr algn="ctr"/>
+            <a:endParaRPr lang="en-US"/>
+          </a:p>
+        </p:txBody>
+      </p:sp>
+      <p:grpSp>
+        <p:nvGrpSpPr>
+          <p:cNvPr id="10" name="Group 9">
+            <a:extLst>
+              <a:ext uri="{FF2B5EF4-FFF2-40B4-BE49-F238E27FC236}">
+                <a16:creationId xmlns:a16="http://schemas.microsoft.com/office/drawing/2014/main" id="{4B8492CB-DFBA-4A82-9778-F21493DA36C1}"/>
+              </a:ext>
+              <a:ext uri="{C183D7F6-B498-43B3-948B-1728B52AA6E4}">
+                <adec:decorative xmlns:adec="http://schemas.microsoft.com/office/drawing/2017/decorative" val="1"/>
+              </a:ext>
+            </a:extLst>
+          </p:cNvPr>
+          <p:cNvGrpSpPr>
+            <a:grpSpLocks noGrp="1" noUngrp="1" noRot="1" noChangeAspect="1" noMove="1" noResize="1"/>
+          </p:cNvGrpSpPr>
+          <p:nvPr>
+            <p:extLst>
+              <p:ext uri="{386F3935-93C4-4BCD-93E2-E3B085C9AB24}">
+                <p16:designElem xmlns:p16="http://schemas.microsoft.com/office/powerpoint/2015/main" val="1"/>
+              </p:ext>
+            </p:extLst>
+          </p:nvPr>
+        </p:nvGrpSpPr>
+        <p:grpSpPr>
+          <a:xfrm flipH="1">
+            <a:off x="6526211" y="0"/>
+            <a:ext cx="5014912" cy="6862763"/>
+            <a:chOff x="2928938" y="-4763"/>
+            <a:chExt cx="5014912" cy="6862763"/>
+          </a:xfrm>
+        </p:grpSpPr>
+        <p:sp>
+          <p:nvSpPr>
+            <p:cNvPr id="11" name="Freeform 6">
+              <a:extLst>
+                <a:ext uri="{FF2B5EF4-FFF2-40B4-BE49-F238E27FC236}">
+                  <a16:creationId xmlns:a16="http://schemas.microsoft.com/office/drawing/2014/main" id="{E34CC1C8-EBDD-4AEA-83E6-B27575B62E2E}"/>
+                </a:ext>
+                <a:ext uri="{C183D7F6-B498-43B3-948B-1728B52AA6E4}">
+                  <adec:decorative xmlns:adec="http://schemas.microsoft.com/office/drawing/2017/decorative" val="1"/>
+                </a:ext>
+              </a:extLst>
+            </p:cNvPr>
+            <p:cNvSpPr/>
+            <p:nvPr>
+              <p:extLst>
+                <p:ext uri="{386F3935-93C4-4BCD-93E2-E3B085C9AB24}">
+                  <p16:designElem xmlns:p16="http://schemas.microsoft.com/office/powerpoint/2015/main" val="1"/>
+                </p:ext>
+              </p:extLst>
+            </p:nvPr>
+          </p:nvSpPr>
+          <p:spPr bwMode="auto">
+            <a:xfrm>
+              <a:off x="3367088" y="-4763"/>
+              <a:ext cx="1063625" cy="2782888"/>
+            </a:xfrm>
+            <a:custGeom>
+              <a:avLst/>
+              <a:gdLst/>
+              <a:ahLst/>
+              <a:cxnLst/>
+              <a:rect l="0" t="0" r="r" b="b"/>
+              <a:pathLst>
+                <a:path w="670" h="1753">
+                  <a:moveTo>
+                    <a:pt x="0" y="1696"/>
+                  </a:moveTo>
+                  <a:lnTo>
+                    <a:pt x="225" y="1753"/>
+                  </a:lnTo>
+                  <a:lnTo>
+                    <a:pt x="670" y="0"/>
+                  </a:lnTo>
+                  <a:lnTo>
+                    <a:pt x="430" y="0"/>
+                  </a:lnTo>
+                  <a:lnTo>
+                    <a:pt x="0" y="1696"/>
+                  </a:lnTo>
+                  <a:close/>
+                </a:path>
+              </a:pathLst>
+            </a:custGeom>
+            <a:solidFill>
+              <a:schemeClr val="accent1"/>
+            </a:solidFill>
+            <a:ln>
+              <a:noFill/>
+            </a:ln>
+          </p:spPr>
+        </p:sp>
+        <p:sp>
+          <p:nvSpPr>
+            <p:cNvPr id="12" name="Freeform 7">
+              <a:extLst>
+                <a:ext uri="{FF2B5EF4-FFF2-40B4-BE49-F238E27FC236}">
+                  <a16:creationId xmlns:a16="http://schemas.microsoft.com/office/drawing/2014/main" id="{D6B38644-B85D-4211-9526-5B4C2A662BF7}"/>
+                </a:ext>
+                <a:ext uri="{C183D7F6-B498-43B3-948B-1728B52AA6E4}">
+                  <adec:decorative xmlns:adec="http://schemas.microsoft.com/office/drawing/2017/decorative" val="1"/>
+                </a:ext>
+              </a:extLst>
+            </p:cNvPr>
+            <p:cNvSpPr/>
+            <p:nvPr>
+              <p:extLst>
+                <p:ext uri="{386F3935-93C4-4BCD-93E2-E3B085C9AB24}">
+                  <p16:designElem xmlns:p16="http://schemas.microsoft.com/office/powerpoint/2015/main" val="1"/>
+                </p:ext>
+              </p:extLst>
+            </p:nvPr>
+          </p:nvSpPr>
+          <p:spPr bwMode="auto">
+            <a:xfrm>
+              <a:off x="2928938" y="-4763"/>
+              <a:ext cx="1035050" cy="2673350"/>
+            </a:xfrm>
+            <a:custGeom>
+              <a:avLst/>
+              <a:gdLst/>
+              <a:ahLst/>
+              <a:cxnLst/>
+              <a:rect l="0" t="0" r="r" b="b"/>
+              <a:pathLst>
+                <a:path w="652" h="1684">
+                  <a:moveTo>
+                    <a:pt x="225" y="1684"/>
+                  </a:moveTo>
+                  <a:lnTo>
+                    <a:pt x="652" y="0"/>
+                  </a:lnTo>
+                  <a:lnTo>
+                    <a:pt x="411" y="0"/>
+                  </a:lnTo>
+                  <a:lnTo>
+                    <a:pt x="0" y="1627"/>
+                  </a:lnTo>
+                  <a:lnTo>
+                    <a:pt x="219" y="1681"/>
+                  </a:lnTo>
+                  <a:lnTo>
+                    <a:pt x="225" y="1684"/>
+                  </a:lnTo>
+                  <a:close/>
+                </a:path>
+              </a:pathLst>
+            </a:custGeom>
+            <a:solidFill>
+              <a:srgbClr val="595959"/>
+            </a:solidFill>
+            <a:ln>
+              <a:noFill/>
+            </a:ln>
+          </p:spPr>
+        </p:sp>
+        <p:sp>
+          <p:nvSpPr>
+            <p:cNvPr id="13" name="Freeform 12">
+              <a:extLst>
+                <a:ext uri="{FF2B5EF4-FFF2-40B4-BE49-F238E27FC236}">
+                  <a16:creationId xmlns:a16="http://schemas.microsoft.com/office/drawing/2014/main" id="{8A8B2820-6B8F-4C19-BFC5-D28EE44E54CB}"/>
+                </a:ext>
+                <a:ext uri="{C183D7F6-B498-43B3-948B-1728B52AA6E4}">
+                  <adec:decorative xmlns:adec="http://schemas.microsoft.com/office/drawing/2017/decorative" val="1"/>
+                </a:ext>
+              </a:extLst>
+            </p:cNvPr>
+            <p:cNvSpPr/>
+            <p:nvPr>
+              <p:extLst>
+                <p:ext uri="{386F3935-93C4-4BCD-93E2-E3B085C9AB24}">
+                  <p16:designElem xmlns:p16="http://schemas.microsoft.com/office/powerpoint/2015/main" val="1"/>
+                </p:ext>
+              </p:extLst>
+            </p:nvPr>
+          </p:nvSpPr>
+          <p:spPr bwMode="auto">
+            <a:xfrm>
+              <a:off x="2928938" y="2582862"/>
+              <a:ext cx="2693987" cy="4275138"/>
+            </a:xfrm>
+            <a:custGeom>
+              <a:avLst/>
+              <a:gdLst/>
+              <a:ahLst/>
+              <a:cxnLst/>
+              <a:rect l="0" t="0" r="r" b="b"/>
+              <a:pathLst>
+                <a:path w="1697" h="2693">
+                  <a:moveTo>
+                    <a:pt x="0" y="0"/>
+                  </a:moveTo>
+                  <a:lnTo>
+                    <a:pt x="1622" y="2693"/>
+                  </a:lnTo>
+                  <a:lnTo>
+                    <a:pt x="1697" y="2693"/>
+                  </a:lnTo>
+                  <a:lnTo>
+                    <a:pt x="0" y="0"/>
+                  </a:lnTo>
+                  <a:close/>
+                </a:path>
+              </a:pathLst>
+            </a:custGeom>
+            <a:solidFill>
+              <a:srgbClr val="262626"/>
+            </a:solidFill>
+            <a:ln>
+              <a:noFill/>
+            </a:ln>
+          </p:spPr>
+        </p:sp>
+        <p:sp>
+          <p:nvSpPr>
+            <p:cNvPr id="14" name="Freeform 13">
+              <a:extLst>
+                <a:ext uri="{FF2B5EF4-FFF2-40B4-BE49-F238E27FC236}">
+                  <a16:creationId xmlns:a16="http://schemas.microsoft.com/office/drawing/2014/main" id="{773528ED-4D37-4A77-A8CA-86B6221C5E82}"/>
+                </a:ext>
+                <a:ext uri="{C183D7F6-B498-43B3-948B-1728B52AA6E4}">
+                  <adec:decorative xmlns:adec="http://schemas.microsoft.com/office/drawing/2017/decorative" val="1"/>
+                </a:ext>
+              </a:extLst>
+            </p:cNvPr>
+            <p:cNvSpPr/>
+            <p:nvPr>
+              <p:extLst>
+                <p:ext uri="{386F3935-93C4-4BCD-93E2-E3B085C9AB24}">
+                  <p16:designElem xmlns:p16="http://schemas.microsoft.com/office/powerpoint/2015/main" val="1"/>
+                </p:ext>
+              </p:extLst>
+            </p:nvPr>
+          </p:nvSpPr>
+          <p:spPr bwMode="auto">
+            <a:xfrm>
+              <a:off x="3371850" y="2692400"/>
+              <a:ext cx="3332162" cy="4165600"/>
+            </a:xfrm>
+            <a:custGeom>
+              <a:avLst/>
+              <a:gdLst/>
+              <a:ahLst/>
+              <a:cxnLst/>
+              <a:rect l="0" t="0" r="r" b="b"/>
+              <a:pathLst>
+                <a:path w="2099" h="2624">
+                  <a:moveTo>
+                    <a:pt x="2099" y="2624"/>
+                  </a:moveTo>
+                  <a:lnTo>
+                    <a:pt x="0" y="0"/>
+                  </a:lnTo>
+                  <a:lnTo>
+                    <a:pt x="2021" y="2624"/>
+                  </a:lnTo>
+                  <a:lnTo>
+                    <a:pt x="2099" y="2624"/>
+                  </a:lnTo>
+                  <a:close/>
+                </a:path>
+              </a:pathLst>
+            </a:custGeom>
+            <a:solidFill>
+              <a:schemeClr val="accent1">
+                <a:lumMod val="50000"/>
+              </a:schemeClr>
+            </a:solidFill>
+            <a:ln>
+              <a:noFill/>
+            </a:ln>
+          </p:spPr>
+        </p:sp>
+        <p:sp>
+          <p:nvSpPr>
+            <p:cNvPr id="15" name="Freeform 14">
+              <a:extLst>
+                <a:ext uri="{FF2B5EF4-FFF2-40B4-BE49-F238E27FC236}">
+                  <a16:creationId xmlns:a16="http://schemas.microsoft.com/office/drawing/2014/main" id="{8A58A902-E944-4399-9A93-A91A6A82B166}"/>
+                </a:ext>
+                <a:ext uri="{C183D7F6-B498-43B3-948B-1728B52AA6E4}">
+                  <adec:decorative xmlns:adec="http://schemas.microsoft.com/office/drawing/2017/decorative" val="1"/>
+                </a:ext>
+              </a:extLst>
+            </p:cNvPr>
+            <p:cNvSpPr/>
+            <p:nvPr>
+              <p:extLst>
+                <p:ext uri="{386F3935-93C4-4BCD-93E2-E3B085C9AB24}">
+                  <p16:designElem xmlns:p16="http://schemas.microsoft.com/office/powerpoint/2015/main" val="1"/>
+                </p:ext>
+              </p:extLst>
+            </p:nvPr>
+          </p:nvSpPr>
+          <p:spPr bwMode="auto">
+            <a:xfrm>
+              <a:off x="3367088" y="2687637"/>
+              <a:ext cx="4576762" cy="4170363"/>
+            </a:xfrm>
+            <a:custGeom>
+              <a:avLst/>
+              <a:gdLst/>
+              <a:ahLst/>
+              <a:cxnLst/>
+              <a:rect l="0" t="0" r="r" b="b"/>
+              <a:pathLst>
+                <a:path w="2883" h="2627">
+                  <a:moveTo>
+                    <a:pt x="0" y="0"/>
+                  </a:moveTo>
+                  <a:lnTo>
+                    <a:pt x="3" y="3"/>
+                  </a:lnTo>
+                  <a:lnTo>
+                    <a:pt x="2102" y="2627"/>
+                  </a:lnTo>
+                  <a:lnTo>
+                    <a:pt x="2883" y="2627"/>
+                  </a:lnTo>
+                  <a:lnTo>
+                    <a:pt x="225" y="57"/>
+                  </a:lnTo>
+                  <a:lnTo>
+                    <a:pt x="0" y="0"/>
+                  </a:lnTo>
+                  <a:close/>
+                </a:path>
+              </a:pathLst>
+            </a:custGeom>
+            <a:solidFill>
+              <a:schemeClr val="accent1">
+                <a:lumMod val="75000"/>
+              </a:schemeClr>
+            </a:solidFill>
+            <a:ln>
+              <a:noFill/>
+            </a:ln>
+          </p:spPr>
+        </p:sp>
+        <p:sp>
+          <p:nvSpPr>
+            <p:cNvPr id="29" name="Freeform 15">
+              <a:extLst>
+                <a:ext uri="{FF2B5EF4-FFF2-40B4-BE49-F238E27FC236}">
+                  <a16:creationId xmlns:a16="http://schemas.microsoft.com/office/drawing/2014/main" id="{4EDB1155-2E8E-4FB8-AD42-101FE4383231}"/>
+                </a:ext>
+                <a:ext uri="{C183D7F6-B498-43B3-948B-1728B52AA6E4}">
+                  <adec:decorative xmlns:adec="http://schemas.microsoft.com/office/drawing/2017/decorative" val="1"/>
+                </a:ext>
+              </a:extLst>
+            </p:cNvPr>
+            <p:cNvSpPr/>
+            <p:nvPr>
+              <p:extLst>
+                <p:ext uri="{386F3935-93C4-4BCD-93E2-E3B085C9AB24}">
+                  <p16:designElem xmlns:p16="http://schemas.microsoft.com/office/powerpoint/2015/main" val="1"/>
+                </p:ext>
+              </p:extLst>
+            </p:nvPr>
+          </p:nvSpPr>
+          <p:spPr bwMode="auto">
+            <a:xfrm>
+              <a:off x="2928938" y="2578100"/>
+              <a:ext cx="3584575" cy="4279900"/>
+            </a:xfrm>
+            <a:custGeom>
+              <a:avLst/>
+              <a:gdLst/>
+              <a:ahLst/>
+              <a:cxnLst/>
+              <a:rect l="0" t="0" r="r" b="b"/>
+              <a:pathLst>
+                <a:path w="2258" h="2696">
+                  <a:moveTo>
+                    <a:pt x="2258" y="2696"/>
+                  </a:moveTo>
+                  <a:lnTo>
+                    <a:pt x="264" y="111"/>
+                  </a:lnTo>
+                  <a:lnTo>
+                    <a:pt x="228" y="60"/>
+                  </a:lnTo>
+                  <a:lnTo>
+                    <a:pt x="225" y="57"/>
+                  </a:lnTo>
+                  <a:lnTo>
+                    <a:pt x="0" y="0"/>
+                  </a:lnTo>
+                  <a:lnTo>
+                    <a:pt x="0" y="3"/>
+                  </a:lnTo>
+                  <a:lnTo>
+                    <a:pt x="1697" y="2696"/>
+                  </a:lnTo>
+                  <a:lnTo>
+                    <a:pt x="2258" y="2696"/>
+                  </a:lnTo>
+                  <a:close/>
+                </a:path>
+              </a:pathLst>
+            </a:custGeom>
+            <a:solidFill>
+              <a:srgbClr val="404040"/>
+            </a:solidFill>
+            <a:ln>
+              <a:noFill/>
+            </a:ln>
+          </p:spPr>
+        </p:sp>
+      </p:grpSp>
+      <p:sp>
+        <p:nvSpPr>
+          <p:cNvPr id="17" name="TextBox 3">
+            <a:extLst>
+              <a:ext uri="{FF2B5EF4-FFF2-40B4-BE49-F238E27FC236}">
+                <a16:creationId xmlns:a16="http://schemas.microsoft.com/office/drawing/2014/main" id="{2A5FEA72-990F-429C-97C8-1F5D7514F2E8}"/>
+              </a:ext>
+            </a:extLst>
+          </p:cNvPr>
+          <p:cNvSpPr txBox="1"/>
+          <p:nvPr/>
+        </p:nvSpPr>
+        <p:spPr>
+          <a:xfrm>
+            <a:off x="417514" y="1344940"/>
+            <a:ext cx="9621834" cy="2381626"/>
+          </a:xfrm>
+          <a:prstGeom prst="rect">
+            <a:avLst/>
+          </a:prstGeom>
+        </p:spPr>
+        <p:txBody>
+          <a:bodyPr rot="0" spcFirstLastPara="0" vertOverflow="overflow" horzOverflow="overflow" vert="horz" lIns="91440" tIns="45720" rIns="91440" bIns="45720" numCol="1" spcCol="0" rtlCol="0" fromWordArt="0" anchor="t" anchorCtr="0" forceAA="0" compatLnSpc="1">
+            <a:prstTxWarp prst="textNoShape">
+              <a:avLst/>
+            </a:prstTxWarp>
+            <a:noAutofit/>
+          </a:bodyPr>
+          <a:lstStyle/>
+          <a:p>
+            <a:pPr marL="1028700" lvl="1" indent="-571500" defTabSz="457200">
+              <a:lnSpc>
+                <a:spcPct val="120000"/>
+              </a:lnSpc>
+              <a:spcBef>
+                <a:spcPct val="20000"/>
+              </a:spcBef>
+              <a:spcAft>
+                <a:spcPts val="600"/>
+              </a:spcAft>
+              <a:buClr>
+                <a:schemeClr val="accent1">
+                  <a:lumMod val="75000"/>
+                </a:schemeClr>
+              </a:buClr>
+              <a:buSzPct val="145000"/>
+              <a:buFont typeface="Arial"/>
+              <a:buChar char="•"/>
+            </a:pPr>
+            <a:r>
+              <a:rPr lang="en-US" sz="2800" dirty="0"/>
+              <a:t>Faster and very fast presets seems to perform better compression in lower time than slower presets</a:t>
+            </a:r>
+          </a:p>
+          <a:p>
+            <a:pPr marL="1028700" lvl="1" indent="-571500" defTabSz="457200">
+              <a:lnSpc>
+                <a:spcPct val="120000"/>
+              </a:lnSpc>
+              <a:spcBef>
+                <a:spcPct val="20000"/>
+              </a:spcBef>
+              <a:spcAft>
+                <a:spcPts val="600"/>
+              </a:spcAft>
+              <a:buClr>
+                <a:schemeClr val="accent1">
+                  <a:lumMod val="75000"/>
+                </a:schemeClr>
+              </a:buClr>
+              <a:buSzPct val="145000"/>
+              <a:buFont typeface="Arial"/>
+              <a:buChar char="•"/>
+            </a:pPr>
+            <a:r>
+              <a:rPr lang="en-US" sz="2800" dirty="0"/>
+              <a:t>This behavior spot an inaccurate software implementation of the standard</a:t>
+            </a:r>
+          </a:p>
+        </p:txBody>
+      </p:sp>
+      <p:sp>
+        <p:nvSpPr>
+          <p:cNvPr id="18" name="CasellaDiTesto 17">
+            <a:extLst>
+              <a:ext uri="{FF2B5EF4-FFF2-40B4-BE49-F238E27FC236}">
+                <a16:creationId xmlns:a16="http://schemas.microsoft.com/office/drawing/2014/main" id="{4E605B0C-FABE-4BA7-91EE-6E73B62AF6DA}"/>
+              </a:ext>
+            </a:extLst>
+          </p:cNvPr>
+          <p:cNvSpPr txBox="1"/>
+          <p:nvPr/>
+        </p:nvSpPr>
+        <p:spPr>
+          <a:xfrm>
+            <a:off x="970586" y="374262"/>
+            <a:ext cx="7697902" cy="769441"/>
+          </a:xfrm>
+          <a:prstGeom prst="rect">
+            <a:avLst/>
+          </a:prstGeom>
+          <a:noFill/>
+        </p:spPr>
+        <p:txBody>
+          <a:bodyPr wrap="square">
+            <a:spAutoFit/>
+          </a:bodyPr>
+          <a:lstStyle/>
+          <a:p>
+            <a:pPr algn="ctr"/>
+            <a:r>
+              <a:rPr lang="it-IT" sz="4400" dirty="0"/>
+              <a:t>Software </a:t>
+            </a:r>
+            <a:r>
+              <a:rPr lang="it-IT" sz="4400" dirty="0" err="1"/>
+              <a:t>presets</a:t>
+            </a:r>
+            <a:r>
+              <a:rPr lang="it-IT" sz="4400" dirty="0"/>
+              <a:t> </a:t>
+            </a:r>
+            <a:r>
+              <a:rPr lang="it-IT" sz="4400" dirty="0" err="1">
+                <a:solidFill>
+                  <a:srgbClr val="9900CC"/>
+                </a:solidFill>
+              </a:rPr>
+              <a:t>outliers</a:t>
+            </a:r>
+            <a:endParaRPr lang="it-IT" sz="4400" dirty="0">
+              <a:solidFill>
+                <a:srgbClr val="9900CC"/>
+              </a:solidFill>
+            </a:endParaRPr>
+          </a:p>
+        </p:txBody>
+      </p:sp>
+      <p:sp>
+        <p:nvSpPr>
+          <p:cNvPr id="19" name="CasellaDiTesto 18">
+            <a:extLst>
+              <a:ext uri="{FF2B5EF4-FFF2-40B4-BE49-F238E27FC236}">
+                <a16:creationId xmlns:a16="http://schemas.microsoft.com/office/drawing/2014/main" id="{715F0A41-E311-44D4-B9B3-D8A086BB7FD2}"/>
+              </a:ext>
+            </a:extLst>
+          </p:cNvPr>
+          <p:cNvSpPr txBox="1"/>
+          <p:nvPr/>
+        </p:nvSpPr>
+        <p:spPr>
+          <a:xfrm>
+            <a:off x="430211" y="3831341"/>
+            <a:ext cx="7335838" cy="2126095"/>
+          </a:xfrm>
+          <a:prstGeom prst="rect">
+            <a:avLst/>
+          </a:prstGeom>
+          <a:noFill/>
+        </p:spPr>
+        <p:txBody>
+          <a:bodyPr wrap="square">
+            <a:spAutoFit/>
+          </a:bodyPr>
+          <a:lstStyle/>
+          <a:p>
+            <a:pPr marL="1028700" lvl="1" indent="-571500" defTabSz="457200">
+              <a:lnSpc>
+                <a:spcPct val="120000"/>
+              </a:lnSpc>
+              <a:spcBef>
+                <a:spcPct val="20000"/>
+              </a:spcBef>
+              <a:spcAft>
+                <a:spcPts val="600"/>
+              </a:spcAft>
+              <a:buClr>
+                <a:schemeClr val="accent1">
+                  <a:lumMod val="75000"/>
+                </a:schemeClr>
+              </a:buClr>
+              <a:buSzPct val="145000"/>
+              <a:buFont typeface="Arial"/>
+              <a:buChar char="•"/>
+            </a:pPr>
+            <a:r>
+              <a:rPr lang="en-US" sz="2800" dirty="0"/>
+              <a:t>The algorithm is probably degrading the quality of the output in order to obtain better performance, despite the constant quality constraint</a:t>
+            </a:r>
+            <a:endParaRPr lang="en-US" sz="3200" dirty="0"/>
+          </a:p>
+        </p:txBody>
+      </p:sp>
+      <p:pic>
+        <p:nvPicPr>
+          <p:cNvPr id="5" name="Elemento grafico 4" descr="Immagini con riempimento a tinta unita">
+            <a:extLst>
+              <a:ext uri="{FF2B5EF4-FFF2-40B4-BE49-F238E27FC236}">
+                <a16:creationId xmlns:a16="http://schemas.microsoft.com/office/drawing/2014/main" id="{EF91EE6A-9306-4285-A764-C84D0D41178B}"/>
+              </a:ext>
+            </a:extLst>
+          </p:cNvPr>
+          <p:cNvPicPr>
+            <a:picLocks noChangeAspect="1"/>
+          </p:cNvPicPr>
+          <p:nvPr/>
+        </p:nvPicPr>
+        <p:blipFill>
+          <a:blip r:embed="rId2">
+            <a:extLst>
+              <a:ext uri="{28A0092B-C50C-407E-A947-70E740481C1C}">
+                <a14:useLocalDpi xmlns:a14="http://schemas.microsoft.com/office/drawing/2010/main" val="0"/>
+              </a:ext>
+              <a:ext uri="{96DAC541-7B7A-43D3-8B79-37D633B846F1}">
+                <asvg:svgBlip xmlns:asvg="http://schemas.microsoft.com/office/drawing/2016/SVG/main" r:embed="rId3"/>
+              </a:ext>
+            </a:extLst>
+          </a:blip>
+          <a:stretch>
+            <a:fillRect/>
+          </a:stretch>
+        </p:blipFill>
+        <p:spPr>
+          <a:xfrm>
+            <a:off x="7918762" y="2790188"/>
+            <a:ext cx="1277624" cy="1277624"/>
+          </a:xfrm>
+          <a:prstGeom prst="rect">
+            <a:avLst/>
+          </a:prstGeom>
+        </p:spPr>
+      </p:pic>
+    </p:spTree>
+    <p:extLst>
+      <p:ext uri="{BB962C8B-B14F-4D97-AF65-F5344CB8AC3E}">
+        <p14:creationId xmlns:p14="http://schemas.microsoft.com/office/powerpoint/2010/main" val="476016624"/>
+      </p:ext>
+    </p:extLst>
+  </p:cSld>
+  <p:clrMapOvr>
+    <a:overrideClrMapping bg1="dk1" tx1="lt1" bg2="dk2" tx2="lt2" accent1="accent1" accent2="accent2" accent3="accent3" accent4="accent4" accent5="accent5" accent6="accent6" hlink="hlink" folHlink="folHlink"/>
+  </p:clrMapOvr>
+  <p:timing>
+    <p:tnLst>
+      <p:par>
+        <p:cTn id="1" dur="indefinite" restart="never" nodeType="tmRoot">
+          <p:childTnLst>
+            <p:seq concurrent="1" nextAc="seek">
+              <p:cTn id="2" dur="indefinite" nodeType="mainSeq">
+                <p:childTnLst>
+                  <p:par>
+                    <p:cTn id="3" fill="hold">
+                      <p:stCondLst>
+                        <p:cond delay="indefinite"/>
+                      </p:stCondLst>
+                      <p:childTnLst>
+                        <p:par>
+                          <p:cTn id="4" fill="hold">
+                            <p:stCondLst>
+                              <p:cond delay="0"/>
+                            </p:stCondLst>
+                            <p:childTnLst>
+                              <p:par>
+                                <p:cTn id="5" presetID="10" presetClass="entr" presetSubtype="0" fill="hold" grpId="0" nodeType="clickEffect">
+                                  <p:stCondLst>
+                                    <p:cond delay="0"/>
+                                  </p:stCondLst>
+                                  <p:childTnLst>
+                                    <p:set>
+                                      <p:cBhvr>
+                                        <p:cTn id="6" dur="1" fill="hold">
+                                          <p:stCondLst>
+                                            <p:cond delay="0"/>
+                                          </p:stCondLst>
+                                        </p:cTn>
+                                        <p:tgtEl>
+                                          <p:spTgt spid="17">
+                                            <p:txEl>
+                                              <p:pRg st="0" end="0"/>
+                                            </p:txEl>
+                                          </p:spTgt>
+                                        </p:tgtEl>
+                                        <p:attrNameLst>
+                                          <p:attrName>style.visibility</p:attrName>
+                                        </p:attrNameLst>
+                                      </p:cBhvr>
+                                      <p:to>
+                                        <p:strVal val="visible"/>
+                                      </p:to>
+                                    </p:set>
+                                    <p:animEffect transition="in" filter="fade">
+                                      <p:cBhvr>
+                                        <p:cTn id="7" dur="500"/>
+                                        <p:tgtEl>
+                                          <p:spTgt spid="17">
+                                            <p:txEl>
+                                              <p:pRg st="0" end="0"/>
+                                            </p:txEl>
+                                          </p:spTgt>
+                                        </p:tgtEl>
+                                      </p:cBhvr>
+                                    </p:animEffect>
+                                  </p:childTnLst>
+                                </p:cTn>
+                              </p:par>
+                              <p:par>
+                                <p:cTn id="8" presetID="10" presetClass="entr" presetSubtype="0" fill="hold" grpId="0" nodeType="withEffect">
+                                  <p:stCondLst>
+                                    <p:cond delay="0"/>
+                                  </p:stCondLst>
+                                  <p:childTnLst>
+                                    <p:set>
+                                      <p:cBhvr>
+                                        <p:cTn id="9" dur="1" fill="hold">
+                                          <p:stCondLst>
+                                            <p:cond delay="0"/>
+                                          </p:stCondLst>
+                                        </p:cTn>
+                                        <p:tgtEl>
+                                          <p:spTgt spid="17">
+                                            <p:txEl>
+                                              <p:pRg st="1" end="1"/>
+                                            </p:txEl>
+                                          </p:spTgt>
+                                        </p:tgtEl>
+                                        <p:attrNameLst>
+                                          <p:attrName>style.visibility</p:attrName>
+                                        </p:attrNameLst>
+                                      </p:cBhvr>
+                                      <p:to>
+                                        <p:strVal val="visible"/>
+                                      </p:to>
+                                    </p:set>
+                                    <p:animEffect transition="in" filter="fade">
+                                      <p:cBhvr>
+                                        <p:cTn id="10" dur="500"/>
+                                        <p:tgtEl>
+                                          <p:spTgt spid="17">
+                                            <p:txEl>
+                                              <p:pRg st="1" end="1"/>
+                                            </p:txEl>
+                                          </p:spTgt>
+                                        </p:tgtEl>
+                                      </p:cBhvr>
+                                    </p:animEffect>
+                                  </p:childTnLst>
+                                </p:cTn>
+                              </p:par>
+                            </p:childTnLst>
+                          </p:cTn>
+                        </p:par>
+                      </p:childTnLst>
+                    </p:cTn>
+                  </p:par>
+                </p:childTnLst>
+              </p:cTn>
+              <p:prevCondLst>
+                <p:cond evt="onPrev" delay="0">
+                  <p:tgtEl>
+                    <p:sldTgt/>
+                  </p:tgtEl>
+                </p:cond>
+              </p:prevCondLst>
+              <p:nextCondLst>
+                <p:cond evt="onNext" delay="0">
+                  <p:tgtEl>
+                    <p:sldTgt/>
+                  </p:tgtEl>
+                </p:cond>
+              </p:nextCondLst>
+            </p:seq>
+          </p:childTnLst>
+        </p:cTn>
+      </p:par>
+    </p:tnLst>
+    <p:bldLst>
+      <p:bldP spid="17" grpId="0" uiExpand="1" build="p"/>
+    </p:bldLst>
+  </p:timing>
+</p:sld>
+</file>
+
+<file path=ppt/slides/slide21.xml><?xml version="1.0" encoding="utf-8"?>
+<p:sld xmlns:a="http://schemas.openxmlformats.org/drawingml/2006/main" xmlns:r="http://schemas.openxmlformats.org/officeDocument/2006/relationships" xmlns:p="http://schemas.openxmlformats.org/presentationml/2006/main">
+  <p:cSld>
+    <p:bg>
+      <p:bgPr>
+        <a:solidFill>
+          <a:schemeClr val="bg2"/>
+        </a:solidFill>
+        <a:effectLst/>
+      </p:bgPr>
+    </p:bg>
+    <p:spTree>
+      <p:nvGrpSpPr>
+        <p:cNvPr id="1" name=""/>
+        <p:cNvGrpSpPr/>
+        <p:nvPr/>
+      </p:nvGrpSpPr>
+      <p:grpSpPr>
+        <a:xfrm>
+          <a:off x="0" y="0"/>
+          <a:ext cx="0" cy="0"/>
+          <a:chOff x="0" y="0"/>
+          <a:chExt cx="0" cy="0"/>
+        </a:xfrm>
+      </p:grpSpPr>
+      <p:sp useBgFill="1">
+        <p:nvSpPr>
+          <p:cNvPr id="28" name="Rectangle 7">
+            <a:extLst>
+              <a:ext uri="{FF2B5EF4-FFF2-40B4-BE49-F238E27FC236}">
+                <a16:creationId xmlns:a16="http://schemas.microsoft.com/office/drawing/2014/main" id="{99CAC3B1-4879-424D-8F15-206277196159}"/>
+              </a:ext>
+              <a:ext uri="{C183D7F6-B498-43B3-948B-1728B52AA6E4}">
+                <adec:decorative xmlns:adec="http://schemas.microsoft.com/office/drawing/2017/decorative" val="1"/>
+              </a:ext>
+            </a:extLst>
+          </p:cNvPr>
+          <p:cNvSpPr>
+            <a:spLocks noGrp="1" noRot="1" noChangeAspect="1" noMove="1" noResize="1" noEditPoints="1" noAdjustHandles="1" noChangeArrowheads="1" noChangeShapeType="1" noTextEdit="1"/>
+          </p:cNvSpPr>
+          <p:nvPr>
+            <p:extLst>
+              <p:ext uri="{386F3935-93C4-4BCD-93E2-E3B085C9AB24}">
+                <p16:designElem xmlns:p16="http://schemas.microsoft.com/office/powerpoint/2015/main" val="1"/>
+              </p:ext>
+            </p:extLst>
+          </p:nvPr>
+        </p:nvSpPr>
+        <p:spPr>
+          <a:xfrm>
+            <a:off x="0" y="0"/>
+            <a:ext cx="12192000" cy="6858000"/>
+          </a:xfrm>
+          <a:prstGeom prst="rect">
+            <a:avLst/>
+          </a:prstGeom>
+          <a:ln>
+            <a:noFill/>
+          </a:ln>
+        </p:spPr>
+        <p:style>
+          <a:lnRef idx="2">
+            <a:schemeClr val="accent1">
+              <a:shade val="50000"/>
+            </a:schemeClr>
+          </a:lnRef>
+          <a:fillRef idx="1">
+            <a:schemeClr val="accent1"/>
+          </a:fillRef>
+          <a:effectRef idx="0">
+            <a:schemeClr val="accent1"/>
+          </a:effectRef>
+          <a:fontRef idx="minor">
+            <a:schemeClr val="lt1"/>
+          </a:fontRef>
+        </p:style>
+        <p:txBody>
+          <a:bodyPr rtlCol="0" anchor="ctr"/>
+          <a:lstStyle/>
+          <a:p>
+            <a:pPr algn="ctr"/>
+            <a:endParaRPr lang="en-US"/>
+          </a:p>
+        </p:txBody>
+      </p:sp>
+      <p:grpSp>
+        <p:nvGrpSpPr>
+          <p:cNvPr id="10" name="Group 9">
+            <a:extLst>
+              <a:ext uri="{FF2B5EF4-FFF2-40B4-BE49-F238E27FC236}">
+                <a16:creationId xmlns:a16="http://schemas.microsoft.com/office/drawing/2014/main" id="{4B8492CB-DFBA-4A82-9778-F21493DA36C1}"/>
+              </a:ext>
+              <a:ext uri="{C183D7F6-B498-43B3-948B-1728B52AA6E4}">
+                <adec:decorative xmlns:adec="http://schemas.microsoft.com/office/drawing/2017/decorative" val="1"/>
+              </a:ext>
+            </a:extLst>
+          </p:cNvPr>
+          <p:cNvGrpSpPr>
+            <a:grpSpLocks noGrp="1" noUngrp="1" noRot="1" noChangeAspect="1" noMove="1" noResize="1"/>
+          </p:cNvGrpSpPr>
+          <p:nvPr>
+            <p:extLst>
+              <p:ext uri="{386F3935-93C4-4BCD-93E2-E3B085C9AB24}">
+                <p16:designElem xmlns:p16="http://schemas.microsoft.com/office/powerpoint/2015/main" val="1"/>
+              </p:ext>
+            </p:extLst>
+          </p:nvPr>
+        </p:nvGrpSpPr>
+        <p:grpSpPr>
+          <a:xfrm flipH="1">
+            <a:off x="6526211" y="0"/>
+            <a:ext cx="5014912" cy="6862763"/>
+            <a:chOff x="2928938" y="-4763"/>
+            <a:chExt cx="5014912" cy="6862763"/>
+          </a:xfrm>
+        </p:grpSpPr>
+        <p:sp>
+          <p:nvSpPr>
+            <p:cNvPr id="11" name="Freeform 6">
+              <a:extLst>
+                <a:ext uri="{FF2B5EF4-FFF2-40B4-BE49-F238E27FC236}">
+                  <a16:creationId xmlns:a16="http://schemas.microsoft.com/office/drawing/2014/main" id="{E34CC1C8-EBDD-4AEA-83E6-B27575B62E2E}"/>
+                </a:ext>
+                <a:ext uri="{C183D7F6-B498-43B3-948B-1728B52AA6E4}">
+                  <adec:decorative xmlns:adec="http://schemas.microsoft.com/office/drawing/2017/decorative" val="1"/>
+                </a:ext>
+              </a:extLst>
+            </p:cNvPr>
+            <p:cNvSpPr/>
+            <p:nvPr>
+              <p:extLst>
+                <p:ext uri="{386F3935-93C4-4BCD-93E2-E3B085C9AB24}">
+                  <p16:designElem xmlns:p16="http://schemas.microsoft.com/office/powerpoint/2015/main" val="1"/>
+                </p:ext>
+              </p:extLst>
+            </p:nvPr>
+          </p:nvSpPr>
+          <p:spPr bwMode="auto">
+            <a:xfrm>
+              <a:off x="3367088" y="-4763"/>
+              <a:ext cx="1063625" cy="2782888"/>
+            </a:xfrm>
+            <a:custGeom>
+              <a:avLst/>
+              <a:gdLst/>
+              <a:ahLst/>
+              <a:cxnLst/>
+              <a:rect l="0" t="0" r="r" b="b"/>
+              <a:pathLst>
+                <a:path w="670" h="1753">
+                  <a:moveTo>
+                    <a:pt x="0" y="1696"/>
+                  </a:moveTo>
+                  <a:lnTo>
+                    <a:pt x="225" y="1753"/>
+                  </a:lnTo>
+                  <a:lnTo>
+                    <a:pt x="670" y="0"/>
+                  </a:lnTo>
+                  <a:lnTo>
+                    <a:pt x="430" y="0"/>
+                  </a:lnTo>
+                  <a:lnTo>
+                    <a:pt x="0" y="1696"/>
+                  </a:lnTo>
+                  <a:close/>
+                </a:path>
+              </a:pathLst>
+            </a:custGeom>
+            <a:solidFill>
+              <a:schemeClr val="accent1"/>
+            </a:solidFill>
+            <a:ln>
+              <a:noFill/>
+            </a:ln>
+          </p:spPr>
+        </p:sp>
+        <p:sp>
+          <p:nvSpPr>
+            <p:cNvPr id="12" name="Freeform 7">
+              <a:extLst>
+                <a:ext uri="{FF2B5EF4-FFF2-40B4-BE49-F238E27FC236}">
+                  <a16:creationId xmlns:a16="http://schemas.microsoft.com/office/drawing/2014/main" id="{D6B38644-B85D-4211-9526-5B4C2A662BF7}"/>
+                </a:ext>
+                <a:ext uri="{C183D7F6-B498-43B3-948B-1728B52AA6E4}">
+                  <adec:decorative xmlns:adec="http://schemas.microsoft.com/office/drawing/2017/decorative" val="1"/>
+                </a:ext>
+              </a:extLst>
+            </p:cNvPr>
+            <p:cNvSpPr/>
+            <p:nvPr>
+              <p:extLst>
+                <p:ext uri="{386F3935-93C4-4BCD-93E2-E3B085C9AB24}">
+                  <p16:designElem xmlns:p16="http://schemas.microsoft.com/office/powerpoint/2015/main" val="1"/>
+                </p:ext>
+              </p:extLst>
+            </p:nvPr>
+          </p:nvSpPr>
+          <p:spPr bwMode="auto">
+            <a:xfrm>
+              <a:off x="2928938" y="-4763"/>
+              <a:ext cx="1035050" cy="2673350"/>
+            </a:xfrm>
+            <a:custGeom>
+              <a:avLst/>
+              <a:gdLst/>
+              <a:ahLst/>
+              <a:cxnLst/>
+              <a:rect l="0" t="0" r="r" b="b"/>
+              <a:pathLst>
+                <a:path w="652" h="1684">
+                  <a:moveTo>
+                    <a:pt x="225" y="1684"/>
+                  </a:moveTo>
+                  <a:lnTo>
+                    <a:pt x="652" y="0"/>
+                  </a:lnTo>
+                  <a:lnTo>
+                    <a:pt x="411" y="0"/>
+                  </a:lnTo>
+                  <a:lnTo>
+                    <a:pt x="0" y="1627"/>
+                  </a:lnTo>
+                  <a:lnTo>
+                    <a:pt x="219" y="1681"/>
+                  </a:lnTo>
+                  <a:lnTo>
+                    <a:pt x="225" y="1684"/>
+                  </a:lnTo>
+                  <a:close/>
+                </a:path>
+              </a:pathLst>
+            </a:custGeom>
+            <a:solidFill>
+              <a:srgbClr val="595959"/>
+            </a:solidFill>
+            <a:ln>
+              <a:noFill/>
+            </a:ln>
+          </p:spPr>
+        </p:sp>
+        <p:sp>
+          <p:nvSpPr>
+            <p:cNvPr id="13" name="Freeform 12">
+              <a:extLst>
+                <a:ext uri="{FF2B5EF4-FFF2-40B4-BE49-F238E27FC236}">
+                  <a16:creationId xmlns:a16="http://schemas.microsoft.com/office/drawing/2014/main" id="{8A8B2820-6B8F-4C19-BFC5-D28EE44E54CB}"/>
+                </a:ext>
+                <a:ext uri="{C183D7F6-B498-43B3-948B-1728B52AA6E4}">
+                  <adec:decorative xmlns:adec="http://schemas.microsoft.com/office/drawing/2017/decorative" val="1"/>
+                </a:ext>
+              </a:extLst>
+            </p:cNvPr>
+            <p:cNvSpPr/>
+            <p:nvPr>
+              <p:extLst>
+                <p:ext uri="{386F3935-93C4-4BCD-93E2-E3B085C9AB24}">
+                  <p16:designElem xmlns:p16="http://schemas.microsoft.com/office/powerpoint/2015/main" val="1"/>
+                </p:ext>
+              </p:extLst>
+            </p:nvPr>
+          </p:nvSpPr>
+          <p:spPr bwMode="auto">
+            <a:xfrm>
+              <a:off x="2928938" y="2582862"/>
+              <a:ext cx="2693987" cy="4275138"/>
+            </a:xfrm>
+            <a:custGeom>
+              <a:avLst/>
+              <a:gdLst/>
+              <a:ahLst/>
+              <a:cxnLst/>
+              <a:rect l="0" t="0" r="r" b="b"/>
+              <a:pathLst>
+                <a:path w="1697" h="2693">
+                  <a:moveTo>
+                    <a:pt x="0" y="0"/>
+                  </a:moveTo>
+                  <a:lnTo>
+                    <a:pt x="1622" y="2693"/>
+                  </a:lnTo>
+                  <a:lnTo>
+                    <a:pt x="1697" y="2693"/>
+                  </a:lnTo>
+                  <a:lnTo>
+                    <a:pt x="0" y="0"/>
+                  </a:lnTo>
+                  <a:close/>
+                </a:path>
+              </a:pathLst>
+            </a:custGeom>
+            <a:solidFill>
+              <a:srgbClr val="262626"/>
+            </a:solidFill>
+            <a:ln>
+              <a:noFill/>
+            </a:ln>
+          </p:spPr>
+        </p:sp>
+        <p:sp>
+          <p:nvSpPr>
+            <p:cNvPr id="14" name="Freeform 13">
+              <a:extLst>
+                <a:ext uri="{FF2B5EF4-FFF2-40B4-BE49-F238E27FC236}">
+                  <a16:creationId xmlns:a16="http://schemas.microsoft.com/office/drawing/2014/main" id="{773528ED-4D37-4A77-A8CA-86B6221C5E82}"/>
+                </a:ext>
+                <a:ext uri="{C183D7F6-B498-43B3-948B-1728B52AA6E4}">
+                  <adec:decorative xmlns:adec="http://schemas.microsoft.com/office/drawing/2017/decorative" val="1"/>
+                </a:ext>
+              </a:extLst>
+            </p:cNvPr>
+            <p:cNvSpPr/>
+            <p:nvPr>
+              <p:extLst>
+                <p:ext uri="{386F3935-93C4-4BCD-93E2-E3B085C9AB24}">
+                  <p16:designElem xmlns:p16="http://schemas.microsoft.com/office/powerpoint/2015/main" val="1"/>
+                </p:ext>
+              </p:extLst>
+            </p:nvPr>
+          </p:nvSpPr>
+          <p:spPr bwMode="auto">
+            <a:xfrm>
+              <a:off x="3371850" y="2692400"/>
+              <a:ext cx="3332162" cy="4165600"/>
+            </a:xfrm>
+            <a:custGeom>
+              <a:avLst/>
+              <a:gdLst/>
+              <a:ahLst/>
+              <a:cxnLst/>
+              <a:rect l="0" t="0" r="r" b="b"/>
+              <a:pathLst>
+                <a:path w="2099" h="2624">
+                  <a:moveTo>
+                    <a:pt x="2099" y="2624"/>
+                  </a:moveTo>
+                  <a:lnTo>
+                    <a:pt x="0" y="0"/>
+                  </a:lnTo>
+                  <a:lnTo>
+                    <a:pt x="2021" y="2624"/>
+                  </a:lnTo>
+                  <a:lnTo>
+                    <a:pt x="2099" y="2624"/>
+                  </a:lnTo>
+                  <a:close/>
+                </a:path>
+              </a:pathLst>
+            </a:custGeom>
+            <a:solidFill>
+              <a:schemeClr val="accent1">
+                <a:lumMod val="50000"/>
+              </a:schemeClr>
+            </a:solidFill>
+            <a:ln>
+              <a:noFill/>
+            </a:ln>
+          </p:spPr>
+        </p:sp>
+        <p:sp>
+          <p:nvSpPr>
+            <p:cNvPr id="15" name="Freeform 14">
+              <a:extLst>
+                <a:ext uri="{FF2B5EF4-FFF2-40B4-BE49-F238E27FC236}">
+                  <a16:creationId xmlns:a16="http://schemas.microsoft.com/office/drawing/2014/main" id="{8A58A902-E944-4399-9A93-A91A6A82B166}"/>
+                </a:ext>
+                <a:ext uri="{C183D7F6-B498-43B3-948B-1728B52AA6E4}">
+                  <adec:decorative xmlns:adec="http://schemas.microsoft.com/office/drawing/2017/decorative" val="1"/>
+                </a:ext>
+              </a:extLst>
+            </p:cNvPr>
+            <p:cNvSpPr/>
+            <p:nvPr>
+              <p:extLst>
+                <p:ext uri="{386F3935-93C4-4BCD-93E2-E3B085C9AB24}">
+                  <p16:designElem xmlns:p16="http://schemas.microsoft.com/office/powerpoint/2015/main" val="1"/>
+                </p:ext>
+              </p:extLst>
+            </p:nvPr>
+          </p:nvSpPr>
+          <p:spPr bwMode="auto">
+            <a:xfrm>
+              <a:off x="3367088" y="2687637"/>
+              <a:ext cx="4576762" cy="4170363"/>
+            </a:xfrm>
+            <a:custGeom>
+              <a:avLst/>
+              <a:gdLst/>
+              <a:ahLst/>
+              <a:cxnLst/>
+              <a:rect l="0" t="0" r="r" b="b"/>
+              <a:pathLst>
+                <a:path w="2883" h="2627">
+                  <a:moveTo>
+                    <a:pt x="0" y="0"/>
+                  </a:moveTo>
+                  <a:lnTo>
+                    <a:pt x="3" y="3"/>
+                  </a:lnTo>
+                  <a:lnTo>
+                    <a:pt x="2102" y="2627"/>
+                  </a:lnTo>
+                  <a:lnTo>
+                    <a:pt x="2883" y="2627"/>
+                  </a:lnTo>
+                  <a:lnTo>
+                    <a:pt x="225" y="57"/>
+                  </a:lnTo>
+                  <a:lnTo>
+                    <a:pt x="0" y="0"/>
+                  </a:lnTo>
+                  <a:close/>
+                </a:path>
+              </a:pathLst>
+            </a:custGeom>
+            <a:solidFill>
+              <a:schemeClr val="accent1">
+                <a:lumMod val="75000"/>
+              </a:schemeClr>
+            </a:solidFill>
+            <a:ln>
+              <a:noFill/>
+            </a:ln>
+          </p:spPr>
+        </p:sp>
+        <p:sp>
+          <p:nvSpPr>
+            <p:cNvPr id="29" name="Freeform 15">
+              <a:extLst>
+                <a:ext uri="{FF2B5EF4-FFF2-40B4-BE49-F238E27FC236}">
+                  <a16:creationId xmlns:a16="http://schemas.microsoft.com/office/drawing/2014/main" id="{4EDB1155-2E8E-4FB8-AD42-101FE4383231}"/>
+                </a:ext>
+                <a:ext uri="{C183D7F6-B498-43B3-948B-1728B52AA6E4}">
+                  <adec:decorative xmlns:adec="http://schemas.microsoft.com/office/drawing/2017/decorative" val="1"/>
+                </a:ext>
+              </a:extLst>
+            </p:cNvPr>
+            <p:cNvSpPr/>
+            <p:nvPr>
+              <p:extLst>
+                <p:ext uri="{386F3935-93C4-4BCD-93E2-E3B085C9AB24}">
+                  <p16:designElem xmlns:p16="http://schemas.microsoft.com/office/powerpoint/2015/main" val="1"/>
+                </p:ext>
+              </p:extLst>
+            </p:nvPr>
+          </p:nvSpPr>
+          <p:spPr bwMode="auto">
+            <a:xfrm>
+              <a:off x="2928938" y="2578100"/>
+              <a:ext cx="3584575" cy="4279900"/>
+            </a:xfrm>
+            <a:custGeom>
+              <a:avLst/>
+              <a:gdLst/>
+              <a:ahLst/>
+              <a:cxnLst/>
+              <a:rect l="0" t="0" r="r" b="b"/>
+              <a:pathLst>
+                <a:path w="2258" h="2696">
+                  <a:moveTo>
+                    <a:pt x="2258" y="2696"/>
+                  </a:moveTo>
+                  <a:lnTo>
+                    <a:pt x="264" y="111"/>
+                  </a:lnTo>
+                  <a:lnTo>
+                    <a:pt x="228" y="60"/>
+                  </a:lnTo>
+                  <a:lnTo>
+                    <a:pt x="225" y="57"/>
+                  </a:lnTo>
+                  <a:lnTo>
+                    <a:pt x="0" y="0"/>
+                  </a:lnTo>
+                  <a:lnTo>
+                    <a:pt x="0" y="3"/>
+                  </a:lnTo>
+                  <a:lnTo>
+                    <a:pt x="1697" y="2696"/>
+                  </a:lnTo>
+                  <a:lnTo>
+                    <a:pt x="2258" y="2696"/>
+                  </a:lnTo>
+                  <a:close/>
+                </a:path>
+              </a:pathLst>
+            </a:custGeom>
+            <a:solidFill>
+              <a:srgbClr val="404040"/>
+            </a:solidFill>
+            <a:ln>
+              <a:noFill/>
+            </a:ln>
+          </p:spPr>
+        </p:sp>
+      </p:grpSp>
+      <p:sp>
+        <p:nvSpPr>
+          <p:cNvPr id="17" name="TextBox 3">
+            <a:extLst>
+              <a:ext uri="{FF2B5EF4-FFF2-40B4-BE49-F238E27FC236}">
+                <a16:creationId xmlns:a16="http://schemas.microsoft.com/office/drawing/2014/main" id="{2A5FEA72-990F-429C-97C8-1F5D7514F2E8}"/>
+              </a:ext>
+            </a:extLst>
+          </p:cNvPr>
+          <p:cNvSpPr txBox="1"/>
+          <p:nvPr/>
+        </p:nvSpPr>
+        <p:spPr>
+          <a:xfrm>
+            <a:off x="365125" y="1133306"/>
+            <a:ext cx="9045571" cy="1852187"/>
+          </a:xfrm>
+          <a:prstGeom prst="rect">
+            <a:avLst/>
+          </a:prstGeom>
+        </p:spPr>
+        <p:txBody>
+          <a:bodyPr rot="0" spcFirstLastPara="0" vertOverflow="overflow" horzOverflow="overflow" vert="horz" lIns="91440" tIns="45720" rIns="91440" bIns="45720" numCol="1" spcCol="0" rtlCol="0" fromWordArt="0" anchor="t" anchorCtr="0" forceAA="0" compatLnSpc="1">
+            <a:prstTxWarp prst="textNoShape">
+              <a:avLst/>
+            </a:prstTxWarp>
+            <a:noAutofit/>
+          </a:bodyPr>
+          <a:lstStyle/>
+          <a:p>
+            <a:pPr marL="1028700" lvl="1" indent="-571500" defTabSz="457200">
+              <a:lnSpc>
+                <a:spcPct val="150000"/>
+              </a:lnSpc>
+              <a:spcBef>
+                <a:spcPct val="20000"/>
+              </a:spcBef>
+              <a:spcAft>
+                <a:spcPts val="600"/>
+              </a:spcAft>
+              <a:buClr>
+                <a:schemeClr val="accent1">
+                  <a:lumMod val="75000"/>
+                </a:schemeClr>
+              </a:buClr>
+              <a:buSzPct val="145000"/>
+              <a:buFont typeface="Arial"/>
+              <a:buChar char="•"/>
+            </a:pPr>
+            <a:r>
+              <a:rPr lang="en-US" sz="3200" dirty="0"/>
+              <a:t>Software encoding proves to be more versatile</a:t>
+            </a:r>
+          </a:p>
+          <a:p>
+            <a:pPr marL="1028700" lvl="1" indent="-571500" defTabSz="457200">
+              <a:lnSpc>
+                <a:spcPct val="150000"/>
+              </a:lnSpc>
+              <a:spcBef>
+                <a:spcPct val="20000"/>
+              </a:spcBef>
+              <a:spcAft>
+                <a:spcPts val="600"/>
+              </a:spcAft>
+              <a:buClr>
+                <a:schemeClr val="accent1">
+                  <a:lumMod val="75000"/>
+                </a:schemeClr>
+              </a:buClr>
+              <a:buSzPct val="145000"/>
+              <a:buFont typeface="Arial"/>
+              <a:buChar char="•"/>
+            </a:pPr>
+            <a:r>
+              <a:rPr lang="en-US" sz="3200" dirty="0"/>
+              <a:t>High reduction in size, suitable for data to be saved on disk</a:t>
+            </a:r>
+          </a:p>
+        </p:txBody>
+      </p:sp>
+      <p:sp>
+        <p:nvSpPr>
+          <p:cNvPr id="18" name="CasellaDiTesto 17">
+            <a:extLst>
+              <a:ext uri="{FF2B5EF4-FFF2-40B4-BE49-F238E27FC236}">
+                <a16:creationId xmlns:a16="http://schemas.microsoft.com/office/drawing/2014/main" id="{33EC1DCD-4122-4488-AC4F-ED6BC712ACC0}"/>
+              </a:ext>
+            </a:extLst>
+          </p:cNvPr>
+          <p:cNvSpPr txBox="1"/>
+          <p:nvPr/>
+        </p:nvSpPr>
+        <p:spPr>
+          <a:xfrm>
+            <a:off x="1170723" y="339925"/>
+            <a:ext cx="7697902" cy="830997"/>
+          </a:xfrm>
+          <a:prstGeom prst="rect">
+            <a:avLst/>
+          </a:prstGeom>
+          <a:noFill/>
+        </p:spPr>
+        <p:txBody>
+          <a:bodyPr wrap="square">
+            <a:spAutoFit/>
+          </a:bodyPr>
+          <a:lstStyle/>
+          <a:p>
+            <a:pPr algn="ctr"/>
+            <a:r>
+              <a:rPr lang="it-IT" sz="4800" dirty="0" err="1"/>
+              <a:t>Conclusions</a:t>
+            </a:r>
+            <a:endParaRPr lang="it-IT" sz="4400" dirty="0"/>
+          </a:p>
+        </p:txBody>
+      </p:sp>
+      <p:sp>
+        <p:nvSpPr>
+          <p:cNvPr id="19" name="CasellaDiTesto 18">
+            <a:extLst>
+              <a:ext uri="{FF2B5EF4-FFF2-40B4-BE49-F238E27FC236}">
+                <a16:creationId xmlns:a16="http://schemas.microsoft.com/office/drawing/2014/main" id="{2CE26206-708C-4F00-A9F5-493D77E6BAA3}"/>
+              </a:ext>
+            </a:extLst>
+          </p:cNvPr>
+          <p:cNvSpPr txBox="1"/>
+          <p:nvPr/>
+        </p:nvSpPr>
+        <p:spPr>
+          <a:xfrm>
+            <a:off x="237334" y="3606802"/>
+            <a:ext cx="7090565" cy="2232021"/>
+          </a:xfrm>
+          <a:prstGeom prst="rect">
+            <a:avLst/>
+          </a:prstGeom>
+          <a:noFill/>
+        </p:spPr>
+        <p:txBody>
+          <a:bodyPr wrap="square">
+            <a:spAutoFit/>
+          </a:bodyPr>
+          <a:lstStyle/>
+          <a:p>
+            <a:pPr marL="1028700" lvl="1" indent="-571500" defTabSz="457200">
+              <a:lnSpc>
+                <a:spcPct val="150000"/>
+              </a:lnSpc>
+              <a:spcBef>
+                <a:spcPct val="20000"/>
+              </a:spcBef>
+              <a:spcAft>
+                <a:spcPts val="600"/>
+              </a:spcAft>
+              <a:buClr>
+                <a:schemeClr val="accent1">
+                  <a:lumMod val="75000"/>
+                </a:schemeClr>
+              </a:buClr>
+              <a:buSzPct val="145000"/>
+              <a:buFont typeface="Arial"/>
+              <a:buChar char="•"/>
+            </a:pPr>
+            <a:r>
+              <a:rPr lang="en-US" sz="3200" dirty="0"/>
+              <a:t>If encoding speed or energy efficiency is the priority, Hardware implementation is to be preferred</a:t>
+            </a:r>
+          </a:p>
+        </p:txBody>
+      </p:sp>
+      <p:pic>
+        <p:nvPicPr>
+          <p:cNvPr id="5" name="Elemento grafico 4" descr="Bilancia della giustizia con riempimento a tinta unita">
+            <a:extLst>
+              <a:ext uri="{FF2B5EF4-FFF2-40B4-BE49-F238E27FC236}">
+                <a16:creationId xmlns:a16="http://schemas.microsoft.com/office/drawing/2014/main" id="{7768580D-AFDF-4512-BFAF-328BA8F51EE0}"/>
+              </a:ext>
+            </a:extLst>
+          </p:cNvPr>
+          <p:cNvPicPr>
+            <a:picLocks noChangeAspect="1"/>
+          </p:cNvPicPr>
+          <p:nvPr/>
+        </p:nvPicPr>
+        <p:blipFill>
+          <a:blip r:embed="rId2">
+            <a:extLst>
+              <a:ext uri="{28A0092B-C50C-407E-A947-70E740481C1C}">
+                <a14:useLocalDpi xmlns:a14="http://schemas.microsoft.com/office/drawing/2010/main" val="0"/>
+              </a:ext>
+              <a:ext uri="{96DAC541-7B7A-43D3-8B79-37D633B846F1}">
+                <asvg:svgBlip xmlns:asvg="http://schemas.microsoft.com/office/drawing/2016/SVG/main" r:embed="rId3"/>
+              </a:ext>
+            </a:extLst>
+          </a:blip>
+          <a:stretch>
+            <a:fillRect/>
+          </a:stretch>
+        </p:blipFill>
+        <p:spPr>
+          <a:xfrm>
+            <a:off x="6850913" y="2876977"/>
+            <a:ext cx="1558073" cy="1558073"/>
+          </a:xfrm>
+          <a:prstGeom prst="rect">
+            <a:avLst/>
+          </a:prstGeom>
+        </p:spPr>
+      </p:pic>
+    </p:spTree>
+    <p:extLst>
+      <p:ext uri="{BB962C8B-B14F-4D97-AF65-F5344CB8AC3E}">
+        <p14:creationId xmlns:p14="http://schemas.microsoft.com/office/powerpoint/2010/main" val="169592861"/>
+      </p:ext>
+    </p:extLst>
+  </p:cSld>
+  <p:clrMapOvr>
+    <a:overrideClrMapping bg1="dk1" tx1="lt1" bg2="dk2" tx2="lt2" accent1="accent1" accent2="accent2" accent3="accent3" accent4="accent4" accent5="accent5" accent6="accent6" hlink="hlink" folHlink="folHlink"/>
+  </p:clrMapOvr>
+  <p:timing>
+    <p:tnLst>
+      <p:par>
+        <p:cTn id="1" dur="indefinite" restart="never" nodeType="tmRoot">
+          <p:childTnLst>
+            <p:seq concurrent="1" nextAc="seek">
+              <p:cTn id="2" dur="indefinite" nodeType="mainSeq">
+                <p:childTnLst>
+                  <p:par>
+                    <p:cTn id="3" fill="hold">
+                      <p:stCondLst>
+                        <p:cond delay="indefinite"/>
+                      </p:stCondLst>
+                      <p:childTnLst>
+                        <p:par>
+                          <p:cTn id="4" fill="hold">
+                            <p:stCondLst>
+                              <p:cond delay="0"/>
+                            </p:stCondLst>
+                            <p:childTnLst>
+                              <p:par>
+                                <p:cTn id="5" presetID="10" presetClass="entr" presetSubtype="0" fill="hold" grpId="0" nodeType="clickEffect">
+                                  <p:stCondLst>
+                                    <p:cond delay="0"/>
+                                  </p:stCondLst>
+                                  <p:childTnLst>
+                                    <p:set>
+                                      <p:cBhvr>
+                                        <p:cTn id="6" dur="1" fill="hold">
+                                          <p:stCondLst>
+                                            <p:cond delay="0"/>
+                                          </p:stCondLst>
+                                        </p:cTn>
+                                        <p:tgtEl>
+                                          <p:spTgt spid="17">
+                                            <p:txEl>
+                                              <p:pRg st="0" end="0"/>
+                                            </p:txEl>
+                                          </p:spTgt>
+                                        </p:tgtEl>
+                                        <p:attrNameLst>
+                                          <p:attrName>style.visibility</p:attrName>
+                                        </p:attrNameLst>
+                                      </p:cBhvr>
+                                      <p:to>
+                                        <p:strVal val="visible"/>
+                                      </p:to>
+                                    </p:set>
+                                    <p:animEffect transition="in" filter="fade">
+                                      <p:cBhvr>
+                                        <p:cTn id="7" dur="500"/>
+                                        <p:tgtEl>
+                                          <p:spTgt spid="17">
+                                            <p:txEl>
+                                              <p:pRg st="0" end="0"/>
+                                            </p:txEl>
+                                          </p:spTgt>
+                                        </p:tgtEl>
+                                      </p:cBhvr>
+                                    </p:animEffect>
+                                  </p:childTnLst>
+                                </p:cTn>
+                              </p:par>
+                            </p:childTnLst>
+                          </p:cTn>
+                        </p:par>
+                      </p:childTnLst>
+                    </p:cTn>
+                  </p:par>
+                  <p:par>
+                    <p:cTn id="8" fill="hold">
+                      <p:stCondLst>
+                        <p:cond delay="indefinite"/>
+                      </p:stCondLst>
+                      <p:childTnLst>
+                        <p:par>
+                          <p:cTn id="9" fill="hold">
+                            <p:stCondLst>
+                              <p:cond delay="0"/>
+                            </p:stCondLst>
+                            <p:childTnLst>
+                              <p:par>
+                                <p:cTn id="10" presetID="10" presetClass="entr" presetSubtype="0" fill="hold" grpId="0" nodeType="clickEffect">
+                                  <p:stCondLst>
+                                    <p:cond delay="0"/>
+                                  </p:stCondLst>
+                                  <p:childTnLst>
+                                    <p:set>
+                                      <p:cBhvr>
+                                        <p:cTn id="11" dur="1" fill="hold">
+                                          <p:stCondLst>
+                                            <p:cond delay="0"/>
+                                          </p:stCondLst>
+                                        </p:cTn>
+                                        <p:tgtEl>
+                                          <p:spTgt spid="17">
+                                            <p:txEl>
+                                              <p:pRg st="1" end="1"/>
+                                            </p:txEl>
+                                          </p:spTgt>
+                                        </p:tgtEl>
+                                        <p:attrNameLst>
+                                          <p:attrName>style.visibility</p:attrName>
+                                        </p:attrNameLst>
+                                      </p:cBhvr>
+                                      <p:to>
+                                        <p:strVal val="visible"/>
+                                      </p:to>
+                                    </p:set>
+                                    <p:animEffect transition="in" filter="fade">
+                                      <p:cBhvr>
+                                        <p:cTn id="12" dur="500"/>
+                                        <p:tgtEl>
+                                          <p:spTgt spid="17">
+                                            <p:txEl>
+                                              <p:pRg st="1" end="1"/>
+                                            </p:txEl>
+                                          </p:spTgt>
+                                        </p:tgtEl>
+                                      </p:cBhvr>
+                                    </p:animEffect>
+                                  </p:childTnLst>
+                                </p:cTn>
+                              </p:par>
+                            </p:childTnLst>
+                          </p:cTn>
+                        </p:par>
+                      </p:childTnLst>
+                    </p:cTn>
+                  </p:par>
+                </p:childTnLst>
+              </p:cTn>
+              <p:prevCondLst>
+                <p:cond evt="onPrev" delay="0">
+                  <p:tgtEl>
+                    <p:sldTgt/>
+                  </p:tgtEl>
+                </p:cond>
+              </p:prevCondLst>
+              <p:nextCondLst>
+                <p:cond evt="onNext" delay="0">
+                  <p:tgtEl>
+                    <p:sldTgt/>
+                  </p:tgtEl>
+                </p:cond>
+              </p:nextCondLst>
+            </p:seq>
+          </p:childTnLst>
+        </p:cTn>
+      </p:par>
+    </p:tnLst>
+    <p:bldLst>
+      <p:bldP spid="17" grpId="0" uiExpand="1" build="p"/>
+    </p:bldLst>
+  </p:timing>
 </p:sld>
 </file>
 

--- a/presentation.pptx
+++ b/presentation.pptx
@@ -9539,7 +9539,7 @@
             <a:fld id="{B61BEF0D-F0BB-DE4B-95CE-6DB70DBA9567}" type="datetimeFigureOut">
               <a:rPr lang="en-US" dirty="0"/>
               <a:pPr/>
-              <a:t>6/3/2021</a:t>
+              <a:t>6/6/2021</a:t>
             </a:fld>
             <a:endParaRPr lang="en-US"/>
           </a:p>
@@ -9832,7 +9832,7 @@
             <a:fld id="{B61BEF0D-F0BB-DE4B-95CE-6DB70DBA9567}" type="datetimeFigureOut">
               <a:rPr lang="en-US" dirty="0"/>
               <a:pPr/>
-              <a:t>6/3/2021</a:t>
+              <a:t>6/6/2021</a:t>
             </a:fld>
             <a:endParaRPr lang="en-US"/>
           </a:p>
@@ -10081,7 +10081,7 @@
             <a:fld id="{B61BEF0D-F0BB-DE4B-95CE-6DB70DBA9567}" type="datetimeFigureOut">
               <a:rPr lang="en-US" dirty="0"/>
               <a:pPr/>
-              <a:t>6/3/2021</a:t>
+              <a:t>6/6/2021</a:t>
             </a:fld>
             <a:endParaRPr lang="en-US"/>
           </a:p>
@@ -10622,7 +10622,7 @@
             <a:fld id="{B61BEF0D-F0BB-DE4B-95CE-6DB70DBA9567}" type="datetimeFigureOut">
               <a:rPr lang="en-US" dirty="0"/>
               <a:pPr/>
-              <a:t>6/3/2021</a:t>
+              <a:t>6/6/2021</a:t>
             </a:fld>
             <a:endParaRPr lang="en-US"/>
           </a:p>
@@ -10871,7 +10871,7 @@
             <a:fld id="{B61BEF0D-F0BB-DE4B-95CE-6DB70DBA9567}" type="datetimeFigureOut">
               <a:rPr lang="en-US" dirty="0"/>
               <a:pPr/>
-              <a:t>6/3/2021</a:t>
+              <a:t>6/6/2021</a:t>
             </a:fld>
             <a:endParaRPr lang="en-US"/>
           </a:p>
@@ -11404,7 +11404,7 @@
             <a:fld id="{B61BEF0D-F0BB-DE4B-95CE-6DB70DBA9567}" type="datetimeFigureOut">
               <a:rPr lang="en-US" dirty="0"/>
               <a:pPr/>
-              <a:t>6/3/2021</a:t>
+              <a:t>6/6/2021</a:t>
             </a:fld>
             <a:endParaRPr lang="en-US"/>
           </a:p>
@@ -11702,7 +11702,7 @@
             <a:fld id="{B61BEF0D-F0BB-DE4B-95CE-6DB70DBA9567}" type="datetimeFigureOut">
               <a:rPr lang="en-US" dirty="0"/>
               <a:pPr/>
-              <a:t>6/3/2021</a:t>
+              <a:t>6/6/2021</a:t>
             </a:fld>
             <a:endParaRPr lang="en-US"/>
           </a:p>
@@ -11876,7 +11876,7 @@
             <a:fld id="{B61BEF0D-F0BB-DE4B-95CE-6DB70DBA9567}" type="datetimeFigureOut">
               <a:rPr lang="en-US" dirty="0"/>
               <a:pPr/>
-              <a:t>6/3/2021</a:t>
+              <a:t>6/6/2021</a:t>
             </a:fld>
             <a:endParaRPr lang="en-US"/>
           </a:p>
@@ -12056,7 +12056,7 @@
             <a:fld id="{B61BEF0D-F0BB-DE4B-95CE-6DB70DBA9567}" type="datetimeFigureOut">
               <a:rPr lang="en-US" dirty="0"/>
               <a:pPr/>
-              <a:t>6/3/2021</a:t>
+              <a:t>6/6/2021</a:t>
             </a:fld>
             <a:endParaRPr lang="en-US"/>
           </a:p>
@@ -12226,7 +12226,7 @@
             <a:fld id="{B61BEF0D-F0BB-DE4B-95CE-6DB70DBA9567}" type="datetimeFigureOut">
               <a:rPr lang="en-US" dirty="0"/>
               <a:pPr/>
-              <a:t>6/3/2021</a:t>
+              <a:t>6/6/2021</a:t>
             </a:fld>
             <a:endParaRPr lang="en-US"/>
           </a:p>
@@ -12478,7 +12478,7 @@
             <a:fld id="{B61BEF0D-F0BB-DE4B-95CE-6DB70DBA9567}" type="datetimeFigureOut">
               <a:rPr lang="en-US" dirty="0"/>
               <a:pPr/>
-              <a:t>6/3/2021</a:t>
+              <a:t>6/6/2021</a:t>
             </a:fld>
             <a:endParaRPr lang="en-US"/>
           </a:p>
@@ -12774,7 +12774,7 @@
             <a:fld id="{B61BEF0D-F0BB-DE4B-95CE-6DB70DBA9567}" type="datetimeFigureOut">
               <a:rPr lang="en-US" dirty="0"/>
               <a:pPr/>
-              <a:t>6/3/2021</a:t>
+              <a:t>6/6/2021</a:t>
             </a:fld>
             <a:endParaRPr lang="en-US"/>
           </a:p>
@@ -13215,7 +13215,7 @@
             <a:fld id="{B61BEF0D-F0BB-DE4B-95CE-6DB70DBA9567}" type="datetimeFigureOut">
               <a:rPr lang="en-US" dirty="0"/>
               <a:pPr/>
-              <a:t>6/3/2021</a:t>
+              <a:t>6/6/2021</a:t>
             </a:fld>
             <a:endParaRPr lang="en-US"/>
           </a:p>
@@ -13334,7 +13334,7 @@
             <a:fld id="{B61BEF0D-F0BB-DE4B-95CE-6DB70DBA9567}" type="datetimeFigureOut">
               <a:rPr lang="en-US" dirty="0"/>
               <a:pPr/>
-              <a:t>6/3/2021</a:t>
+              <a:t>6/6/2021</a:t>
             </a:fld>
             <a:endParaRPr lang="en-US"/>
           </a:p>
@@ -13431,7 +13431,7 @@
             <a:fld id="{B61BEF0D-F0BB-DE4B-95CE-6DB70DBA9567}" type="datetimeFigureOut">
               <a:rPr lang="en-US" dirty="0"/>
               <a:pPr/>
-              <a:t>6/3/2021</a:t>
+              <a:t>6/6/2021</a:t>
             </a:fld>
             <a:endParaRPr lang="en-US"/>
           </a:p>
@@ -13714,7 +13714,7 @@
             <a:fld id="{B61BEF0D-F0BB-DE4B-95CE-6DB70DBA9567}" type="datetimeFigureOut">
               <a:rPr lang="en-US" dirty="0"/>
               <a:pPr/>
-              <a:t>6/3/2021</a:t>
+              <a:t>6/6/2021</a:t>
             </a:fld>
             <a:endParaRPr lang="en-US"/>
           </a:p>
@@ -14002,7 +14002,7 @@
             <a:fld id="{B61BEF0D-F0BB-DE4B-95CE-6DB70DBA9567}" type="datetimeFigureOut">
               <a:rPr lang="en-US" dirty="0"/>
               <a:pPr/>
-              <a:t>6/3/2021</a:t>
+              <a:t>6/6/2021</a:t>
             </a:fld>
             <a:endParaRPr lang="en-US"/>
           </a:p>
@@ -14532,7 +14532,7 @@
             <a:fld id="{B61BEF0D-F0BB-DE4B-95CE-6DB70DBA9567}" type="datetimeFigureOut">
               <a:rPr lang="en-US" dirty="0"/>
               <a:pPr/>
-              <a:t>6/3/2021</a:t>
+              <a:t>6/6/2021</a:t>
             </a:fld>
             <a:endParaRPr lang="en-US"/>
           </a:p>
@@ -22074,7 +22074,7 @@
         <p:spPr>
           <a:xfrm>
             <a:off x="523876" y="1391444"/>
-            <a:ext cx="8196259" cy="4275138"/>
+            <a:ext cx="8196259" cy="4685506"/>
           </a:xfrm>
           <a:prstGeom prst="rect">
             <a:avLst/>
@@ -22110,7 +22110,7 @@
             </a:pPr>
             <a:r>
               <a:rPr lang="en-US" sz="2800" dirty="0"/>
-              <a:t>Normalized Encoding time, as predicted, does get lower with faster presets</a:t>
+              <a:t>Normalized encoding time, as predicted, does get lower with faster presets</a:t>
             </a:r>
           </a:p>
           <a:p>
@@ -22276,7 +22276,7 @@
             </a:r>
             <a:r>
               <a:rPr lang="it-IT" sz="4000" dirty="0"/>
-              <a:t> </a:t>
+              <a:t> one </a:t>
             </a:r>
             <a:r>
               <a:rPr lang="it-IT" sz="4000" dirty="0" err="1"/>
@@ -22284,7 +22284,15 @@
             </a:r>
             <a:r>
               <a:rPr lang="it-IT" sz="4000" dirty="0"/>
-              <a:t> THE FAST?</a:t>
+              <a:t> the </a:t>
+            </a:r>
+            <a:r>
+              <a:rPr lang="it-IT" sz="4000" dirty="0" err="1"/>
+              <a:t>fastest</a:t>
+            </a:r>
+            <a:r>
+              <a:rPr lang="it-IT" sz="4000" dirty="0"/>
+              <a:t>?</a:t>
             </a:r>
           </a:p>
         </p:txBody>
@@ -23189,8 +23197,20 @@
               <a:buChar char="•"/>
             </a:pPr>
             <a:r>
+              <a:rPr lang="en-US" sz="3000" i="1" dirty="0"/>
+              <a:t>Faster</a:t>
+            </a:r>
+            <a:r>
               <a:rPr lang="en-US" sz="3000" dirty="0"/>
-              <a:t>Faster and very fast presets are </a:t>
+              <a:t> and </a:t>
+            </a:r>
+            <a:r>
+              <a:rPr lang="en-US" sz="3000" i="1" dirty="0"/>
+              <a:t>very fast </a:t>
+            </a:r>
+            <a:r>
+              <a:rPr lang="en-US" sz="3000" dirty="0"/>
+              <a:t>presets are </a:t>
             </a:r>
             <a:r>
               <a:rPr lang="en-US" sz="3000" b="1" dirty="0">
@@ -23227,7 +23247,7 @@
             </a:pPr>
             <a:r>
               <a:rPr lang="en-US" sz="3200" dirty="0"/>
-              <a:t>HW encoding is capable to obtain a good average result with some limit cases                (San Andreas)</a:t>
+              <a:t>HW encoding is capable of obtaining good average result with some limit cases                (San Andreas)</a:t>
             </a:r>
           </a:p>
         </p:txBody>
@@ -23247,7 +23267,7 @@
         <p:spPr>
           <a:xfrm>
             <a:off x="651669" y="392588"/>
-            <a:ext cx="8259760" cy="646331"/>
+            <a:ext cx="8578056" cy="615553"/>
           </a:xfrm>
           <a:prstGeom prst="rect">
             <a:avLst/>
@@ -23262,43 +23282,35 @@
           <a:p>
             <a:pPr algn="ctr"/>
             <a:r>
-              <a:rPr lang="it-IT" sz="3600" dirty="0" err="1"/>
+              <a:rPr lang="it-IT" sz="3400" dirty="0" err="1"/>
               <a:t>Which</a:t>
             </a:r>
             <a:r>
-              <a:rPr lang="it-IT" sz="3600" dirty="0"/>
+              <a:rPr lang="it-IT" sz="3400" dirty="0"/>
+              <a:t> one </a:t>
+            </a:r>
+            <a:r>
+              <a:rPr lang="it-IT" sz="3400" dirty="0" err="1"/>
+              <a:t>is</a:t>
+            </a:r>
+            <a:r>
+              <a:rPr lang="it-IT" sz="3400" dirty="0"/>
+              <a:t> the </a:t>
+            </a:r>
+            <a:r>
+              <a:rPr lang="it-IT" sz="3400" dirty="0" err="1"/>
+              <a:t>most</a:t>
+            </a:r>
+            <a:r>
+              <a:rPr lang="it-IT" sz="3400" dirty="0"/>
               <a:t> </a:t>
             </a:r>
             <a:r>
-              <a:rPr lang="it-IT" sz="3600" dirty="0" err="1"/>
-              <a:t>is</a:t>
+              <a:rPr lang="it-IT" sz="3400" dirty="0" err="1"/>
+              <a:t>compression-efficient</a:t>
             </a:r>
             <a:r>
-              <a:rPr lang="it-IT" sz="3600" dirty="0"/>
-              <a:t> </a:t>
-            </a:r>
-            <a:r>
-              <a:rPr lang="it-IT" sz="3600" dirty="0" err="1"/>
-              <a:t>most</a:t>
-            </a:r>
-            <a:r>
-              <a:rPr lang="it-IT" sz="3600" dirty="0"/>
-              <a:t> </a:t>
-            </a:r>
-            <a:r>
-              <a:rPr lang="it-IT" sz="3600" dirty="0" err="1"/>
-              <a:t>compression</a:t>
-            </a:r>
-            <a:r>
-              <a:rPr lang="it-IT" sz="3600" dirty="0"/>
-              <a:t> </a:t>
-            </a:r>
-            <a:r>
-              <a:rPr lang="it-IT" sz="3600" dirty="0" err="1"/>
-              <a:t>effective</a:t>
-            </a:r>
-            <a:r>
-              <a:rPr lang="it-IT" sz="3600" dirty="0"/>
+              <a:rPr lang="it-IT" sz="3400" dirty="0"/>
               <a:t>?</a:t>
             </a:r>
           </a:p>
@@ -23335,7 +23347,7 @@
         </p:blipFill>
         <p:spPr>
           <a:xfrm>
-            <a:off x="8636001" y="247535"/>
+            <a:off x="9104312" y="106628"/>
             <a:ext cx="1219195" cy="1219195"/>
           </a:xfrm>
           <a:prstGeom prst="rect">
@@ -24179,7 +24191,7 @@
             </a:pPr>
             <a:r>
               <a:rPr lang="en-US" sz="3200" dirty="0"/>
-              <a:t>Encoding is heavy load,  so it leads hardware to per form at 100% of  it’s capabilities;</a:t>
+              <a:t>Encoding is a heavy task,  so it leads hardware to per form at 100% of  its capabilities</a:t>
             </a:r>
           </a:p>
           <a:p>
@@ -24204,7 +24216,7 @@
             </a:pPr>
             <a:r>
               <a:rPr lang="en-US" sz="3200" dirty="0"/>
-              <a:t>Components where at their peak of power consumption for the entire time of the  test</a:t>
+              <a:t>Components were at their peak of power consumption for the entire time of the  test</a:t>
             </a:r>
           </a:p>
           <a:p>
@@ -24229,7 +24241,7 @@
             </a:pPr>
             <a:r>
               <a:rPr lang="en-US" sz="3200" dirty="0"/>
-              <a:t>Short time -&gt; less energy drowned</a:t>
+              <a:t>Shorter time -&gt; less energy drawn</a:t>
             </a:r>
           </a:p>
           <a:p>
@@ -24294,7 +24306,7 @@
             <a:pPr algn="ctr"/>
             <a:r>
               <a:rPr lang="it-IT" sz="4400" dirty="0" err="1"/>
-              <a:t>Wath</a:t>
+              <a:t>What</a:t>
             </a:r>
             <a:r>
               <a:rPr lang="it-IT" sz="4400" dirty="0"/>
@@ -24310,7 +24322,7 @@
             </a:r>
             <a:r>
               <a:rPr lang="it-IT" sz="4400" dirty="0" err="1"/>
-              <a:t>efficency</a:t>
+              <a:t>efficiency</a:t>
             </a:r>
             <a:r>
               <a:rPr lang="it-IT" sz="4400" dirty="0"/>
@@ -25927,8 +25939,20 @@
               <a:buChar char="•"/>
             </a:pPr>
             <a:r>
+              <a:rPr lang="en-US" sz="2800" i="1" dirty="0"/>
+              <a:t>Faster</a:t>
+            </a:r>
+            <a:r>
               <a:rPr lang="en-US" sz="2800" dirty="0"/>
-              <a:t>Faster and very fast presets seems to perform better compression in lower time than slower presets</a:t>
+              <a:t> and </a:t>
+            </a:r>
+            <a:r>
+              <a:rPr lang="en-US" sz="2800" i="1" dirty="0"/>
+              <a:t>very fast </a:t>
+            </a:r>
+            <a:r>
+              <a:rPr lang="en-US" sz="2800" dirty="0"/>
+              <a:t>presets seems to perform better compression in lower time than slower presets</a:t>
             </a:r>
           </a:p>
           <a:p>
@@ -25953,7 +25977,7 @@
             </a:pPr>
             <a:r>
               <a:rPr lang="en-US" sz="2800" dirty="0"/>
-              <a:t>This behavior spot an inaccurate software implementation of the standard</a:t>
+              <a:t>This behavior shows an inaccurate software implementation of the standard</a:t>
             </a:r>
           </a:p>
         </p:txBody>
@@ -26922,7 +26946,7 @@
             </a:pPr>
             <a:r>
               <a:rPr lang="en-US" sz="3200" dirty="0"/>
-              <a:t>If encoding speed or energy efficiency is the priority, Hardware implementation is to be preferred</a:t>
+              <a:t>If encoding speed or energy efficiency is the priority, hardware implementation is to be preferred</a:t>
             </a:r>
           </a:p>
         </p:txBody>

--- a/presentation.pptx
+++ b/presentation.pptx
@@ -15,8 +15,8 @@
     <p:sldId id="264" r:id="rId9"/>
     <p:sldId id="275" r:id="rId10"/>
     <p:sldId id="274" r:id="rId11"/>
-    <p:sldId id="267" r:id="rId12"/>
-    <p:sldId id="269" r:id="rId13"/>
+    <p:sldId id="269" r:id="rId12"/>
+    <p:sldId id="267" r:id="rId13"/>
     <p:sldId id="273" r:id="rId14"/>
     <p:sldId id="266" r:id="rId15"/>
     <p:sldId id="272" r:id="rId16"/>
@@ -9539,7 +9539,7 @@
             <a:fld id="{B61BEF0D-F0BB-DE4B-95CE-6DB70DBA9567}" type="datetimeFigureOut">
               <a:rPr lang="en-US" dirty="0"/>
               <a:pPr/>
-              <a:t>6/6/2021</a:t>
+              <a:t>6/8/2021</a:t>
             </a:fld>
             <a:endParaRPr lang="en-US"/>
           </a:p>
@@ -9832,7 +9832,7 @@
             <a:fld id="{B61BEF0D-F0BB-DE4B-95CE-6DB70DBA9567}" type="datetimeFigureOut">
               <a:rPr lang="en-US" dirty="0"/>
               <a:pPr/>
-              <a:t>6/6/2021</a:t>
+              <a:t>6/8/2021</a:t>
             </a:fld>
             <a:endParaRPr lang="en-US"/>
           </a:p>
@@ -10081,7 +10081,7 @@
             <a:fld id="{B61BEF0D-F0BB-DE4B-95CE-6DB70DBA9567}" type="datetimeFigureOut">
               <a:rPr lang="en-US" dirty="0"/>
               <a:pPr/>
-              <a:t>6/6/2021</a:t>
+              <a:t>6/8/2021</a:t>
             </a:fld>
             <a:endParaRPr lang="en-US"/>
           </a:p>
@@ -10622,7 +10622,7 @@
             <a:fld id="{B61BEF0D-F0BB-DE4B-95CE-6DB70DBA9567}" type="datetimeFigureOut">
               <a:rPr lang="en-US" dirty="0"/>
               <a:pPr/>
-              <a:t>6/6/2021</a:t>
+              <a:t>6/8/2021</a:t>
             </a:fld>
             <a:endParaRPr lang="en-US"/>
           </a:p>
@@ -10871,7 +10871,7 @@
             <a:fld id="{B61BEF0D-F0BB-DE4B-95CE-6DB70DBA9567}" type="datetimeFigureOut">
               <a:rPr lang="en-US" dirty="0"/>
               <a:pPr/>
-              <a:t>6/6/2021</a:t>
+              <a:t>6/8/2021</a:t>
             </a:fld>
             <a:endParaRPr lang="en-US"/>
           </a:p>
@@ -11404,7 +11404,7 @@
             <a:fld id="{B61BEF0D-F0BB-DE4B-95CE-6DB70DBA9567}" type="datetimeFigureOut">
               <a:rPr lang="en-US" dirty="0"/>
               <a:pPr/>
-              <a:t>6/6/2021</a:t>
+              <a:t>6/8/2021</a:t>
             </a:fld>
             <a:endParaRPr lang="en-US"/>
           </a:p>
@@ -11702,7 +11702,7 @@
             <a:fld id="{B61BEF0D-F0BB-DE4B-95CE-6DB70DBA9567}" type="datetimeFigureOut">
               <a:rPr lang="en-US" dirty="0"/>
               <a:pPr/>
-              <a:t>6/6/2021</a:t>
+              <a:t>6/8/2021</a:t>
             </a:fld>
             <a:endParaRPr lang="en-US"/>
           </a:p>
@@ -11876,7 +11876,7 @@
             <a:fld id="{B61BEF0D-F0BB-DE4B-95CE-6DB70DBA9567}" type="datetimeFigureOut">
               <a:rPr lang="en-US" dirty="0"/>
               <a:pPr/>
-              <a:t>6/6/2021</a:t>
+              <a:t>6/8/2021</a:t>
             </a:fld>
             <a:endParaRPr lang="en-US"/>
           </a:p>
@@ -12056,7 +12056,7 @@
             <a:fld id="{B61BEF0D-F0BB-DE4B-95CE-6DB70DBA9567}" type="datetimeFigureOut">
               <a:rPr lang="en-US" dirty="0"/>
               <a:pPr/>
-              <a:t>6/6/2021</a:t>
+              <a:t>6/8/2021</a:t>
             </a:fld>
             <a:endParaRPr lang="en-US"/>
           </a:p>
@@ -12226,7 +12226,7 @@
             <a:fld id="{B61BEF0D-F0BB-DE4B-95CE-6DB70DBA9567}" type="datetimeFigureOut">
               <a:rPr lang="en-US" dirty="0"/>
               <a:pPr/>
-              <a:t>6/6/2021</a:t>
+              <a:t>6/8/2021</a:t>
             </a:fld>
             <a:endParaRPr lang="en-US"/>
           </a:p>
@@ -12478,7 +12478,7 @@
             <a:fld id="{B61BEF0D-F0BB-DE4B-95CE-6DB70DBA9567}" type="datetimeFigureOut">
               <a:rPr lang="en-US" dirty="0"/>
               <a:pPr/>
-              <a:t>6/6/2021</a:t>
+              <a:t>6/8/2021</a:t>
             </a:fld>
             <a:endParaRPr lang="en-US"/>
           </a:p>
@@ -12774,7 +12774,7 @@
             <a:fld id="{B61BEF0D-F0BB-DE4B-95CE-6DB70DBA9567}" type="datetimeFigureOut">
               <a:rPr lang="en-US" dirty="0"/>
               <a:pPr/>
-              <a:t>6/6/2021</a:t>
+              <a:t>6/8/2021</a:t>
             </a:fld>
             <a:endParaRPr lang="en-US"/>
           </a:p>
@@ -13215,7 +13215,7 @@
             <a:fld id="{B61BEF0D-F0BB-DE4B-95CE-6DB70DBA9567}" type="datetimeFigureOut">
               <a:rPr lang="en-US" dirty="0"/>
               <a:pPr/>
-              <a:t>6/6/2021</a:t>
+              <a:t>6/8/2021</a:t>
             </a:fld>
             <a:endParaRPr lang="en-US"/>
           </a:p>
@@ -13334,7 +13334,7 @@
             <a:fld id="{B61BEF0D-F0BB-DE4B-95CE-6DB70DBA9567}" type="datetimeFigureOut">
               <a:rPr lang="en-US" dirty="0"/>
               <a:pPr/>
-              <a:t>6/6/2021</a:t>
+              <a:t>6/8/2021</a:t>
             </a:fld>
             <a:endParaRPr lang="en-US"/>
           </a:p>
@@ -13431,7 +13431,7 @@
             <a:fld id="{B61BEF0D-F0BB-DE4B-95CE-6DB70DBA9567}" type="datetimeFigureOut">
               <a:rPr lang="en-US" dirty="0"/>
               <a:pPr/>
-              <a:t>6/6/2021</a:t>
+              <a:t>6/8/2021</a:t>
             </a:fld>
             <a:endParaRPr lang="en-US"/>
           </a:p>
@@ -13714,7 +13714,7 @@
             <a:fld id="{B61BEF0D-F0BB-DE4B-95CE-6DB70DBA9567}" type="datetimeFigureOut">
               <a:rPr lang="en-US" dirty="0"/>
               <a:pPr/>
-              <a:t>6/6/2021</a:t>
+              <a:t>6/8/2021</a:t>
             </a:fld>
             <a:endParaRPr lang="en-US"/>
           </a:p>
@@ -14002,7 +14002,7 @@
             <a:fld id="{B61BEF0D-F0BB-DE4B-95CE-6DB70DBA9567}" type="datetimeFigureOut">
               <a:rPr lang="en-US" dirty="0"/>
               <a:pPr/>
-              <a:t>6/6/2021</a:t>
+              <a:t>6/8/2021</a:t>
             </a:fld>
             <a:endParaRPr lang="en-US"/>
           </a:p>
@@ -14532,7 +14532,7 @@
             <a:fld id="{B61BEF0D-F0BB-DE4B-95CE-6DB70DBA9567}" type="datetimeFigureOut">
               <a:rPr lang="en-US" dirty="0"/>
               <a:pPr/>
-              <a:t>6/6/2021</a:t>
+              <a:t>6/8/2021</a:t>
             </a:fld>
             <a:endParaRPr lang="en-US"/>
           </a:p>
@@ -17586,13 +17586,13 @@
         </p:nvSpPr>
         <p:spPr>
           <a:xfrm>
-            <a:off x="2187231" y="130064"/>
+            <a:off x="1436344" y="191451"/>
             <a:ext cx="7817538" cy="990306"/>
           </a:xfrm>
         </p:spPr>
         <p:txBody>
           <a:bodyPr>
-            <a:normAutofit/>
+            <a:normAutofit fontScale="90000"/>
           </a:bodyPr>
           <a:lstStyle/>
           <a:p>
@@ -17608,16 +17608,55 @@
               <a:rPr lang="it-IT" sz="4400" dirty="0" err="1"/>
               <a:t>Benchmarks</a:t>
             </a:r>
+            <a:r>
+              <a:rPr lang="it-IT" sz="4400" dirty="0"/>
+              <a:t> (SW)</a:t>
+            </a:r>
             <a:endParaRPr lang="it-IT" sz="3200" dirty="0"/>
+          </a:p>
+        </p:txBody>
+      </p:sp>
+      <p:sp>
+        <p:nvSpPr>
+          <p:cNvPr id="17" name="CasellaDiTesto 16">
+            <a:extLst>
+              <a:ext uri="{FF2B5EF4-FFF2-40B4-BE49-F238E27FC236}">
+                <a16:creationId xmlns:a16="http://schemas.microsoft.com/office/drawing/2014/main" id="{05B6CD06-8A53-4580-8D61-DB55C424D612}"/>
+              </a:ext>
+            </a:extLst>
+          </p:cNvPr>
+          <p:cNvSpPr txBox="1"/>
+          <p:nvPr/>
+        </p:nvSpPr>
+        <p:spPr>
+          <a:xfrm>
+            <a:off x="650877" y="6247954"/>
+            <a:ext cx="9713911" cy="353943"/>
+          </a:xfrm>
+          <a:prstGeom prst="rect">
+            <a:avLst/>
+          </a:prstGeom>
+          <a:noFill/>
+        </p:spPr>
+        <p:txBody>
+          <a:bodyPr wrap="square" rtlCol="0">
+            <a:spAutoFit/>
+          </a:bodyPr>
+          <a:lstStyle/>
+          <a:p>
+            <a:r>
+              <a:rPr lang="it-IT" sz="1700" dirty="0"/>
+              <a:t>https://handbrake.fr/docs/en/latest/technical/performance.html</a:t>
+            </a:r>
           </a:p>
         </p:txBody>
       </p:sp>
       <p:pic>
         <p:nvPicPr>
-          <p:cNvPr id="7" name="Immagine 6" descr="Immagine che contiene tavolo&#10;&#10;Descrizione generata automaticamente">
+          <p:cNvPr id="4" name="Immagine 3" descr="Immagine che contiene tavolo&#10;&#10;Descrizione generata automaticamente">
             <a:extLst>
               <a:ext uri="{FF2B5EF4-FFF2-40B4-BE49-F238E27FC236}">
-                <a16:creationId xmlns:a16="http://schemas.microsoft.com/office/drawing/2014/main" id="{386255C2-5DA3-44C4-B665-951DAD3B3B08}"/>
+                <a16:creationId xmlns:a16="http://schemas.microsoft.com/office/drawing/2014/main" id="{E5FA68BB-4BCB-40F9-9F71-903DC8526DC1}"/>
               </a:ext>
             </a:extLst>
           </p:cNvPr>
@@ -17640,53 +17679,18 @@
         </p:blipFill>
         <p:spPr>
           <a:xfrm>
-            <a:off x="997624" y="1129895"/>
-            <a:ext cx="10196752" cy="5028535"/>
+            <a:off x="650877" y="1259960"/>
+            <a:ext cx="10857473" cy="4706938"/>
           </a:xfrm>
           <a:prstGeom prst="rect">
             <a:avLst/>
           </a:prstGeom>
         </p:spPr>
       </p:pic>
-      <p:sp>
-        <p:nvSpPr>
-          <p:cNvPr id="17" name="CasellaDiTesto 16">
-            <a:extLst>
-              <a:ext uri="{FF2B5EF4-FFF2-40B4-BE49-F238E27FC236}">
-                <a16:creationId xmlns:a16="http://schemas.microsoft.com/office/drawing/2014/main" id="{05B6CD06-8A53-4580-8D61-DB55C424D612}"/>
-              </a:ext>
-            </a:extLst>
-          </p:cNvPr>
-          <p:cNvSpPr txBox="1"/>
-          <p:nvPr/>
-        </p:nvSpPr>
-        <p:spPr>
-          <a:xfrm>
-            <a:off x="924718" y="6265310"/>
-            <a:ext cx="9713911" cy="353943"/>
-          </a:xfrm>
-          <a:prstGeom prst="rect">
-            <a:avLst/>
-          </a:prstGeom>
-          <a:noFill/>
-        </p:spPr>
-        <p:txBody>
-          <a:bodyPr wrap="square" rtlCol="0">
-            <a:spAutoFit/>
-          </a:bodyPr>
-          <a:lstStyle/>
-          <a:p>
-            <a:r>
-              <a:rPr lang="it-IT" sz="1700" dirty="0"/>
-              <a:t>https://handbrake.fr/docs/en/latest/technical/performance.html</a:t>
-            </a:r>
-          </a:p>
-        </p:txBody>
-      </p:sp>
     </p:spTree>
     <p:extLst>
       <p:ext uri="{BB962C8B-B14F-4D97-AF65-F5344CB8AC3E}">
-        <p14:creationId xmlns:p14="http://schemas.microsoft.com/office/powerpoint/2010/main" val="3912147992"/>
+        <p14:creationId xmlns:p14="http://schemas.microsoft.com/office/powerpoint/2010/main" val="2824115227"/>
       </p:ext>
     </p:extLst>
   </p:cSld>
@@ -17727,7 +17731,7 @@
                                           </p:stCondLst>
                                         </p:cTn>
                                         <p:tgtEl>
-                                          <p:spTgt spid="7"/>
+                                          <p:spTgt spid="4"/>
                                         </p:tgtEl>
                                         <p:attrNameLst>
                                           <p:attrName>style.visibility</p:attrName>
@@ -17741,7 +17745,7 @@
                                       <p:cBhvr>
                                         <p:cTn id="7" dur="500"/>
                                         <p:tgtEl>
-                                          <p:spTgt spid="7"/>
+                                          <p:spTgt spid="4"/>
                                         </p:tgtEl>
                                       </p:cBhvr>
                                     </p:animEffect>
@@ -18275,91 +18279,12 @@
           </p:spPr>
         </p:sp>
       </p:grpSp>
-      <p:sp>
-        <p:nvSpPr>
-          <p:cNvPr id="2" name="Titolo 1">
+      <p:pic>
+        <p:nvPicPr>
+          <p:cNvPr id="7" name="Immagine 6" descr="Immagine che contiene tavolo&#10;&#10;Descrizione generata automaticamente">
             <a:extLst>
               <a:ext uri="{FF2B5EF4-FFF2-40B4-BE49-F238E27FC236}">
-                <a16:creationId xmlns:a16="http://schemas.microsoft.com/office/drawing/2014/main" id="{8FC44078-66EB-4CB9-B8A6-6B0170193DEE}"/>
-              </a:ext>
-            </a:extLst>
-          </p:cNvPr>
-          <p:cNvSpPr>
-            <a:spLocks noGrp="1"/>
-          </p:cNvSpPr>
-          <p:nvPr>
-            <p:ph type="title"/>
-          </p:nvPr>
-        </p:nvSpPr>
-        <p:spPr>
-          <a:xfrm>
-            <a:off x="2617442" y="103356"/>
-            <a:ext cx="7817538" cy="990306"/>
-          </a:xfrm>
-        </p:spPr>
-        <p:txBody>
-          <a:bodyPr>
-            <a:normAutofit/>
-          </a:bodyPr>
-          <a:lstStyle/>
-          <a:p>
-            <a:r>
-              <a:rPr lang="it-IT" sz="4400" dirty="0" err="1"/>
-              <a:t>HandBrake</a:t>
-            </a:r>
-            <a:r>
-              <a:rPr lang="it-IT" sz="4400" dirty="0"/>
-              <a:t> Self </a:t>
-            </a:r>
-            <a:r>
-              <a:rPr lang="it-IT" sz="4400" dirty="0" err="1"/>
-              <a:t>Benchmarks</a:t>
-            </a:r>
-            <a:endParaRPr lang="it-IT" sz="3200" dirty="0"/>
-          </a:p>
-        </p:txBody>
-      </p:sp>
-      <p:sp>
-        <p:nvSpPr>
-          <p:cNvPr id="17" name="CasellaDiTesto 16">
-            <a:extLst>
-              <a:ext uri="{FF2B5EF4-FFF2-40B4-BE49-F238E27FC236}">
-                <a16:creationId xmlns:a16="http://schemas.microsoft.com/office/drawing/2014/main" id="{05B6CD06-8A53-4580-8D61-DB55C424D612}"/>
-              </a:ext>
-            </a:extLst>
-          </p:cNvPr>
-          <p:cNvSpPr txBox="1"/>
-          <p:nvPr/>
-        </p:nvSpPr>
-        <p:spPr>
-          <a:xfrm>
-            <a:off x="650877" y="6247954"/>
-            <a:ext cx="9713911" cy="353943"/>
-          </a:xfrm>
-          <a:prstGeom prst="rect">
-            <a:avLst/>
-          </a:prstGeom>
-          <a:noFill/>
-        </p:spPr>
-        <p:txBody>
-          <a:bodyPr wrap="square" rtlCol="0">
-            <a:spAutoFit/>
-          </a:bodyPr>
-          <a:lstStyle/>
-          <a:p>
-            <a:r>
-              <a:rPr lang="it-IT" sz="1700" dirty="0"/>
-              <a:t>https://handbrake.fr/docs/en/latest/technical/performance.html</a:t>
-            </a:r>
-          </a:p>
-        </p:txBody>
-      </p:sp>
-      <p:pic>
-        <p:nvPicPr>
-          <p:cNvPr id="4" name="Immagine 3" descr="Immagine che contiene tavolo&#10;&#10;Descrizione generata automaticamente">
-            <a:extLst>
-              <a:ext uri="{FF2B5EF4-FFF2-40B4-BE49-F238E27FC236}">
-                <a16:creationId xmlns:a16="http://schemas.microsoft.com/office/drawing/2014/main" id="{E5FA68BB-4BCB-40F9-9F71-903DC8526DC1}"/>
+                <a16:creationId xmlns:a16="http://schemas.microsoft.com/office/drawing/2014/main" id="{386255C2-5DA3-44C4-B665-951DAD3B3B08}"/>
               </a:ext>
             </a:extLst>
           </p:cNvPr>
@@ -18382,18 +18307,232 @@
         </p:blipFill>
         <p:spPr>
           <a:xfrm>
-            <a:off x="650877" y="1259960"/>
-            <a:ext cx="10857473" cy="4706938"/>
+            <a:off x="997624" y="1129895"/>
+            <a:ext cx="10196752" cy="5028535"/>
           </a:xfrm>
           <a:prstGeom prst="rect">
             <a:avLst/>
           </a:prstGeom>
         </p:spPr>
       </p:pic>
+      <p:sp>
+        <p:nvSpPr>
+          <p:cNvPr id="17" name="CasellaDiTesto 16">
+            <a:extLst>
+              <a:ext uri="{FF2B5EF4-FFF2-40B4-BE49-F238E27FC236}">
+                <a16:creationId xmlns:a16="http://schemas.microsoft.com/office/drawing/2014/main" id="{05B6CD06-8A53-4580-8D61-DB55C424D612}"/>
+              </a:ext>
+            </a:extLst>
+          </p:cNvPr>
+          <p:cNvSpPr txBox="1"/>
+          <p:nvPr/>
+        </p:nvSpPr>
+        <p:spPr>
+          <a:xfrm>
+            <a:off x="924718" y="6265310"/>
+            <a:ext cx="9713911" cy="353943"/>
+          </a:xfrm>
+          <a:prstGeom prst="rect">
+            <a:avLst/>
+          </a:prstGeom>
+          <a:noFill/>
+        </p:spPr>
+        <p:txBody>
+          <a:bodyPr wrap="square" rtlCol="0">
+            <a:spAutoFit/>
+          </a:bodyPr>
+          <a:lstStyle/>
+          <a:p>
+            <a:r>
+              <a:rPr lang="it-IT" sz="1700" dirty="0"/>
+              <a:t>https://handbrake.fr/docs/en/latest/technical/performance.html</a:t>
+            </a:r>
+          </a:p>
+        </p:txBody>
+      </p:sp>
+      <p:sp>
+        <p:nvSpPr>
+          <p:cNvPr id="9" name="Rettangolo con angoli arrotondati 8">
+            <a:extLst>
+              <a:ext uri="{FF2B5EF4-FFF2-40B4-BE49-F238E27FC236}">
+                <a16:creationId xmlns:a16="http://schemas.microsoft.com/office/drawing/2014/main" id="{B5A34C2E-54FB-4371-9F97-F452E50F3A95}"/>
+              </a:ext>
+            </a:extLst>
+          </p:cNvPr>
+          <p:cNvSpPr/>
+          <p:nvPr/>
+        </p:nvSpPr>
+        <p:spPr>
+          <a:xfrm>
+            <a:off x="1076325" y="2579412"/>
+            <a:ext cx="10009184" cy="1071562"/>
+          </a:xfrm>
+          <a:prstGeom prst="roundRect">
+            <a:avLst>
+              <a:gd name="adj" fmla="val 33407"/>
+            </a:avLst>
+          </a:prstGeom>
+          <a:noFill/>
+          <a:ln w="38100">
+            <a:solidFill>
+              <a:srgbClr val="FF0000"/>
+            </a:solidFill>
+          </a:ln>
+        </p:spPr>
+        <p:style>
+          <a:lnRef idx="2">
+            <a:schemeClr val="accent1">
+              <a:shade val="50000"/>
+            </a:schemeClr>
+          </a:lnRef>
+          <a:fillRef idx="1">
+            <a:schemeClr val="accent1"/>
+          </a:fillRef>
+          <a:effectRef idx="0">
+            <a:schemeClr val="accent1"/>
+          </a:effectRef>
+          <a:fontRef idx="minor">
+            <a:schemeClr val="lt1"/>
+          </a:fontRef>
+        </p:style>
+        <p:txBody>
+          <a:bodyPr rtlCol="0" anchor="ctr"/>
+          <a:lstStyle/>
+          <a:p>
+            <a:pPr algn="ctr"/>
+            <a:endParaRPr lang="it-IT"/>
+          </a:p>
+        </p:txBody>
+      </p:sp>
+      <p:sp>
+        <p:nvSpPr>
+          <p:cNvPr id="21" name="Titolo 1">
+            <a:extLst>
+              <a:ext uri="{FF2B5EF4-FFF2-40B4-BE49-F238E27FC236}">
+                <a16:creationId xmlns:a16="http://schemas.microsoft.com/office/drawing/2014/main" id="{1F2D2396-8131-40C3-87AE-232C5A00278F}"/>
+              </a:ext>
+            </a:extLst>
+          </p:cNvPr>
+          <p:cNvSpPr txBox="1">
+            <a:spLocks/>
+          </p:cNvSpPr>
+          <p:nvPr/>
+        </p:nvSpPr>
+        <p:spPr>
+          <a:xfrm>
+            <a:off x="1783660" y="137208"/>
+            <a:ext cx="7817538" cy="990306"/>
+          </a:xfrm>
+          <a:prstGeom prst="rect">
+            <a:avLst/>
+          </a:prstGeom>
+          <a:effectLst/>
+        </p:spPr>
+        <p:txBody>
+          <a:bodyPr vert="horz" lIns="91440" tIns="45720" rIns="91440" bIns="45720" rtlCol="0" anchor="ctr">
+            <a:normAutofit fontScale="97500"/>
+          </a:bodyPr>
+          <a:lstStyle>
+            <a:lvl1pPr algn="ctr" defTabSz="457200" rtl="0" eaLnBrk="1" latinLnBrk="0" hangingPunct="1">
+              <a:spcBef>
+                <a:spcPct val="0"/>
+              </a:spcBef>
+              <a:buNone/>
+              <a:defRPr sz="4000" kern="1200" cap="none">
+                <a:ln w="3175" cmpd="sng">
+                  <a:noFill/>
+                </a:ln>
+                <a:solidFill>
+                  <a:schemeClr val="tx1"/>
+                </a:solidFill>
+                <a:effectLst/>
+                <a:latin typeface="+mj-lt"/>
+                <a:ea typeface="+mj-ea"/>
+                <a:cs typeface="+mj-cs"/>
+              </a:defRPr>
+            </a:lvl1pPr>
+            <a:lvl2pPr eaLnBrk="1" hangingPunct="1">
+              <a:defRPr>
+                <a:solidFill>
+                  <a:schemeClr val="tx2"/>
+                </a:solidFill>
+              </a:defRPr>
+            </a:lvl2pPr>
+            <a:lvl3pPr eaLnBrk="1" hangingPunct="1">
+              <a:defRPr>
+                <a:solidFill>
+                  <a:schemeClr val="tx2"/>
+                </a:solidFill>
+              </a:defRPr>
+            </a:lvl3pPr>
+            <a:lvl4pPr eaLnBrk="1" hangingPunct="1">
+              <a:defRPr>
+                <a:solidFill>
+                  <a:schemeClr val="tx2"/>
+                </a:solidFill>
+              </a:defRPr>
+            </a:lvl4pPr>
+            <a:lvl5pPr eaLnBrk="1" hangingPunct="1">
+              <a:defRPr>
+                <a:solidFill>
+                  <a:schemeClr val="tx2"/>
+                </a:solidFill>
+              </a:defRPr>
+            </a:lvl5pPr>
+            <a:lvl6pPr eaLnBrk="1" hangingPunct="1">
+              <a:defRPr>
+                <a:solidFill>
+                  <a:schemeClr val="tx2"/>
+                </a:solidFill>
+              </a:defRPr>
+            </a:lvl6pPr>
+            <a:lvl7pPr eaLnBrk="1" hangingPunct="1">
+              <a:defRPr>
+                <a:solidFill>
+                  <a:schemeClr val="tx2"/>
+                </a:solidFill>
+              </a:defRPr>
+            </a:lvl7pPr>
+            <a:lvl8pPr eaLnBrk="1" hangingPunct="1">
+              <a:defRPr>
+                <a:solidFill>
+                  <a:schemeClr val="tx2"/>
+                </a:solidFill>
+              </a:defRPr>
+            </a:lvl8pPr>
+            <a:lvl9pPr eaLnBrk="1" hangingPunct="1">
+              <a:defRPr>
+                <a:solidFill>
+                  <a:schemeClr val="tx2"/>
+                </a:solidFill>
+              </a:defRPr>
+            </a:lvl9pPr>
+          </a:lstStyle>
+          <a:p>
+            <a:r>
+              <a:rPr lang="it-IT" sz="4400" dirty="0" err="1"/>
+              <a:t>HandBrake</a:t>
+            </a:r>
+            <a:r>
+              <a:rPr lang="it-IT" sz="4400" dirty="0"/>
+              <a:t> Self </a:t>
+            </a:r>
+            <a:r>
+              <a:rPr lang="it-IT" sz="4400" dirty="0" err="1"/>
+              <a:t>Benchmarks</a:t>
+            </a:r>
+            <a:r>
+              <a:rPr lang="it-IT" sz="4400" dirty="0"/>
+              <a:t> (SW)</a:t>
+            </a:r>
+            <a:endParaRPr lang="it-IT" sz="3200" dirty="0"/>
+          </a:p>
+        </p:txBody>
+      </p:sp>
     </p:spTree>
     <p:extLst>
       <p:ext uri="{BB962C8B-B14F-4D97-AF65-F5344CB8AC3E}">
-        <p14:creationId xmlns:p14="http://schemas.microsoft.com/office/powerpoint/2010/main" val="2824115227"/>
+        <p14:creationId xmlns:p14="http://schemas.microsoft.com/office/powerpoint/2010/main" val="3912147992"/>
       </p:ext>
     </p:extLst>
   </p:cSld>
@@ -18434,7 +18573,7 @@
                                           </p:stCondLst>
                                         </p:cTn>
                                         <p:tgtEl>
-                                          <p:spTgt spid="4"/>
+                                          <p:spTgt spid="7"/>
                                         </p:tgtEl>
                                         <p:attrNameLst>
                                           <p:attrName>style.visibility</p:attrName>
@@ -18448,7 +18587,7 @@
                                       <p:cBhvr>
                                         <p:cTn id="7" dur="500"/>
                                         <p:tgtEl>
-                                          <p:spTgt spid="4"/>
+                                          <p:spTgt spid="7"/>
                                         </p:tgtEl>
                                       </p:cBhvr>
                                     </p:animEffect>
@@ -20735,7 +20874,7 @@
         </p:nvSpPr>
         <p:spPr>
           <a:xfrm>
-            <a:off x="2455173" y="200568"/>
+            <a:off x="1783660" y="200568"/>
             <a:ext cx="7817538" cy="990306"/>
           </a:xfrm>
         </p:spPr>
@@ -20780,13 +20919,13 @@
           <p:nvPr>
             <p:extLst>
               <p:ext uri="{D42A27DB-BD31-4B8C-83A1-F6EECF244321}">
-                <p14:modId xmlns:p14="http://schemas.microsoft.com/office/powerpoint/2010/main" val="1289749427"/>
+                <p14:modId xmlns:p14="http://schemas.microsoft.com/office/powerpoint/2010/main" val="2372270765"/>
               </p:ext>
             </p:extLst>
           </p:nvPr>
         </p:nvGraphicFramePr>
         <p:xfrm>
-          <a:off x="1089027" y="1391442"/>
+          <a:off x="1014414" y="1190874"/>
           <a:ext cx="10009184" cy="5122623"/>
         </p:xfrm>
         <a:graphic>
@@ -21410,7 +21549,7 @@
         </p:nvSpPr>
         <p:spPr>
           <a:xfrm>
-            <a:off x="2617442" y="128051"/>
+            <a:off x="1625704" y="96938"/>
             <a:ext cx="7817538" cy="990306"/>
           </a:xfrm>
         </p:spPr>
@@ -23136,8 +23275,8 @@
         </p:nvSpPr>
         <p:spPr>
           <a:xfrm>
-            <a:off x="174627" y="1294885"/>
-            <a:ext cx="9213844" cy="5138798"/>
+            <a:off x="165100" y="1101068"/>
+            <a:ext cx="8295879" cy="1219195"/>
           </a:xfrm>
           <a:prstGeom prst="rect">
             <a:avLst/>
@@ -23176,80 +23315,6 @@
               <a:t>Output size gets bigger with faster presets (less optimized encoding)</a:t>
             </a:r>
           </a:p>
-          <a:p>
-            <a:pPr marL="1028700" lvl="1" indent="-571500" defTabSz="457200">
-              <a:lnSpc>
-                <a:spcPct val="120000"/>
-              </a:lnSpc>
-              <a:spcBef>
-                <a:spcPct val="20000"/>
-              </a:spcBef>
-              <a:spcAft>
-                <a:spcPts val="600"/>
-              </a:spcAft>
-              <a:buClr>
-                <a:schemeClr val="accent1">
-                  <a:lumMod val="75000"/>
-                </a:schemeClr>
-              </a:buClr>
-              <a:buSzPct val="145000"/>
-              <a:buFont typeface="Arial"/>
-              <a:buChar char="•"/>
-            </a:pPr>
-            <a:r>
-              <a:rPr lang="en-US" sz="3000" i="1" dirty="0"/>
-              <a:t>Faster</a:t>
-            </a:r>
-            <a:r>
-              <a:rPr lang="en-US" sz="3000" dirty="0"/>
-              <a:t> and </a:t>
-            </a:r>
-            <a:r>
-              <a:rPr lang="en-US" sz="3000" i="1" dirty="0"/>
-              <a:t>very fast </a:t>
-            </a:r>
-            <a:r>
-              <a:rPr lang="en-US" sz="3000" dirty="0"/>
-              <a:t>presets are </a:t>
-            </a:r>
-            <a:r>
-              <a:rPr lang="en-US" sz="3000" b="1" dirty="0">
-                <a:solidFill>
-                  <a:srgbClr val="9900CC"/>
-                </a:solidFill>
-              </a:rPr>
-              <a:t>outliers</a:t>
-            </a:r>
-            <a:r>
-              <a:rPr lang="en-US" sz="3000" dirty="0"/>
-              <a:t> (as also reported in the documentation): lower time and lower size at the same time</a:t>
-            </a:r>
-          </a:p>
-          <a:p>
-            <a:pPr marL="1028700" lvl="1" indent="-571500" defTabSz="457200">
-              <a:lnSpc>
-                <a:spcPct val="120000"/>
-              </a:lnSpc>
-              <a:spcBef>
-                <a:spcPct val="20000"/>
-              </a:spcBef>
-              <a:spcAft>
-                <a:spcPts val="600"/>
-              </a:spcAft>
-              <a:buClr>
-                <a:schemeClr val="accent1">
-                  <a:lumMod val="75000"/>
-                </a:schemeClr>
-              </a:buClr>
-              <a:buSzPct val="145000"/>
-              <a:buFont typeface="Arial"/>
-              <a:buChar char="•"/>
-            </a:pPr>
-            <a:r>
-              <a:rPr lang="en-US" sz="3200" dirty="0"/>
-              <a:t>HW encoding is capable of obtaining good average result with some limit cases                (San Andreas)</a:t>
-            </a:r>
-          </a:p>
         </p:txBody>
       </p:sp>
       <p:sp>
@@ -23266,7 +23331,7 @@
         </p:nvSpPr>
         <p:spPr>
           <a:xfrm>
-            <a:off x="651669" y="392588"/>
+            <a:off x="492521" y="356549"/>
             <a:ext cx="8578056" cy="615553"/>
           </a:xfrm>
           <a:prstGeom prst="rect">
@@ -23347,7 +23412,7 @@
         </p:blipFill>
         <p:spPr>
           <a:xfrm>
-            <a:off x="9104312" y="106628"/>
+            <a:off x="8899129" y="227583"/>
             <a:ext cx="1219195" cy="1219195"/>
           </a:xfrm>
           <a:prstGeom prst="rect">
@@ -23386,8 +23451,8 @@
         </p:blipFill>
         <p:spPr>
           <a:xfrm>
-            <a:off x="8931271" y="2782888"/>
-            <a:ext cx="771529" cy="771529"/>
+            <a:off x="9020168" y="2657471"/>
+            <a:ext cx="835028" cy="835028"/>
           </a:xfrm>
           <a:prstGeom prst="rect">
             <a:avLst/>
@@ -23425,14 +23490,122 @@
         </p:blipFill>
         <p:spPr>
           <a:xfrm>
-            <a:off x="3867149" y="5488782"/>
-            <a:ext cx="914400" cy="914400"/>
+            <a:off x="3867148" y="5488781"/>
+            <a:ext cx="1073151" cy="1073151"/>
           </a:xfrm>
           <a:prstGeom prst="rect">
             <a:avLst/>
           </a:prstGeom>
         </p:spPr>
       </p:pic>
+      <p:sp>
+        <p:nvSpPr>
+          <p:cNvPr id="18" name="CasellaDiTesto 17">
+            <a:extLst>
+              <a:ext uri="{FF2B5EF4-FFF2-40B4-BE49-F238E27FC236}">
+                <a16:creationId xmlns:a16="http://schemas.microsoft.com/office/drawing/2014/main" id="{E5C580A7-5E5F-4B8F-B7CA-E521994D23C9}"/>
+              </a:ext>
+            </a:extLst>
+          </p:cNvPr>
+          <p:cNvSpPr txBox="1"/>
+          <p:nvPr/>
+        </p:nvSpPr>
+        <p:spPr>
+          <a:xfrm>
+            <a:off x="165101" y="2448336"/>
+            <a:ext cx="9436097" cy="1717393"/>
+          </a:xfrm>
+          <a:prstGeom prst="rect">
+            <a:avLst/>
+          </a:prstGeom>
+          <a:noFill/>
+        </p:spPr>
+        <p:txBody>
+          <a:bodyPr wrap="square">
+            <a:spAutoFit/>
+          </a:bodyPr>
+          <a:lstStyle/>
+          <a:p>
+            <a:pPr marL="1028700" lvl="1" indent="-571500" defTabSz="457200">
+              <a:lnSpc>
+                <a:spcPct val="120000"/>
+              </a:lnSpc>
+              <a:spcBef>
+                <a:spcPct val="20000"/>
+              </a:spcBef>
+              <a:spcAft>
+                <a:spcPts val="600"/>
+              </a:spcAft>
+              <a:buClr>
+                <a:schemeClr val="accent1">
+                  <a:lumMod val="75000"/>
+                </a:schemeClr>
+              </a:buClr>
+              <a:buSzPct val="145000"/>
+              <a:buFont typeface="Arial"/>
+              <a:buChar char="•"/>
+            </a:pPr>
+            <a:r>
+              <a:rPr lang="en-US" sz="3000" dirty="0"/>
+              <a:t>Faster and very fast presets are outliers (as also reported in the documentation): lower time and lower size at the same time</a:t>
+            </a:r>
+          </a:p>
+        </p:txBody>
+      </p:sp>
+      <p:sp>
+        <p:nvSpPr>
+          <p:cNvPr id="19" name="CasellaDiTesto 18">
+            <a:extLst>
+              <a:ext uri="{FF2B5EF4-FFF2-40B4-BE49-F238E27FC236}">
+                <a16:creationId xmlns:a16="http://schemas.microsoft.com/office/drawing/2014/main" id="{C8771B45-3709-4911-9AEE-4C67DC15DA53}"/>
+              </a:ext>
+            </a:extLst>
+          </p:cNvPr>
+          <p:cNvSpPr txBox="1"/>
+          <p:nvPr/>
+        </p:nvSpPr>
+        <p:spPr>
+          <a:xfrm>
+            <a:off x="165100" y="4443117"/>
+            <a:ext cx="8458200" cy="1717393"/>
+          </a:xfrm>
+          <a:prstGeom prst="rect">
+            <a:avLst/>
+          </a:prstGeom>
+          <a:noFill/>
+        </p:spPr>
+        <p:txBody>
+          <a:bodyPr wrap="square">
+            <a:spAutoFit/>
+          </a:bodyPr>
+          <a:lstStyle/>
+          <a:p>
+            <a:pPr marL="1028700" lvl="1" indent="-571500" defTabSz="457200">
+              <a:lnSpc>
+                <a:spcPct val="120000"/>
+              </a:lnSpc>
+              <a:spcBef>
+                <a:spcPct val="20000"/>
+              </a:spcBef>
+              <a:spcAft>
+                <a:spcPts val="600"/>
+              </a:spcAft>
+              <a:buClr>
+                <a:schemeClr val="accent1">
+                  <a:lumMod val="75000"/>
+                </a:schemeClr>
+              </a:buClr>
+              <a:buSzPct val="145000"/>
+              <a:buFont typeface="Arial"/>
+              <a:buChar char="•"/>
+            </a:pPr>
+            <a:r>
+              <a:rPr lang="en-US" sz="3000" dirty="0"/>
+              <a:t>HW encoding is capable of obtaining good average result with some limit cases                (San Andreas)</a:t>
+            </a:r>
+          </a:p>
+        </p:txBody>
+      </p:sp>
     </p:spTree>
     <p:extLst>
       <p:ext uri="{BB962C8B-B14F-4D97-AF65-F5344CB8AC3E}">
@@ -23538,11 +23711,7 @@
                                           </p:stCondLst>
                                         </p:cTn>
                                         <p:tgtEl>
-                                          <p:spTgt spid="17">
-                                            <p:txEl>
-                                              <p:pRg st="1" end="1"/>
-                                            </p:txEl>
-                                          </p:spTgt>
+                                          <p:spTgt spid="18"/>
                                         </p:tgtEl>
                                         <p:attrNameLst>
                                           <p:attrName>style.visibility</p:attrName>
@@ -23556,11 +23725,7 @@
                                       <p:cBhvr>
                                         <p:cTn id="12" dur="500"/>
                                         <p:tgtEl>
-                                          <p:spTgt spid="17">
-                                            <p:txEl>
-                                              <p:pRg st="1" end="1"/>
-                                            </p:txEl>
-                                          </p:spTgt>
+                                          <p:spTgt spid="18"/>
                                         </p:tgtEl>
                                       </p:cBhvr>
                                     </p:animEffect>
@@ -23568,7 +23733,7 @@
                                 </p:cTn>
                               </p:par>
                               <p:par>
-                                <p:cTn id="13" presetID="10" presetClass="entr" presetSubtype="0" fill="hold" grpId="0" nodeType="withEffect">
+                                <p:cTn id="13" presetID="10" presetClass="entr" presetSubtype="0" fill="hold" nodeType="withEffect">
                                   <p:stCondLst>
                                     <p:cond delay="0"/>
                                   </p:stCondLst>
@@ -23581,11 +23746,7 @@
                                           </p:stCondLst>
                                         </p:cTn>
                                         <p:tgtEl>
-                                          <p:spTgt spid="17">
-                                            <p:txEl>
-                                              <p:pRg st="2" end="2"/>
-                                            </p:txEl>
-                                          </p:spTgt>
+                                          <p:spTgt spid="5"/>
                                         </p:tgtEl>
                                         <p:attrNameLst>
                                           <p:attrName>style.visibility</p:attrName>
@@ -23599,11 +23760,95 @@
                                       <p:cBhvr>
                                         <p:cTn id="15" dur="500"/>
                                         <p:tgtEl>
-                                          <p:spTgt spid="17">
-                                            <p:txEl>
-                                              <p:pRg st="2" end="2"/>
-                                            </p:txEl>
-                                          </p:spTgt>
+                                          <p:spTgt spid="5"/>
+                                        </p:tgtEl>
+                                      </p:cBhvr>
+                                    </p:animEffect>
+                                  </p:childTnLst>
+                                </p:cTn>
+                              </p:par>
+                            </p:childTnLst>
+                          </p:cTn>
+                        </p:par>
+                      </p:childTnLst>
+                    </p:cTn>
+                  </p:par>
+                  <p:par>
+                    <p:cTn id="16" fill="hold">
+                      <p:stCondLst>
+                        <p:cond delay="indefinite"/>
+                      </p:stCondLst>
+                      <p:childTnLst>
+                        <p:par>
+                          <p:cTn id="17" fill="hold">
+                            <p:stCondLst>
+                              <p:cond delay="0"/>
+                            </p:stCondLst>
+                            <p:childTnLst>
+                              <p:par>
+                                <p:cTn id="18" presetID="10" presetClass="entr" presetSubtype="0" fill="hold" nodeType="clickEffect">
+                                  <p:stCondLst>
+                                    <p:cond delay="0"/>
+                                  </p:stCondLst>
+                                  <p:childTnLst>
+                                    <p:set>
+                                      <p:cBhvr>
+                                        <p:cTn id="19" dur="1" fill="hold">
+                                          <p:stCondLst>
+                                            <p:cond delay="0"/>
+                                          </p:stCondLst>
+                                        </p:cTn>
+                                        <p:tgtEl>
+                                          <p:spTgt spid="7"/>
+                                        </p:tgtEl>
+                                        <p:attrNameLst>
+                                          <p:attrName>style.visibility</p:attrName>
+                                        </p:attrNameLst>
+                                      </p:cBhvr>
+                                      <p:to>
+                                        <p:strVal val="visible"/>
+                                      </p:to>
+                                    </p:set>
+                                    <p:animEffect transition="in" filter="fade">
+                                      <p:cBhvr>
+                                        <p:cTn id="20" dur="500"/>
+                                        <p:tgtEl>
+                                          <p:spTgt spid="7"/>
+                                        </p:tgtEl>
+                                      </p:cBhvr>
+                                    </p:animEffect>
+                                  </p:childTnLst>
+                                </p:cTn>
+                              </p:par>
+                              <p:par>
+                                <p:cTn id="21" presetID="10" presetClass="entr" presetSubtype="0" fill="hold" grpId="0" nodeType="withEffect">
+                                  <p:stCondLst>
+                                    <p:cond delay="0"/>
+                                  </p:stCondLst>
+                                  <p:childTnLst>
+                                    <p:set>
+                                      <p:cBhvr>
+                                        <p:cTn id="22" dur="1" fill="hold">
+                                          <p:stCondLst>
+                                            <p:cond delay="0"/>
+                                          </p:stCondLst>
+                                        </p:cTn>
+                                        <p:tgtEl>
+                                          <p:spTgt spid="19"/>
+                                        </p:tgtEl>
+                                        <p:attrNameLst>
+                                          <p:attrName>style.visibility</p:attrName>
+                                        </p:attrNameLst>
+                                      </p:cBhvr>
+                                      <p:to>
+                                        <p:strVal val="visible"/>
+                                      </p:to>
+                                    </p:set>
+                                    <p:animEffect transition="in" filter="fade">
+                                      <p:cBhvr>
+                                        <p:cTn id="23" dur="500"/>
+                                        <p:tgtEl>
+                                          <p:spTgt spid="19"/>
                                         </p:tgtEl>
                                       </p:cBhvr>
                                     </p:animEffect>
@@ -23639,6 +23884,8 @@
     </p:tnLst>
     <p:bldLst>
       <p:bldP spid="17" grpId="0" uiExpand="1" build="p"/>
+      <p:bldP spid="18" grpId="0"/>
+      <p:bldP spid="19" grpId="0"/>
     </p:bldLst>
   </p:timing>
 </p:sld>
@@ -24504,15 +24751,33 @@
                                   </p:childTnLst>
                                 </p:cTn>
                               </p:par>
+                            </p:childTnLst>
+                          </p:cTn>
+                        </p:par>
+                      </p:childTnLst>
+                    </p:cTn>
+                  </p:par>
+                  <p:par>
+                    <p:cTn id="13" fill="hold">
+                      <p:stCondLst>
+                        <p:cond delay="indefinite"/>
+                      </p:stCondLst>
+                      <p:childTnLst>
+                        <p:par>
+                          <p:cTn id="14" fill="hold">
+                            <p:stCondLst>
+                              <p:cond delay="0"/>
+                            </p:stCondLst>
+                            <p:childTnLst>
                               <p:par>
-                                <p:cTn id="13" presetID="10" presetClass="entr" presetSubtype="0" fill="hold" grpId="0" nodeType="withEffect">
+                                <p:cTn id="15" presetID="10" presetClass="entr" presetSubtype="0" fill="hold" nodeType="clickEffect">
                                   <p:stCondLst>
                                     <p:cond delay="0"/>
                                   </p:stCondLst>
                                   <p:childTnLst>
                                     <p:set>
                                       <p:cBhvr>
-                                        <p:cTn id="14" dur="1" fill="hold">
+                                        <p:cTn id="16" dur="1" fill="hold">
                                           <p:stCondLst>
                                             <p:cond delay="0"/>
                                           </p:stCondLst>
@@ -24534,7 +24799,7 @@
                                     </p:set>
                                     <p:animEffect transition="in" filter="fade">
                                       <p:cBhvr>
-                                        <p:cTn id="15" dur="500"/>
+                                        <p:cTn id="17" dur="500"/>
                                         <p:tgtEl>
                                           <p:spTgt spid="17">
                                             <p:txEl>
@@ -24547,15 +24812,33 @@
                                   </p:childTnLst>
                                 </p:cTn>
                               </p:par>
+                            </p:childTnLst>
+                          </p:cTn>
+                        </p:par>
+                      </p:childTnLst>
+                    </p:cTn>
+                  </p:par>
+                  <p:par>
+                    <p:cTn id="18" fill="hold">
+                      <p:stCondLst>
+                        <p:cond delay="indefinite"/>
+                      </p:stCondLst>
+                      <p:childTnLst>
+                        <p:par>
+                          <p:cTn id="19" fill="hold">
+                            <p:stCondLst>
+                              <p:cond delay="0"/>
+                            </p:stCondLst>
+                            <p:childTnLst>
                               <p:par>
-                                <p:cTn id="16" presetID="10" presetClass="entr" presetSubtype="0" fill="hold" grpId="0" nodeType="withEffect">
+                                <p:cTn id="20" presetID="10" presetClass="entr" presetSubtype="0" fill="hold" nodeType="clickEffect">
                                   <p:stCondLst>
                                     <p:cond delay="0"/>
                                   </p:stCondLst>
                                   <p:childTnLst>
                                     <p:set>
                                       <p:cBhvr>
-                                        <p:cTn id="17" dur="1" fill="hold">
+                                        <p:cTn id="21" dur="1" fill="hold">
                                           <p:stCondLst>
                                             <p:cond delay="0"/>
                                           </p:stCondLst>
@@ -24577,7 +24860,7 @@
                                     </p:set>
                                     <p:animEffect transition="in" filter="fade">
                                       <p:cBhvr>
-                                        <p:cTn id="18" dur="500"/>
+                                        <p:cTn id="22" dur="500"/>
                                         <p:tgtEl>
                                           <p:spTgt spid="17">
                                             <p:txEl>
@@ -25996,8 +26279,8 @@
         </p:nvSpPr>
         <p:spPr>
           <a:xfrm>
-            <a:off x="970586" y="374262"/>
-            <a:ext cx="7697902" cy="769441"/>
+            <a:off x="970585" y="374262"/>
+            <a:ext cx="8417885" cy="769441"/>
           </a:xfrm>
           <a:prstGeom prst="rect">
             <a:avLst/>
@@ -26164,7 +26447,7 @@
                             </p:stCondLst>
                             <p:childTnLst>
                               <p:par>
-                                <p:cTn id="5" presetID="10" presetClass="entr" presetSubtype="0" fill="hold" grpId="0" nodeType="clickEffect">
+                                <p:cTn id="5" presetID="10" presetClass="entr" presetSubtype="0" fill="hold" nodeType="clickEffect">
                                   <p:stCondLst>
                                     <p:cond delay="0"/>
                                   </p:stCondLst>
@@ -26172,49 +26455,6 @@
                                     <p:set>
                                       <p:cBhvr>
                                         <p:cTn id="6" dur="1" fill="hold">
-                                          <p:stCondLst>
-                                            <p:cond delay="0"/>
-                                          </p:stCondLst>
-                                        </p:cTn>
-                                        <p:tgtEl>
-                                          <p:spTgt spid="17">
-                                            <p:txEl>
-                                              <p:pRg st="0" end="0"/>
-                                            </p:txEl>
-                                          </p:spTgt>
-                                        </p:tgtEl>
-                                        <p:attrNameLst>
-                                          <p:attrName>style.visibility</p:attrName>
-                                        </p:attrNameLst>
-                                      </p:cBhvr>
-                                      <p:to>
-                                        <p:strVal val="visible"/>
-                                      </p:to>
-                                    </p:set>
-                                    <p:animEffect transition="in" filter="fade">
-                                      <p:cBhvr>
-                                        <p:cTn id="7" dur="500"/>
-                                        <p:tgtEl>
-                                          <p:spTgt spid="17">
-                                            <p:txEl>
-                                              <p:pRg st="0" end="0"/>
-                                            </p:txEl>
-                                          </p:spTgt>
-                                        </p:tgtEl>
-                                      </p:cBhvr>
-                                    </p:animEffect>
-                                  </p:childTnLst>
-                                </p:cTn>
-                              </p:par>
-                              <p:par>
-                                <p:cTn id="8" presetID="10" presetClass="entr" presetSubtype="0" fill="hold" grpId="0" nodeType="withEffect">
-                                  <p:stCondLst>
-                                    <p:cond delay="0"/>
-                                  </p:stCondLst>
-                                  <p:childTnLst>
-                                    <p:set>
-                                      <p:cBhvr>
-                                        <p:cTn id="9" dur="1" fill="hold">
                                           <p:stCondLst>
                                             <p:cond delay="0"/>
                                           </p:stCondLst>
@@ -26236,13 +26476,101 @@
                                     </p:set>
                                     <p:animEffect transition="in" filter="fade">
                                       <p:cBhvr>
-                                        <p:cTn id="10" dur="500"/>
+                                        <p:cTn id="7" dur="500"/>
                                         <p:tgtEl>
                                           <p:spTgt spid="17">
                                             <p:txEl>
                                               <p:pRg st="1" end="1"/>
                                             </p:txEl>
                                           </p:spTgt>
+                                        </p:tgtEl>
+                                      </p:cBhvr>
+                                    </p:animEffect>
+                                  </p:childTnLst>
+                                </p:cTn>
+                              </p:par>
+                            </p:childTnLst>
+                          </p:cTn>
+                        </p:par>
+                      </p:childTnLst>
+                    </p:cTn>
+                  </p:par>
+                  <p:par>
+                    <p:cTn id="8" fill="hold">
+                      <p:stCondLst>
+                        <p:cond delay="indefinite"/>
+                      </p:stCondLst>
+                      <p:childTnLst>
+                        <p:par>
+                          <p:cTn id="9" fill="hold">
+                            <p:stCondLst>
+                              <p:cond delay="0"/>
+                            </p:stCondLst>
+                            <p:childTnLst>
+                              <p:par>
+                                <p:cTn id="10" presetID="10" presetClass="entr" presetSubtype="0" fill="hold" grpId="0" nodeType="clickEffect">
+                                  <p:stCondLst>
+                                    <p:cond delay="0"/>
+                                  </p:stCondLst>
+                                  <p:childTnLst>
+                                    <p:set>
+                                      <p:cBhvr>
+                                        <p:cTn id="11" dur="1" fill="hold">
+                                          <p:stCondLst>
+                                            <p:cond delay="0"/>
+                                          </p:stCondLst>
+                                        </p:cTn>
+                                        <p:tgtEl>
+                                          <p:spTgt spid="19"/>
+                                        </p:tgtEl>
+                                        <p:attrNameLst>
+                                          <p:attrName>style.visibility</p:attrName>
+                                        </p:attrNameLst>
+                                      </p:cBhvr>
+                                      <p:to>
+                                        <p:strVal val="visible"/>
+                                      </p:to>
+                                    </p:set>
+                                    <p:animEffect transition="in" filter="fade">
+                                      <p:cBhvr>
+                                        <p:cTn id="12" dur="500"/>
+                                        <p:tgtEl>
+                                          <p:spTgt spid="19"/>
+                                        </p:tgtEl>
+                                      </p:cBhvr>
+                                    </p:animEffect>
+                                  </p:childTnLst>
+                                </p:cTn>
+                              </p:par>
+                              <p:par>
+                                <p:cTn id="13" presetID="10" presetClass="entr" presetSubtype="0" fill="hold" nodeType="withEffect">
+                                  <p:stCondLst>
+                                    <p:cond delay="0"/>
+                                  </p:stCondLst>
+                                  <p:childTnLst>
+                                    <p:set>
+                                      <p:cBhvr>
+                                        <p:cTn id="14" dur="1" fill="hold">
+                                          <p:stCondLst>
+                                            <p:cond delay="0"/>
+                                          </p:stCondLst>
+                                        </p:cTn>
+                                        <p:tgtEl>
+                                          <p:spTgt spid="5"/>
+                                        </p:tgtEl>
+                                        <p:attrNameLst>
+                                          <p:attrName>style.visibility</p:attrName>
+                                        </p:attrNameLst>
+                                      </p:cBhvr>
+                                      <p:to>
+                                        <p:strVal val="visible"/>
+                                      </p:to>
+                                    </p:set>
+                                    <p:animEffect transition="in" filter="fade">
+                                      <p:cBhvr>
+                                        <p:cTn id="15" dur="500"/>
+                                        <p:tgtEl>
+                                          <p:spTgt spid="5"/>
                                         </p:tgtEl>
                                       </p:cBhvr>
                                     </p:animEffect>
@@ -26277,7 +26605,7 @@
       </p:par>
     </p:tnLst>
     <p:bldLst>
-      <p:bldP spid="17" grpId="0" uiExpand="1" build="p"/>
+      <p:bldP spid="19" grpId="0"/>
     </p:bldLst>
   </p:timing>
 </p:sld>
@@ -26793,8 +27121,8 @@
         </p:nvSpPr>
         <p:spPr>
           <a:xfrm>
-            <a:off x="365125" y="1133306"/>
-            <a:ext cx="9045571" cy="1852187"/>
+            <a:off x="132558" y="1117604"/>
+            <a:ext cx="9045571" cy="2527296"/>
           </a:xfrm>
           <a:prstGeom prst="rect">
             <a:avLst/>
@@ -26911,7 +27239,7 @@
         </p:nvSpPr>
         <p:spPr>
           <a:xfrm>
-            <a:off x="237334" y="3606802"/>
+            <a:off x="132558" y="3962402"/>
             <a:ext cx="7090565" cy="2232021"/>
           </a:xfrm>
           <a:prstGeom prst="rect">
@@ -27130,6 +27458,94 @@
                       </p:childTnLst>
                     </p:cTn>
                   </p:par>
+                  <p:par>
+                    <p:cTn id="13" fill="hold">
+                      <p:stCondLst>
+                        <p:cond delay="indefinite"/>
+                      </p:stCondLst>
+                      <p:childTnLst>
+                        <p:par>
+                          <p:cTn id="14" fill="hold">
+                            <p:stCondLst>
+                              <p:cond delay="0"/>
+                            </p:stCondLst>
+                            <p:childTnLst>
+                              <p:par>
+                                <p:cTn id="15" presetID="10" presetClass="entr" presetSubtype="0" fill="hold" grpId="0" nodeType="clickEffect">
+                                  <p:stCondLst>
+                                    <p:cond delay="0"/>
+                                  </p:stCondLst>
+                                  <p:childTnLst>
+                                    <p:set>
+                                      <p:cBhvr>
+                                        <p:cTn id="16" dur="1" fill="hold">
+                                          <p:stCondLst>
+                                            <p:cond delay="0"/>
+                                          </p:stCondLst>
+                                        </p:cTn>
+                                        <p:tgtEl>
+                                          <p:spTgt spid="19"/>
+                                        </p:tgtEl>
+                                        <p:attrNameLst>
+                                          <p:attrName>style.visibility</p:attrName>
+                                        </p:attrNameLst>
+                                      </p:cBhvr>
+                                      <p:to>
+                                        <p:strVal val="visible"/>
+                                      </p:to>
+                                    </p:set>
+                                    <p:animEffect transition="in" filter="fade">
+                                      <p:cBhvr>
+                                        <p:cTn id="17" dur="500"/>
+                                        <p:tgtEl>
+                                          <p:spTgt spid="19"/>
+                                        </p:tgtEl>
+                                      </p:cBhvr>
+                                    </p:animEffect>
+                                  </p:childTnLst>
+                                </p:cTn>
+                              </p:par>
+                              <p:par>
+                                <p:cTn id="18" presetID="10" presetClass="entr" presetSubtype="0" fill="hold" nodeType="withEffect">
+                                  <p:stCondLst>
+                                    <p:cond delay="0"/>
+                                  </p:stCondLst>
+                                  <p:childTnLst>
+                                    <p:set>
+                                      <p:cBhvr>
+                                        <p:cTn id="19" dur="1" fill="hold">
+                                          <p:stCondLst>
+                                            <p:cond delay="0"/>
+                                          </p:stCondLst>
+                                        </p:cTn>
+                                        <p:tgtEl>
+                                          <p:spTgt spid="5"/>
+                                        </p:tgtEl>
+                                        <p:attrNameLst>
+                                          <p:attrName>style.visibility</p:attrName>
+                                        </p:attrNameLst>
+                                      </p:cBhvr>
+                                      <p:to>
+                                        <p:strVal val="visible"/>
+                                      </p:to>
+                                    </p:set>
+                                    <p:animEffect transition="in" filter="fade">
+                                      <p:cBhvr>
+                                        <p:cTn id="20" dur="500"/>
+                                        <p:tgtEl>
+                                          <p:spTgt spid="5"/>
+                                        </p:tgtEl>
+                                      </p:cBhvr>
+                                    </p:animEffect>
+                                  </p:childTnLst>
+                                </p:cTn>
+                              </p:par>
+                            </p:childTnLst>
+                          </p:cTn>
+                        </p:par>
+                      </p:childTnLst>
+                    </p:cTn>
+                  </p:par>
                 </p:childTnLst>
               </p:cTn>
               <p:prevCondLst>
@@ -27153,6 +27569,7 @@
     </p:tnLst>
     <p:bldLst>
       <p:bldP spid="17" grpId="0" uiExpand="1" build="p"/>
+      <p:bldP spid="19" grpId="0"/>
     </p:bldLst>
   </p:timing>
 </p:sld>

--- a/presentation.pptx
+++ b/presentation.pptx
@@ -9539,7 +9539,7 @@
             <a:fld id="{B61BEF0D-F0BB-DE4B-95CE-6DB70DBA9567}" type="datetimeFigureOut">
               <a:rPr lang="en-US" dirty="0"/>
               <a:pPr/>
-              <a:t>6/8/2021</a:t>
+              <a:t>6/30/2021</a:t>
             </a:fld>
             <a:endParaRPr lang="en-US"/>
           </a:p>
@@ -9832,7 +9832,7 @@
             <a:fld id="{B61BEF0D-F0BB-DE4B-95CE-6DB70DBA9567}" type="datetimeFigureOut">
               <a:rPr lang="en-US" dirty="0"/>
               <a:pPr/>
-              <a:t>6/8/2021</a:t>
+              <a:t>6/30/2021</a:t>
             </a:fld>
             <a:endParaRPr lang="en-US"/>
           </a:p>
@@ -10081,7 +10081,7 @@
             <a:fld id="{B61BEF0D-F0BB-DE4B-95CE-6DB70DBA9567}" type="datetimeFigureOut">
               <a:rPr lang="en-US" dirty="0"/>
               <a:pPr/>
-              <a:t>6/8/2021</a:t>
+              <a:t>6/30/2021</a:t>
             </a:fld>
             <a:endParaRPr lang="en-US"/>
           </a:p>
@@ -10622,7 +10622,7 @@
             <a:fld id="{B61BEF0D-F0BB-DE4B-95CE-6DB70DBA9567}" type="datetimeFigureOut">
               <a:rPr lang="en-US" dirty="0"/>
               <a:pPr/>
-              <a:t>6/8/2021</a:t>
+              <a:t>6/30/2021</a:t>
             </a:fld>
             <a:endParaRPr lang="en-US"/>
           </a:p>
@@ -10871,7 +10871,7 @@
             <a:fld id="{B61BEF0D-F0BB-DE4B-95CE-6DB70DBA9567}" type="datetimeFigureOut">
               <a:rPr lang="en-US" dirty="0"/>
               <a:pPr/>
-              <a:t>6/8/2021</a:t>
+              <a:t>6/30/2021</a:t>
             </a:fld>
             <a:endParaRPr lang="en-US"/>
           </a:p>
@@ -11404,7 +11404,7 @@
             <a:fld id="{B61BEF0D-F0BB-DE4B-95CE-6DB70DBA9567}" type="datetimeFigureOut">
               <a:rPr lang="en-US" dirty="0"/>
               <a:pPr/>
-              <a:t>6/8/2021</a:t>
+              <a:t>6/30/2021</a:t>
             </a:fld>
             <a:endParaRPr lang="en-US"/>
           </a:p>
@@ -11702,7 +11702,7 @@
             <a:fld id="{B61BEF0D-F0BB-DE4B-95CE-6DB70DBA9567}" type="datetimeFigureOut">
               <a:rPr lang="en-US" dirty="0"/>
               <a:pPr/>
-              <a:t>6/8/2021</a:t>
+              <a:t>6/30/2021</a:t>
             </a:fld>
             <a:endParaRPr lang="en-US"/>
           </a:p>
@@ -11876,7 +11876,7 @@
             <a:fld id="{B61BEF0D-F0BB-DE4B-95CE-6DB70DBA9567}" type="datetimeFigureOut">
               <a:rPr lang="en-US" dirty="0"/>
               <a:pPr/>
-              <a:t>6/8/2021</a:t>
+              <a:t>6/30/2021</a:t>
             </a:fld>
             <a:endParaRPr lang="en-US"/>
           </a:p>
@@ -12056,7 +12056,7 @@
             <a:fld id="{B61BEF0D-F0BB-DE4B-95CE-6DB70DBA9567}" type="datetimeFigureOut">
               <a:rPr lang="en-US" dirty="0"/>
               <a:pPr/>
-              <a:t>6/8/2021</a:t>
+              <a:t>6/30/2021</a:t>
             </a:fld>
             <a:endParaRPr lang="en-US"/>
           </a:p>
@@ -12226,7 +12226,7 @@
             <a:fld id="{B61BEF0D-F0BB-DE4B-95CE-6DB70DBA9567}" type="datetimeFigureOut">
               <a:rPr lang="en-US" dirty="0"/>
               <a:pPr/>
-              <a:t>6/8/2021</a:t>
+              <a:t>6/30/2021</a:t>
             </a:fld>
             <a:endParaRPr lang="en-US"/>
           </a:p>
@@ -12478,7 +12478,7 @@
             <a:fld id="{B61BEF0D-F0BB-DE4B-95CE-6DB70DBA9567}" type="datetimeFigureOut">
               <a:rPr lang="en-US" dirty="0"/>
               <a:pPr/>
-              <a:t>6/8/2021</a:t>
+              <a:t>6/30/2021</a:t>
             </a:fld>
             <a:endParaRPr lang="en-US"/>
           </a:p>
@@ -12774,7 +12774,7 @@
             <a:fld id="{B61BEF0D-F0BB-DE4B-95CE-6DB70DBA9567}" type="datetimeFigureOut">
               <a:rPr lang="en-US" dirty="0"/>
               <a:pPr/>
-              <a:t>6/8/2021</a:t>
+              <a:t>6/30/2021</a:t>
             </a:fld>
             <a:endParaRPr lang="en-US"/>
           </a:p>
@@ -13215,7 +13215,7 @@
             <a:fld id="{B61BEF0D-F0BB-DE4B-95CE-6DB70DBA9567}" type="datetimeFigureOut">
               <a:rPr lang="en-US" dirty="0"/>
               <a:pPr/>
-              <a:t>6/8/2021</a:t>
+              <a:t>6/30/2021</a:t>
             </a:fld>
             <a:endParaRPr lang="en-US"/>
           </a:p>
@@ -13334,7 +13334,7 @@
             <a:fld id="{B61BEF0D-F0BB-DE4B-95CE-6DB70DBA9567}" type="datetimeFigureOut">
               <a:rPr lang="en-US" dirty="0"/>
               <a:pPr/>
-              <a:t>6/8/2021</a:t>
+              <a:t>6/30/2021</a:t>
             </a:fld>
             <a:endParaRPr lang="en-US"/>
           </a:p>
@@ -13431,7 +13431,7 @@
             <a:fld id="{B61BEF0D-F0BB-DE4B-95CE-6DB70DBA9567}" type="datetimeFigureOut">
               <a:rPr lang="en-US" dirty="0"/>
               <a:pPr/>
-              <a:t>6/8/2021</a:t>
+              <a:t>6/30/2021</a:t>
             </a:fld>
             <a:endParaRPr lang="en-US"/>
           </a:p>
@@ -13714,7 +13714,7 @@
             <a:fld id="{B61BEF0D-F0BB-DE4B-95CE-6DB70DBA9567}" type="datetimeFigureOut">
               <a:rPr lang="en-US" dirty="0"/>
               <a:pPr/>
-              <a:t>6/8/2021</a:t>
+              <a:t>6/30/2021</a:t>
             </a:fld>
             <a:endParaRPr lang="en-US"/>
           </a:p>
@@ -14002,7 +14002,7 @@
             <a:fld id="{B61BEF0D-F0BB-DE4B-95CE-6DB70DBA9567}" type="datetimeFigureOut">
               <a:rPr lang="en-US" dirty="0"/>
               <a:pPr/>
-              <a:t>6/8/2021</a:t>
+              <a:t>6/30/2021</a:t>
             </a:fld>
             <a:endParaRPr lang="en-US"/>
           </a:p>
@@ -14532,7 +14532,7 @@
             <a:fld id="{B61BEF0D-F0BB-DE4B-95CE-6DB70DBA9567}" type="datetimeFigureOut">
               <a:rPr lang="en-US" dirty="0"/>
               <a:pPr/>
-              <a:t>6/8/2021</a:t>
+              <a:t>6/30/2021</a:t>
             </a:fld>
             <a:endParaRPr lang="en-US"/>
           </a:p>
@@ -18600,6 +18600,59 @@
                       </p:childTnLst>
                     </p:cTn>
                   </p:par>
+                  <p:par>
+                    <p:cTn id="8" fill="hold">
+                      <p:stCondLst>
+                        <p:cond delay="indefinite"/>
+                      </p:stCondLst>
+                      <p:childTnLst>
+                        <p:par>
+                          <p:cTn id="9" fill="hold">
+                            <p:stCondLst>
+                              <p:cond delay="0"/>
+                            </p:stCondLst>
+                            <p:childTnLst>
+                              <p:par>
+                                <p:cTn id="10" presetID="10" presetClass="entr" presetSubtype="0" fill="hold" grpId="0" nodeType="clickEffect">
+                                  <p:stCondLst>
+                                    <p:cond delay="0"/>
+                                  </p:stCondLst>
+                                  <p:childTnLst>
+                                    <p:set>
+                                      <p:cBhvr>
+                                        <p:cTn id="11" dur="1" fill="hold">
+                                          <p:stCondLst>
+                                            <p:cond delay="0"/>
+                                          </p:stCondLst>
+                                        </p:cTn>
+                                        <p:tgtEl>
+                                          <p:spTgt spid="9"/>
+                                        </p:tgtEl>
+                                        <p:attrNameLst>
+                                          <p:attrName>style.visibility</p:attrName>
+                                        </p:attrNameLst>
+                                      </p:cBhvr>
+                                      <p:to>
+                                        <p:strVal val="visible"/>
+                                      </p:to>
+                                    </p:set>
+                                    <p:animEffect transition="in" filter="fade">
+                                      <p:cBhvr>
+                                        <p:cTn id="12" dur="500"/>
+                                        <p:tgtEl>
+                                          <p:spTgt spid="9"/>
+                                        </p:tgtEl>
+                                      </p:cBhvr>
+                                    </p:animEffect>
+                                  </p:childTnLst>
+                                </p:cTn>
+                              </p:par>
+                            </p:childTnLst>
+                          </p:cTn>
+                        </p:par>
+                      </p:childTnLst>
+                    </p:cTn>
+                  </p:par>
                 </p:childTnLst>
               </p:cTn>
               <p:prevCondLst>
@@ -18621,6 +18674,9 @@
         </p:cTn>
       </p:par>
     </p:tnLst>
+    <p:bldLst>
+      <p:bldP spid="9" grpId="0" animBg="1"/>
+    </p:bldLst>
   </p:timing>
 </p:sld>
 </file>
@@ -24463,7 +24519,7 @@
             </a:pPr>
             <a:r>
               <a:rPr lang="en-US" sz="3200" dirty="0"/>
-              <a:t>Components were at their peak of power consumption for the entire time of the  test</a:t>
+              <a:t>Components were at their peak of energy consumption for the entire time of the  test</a:t>
             </a:r>
           </a:p>
           <a:p>
